--- a/doc/20200122-文本分类技术及实践.pptx
+++ b/doc/20200122-文本分类技术及实践.pptx
@@ -7,8 +7,16 @@
   <p:sldIdLst>
     <p:sldId id="256" r:id="rId2"/>
     <p:sldId id="259" r:id="rId3"/>
-    <p:sldId id="260" r:id="rId4"/>
+    <p:sldId id="263" r:id="rId4"/>
     <p:sldId id="257" r:id="rId5"/>
+    <p:sldId id="261" r:id="rId6"/>
+    <p:sldId id="260" r:id="rId7"/>
+    <p:sldId id="262" r:id="rId8"/>
+    <p:sldId id="264" r:id="rId9"/>
+    <p:sldId id="265" r:id="rId10"/>
+    <p:sldId id="266" r:id="rId11"/>
+    <p:sldId id="267" r:id="rId12"/>
+    <p:sldId id="268" r:id="rId13"/>
   </p:sldIdLst>
   <p:sldSz cx="12192000" cy="6858000"/>
   <p:notesSz cx="6858000" cy="9144000"/>
@@ -266,7 +274,7 @@
           <a:p>
             <a:fld id="{65BFEE23-552E-4128-BB8B-C4EF985F788B}" type="datetimeFigureOut">
               <a:rPr lang="zh-CN" altLang="en-US" smtClean="0"/>
-              <a:t>2020/1/22</a:t>
+              <a:t>2020/1/26</a:t>
             </a:fld>
             <a:endParaRPr lang="zh-CN" altLang="en-US"/>
           </a:p>
@@ -464,7 +472,7 @@
           <a:p>
             <a:fld id="{65BFEE23-552E-4128-BB8B-C4EF985F788B}" type="datetimeFigureOut">
               <a:rPr lang="zh-CN" altLang="en-US" smtClean="0"/>
-              <a:t>2020/1/22</a:t>
+              <a:t>2020/1/26</a:t>
             </a:fld>
             <a:endParaRPr lang="zh-CN" altLang="en-US"/>
           </a:p>
@@ -672,7 +680,7 @@
           <a:p>
             <a:fld id="{65BFEE23-552E-4128-BB8B-C4EF985F788B}" type="datetimeFigureOut">
               <a:rPr lang="zh-CN" altLang="en-US" smtClean="0"/>
-              <a:t>2020/1/22</a:t>
+              <a:t>2020/1/26</a:t>
             </a:fld>
             <a:endParaRPr lang="zh-CN" altLang="en-US"/>
           </a:p>
@@ -870,7 +878,7 @@
           <a:p>
             <a:fld id="{65BFEE23-552E-4128-BB8B-C4EF985F788B}" type="datetimeFigureOut">
               <a:rPr lang="zh-CN" altLang="en-US" smtClean="0"/>
-              <a:t>2020/1/22</a:t>
+              <a:t>2020/1/26</a:t>
             </a:fld>
             <a:endParaRPr lang="zh-CN" altLang="en-US"/>
           </a:p>
@@ -1149,7 +1157,7 @@
           <a:p>
             <a:fld id="{65BFEE23-552E-4128-BB8B-C4EF985F788B}" type="datetimeFigureOut">
               <a:rPr lang="zh-CN" altLang="en-US" smtClean="0"/>
-              <a:t>2020/1/22</a:t>
+              <a:t>2020/1/26</a:t>
             </a:fld>
             <a:endParaRPr lang="zh-CN" altLang="en-US"/>
           </a:p>
@@ -1414,7 +1422,7 @@
           <a:p>
             <a:fld id="{65BFEE23-552E-4128-BB8B-C4EF985F788B}" type="datetimeFigureOut">
               <a:rPr lang="zh-CN" altLang="en-US" smtClean="0"/>
-              <a:t>2020/1/22</a:t>
+              <a:t>2020/1/26</a:t>
             </a:fld>
             <a:endParaRPr lang="zh-CN" altLang="en-US"/>
           </a:p>
@@ -1826,7 +1834,7 @@
           <a:p>
             <a:fld id="{65BFEE23-552E-4128-BB8B-C4EF985F788B}" type="datetimeFigureOut">
               <a:rPr lang="zh-CN" altLang="en-US" smtClean="0"/>
-              <a:t>2020/1/22</a:t>
+              <a:t>2020/1/26</a:t>
             </a:fld>
             <a:endParaRPr lang="zh-CN" altLang="en-US"/>
           </a:p>
@@ -1967,7 +1975,7 @@
           <a:p>
             <a:fld id="{65BFEE23-552E-4128-BB8B-C4EF985F788B}" type="datetimeFigureOut">
               <a:rPr lang="zh-CN" altLang="en-US" smtClean="0"/>
-              <a:t>2020/1/22</a:t>
+              <a:t>2020/1/26</a:t>
             </a:fld>
             <a:endParaRPr lang="zh-CN" altLang="en-US"/>
           </a:p>
@@ -2080,7 +2088,7 @@
           <a:p>
             <a:fld id="{65BFEE23-552E-4128-BB8B-C4EF985F788B}" type="datetimeFigureOut">
               <a:rPr lang="zh-CN" altLang="en-US" smtClean="0"/>
-              <a:t>2020/1/22</a:t>
+              <a:t>2020/1/26</a:t>
             </a:fld>
             <a:endParaRPr lang="zh-CN" altLang="en-US"/>
           </a:p>
@@ -2391,7 +2399,7 @@
           <a:p>
             <a:fld id="{65BFEE23-552E-4128-BB8B-C4EF985F788B}" type="datetimeFigureOut">
               <a:rPr lang="zh-CN" altLang="en-US" smtClean="0"/>
-              <a:t>2020/1/22</a:t>
+              <a:t>2020/1/26</a:t>
             </a:fld>
             <a:endParaRPr lang="zh-CN" altLang="en-US"/>
           </a:p>
@@ -2679,7 +2687,7 @@
           <a:p>
             <a:fld id="{65BFEE23-552E-4128-BB8B-C4EF985F788B}" type="datetimeFigureOut">
               <a:rPr lang="zh-CN" altLang="en-US" smtClean="0"/>
-              <a:t>2020/1/22</a:t>
+              <a:t>2020/1/26</a:t>
             </a:fld>
             <a:endParaRPr lang="zh-CN" altLang="en-US"/>
           </a:p>
@@ -2920,7 +2928,7 @@
           <a:p>
             <a:fld id="{65BFEE23-552E-4128-BB8B-C4EF985F788B}" type="datetimeFigureOut">
               <a:rPr lang="zh-CN" altLang="en-US" smtClean="0"/>
-              <a:t>2020/1/22</a:t>
+              <a:t>2020/1/26</a:t>
             </a:fld>
             <a:endParaRPr lang="zh-CN" altLang="en-US"/>
           </a:p>
@@ -3407,6 +3415,402 @@
 </p:sld>
 </file>
 
+<file path=ppt/slides/slide10.xml><?xml version="1.0" encoding="utf-8"?>
+<p:sld xmlns:a="http://schemas.openxmlformats.org/drawingml/2006/main" xmlns:r="http://schemas.openxmlformats.org/officeDocument/2006/relationships" xmlns:p="http://schemas.openxmlformats.org/presentationml/2006/main">
+  <p:cSld>
+    <p:spTree>
+      <p:nvGrpSpPr>
+        <p:cNvPr id="1" name=""/>
+        <p:cNvGrpSpPr/>
+        <p:nvPr/>
+      </p:nvGrpSpPr>
+      <p:grpSpPr>
+        <a:xfrm>
+          <a:off x="0" y="0"/>
+          <a:ext cx="0" cy="0"/>
+          <a:chOff x="0" y="0"/>
+          <a:chExt cx="0" cy="0"/>
+        </a:xfrm>
+      </p:grpSpPr>
+      <p:sp>
+        <p:nvSpPr>
+          <p:cNvPr id="2" name="标题 1">
+            <a:extLst>
+              <a:ext uri="{FF2B5EF4-FFF2-40B4-BE49-F238E27FC236}">
+                <a16:creationId xmlns:a16="http://schemas.microsoft.com/office/drawing/2014/main" id="{7AC553F8-516D-44C2-8898-5B2EDABE1647}"/>
+              </a:ext>
+            </a:extLst>
+          </p:cNvPr>
+          <p:cNvSpPr>
+            <a:spLocks noGrp="1"/>
+          </p:cNvSpPr>
+          <p:nvPr>
+            <p:ph type="title"/>
+          </p:nvPr>
+        </p:nvSpPr>
+        <p:spPr/>
+        <p:txBody>
+          <a:bodyPr/>
+          <a:lstStyle/>
+          <a:p>
+            <a:r>
+              <a:rPr lang="en-US" altLang="zh-CN"/>
+              <a:t>RNN</a:t>
+            </a:r>
+            <a:r>
+              <a:rPr lang="zh-CN" altLang="en-US"/>
+              <a:t>三种设计模式</a:t>
+            </a:r>
+            <a:r>
+              <a:rPr lang="en-US" altLang="zh-CN"/>
+              <a:t>1</a:t>
+            </a:r>
+            <a:endParaRPr lang="zh-CN" altLang="en-US"/>
+          </a:p>
+        </p:txBody>
+      </p:sp>
+      <p:sp>
+        <p:nvSpPr>
+          <p:cNvPr id="3" name="文本框 2">
+            <a:extLst>
+              <a:ext uri="{FF2B5EF4-FFF2-40B4-BE49-F238E27FC236}">
+                <a16:creationId xmlns:a16="http://schemas.microsoft.com/office/drawing/2014/main" id="{C9EA15A5-012D-4217-BAA7-55E5C2ECBA77}"/>
+              </a:ext>
+            </a:extLst>
+          </p:cNvPr>
+          <p:cNvSpPr txBox="1"/>
+          <p:nvPr/>
+        </p:nvSpPr>
+        <p:spPr>
+          <a:xfrm>
+            <a:off x="908361" y="1301262"/>
+            <a:ext cx="5187639" cy="369332"/>
+          </a:xfrm>
+          <a:prstGeom prst="rect">
+            <a:avLst/>
+          </a:prstGeom>
+          <a:noFill/>
+        </p:spPr>
+        <p:txBody>
+          <a:bodyPr wrap="none" rtlCol="0">
+            <a:spAutoFit/>
+          </a:bodyPr>
+          <a:lstStyle/>
+          <a:p>
+            <a:r>
+              <a:rPr lang="zh-CN" altLang="en-US"/>
+              <a:t>每个时间步都有输出，并且隐藏单元之间有连接</a:t>
+            </a:r>
+          </a:p>
+        </p:txBody>
+      </p:sp>
+      <p:pic>
+        <p:nvPicPr>
+          <p:cNvPr id="5" name="图片 4">
+            <a:extLst>
+              <a:ext uri="{FF2B5EF4-FFF2-40B4-BE49-F238E27FC236}">
+                <a16:creationId xmlns:a16="http://schemas.microsoft.com/office/drawing/2014/main" id="{2EDD924B-515C-46A0-9CE1-6AA1D6E001B4}"/>
+              </a:ext>
+            </a:extLst>
+          </p:cNvPr>
+          <p:cNvPicPr>
+            <a:picLocks noChangeAspect="1"/>
+          </p:cNvPicPr>
+          <p:nvPr/>
+        </p:nvPicPr>
+        <p:blipFill>
+          <a:blip r:embed="rId2"/>
+          <a:stretch>
+            <a:fillRect/>
+          </a:stretch>
+        </p:blipFill>
+        <p:spPr>
+          <a:xfrm>
+            <a:off x="2571750" y="1920875"/>
+            <a:ext cx="7048500" cy="4572000"/>
+          </a:xfrm>
+          <a:prstGeom prst="rect">
+            <a:avLst/>
+          </a:prstGeom>
+        </p:spPr>
+      </p:pic>
+    </p:spTree>
+    <p:extLst>
+      <p:ext uri="{BB962C8B-B14F-4D97-AF65-F5344CB8AC3E}">
+        <p14:creationId xmlns:p14="http://schemas.microsoft.com/office/powerpoint/2010/main" val="790902710"/>
+      </p:ext>
+    </p:extLst>
+  </p:cSld>
+  <p:clrMapOvr>
+    <a:masterClrMapping/>
+  </p:clrMapOvr>
+</p:sld>
+</file>
+
+<file path=ppt/slides/slide11.xml><?xml version="1.0" encoding="utf-8"?>
+<p:sld xmlns:a="http://schemas.openxmlformats.org/drawingml/2006/main" xmlns:r="http://schemas.openxmlformats.org/officeDocument/2006/relationships" xmlns:p="http://schemas.openxmlformats.org/presentationml/2006/main">
+  <p:cSld>
+    <p:spTree>
+      <p:nvGrpSpPr>
+        <p:cNvPr id="1" name=""/>
+        <p:cNvGrpSpPr/>
+        <p:nvPr/>
+      </p:nvGrpSpPr>
+      <p:grpSpPr>
+        <a:xfrm>
+          <a:off x="0" y="0"/>
+          <a:ext cx="0" cy="0"/>
+          <a:chOff x="0" y="0"/>
+          <a:chExt cx="0" cy="0"/>
+        </a:xfrm>
+      </p:grpSpPr>
+      <p:sp>
+        <p:nvSpPr>
+          <p:cNvPr id="2" name="标题 1">
+            <a:extLst>
+              <a:ext uri="{FF2B5EF4-FFF2-40B4-BE49-F238E27FC236}">
+                <a16:creationId xmlns:a16="http://schemas.microsoft.com/office/drawing/2014/main" id="{86BE50E2-8C33-4C6C-8B7F-C2643D4C4D42}"/>
+              </a:ext>
+            </a:extLst>
+          </p:cNvPr>
+          <p:cNvSpPr>
+            <a:spLocks noGrp="1"/>
+          </p:cNvSpPr>
+          <p:nvPr>
+            <p:ph type="title"/>
+          </p:nvPr>
+        </p:nvSpPr>
+        <p:spPr/>
+        <p:txBody>
+          <a:bodyPr/>
+          <a:lstStyle/>
+          <a:p>
+            <a:r>
+              <a:rPr lang="en-US" altLang="zh-CN"/>
+              <a:t>RNN</a:t>
+            </a:r>
+            <a:r>
+              <a:rPr lang="zh-CN" altLang="en-US"/>
+              <a:t>三种设计模式</a:t>
+            </a:r>
+            <a:r>
+              <a:rPr lang="en-US" altLang="zh-CN"/>
+              <a:t>2</a:t>
+            </a:r>
+            <a:endParaRPr lang="zh-CN" altLang="en-US"/>
+          </a:p>
+        </p:txBody>
+      </p:sp>
+      <p:sp>
+        <p:nvSpPr>
+          <p:cNvPr id="3" name="文本框 2">
+            <a:extLst>
+              <a:ext uri="{FF2B5EF4-FFF2-40B4-BE49-F238E27FC236}">
+                <a16:creationId xmlns:a16="http://schemas.microsoft.com/office/drawing/2014/main" id="{41F90F3C-3715-4058-9DD5-41274ACBB4F0}"/>
+              </a:ext>
+            </a:extLst>
+          </p:cNvPr>
+          <p:cNvSpPr txBox="1"/>
+          <p:nvPr/>
+        </p:nvSpPr>
+        <p:spPr>
+          <a:xfrm>
+            <a:off x="908361" y="1301262"/>
+            <a:ext cx="8650125" cy="369332"/>
+          </a:xfrm>
+          <a:prstGeom prst="rect">
+            <a:avLst/>
+          </a:prstGeom>
+          <a:noFill/>
+        </p:spPr>
+        <p:txBody>
+          <a:bodyPr wrap="none" rtlCol="0">
+            <a:spAutoFit/>
+          </a:bodyPr>
+          <a:lstStyle/>
+          <a:p>
+            <a:r>
+              <a:rPr lang="zh-CN" altLang="en-US"/>
+              <a:t>每个时间步都有输出，并且只有当前时刻的输出到下一时刻的隐藏单元之间有连接</a:t>
+            </a:r>
+          </a:p>
+        </p:txBody>
+      </p:sp>
+      <p:pic>
+        <p:nvPicPr>
+          <p:cNvPr id="4" name="图片 3">
+            <a:extLst>
+              <a:ext uri="{FF2B5EF4-FFF2-40B4-BE49-F238E27FC236}">
+                <a16:creationId xmlns:a16="http://schemas.microsoft.com/office/drawing/2014/main" id="{63B19036-4C8F-4DE6-BF81-63A408E92A37}"/>
+              </a:ext>
+            </a:extLst>
+          </p:cNvPr>
+          <p:cNvPicPr>
+            <a:picLocks noChangeAspect="1"/>
+          </p:cNvPicPr>
+          <p:nvPr/>
+        </p:nvPicPr>
+        <p:blipFill>
+          <a:blip r:embed="rId2"/>
+          <a:stretch>
+            <a:fillRect/>
+          </a:stretch>
+        </p:blipFill>
+        <p:spPr>
+          <a:xfrm>
+            <a:off x="2586037" y="1867391"/>
+            <a:ext cx="7019925" cy="4857750"/>
+          </a:xfrm>
+          <a:prstGeom prst="rect">
+            <a:avLst/>
+          </a:prstGeom>
+        </p:spPr>
+      </p:pic>
+    </p:spTree>
+    <p:extLst>
+      <p:ext uri="{BB962C8B-B14F-4D97-AF65-F5344CB8AC3E}">
+        <p14:creationId xmlns:p14="http://schemas.microsoft.com/office/powerpoint/2010/main" val="976936137"/>
+      </p:ext>
+    </p:extLst>
+  </p:cSld>
+  <p:clrMapOvr>
+    <a:masterClrMapping/>
+  </p:clrMapOvr>
+</p:sld>
+</file>
+
+<file path=ppt/slides/slide12.xml><?xml version="1.0" encoding="utf-8"?>
+<p:sld xmlns:a="http://schemas.openxmlformats.org/drawingml/2006/main" xmlns:r="http://schemas.openxmlformats.org/officeDocument/2006/relationships" xmlns:p="http://schemas.openxmlformats.org/presentationml/2006/main">
+  <p:cSld>
+    <p:spTree>
+      <p:nvGrpSpPr>
+        <p:cNvPr id="1" name=""/>
+        <p:cNvGrpSpPr/>
+        <p:nvPr/>
+      </p:nvGrpSpPr>
+      <p:grpSpPr>
+        <a:xfrm>
+          <a:off x="0" y="0"/>
+          <a:ext cx="0" cy="0"/>
+          <a:chOff x="0" y="0"/>
+          <a:chExt cx="0" cy="0"/>
+        </a:xfrm>
+      </p:grpSpPr>
+      <p:sp>
+        <p:nvSpPr>
+          <p:cNvPr id="2" name="标题 1">
+            <a:extLst>
+              <a:ext uri="{FF2B5EF4-FFF2-40B4-BE49-F238E27FC236}">
+                <a16:creationId xmlns:a16="http://schemas.microsoft.com/office/drawing/2014/main" id="{A53421F0-97F0-42DD-B589-76DA1CE316BB}"/>
+              </a:ext>
+            </a:extLst>
+          </p:cNvPr>
+          <p:cNvSpPr>
+            <a:spLocks noGrp="1"/>
+          </p:cNvSpPr>
+          <p:nvPr>
+            <p:ph type="title"/>
+          </p:nvPr>
+        </p:nvSpPr>
+        <p:spPr/>
+        <p:txBody>
+          <a:bodyPr/>
+          <a:lstStyle/>
+          <a:p>
+            <a:r>
+              <a:rPr lang="en-US" altLang="zh-CN"/>
+              <a:t>RNN</a:t>
+            </a:r>
+            <a:r>
+              <a:rPr lang="zh-CN" altLang="en-US"/>
+              <a:t>三种设计模式</a:t>
+            </a:r>
+            <a:r>
+              <a:rPr lang="en-US" altLang="zh-CN"/>
+              <a:t>3</a:t>
+            </a:r>
+            <a:endParaRPr lang="zh-CN" altLang="en-US"/>
+          </a:p>
+        </p:txBody>
+      </p:sp>
+      <p:sp>
+        <p:nvSpPr>
+          <p:cNvPr id="3" name="文本框 2">
+            <a:extLst>
+              <a:ext uri="{FF2B5EF4-FFF2-40B4-BE49-F238E27FC236}">
+                <a16:creationId xmlns:a16="http://schemas.microsoft.com/office/drawing/2014/main" id="{1956E7B4-49F7-4FAF-B71A-86AD8C5CAF67}"/>
+              </a:ext>
+            </a:extLst>
+          </p:cNvPr>
+          <p:cNvSpPr txBox="1"/>
+          <p:nvPr/>
+        </p:nvSpPr>
+        <p:spPr>
+          <a:xfrm>
+            <a:off x="908361" y="1301262"/>
+            <a:ext cx="5493812" cy="369332"/>
+          </a:xfrm>
+          <a:prstGeom prst="rect">
+            <a:avLst/>
+          </a:prstGeom>
+          <a:noFill/>
+        </p:spPr>
+        <p:txBody>
+          <a:bodyPr wrap="none" rtlCol="0">
+            <a:spAutoFit/>
+          </a:bodyPr>
+          <a:lstStyle/>
+          <a:p>
+            <a:r>
+              <a:rPr lang="zh-CN" altLang="en-US"/>
+              <a:t>隐藏单元之间有连接，读取整个序列后产生单个输出</a:t>
+            </a:r>
+          </a:p>
+        </p:txBody>
+      </p:sp>
+      <p:pic>
+        <p:nvPicPr>
+          <p:cNvPr id="4" name="图片 3">
+            <a:extLst>
+              <a:ext uri="{FF2B5EF4-FFF2-40B4-BE49-F238E27FC236}">
+                <a16:creationId xmlns:a16="http://schemas.microsoft.com/office/drawing/2014/main" id="{1F11060B-237E-4831-841D-23E4BDBBB7C5}"/>
+              </a:ext>
+            </a:extLst>
+          </p:cNvPr>
+          <p:cNvPicPr>
+            <a:picLocks noChangeAspect="1"/>
+          </p:cNvPicPr>
+          <p:nvPr/>
+        </p:nvPicPr>
+        <p:blipFill>
+          <a:blip r:embed="rId2"/>
+          <a:stretch>
+            <a:fillRect/>
+          </a:stretch>
+        </p:blipFill>
+        <p:spPr>
+          <a:xfrm>
+            <a:off x="2600325" y="1789080"/>
+            <a:ext cx="6991350" cy="4505325"/>
+          </a:xfrm>
+          <a:prstGeom prst="rect">
+            <a:avLst/>
+          </a:prstGeom>
+        </p:spPr>
+      </p:pic>
+    </p:spTree>
+    <p:extLst>
+      <p:ext uri="{BB962C8B-B14F-4D97-AF65-F5344CB8AC3E}">
+        <p14:creationId xmlns:p14="http://schemas.microsoft.com/office/powerpoint/2010/main" val="2352265359"/>
+      </p:ext>
+    </p:extLst>
+  </p:cSld>
+  <p:clrMapOvr>
+    <a:masterClrMapping/>
+  </p:clrMapOvr>
+</p:sld>
+</file>
+
 <file path=ppt/slides/slide2.xml><?xml version="1.0" encoding="utf-8"?>
 <p:sld xmlns:a="http://schemas.openxmlformats.org/drawingml/2006/main" xmlns:r="http://schemas.openxmlformats.org/officeDocument/2006/relationships" xmlns:p="http://schemas.openxmlformats.org/presentationml/2006/main">
   <p:cSld>
@@ -3534,6 +3938,2349 @@
       </p:grpSpPr>
       <p:sp>
         <p:nvSpPr>
+          <p:cNvPr id="4" name="文本框 3"/>
+          <p:cNvSpPr txBox="1"/>
+          <p:nvPr/>
+        </p:nvSpPr>
+        <p:spPr>
+          <a:xfrm>
+            <a:off x="508959" y="422695"/>
+            <a:ext cx="1622560" cy="369332"/>
+          </a:xfrm>
+          <a:prstGeom prst="rect">
+            <a:avLst/>
+          </a:prstGeom>
+          <a:noFill/>
+        </p:spPr>
+        <p:txBody>
+          <a:bodyPr wrap="none" rtlCol="0">
+            <a:spAutoFit/>
+          </a:bodyPr>
+          <a:lstStyle/>
+          <a:p>
+            <a:r>
+              <a:rPr lang="zh-CN" altLang="en-US"/>
+              <a:t>分类过程图示</a:t>
+            </a:r>
+          </a:p>
+        </p:txBody>
+      </p:sp>
+      <p:sp>
+        <p:nvSpPr>
+          <p:cNvPr id="5" name="矩形 4"/>
+          <p:cNvSpPr/>
+          <p:nvPr/>
+        </p:nvSpPr>
+        <p:spPr>
+          <a:xfrm>
+            <a:off x="1949570" y="1112807"/>
+            <a:ext cx="1587259" cy="422695"/>
+          </a:xfrm>
+          <a:prstGeom prst="rect">
+            <a:avLst/>
+          </a:prstGeom>
+        </p:spPr>
+        <p:style>
+          <a:lnRef idx="2">
+            <a:schemeClr val="dk1"/>
+          </a:lnRef>
+          <a:fillRef idx="1">
+            <a:schemeClr val="lt1"/>
+          </a:fillRef>
+          <a:effectRef idx="0">
+            <a:schemeClr val="dk1"/>
+          </a:effectRef>
+          <a:fontRef idx="minor">
+            <a:schemeClr val="dk1"/>
+          </a:fontRef>
+        </p:style>
+        <p:txBody>
+          <a:bodyPr rtlCol="0" anchor="ctr"/>
+          <a:lstStyle/>
+          <a:p>
+            <a:pPr algn="ctr"/>
+            <a:r>
+              <a:rPr lang="en-US" altLang="zh-CN"/>
+              <a:t>《</a:t>
+            </a:r>
+            <a:r>
+              <a:rPr lang="zh-CN" altLang="en-US"/>
+              <a:t>唐诗三百首</a:t>
+            </a:r>
+            <a:r>
+              <a:rPr lang="en-US" altLang="zh-CN"/>
+              <a:t>》</a:t>
+            </a:r>
+            <a:endParaRPr lang="zh-CN" altLang="en-US"/>
+          </a:p>
+        </p:txBody>
+      </p:sp>
+      <p:sp>
+        <p:nvSpPr>
+          <p:cNvPr id="6" name="矩形 5"/>
+          <p:cNvSpPr/>
+          <p:nvPr/>
+        </p:nvSpPr>
+        <p:spPr>
+          <a:xfrm>
+            <a:off x="4239882" y="1112807"/>
+            <a:ext cx="1587259" cy="422695"/>
+          </a:xfrm>
+          <a:prstGeom prst="rect">
+            <a:avLst/>
+          </a:prstGeom>
+        </p:spPr>
+        <p:style>
+          <a:lnRef idx="2">
+            <a:schemeClr val="dk1"/>
+          </a:lnRef>
+          <a:fillRef idx="1">
+            <a:schemeClr val="lt1"/>
+          </a:fillRef>
+          <a:effectRef idx="0">
+            <a:schemeClr val="dk1"/>
+          </a:effectRef>
+          <a:fontRef idx="minor">
+            <a:schemeClr val="dk1"/>
+          </a:fontRef>
+        </p:style>
+        <p:txBody>
+          <a:bodyPr rtlCol="0" anchor="ctr"/>
+          <a:lstStyle/>
+          <a:p>
+            <a:pPr algn="ctr"/>
+            <a:r>
+              <a:rPr lang="zh-CN" altLang="en-US"/>
+              <a:t>图书管理员</a:t>
+            </a:r>
+          </a:p>
+        </p:txBody>
+      </p:sp>
+      <p:sp>
+        <p:nvSpPr>
+          <p:cNvPr id="7" name="矩形 6"/>
+          <p:cNvSpPr/>
+          <p:nvPr/>
+        </p:nvSpPr>
+        <p:spPr>
+          <a:xfrm>
+            <a:off x="6530195" y="1000661"/>
+            <a:ext cx="1587260" cy="646984"/>
+          </a:xfrm>
+          <a:prstGeom prst="rect">
+            <a:avLst/>
+          </a:prstGeom>
+        </p:spPr>
+        <p:style>
+          <a:lnRef idx="2">
+            <a:schemeClr val="dk1"/>
+          </a:lnRef>
+          <a:fillRef idx="1">
+            <a:schemeClr val="lt1"/>
+          </a:fillRef>
+          <a:effectRef idx="0">
+            <a:schemeClr val="dk1"/>
+          </a:effectRef>
+          <a:fontRef idx="minor">
+            <a:schemeClr val="dk1"/>
+          </a:fontRef>
+        </p:style>
+        <p:txBody>
+          <a:bodyPr rtlCol="0" anchor="ctr"/>
+          <a:lstStyle/>
+          <a:p>
+            <a:pPr algn="ctr"/>
+            <a:r>
+              <a:rPr lang="zh-CN" altLang="en-US"/>
+              <a:t>摆放到“</a:t>
+            </a:r>
+            <a:r>
+              <a:rPr lang="zh-CN" altLang="zh-CN"/>
+              <a:t>文学艺术</a:t>
+            </a:r>
+            <a:r>
+              <a:rPr lang="zh-CN" altLang="en-US"/>
+              <a:t>”书架</a:t>
+            </a:r>
+          </a:p>
+        </p:txBody>
+      </p:sp>
+      <p:sp>
+        <p:nvSpPr>
+          <p:cNvPr id="8" name="矩形 7"/>
+          <p:cNvSpPr/>
+          <p:nvPr/>
+        </p:nvSpPr>
+        <p:spPr>
+          <a:xfrm>
+            <a:off x="1949570" y="2546400"/>
+            <a:ext cx="1587259" cy="422695"/>
+          </a:xfrm>
+          <a:prstGeom prst="rect">
+            <a:avLst/>
+          </a:prstGeom>
+        </p:spPr>
+        <p:style>
+          <a:lnRef idx="2">
+            <a:schemeClr val="dk1"/>
+          </a:lnRef>
+          <a:fillRef idx="1">
+            <a:schemeClr val="lt1"/>
+          </a:fillRef>
+          <a:effectRef idx="0">
+            <a:schemeClr val="dk1"/>
+          </a:effectRef>
+          <a:fontRef idx="minor">
+            <a:schemeClr val="dk1"/>
+          </a:fontRef>
+        </p:style>
+        <p:txBody>
+          <a:bodyPr rtlCol="0" anchor="ctr"/>
+          <a:lstStyle/>
+          <a:p>
+            <a:pPr algn="ctr"/>
+            <a:r>
+              <a:rPr lang="zh-CN" altLang="en-US"/>
+              <a:t>输入文本</a:t>
+            </a:r>
+          </a:p>
+        </p:txBody>
+      </p:sp>
+      <p:sp>
+        <p:nvSpPr>
+          <p:cNvPr id="9" name="矩形 8"/>
+          <p:cNvSpPr/>
+          <p:nvPr/>
+        </p:nvSpPr>
+        <p:spPr>
+          <a:xfrm>
+            <a:off x="4239881" y="2546400"/>
+            <a:ext cx="1587259" cy="422695"/>
+          </a:xfrm>
+          <a:prstGeom prst="rect">
+            <a:avLst/>
+          </a:prstGeom>
+        </p:spPr>
+        <p:style>
+          <a:lnRef idx="2">
+            <a:schemeClr val="dk1"/>
+          </a:lnRef>
+          <a:fillRef idx="1">
+            <a:schemeClr val="lt1"/>
+          </a:fillRef>
+          <a:effectRef idx="0">
+            <a:schemeClr val="dk1"/>
+          </a:effectRef>
+          <a:fontRef idx="minor">
+            <a:schemeClr val="dk1"/>
+          </a:fontRef>
+        </p:style>
+        <p:txBody>
+          <a:bodyPr rtlCol="0" anchor="ctr"/>
+          <a:lstStyle/>
+          <a:p>
+            <a:pPr algn="ctr"/>
+            <a:r>
+              <a:rPr lang="zh-CN" altLang="en-US"/>
+              <a:t>分类系统</a:t>
+            </a:r>
+          </a:p>
+        </p:txBody>
+      </p:sp>
+      <p:sp>
+        <p:nvSpPr>
+          <p:cNvPr id="10" name="矩形 9"/>
+          <p:cNvSpPr/>
+          <p:nvPr/>
+        </p:nvSpPr>
+        <p:spPr>
+          <a:xfrm>
+            <a:off x="6530192" y="2434255"/>
+            <a:ext cx="1587263" cy="646984"/>
+          </a:xfrm>
+          <a:prstGeom prst="rect">
+            <a:avLst/>
+          </a:prstGeom>
+        </p:spPr>
+        <p:style>
+          <a:lnRef idx="2">
+            <a:schemeClr val="dk1"/>
+          </a:lnRef>
+          <a:fillRef idx="1">
+            <a:schemeClr val="lt1"/>
+          </a:fillRef>
+          <a:effectRef idx="0">
+            <a:schemeClr val="dk1"/>
+          </a:effectRef>
+          <a:fontRef idx="minor">
+            <a:schemeClr val="dk1"/>
+          </a:fontRef>
+        </p:style>
+        <p:txBody>
+          <a:bodyPr rtlCol="0" anchor="ctr"/>
+          <a:lstStyle/>
+          <a:p>
+            <a:pPr algn="ctr"/>
+            <a:r>
+              <a:rPr lang="zh-CN" altLang="en-US"/>
+              <a:t>输出类别（类目）</a:t>
+            </a:r>
+          </a:p>
+        </p:txBody>
+      </p:sp>
+      <p:cxnSp>
+        <p:nvCxnSpPr>
+          <p:cNvPr id="12" name="直接箭头连接符 11"/>
+          <p:cNvCxnSpPr>
+            <a:stCxn id="5" idx="3"/>
+            <a:endCxn id="6" idx="1"/>
+          </p:cNvCxnSpPr>
+          <p:nvPr/>
+        </p:nvCxnSpPr>
+        <p:spPr>
+          <a:xfrm>
+            <a:off x="3536829" y="1324155"/>
+            <a:ext cx="703053" cy="0"/>
+          </a:xfrm>
+          <a:prstGeom prst="straightConnector1">
+            <a:avLst/>
+          </a:prstGeom>
+          <a:ln>
+            <a:tailEnd type="triangle"/>
+          </a:ln>
+        </p:spPr>
+        <p:style>
+          <a:lnRef idx="3">
+            <a:schemeClr val="dk1"/>
+          </a:lnRef>
+          <a:fillRef idx="0">
+            <a:schemeClr val="dk1"/>
+          </a:fillRef>
+          <a:effectRef idx="2">
+            <a:schemeClr val="dk1"/>
+          </a:effectRef>
+          <a:fontRef idx="minor">
+            <a:schemeClr val="tx1"/>
+          </a:fontRef>
+        </p:style>
+      </p:cxnSp>
+      <p:cxnSp>
+        <p:nvCxnSpPr>
+          <p:cNvPr id="13" name="直接箭头连接符 12"/>
+          <p:cNvCxnSpPr>
+            <a:stCxn id="6" idx="3"/>
+          </p:cNvCxnSpPr>
+          <p:nvPr/>
+        </p:nvCxnSpPr>
+        <p:spPr>
+          <a:xfrm>
+            <a:off x="5827141" y="1324155"/>
+            <a:ext cx="703052" cy="1436"/>
+          </a:xfrm>
+          <a:prstGeom prst="straightConnector1">
+            <a:avLst/>
+          </a:prstGeom>
+          <a:ln>
+            <a:tailEnd type="triangle"/>
+          </a:ln>
+        </p:spPr>
+        <p:style>
+          <a:lnRef idx="3">
+            <a:schemeClr val="dk1"/>
+          </a:lnRef>
+          <a:fillRef idx="0">
+            <a:schemeClr val="dk1"/>
+          </a:fillRef>
+          <a:effectRef idx="2">
+            <a:schemeClr val="dk1"/>
+          </a:effectRef>
+          <a:fontRef idx="minor">
+            <a:schemeClr val="tx1"/>
+          </a:fontRef>
+        </p:style>
+      </p:cxnSp>
+      <p:cxnSp>
+        <p:nvCxnSpPr>
+          <p:cNvPr id="15" name="直接箭头连接符 14"/>
+          <p:cNvCxnSpPr/>
+          <p:nvPr/>
+        </p:nvCxnSpPr>
+        <p:spPr>
+          <a:xfrm>
+            <a:off x="3536829" y="2776438"/>
+            <a:ext cx="703053" cy="0"/>
+          </a:xfrm>
+          <a:prstGeom prst="straightConnector1">
+            <a:avLst/>
+          </a:prstGeom>
+          <a:ln>
+            <a:tailEnd type="triangle"/>
+          </a:ln>
+        </p:spPr>
+        <p:style>
+          <a:lnRef idx="3">
+            <a:schemeClr val="dk1"/>
+          </a:lnRef>
+          <a:fillRef idx="0">
+            <a:schemeClr val="dk1"/>
+          </a:fillRef>
+          <a:effectRef idx="2">
+            <a:schemeClr val="dk1"/>
+          </a:effectRef>
+          <a:fontRef idx="minor">
+            <a:schemeClr val="tx1"/>
+          </a:fontRef>
+        </p:style>
+      </p:cxnSp>
+      <p:cxnSp>
+        <p:nvCxnSpPr>
+          <p:cNvPr id="16" name="直接箭头连接符 15"/>
+          <p:cNvCxnSpPr/>
+          <p:nvPr/>
+        </p:nvCxnSpPr>
+        <p:spPr>
+          <a:xfrm>
+            <a:off x="5827140" y="2778595"/>
+            <a:ext cx="703052" cy="1436"/>
+          </a:xfrm>
+          <a:prstGeom prst="straightConnector1">
+            <a:avLst/>
+          </a:prstGeom>
+          <a:ln>
+            <a:tailEnd type="triangle"/>
+          </a:ln>
+        </p:spPr>
+        <p:style>
+          <a:lnRef idx="3">
+            <a:schemeClr val="dk1"/>
+          </a:lnRef>
+          <a:fillRef idx="0">
+            <a:schemeClr val="dk1"/>
+          </a:fillRef>
+          <a:effectRef idx="2">
+            <a:schemeClr val="dk1"/>
+          </a:effectRef>
+          <a:fontRef idx="minor">
+            <a:schemeClr val="tx1"/>
+          </a:fontRef>
+        </p:style>
+      </p:cxnSp>
+      <p:sp>
+        <p:nvSpPr>
+          <p:cNvPr id="17" name="文本框 16"/>
+          <p:cNvSpPr txBox="1"/>
+          <p:nvPr/>
+        </p:nvSpPr>
+        <p:spPr>
+          <a:xfrm>
+            <a:off x="3994030" y="3305391"/>
+            <a:ext cx="2084225" cy="923330"/>
+          </a:xfrm>
+          <a:prstGeom prst="rect">
+            <a:avLst/>
+          </a:prstGeom>
+          <a:noFill/>
+        </p:spPr>
+        <p:txBody>
+          <a:bodyPr wrap="none" rtlCol="0">
+            <a:spAutoFit/>
+          </a:bodyPr>
+          <a:lstStyle/>
+          <a:p>
+            <a:r>
+              <a:rPr lang="zh-CN" altLang="en-US"/>
+              <a:t>分词：唐诗 三百首</a:t>
+            </a:r>
+            <a:endParaRPr lang="en-US" altLang="zh-CN"/>
+          </a:p>
+          <a:p>
+            <a:r>
+              <a:rPr lang="zh-CN" altLang="en-US"/>
+              <a:t>向量化：</a:t>
+            </a:r>
+            <a:r>
+              <a:rPr lang="en-US" altLang="zh-CN"/>
+              <a:t>[1,0,...1,0]</a:t>
+            </a:r>
+          </a:p>
+          <a:p>
+            <a:r>
+              <a:rPr lang="zh-CN" altLang="en-US"/>
+              <a:t>分类预测：运算</a:t>
+            </a:r>
+          </a:p>
+        </p:txBody>
+      </p:sp>
+    </p:spTree>
+    <p:extLst>
+      <p:ext uri="{BB962C8B-B14F-4D97-AF65-F5344CB8AC3E}">
+        <p14:creationId xmlns:p14="http://schemas.microsoft.com/office/powerpoint/2010/main" val="2651492399"/>
+      </p:ext>
+    </p:extLst>
+  </p:cSld>
+  <p:clrMapOvr>
+    <a:masterClrMapping/>
+  </p:clrMapOvr>
+</p:sld>
+</file>
+
+<file path=ppt/slides/slide4.xml><?xml version="1.0" encoding="utf-8"?>
+<p:sld xmlns:a="http://schemas.openxmlformats.org/drawingml/2006/main" xmlns:r="http://schemas.openxmlformats.org/officeDocument/2006/relationships" xmlns:p="http://schemas.openxmlformats.org/presentationml/2006/main">
+  <p:cSld>
+    <p:spTree>
+      <p:nvGrpSpPr>
+        <p:cNvPr id="1" name=""/>
+        <p:cNvGrpSpPr/>
+        <p:nvPr/>
+      </p:nvGrpSpPr>
+      <p:grpSpPr>
+        <a:xfrm>
+          <a:off x="0" y="0"/>
+          <a:ext cx="0" cy="0"/>
+          <a:chOff x="0" y="0"/>
+          <a:chExt cx="0" cy="0"/>
+        </a:xfrm>
+      </p:grpSpPr>
+      <p:sp>
+        <p:nvSpPr>
+          <p:cNvPr id="2" name="立方体 1"/>
+          <p:cNvSpPr/>
+          <p:nvPr/>
+        </p:nvSpPr>
+        <p:spPr>
+          <a:xfrm>
+            <a:off x="1594154" y="4136189"/>
+            <a:ext cx="1052423" cy="474455"/>
+          </a:xfrm>
+          <a:prstGeom prst="cube">
+            <a:avLst/>
+          </a:prstGeom>
+        </p:spPr>
+        <p:style>
+          <a:lnRef idx="2">
+            <a:schemeClr val="dk1"/>
+          </a:lnRef>
+          <a:fillRef idx="1">
+            <a:schemeClr val="lt1"/>
+          </a:fillRef>
+          <a:effectRef idx="0">
+            <a:schemeClr val="dk1"/>
+          </a:effectRef>
+          <a:fontRef idx="minor">
+            <a:schemeClr val="dk1"/>
+          </a:fontRef>
+        </p:style>
+        <p:txBody>
+          <a:bodyPr rtlCol="0" anchor="ctr"/>
+          <a:lstStyle/>
+          <a:p>
+            <a:pPr algn="ctr"/>
+            <a:r>
+              <a:rPr lang="zh-CN" altLang="en-US" b="1"/>
+              <a:t>词袋</a:t>
+            </a:r>
+          </a:p>
+        </p:txBody>
+      </p:sp>
+      <p:sp>
+        <p:nvSpPr>
+          <p:cNvPr id="4" name="矩形 3"/>
+          <p:cNvSpPr/>
+          <p:nvPr/>
+        </p:nvSpPr>
+        <p:spPr>
+          <a:xfrm>
+            <a:off x="688379" y="2534555"/>
+            <a:ext cx="741872" cy="439947"/>
+          </a:xfrm>
+          <a:prstGeom prst="rect">
+            <a:avLst/>
+          </a:prstGeom>
+        </p:spPr>
+        <p:style>
+          <a:lnRef idx="2">
+            <a:schemeClr val="dk1"/>
+          </a:lnRef>
+          <a:fillRef idx="1">
+            <a:schemeClr val="lt1"/>
+          </a:fillRef>
+          <a:effectRef idx="0">
+            <a:schemeClr val="dk1"/>
+          </a:effectRef>
+          <a:fontRef idx="minor">
+            <a:schemeClr val="dk1"/>
+          </a:fontRef>
+        </p:style>
+        <p:txBody>
+          <a:bodyPr rtlCol="0" anchor="ctr"/>
+          <a:lstStyle/>
+          <a:p>
+            <a:pPr algn="ctr"/>
+            <a:r>
+              <a:rPr lang="zh-CN" altLang="en-US"/>
+              <a:t>唐诗</a:t>
+            </a:r>
+          </a:p>
+        </p:txBody>
+      </p:sp>
+      <p:sp>
+        <p:nvSpPr>
+          <p:cNvPr id="5" name="矩形 4"/>
+          <p:cNvSpPr/>
+          <p:nvPr/>
+        </p:nvSpPr>
+        <p:spPr>
+          <a:xfrm>
+            <a:off x="1654538" y="1999716"/>
+            <a:ext cx="992039" cy="439947"/>
+          </a:xfrm>
+          <a:prstGeom prst="rect">
+            <a:avLst/>
+          </a:prstGeom>
+        </p:spPr>
+        <p:style>
+          <a:lnRef idx="2">
+            <a:schemeClr val="dk1"/>
+          </a:lnRef>
+          <a:fillRef idx="1">
+            <a:schemeClr val="lt1"/>
+          </a:fillRef>
+          <a:effectRef idx="0">
+            <a:schemeClr val="dk1"/>
+          </a:effectRef>
+          <a:fontRef idx="minor">
+            <a:schemeClr val="dk1"/>
+          </a:fontRef>
+        </p:style>
+        <p:txBody>
+          <a:bodyPr rtlCol="0" anchor="ctr"/>
+          <a:lstStyle/>
+          <a:p>
+            <a:pPr algn="ctr"/>
+            <a:r>
+              <a:rPr lang="zh-CN" altLang="en-US"/>
+              <a:t>三百首</a:t>
+            </a:r>
+          </a:p>
+        </p:txBody>
+      </p:sp>
+      <p:sp>
+        <p:nvSpPr>
+          <p:cNvPr id="6" name="矩形 5"/>
+          <p:cNvSpPr/>
+          <p:nvPr/>
+        </p:nvSpPr>
+        <p:spPr>
+          <a:xfrm>
+            <a:off x="1801187" y="2701331"/>
+            <a:ext cx="741872" cy="439947"/>
+          </a:xfrm>
+          <a:prstGeom prst="rect">
+            <a:avLst/>
+          </a:prstGeom>
+        </p:spPr>
+        <p:style>
+          <a:lnRef idx="2">
+            <a:schemeClr val="dk1"/>
+          </a:lnRef>
+          <a:fillRef idx="1">
+            <a:schemeClr val="lt1"/>
+          </a:fillRef>
+          <a:effectRef idx="0">
+            <a:schemeClr val="dk1"/>
+          </a:effectRef>
+          <a:fontRef idx="minor">
+            <a:schemeClr val="dk1"/>
+          </a:fontRef>
+        </p:style>
+        <p:txBody>
+          <a:bodyPr rtlCol="0" anchor="ctr"/>
+          <a:lstStyle/>
+          <a:p>
+            <a:pPr algn="ctr"/>
+            <a:r>
+              <a:rPr lang="zh-CN" altLang="en-US"/>
+              <a:t>英语</a:t>
+            </a:r>
+          </a:p>
+        </p:txBody>
+      </p:sp>
+      <p:sp>
+        <p:nvSpPr>
+          <p:cNvPr id="7" name="矩形 6"/>
+          <p:cNvSpPr/>
+          <p:nvPr/>
+        </p:nvSpPr>
+        <p:spPr>
+          <a:xfrm>
+            <a:off x="1059315" y="3272112"/>
+            <a:ext cx="741872" cy="439947"/>
+          </a:xfrm>
+          <a:prstGeom prst="rect">
+            <a:avLst/>
+          </a:prstGeom>
+        </p:spPr>
+        <p:style>
+          <a:lnRef idx="2">
+            <a:schemeClr val="dk1"/>
+          </a:lnRef>
+          <a:fillRef idx="1">
+            <a:schemeClr val="lt1"/>
+          </a:fillRef>
+          <a:effectRef idx="0">
+            <a:schemeClr val="dk1"/>
+          </a:effectRef>
+          <a:fontRef idx="minor">
+            <a:schemeClr val="dk1"/>
+          </a:fontRef>
+        </p:style>
+        <p:txBody>
+          <a:bodyPr rtlCol="0" anchor="ctr"/>
+          <a:lstStyle/>
+          <a:p>
+            <a:pPr algn="ctr"/>
+            <a:r>
+              <a:rPr lang="zh-CN" altLang="en-US"/>
+              <a:t>词汇</a:t>
+            </a:r>
+          </a:p>
+        </p:txBody>
+      </p:sp>
+      <p:sp>
+        <p:nvSpPr>
+          <p:cNvPr id="8" name="矩形 7"/>
+          <p:cNvSpPr/>
+          <p:nvPr/>
+        </p:nvSpPr>
+        <p:spPr>
+          <a:xfrm>
+            <a:off x="2913995" y="2261384"/>
+            <a:ext cx="741872" cy="439947"/>
+          </a:xfrm>
+          <a:prstGeom prst="rect">
+            <a:avLst/>
+          </a:prstGeom>
+        </p:spPr>
+        <p:style>
+          <a:lnRef idx="2">
+            <a:schemeClr val="dk1"/>
+          </a:lnRef>
+          <a:fillRef idx="1">
+            <a:schemeClr val="lt1"/>
+          </a:fillRef>
+          <a:effectRef idx="0">
+            <a:schemeClr val="dk1"/>
+          </a:effectRef>
+          <a:fontRef idx="minor">
+            <a:schemeClr val="dk1"/>
+          </a:fontRef>
+        </p:style>
+        <p:txBody>
+          <a:bodyPr rtlCol="0" anchor="ctr"/>
+          <a:lstStyle/>
+          <a:p>
+            <a:pPr algn="ctr"/>
+            <a:r>
+              <a:rPr lang="zh-CN" altLang="en-US"/>
+              <a:t>中式</a:t>
+            </a:r>
+          </a:p>
+        </p:txBody>
+      </p:sp>
+      <p:sp>
+        <p:nvSpPr>
+          <p:cNvPr id="9" name="矩形 8"/>
+          <p:cNvSpPr/>
+          <p:nvPr/>
+        </p:nvSpPr>
+        <p:spPr>
+          <a:xfrm>
+            <a:off x="2543059" y="3272111"/>
+            <a:ext cx="741872" cy="439947"/>
+          </a:xfrm>
+          <a:prstGeom prst="rect">
+            <a:avLst/>
+          </a:prstGeom>
+        </p:spPr>
+        <p:style>
+          <a:lnRef idx="2">
+            <a:schemeClr val="dk1"/>
+          </a:lnRef>
+          <a:fillRef idx="1">
+            <a:schemeClr val="lt1"/>
+          </a:fillRef>
+          <a:effectRef idx="0">
+            <a:schemeClr val="dk1"/>
+          </a:effectRef>
+          <a:fontRef idx="minor">
+            <a:schemeClr val="dk1"/>
+          </a:fontRef>
+        </p:style>
+        <p:txBody>
+          <a:bodyPr rtlCol="0" anchor="ctr"/>
+          <a:lstStyle/>
+          <a:p>
+            <a:pPr algn="ctr"/>
+            <a:r>
+              <a:rPr lang="zh-CN" altLang="en-US"/>
+              <a:t>面点</a:t>
+            </a:r>
+          </a:p>
+        </p:txBody>
+      </p:sp>
+      <p:graphicFrame>
+        <p:nvGraphicFramePr>
+          <p:cNvPr id="28" name="表格 27"/>
+          <p:cNvGraphicFramePr>
+            <a:graphicFrameLocks noGrp="1"/>
+          </p:cNvGraphicFramePr>
+          <p:nvPr/>
+        </p:nvGraphicFramePr>
+        <p:xfrm>
+          <a:off x="3950881" y="3829389"/>
+          <a:ext cx="5287998" cy="1463040"/>
+        </p:xfrm>
+        <a:graphic>
+          <a:graphicData uri="http://schemas.openxmlformats.org/drawingml/2006/table">
+            <a:tbl>
+              <a:tblPr firstRow="1" bandRow="1">
+                <a:tableStyleId>{5940675A-B579-460E-94D1-54222C63F5DA}</a:tableStyleId>
+              </a:tblPr>
+              <a:tblGrid>
+                <a:gridCol w="881333">
+                  <a:extLst>
+                    <a:ext uri="{9D8B030D-6E8A-4147-A177-3AD203B41FA5}">
+                      <a16:colId xmlns:a16="http://schemas.microsoft.com/office/drawing/2014/main" val="20000"/>
+                    </a:ext>
+                  </a:extLst>
+                </a:gridCol>
+                <a:gridCol w="881333">
+                  <a:extLst>
+                    <a:ext uri="{9D8B030D-6E8A-4147-A177-3AD203B41FA5}">
+                      <a16:colId xmlns:a16="http://schemas.microsoft.com/office/drawing/2014/main" val="20001"/>
+                    </a:ext>
+                  </a:extLst>
+                </a:gridCol>
+                <a:gridCol w="881333">
+                  <a:extLst>
+                    <a:ext uri="{9D8B030D-6E8A-4147-A177-3AD203B41FA5}">
+                      <a16:colId xmlns:a16="http://schemas.microsoft.com/office/drawing/2014/main" val="20002"/>
+                    </a:ext>
+                  </a:extLst>
+                </a:gridCol>
+                <a:gridCol w="881333">
+                  <a:extLst>
+                    <a:ext uri="{9D8B030D-6E8A-4147-A177-3AD203B41FA5}">
+                      <a16:colId xmlns:a16="http://schemas.microsoft.com/office/drawing/2014/main" val="20003"/>
+                    </a:ext>
+                  </a:extLst>
+                </a:gridCol>
+                <a:gridCol w="881333">
+                  <a:extLst>
+                    <a:ext uri="{9D8B030D-6E8A-4147-A177-3AD203B41FA5}">
+                      <a16:colId xmlns:a16="http://schemas.microsoft.com/office/drawing/2014/main" val="20004"/>
+                    </a:ext>
+                  </a:extLst>
+                </a:gridCol>
+                <a:gridCol w="881333">
+                  <a:extLst>
+                    <a:ext uri="{9D8B030D-6E8A-4147-A177-3AD203B41FA5}">
+                      <a16:colId xmlns:a16="http://schemas.microsoft.com/office/drawing/2014/main" val="20005"/>
+                    </a:ext>
+                  </a:extLst>
+                </a:gridCol>
+              </a:tblGrid>
+              <a:tr h="157433">
+                <a:tc>
+                  <a:txBody>
+                    <a:bodyPr/>
+                    <a:lstStyle/>
+                    <a:p>
+                      <a:pPr algn="ctr"/>
+                      <a:r>
+                        <a:rPr lang="zh-CN" altLang="en-US" sz="1800"/>
+                        <a:t>唐诗</a:t>
+                      </a:r>
+                    </a:p>
+                  </a:txBody>
+                  <a:tcPr/>
+                </a:tc>
+                <a:tc>
+                  <a:txBody>
+                    <a:bodyPr/>
+                    <a:lstStyle/>
+                    <a:p>
+                      <a:pPr algn="ctr"/>
+                      <a:r>
+                        <a:rPr lang="zh-CN" altLang="en-US" sz="1800"/>
+                        <a:t>三百首</a:t>
+                      </a:r>
+                    </a:p>
+                  </a:txBody>
+                  <a:tcPr/>
+                </a:tc>
+                <a:tc>
+                  <a:txBody>
+                    <a:bodyPr/>
+                    <a:lstStyle/>
+                    <a:p>
+                      <a:pPr algn="ctr"/>
+                      <a:r>
+                        <a:rPr lang="zh-CN" altLang="en-US" sz="1800"/>
+                        <a:t>英语</a:t>
+                      </a:r>
+                    </a:p>
+                  </a:txBody>
+                  <a:tcPr/>
+                </a:tc>
+                <a:tc>
+                  <a:txBody>
+                    <a:bodyPr/>
+                    <a:lstStyle/>
+                    <a:p>
+                      <a:pPr algn="ctr"/>
+                      <a:r>
+                        <a:rPr lang="zh-CN" altLang="en-US" sz="1800"/>
+                        <a:t>词汇</a:t>
+                      </a:r>
+                    </a:p>
+                  </a:txBody>
+                  <a:tcPr/>
+                </a:tc>
+                <a:tc>
+                  <a:txBody>
+                    <a:bodyPr/>
+                    <a:lstStyle/>
+                    <a:p>
+                      <a:pPr algn="ctr"/>
+                      <a:r>
+                        <a:rPr lang="zh-CN" altLang="en-US" sz="1800"/>
+                        <a:t>中式</a:t>
+                      </a:r>
+                    </a:p>
+                  </a:txBody>
+                  <a:tcPr/>
+                </a:tc>
+                <a:tc>
+                  <a:txBody>
+                    <a:bodyPr/>
+                    <a:lstStyle/>
+                    <a:p>
+                      <a:pPr algn="ctr"/>
+                      <a:r>
+                        <a:rPr lang="zh-CN" altLang="en-US" sz="1800"/>
+                        <a:t>面点</a:t>
+                      </a:r>
+                    </a:p>
+                  </a:txBody>
+                  <a:tcPr/>
+                </a:tc>
+                <a:extLst>
+                  <a:ext uri="{0D108BD9-81ED-4DB2-BD59-A6C34878D82A}">
+                    <a16:rowId xmlns:a16="http://schemas.microsoft.com/office/drawing/2014/main" val="10000"/>
+                  </a:ext>
+                </a:extLst>
+              </a:tr>
+              <a:tr h="157433">
+                <a:tc>
+                  <a:txBody>
+                    <a:bodyPr/>
+                    <a:lstStyle/>
+                    <a:p>
+                      <a:pPr algn="ctr"/>
+                      <a:r>
+                        <a:rPr lang="en-US" altLang="zh-CN" sz="1800"/>
+                        <a:t>1</a:t>
+                      </a:r>
+                      <a:endParaRPr lang="zh-CN" altLang="en-US" sz="1800"/>
+                    </a:p>
+                  </a:txBody>
+                  <a:tcPr/>
+                </a:tc>
+                <a:tc>
+                  <a:txBody>
+                    <a:bodyPr/>
+                    <a:lstStyle/>
+                    <a:p>
+                      <a:pPr algn="ctr"/>
+                      <a:r>
+                        <a:rPr lang="en-US" altLang="zh-CN" sz="1800"/>
+                        <a:t>1</a:t>
+                      </a:r>
+                      <a:endParaRPr lang="zh-CN" altLang="en-US" sz="1800"/>
+                    </a:p>
+                  </a:txBody>
+                  <a:tcPr/>
+                </a:tc>
+                <a:tc>
+                  <a:txBody>
+                    <a:bodyPr/>
+                    <a:lstStyle/>
+                    <a:p>
+                      <a:pPr algn="ctr"/>
+                      <a:r>
+                        <a:rPr lang="en-US" altLang="zh-CN" sz="1800"/>
+                        <a:t>0</a:t>
+                      </a:r>
+                      <a:endParaRPr lang="zh-CN" altLang="en-US" sz="1800"/>
+                    </a:p>
+                  </a:txBody>
+                  <a:tcPr/>
+                </a:tc>
+                <a:tc>
+                  <a:txBody>
+                    <a:bodyPr/>
+                    <a:lstStyle/>
+                    <a:p>
+                      <a:pPr algn="ctr"/>
+                      <a:r>
+                        <a:rPr lang="en-US" altLang="zh-CN" sz="1800"/>
+                        <a:t>0</a:t>
+                      </a:r>
+                      <a:endParaRPr lang="zh-CN" altLang="en-US" sz="1800"/>
+                    </a:p>
+                  </a:txBody>
+                  <a:tcPr/>
+                </a:tc>
+                <a:tc>
+                  <a:txBody>
+                    <a:bodyPr/>
+                    <a:lstStyle/>
+                    <a:p>
+                      <a:pPr algn="ctr"/>
+                      <a:r>
+                        <a:rPr lang="en-US" altLang="zh-CN" sz="1800"/>
+                        <a:t>0</a:t>
+                      </a:r>
+                      <a:endParaRPr lang="zh-CN" altLang="en-US" sz="1800"/>
+                    </a:p>
+                  </a:txBody>
+                  <a:tcPr/>
+                </a:tc>
+                <a:tc>
+                  <a:txBody>
+                    <a:bodyPr/>
+                    <a:lstStyle/>
+                    <a:p>
+                      <a:pPr algn="ctr"/>
+                      <a:r>
+                        <a:rPr lang="en-US" altLang="zh-CN" sz="1800"/>
+                        <a:t>0</a:t>
+                      </a:r>
+                      <a:endParaRPr lang="zh-CN" altLang="en-US" sz="1800"/>
+                    </a:p>
+                  </a:txBody>
+                  <a:tcPr/>
+                </a:tc>
+                <a:extLst>
+                  <a:ext uri="{0D108BD9-81ED-4DB2-BD59-A6C34878D82A}">
+                    <a16:rowId xmlns:a16="http://schemas.microsoft.com/office/drawing/2014/main" val="10001"/>
+                  </a:ext>
+                </a:extLst>
+              </a:tr>
+              <a:tr h="157433">
+                <a:tc>
+                  <a:txBody>
+                    <a:bodyPr/>
+                    <a:lstStyle/>
+                    <a:p>
+                      <a:pPr algn="ctr"/>
+                      <a:r>
+                        <a:rPr lang="en-US" altLang="zh-CN" sz="1800"/>
+                        <a:t>?</a:t>
+                      </a:r>
+                      <a:endParaRPr lang="zh-CN" altLang="en-US" sz="1800"/>
+                    </a:p>
+                  </a:txBody>
+                  <a:tcPr/>
+                </a:tc>
+                <a:tc>
+                  <a:txBody>
+                    <a:bodyPr/>
+                    <a:lstStyle/>
+                    <a:p>
+                      <a:pPr algn="ctr"/>
+                      <a:r>
+                        <a:rPr lang="en-US" altLang="zh-CN" sz="1800"/>
+                        <a:t>?</a:t>
+                      </a:r>
+                      <a:endParaRPr lang="zh-CN" altLang="en-US" sz="1800"/>
+                    </a:p>
+                  </a:txBody>
+                  <a:tcPr/>
+                </a:tc>
+                <a:tc>
+                  <a:txBody>
+                    <a:bodyPr/>
+                    <a:lstStyle/>
+                    <a:p>
+                      <a:pPr algn="ctr"/>
+                      <a:r>
+                        <a:rPr lang="en-US" altLang="zh-CN" sz="1800"/>
+                        <a:t>?</a:t>
+                      </a:r>
+                      <a:endParaRPr lang="zh-CN" altLang="en-US" sz="1800"/>
+                    </a:p>
+                  </a:txBody>
+                  <a:tcPr/>
+                </a:tc>
+                <a:tc>
+                  <a:txBody>
+                    <a:bodyPr/>
+                    <a:lstStyle/>
+                    <a:p>
+                      <a:pPr algn="ctr"/>
+                      <a:r>
+                        <a:rPr lang="en-US" altLang="zh-CN" sz="1800"/>
+                        <a:t>?</a:t>
+                      </a:r>
+                      <a:endParaRPr lang="zh-CN" altLang="en-US" sz="1800"/>
+                    </a:p>
+                  </a:txBody>
+                  <a:tcPr/>
+                </a:tc>
+                <a:tc>
+                  <a:txBody>
+                    <a:bodyPr/>
+                    <a:lstStyle/>
+                    <a:p>
+                      <a:pPr algn="ctr"/>
+                      <a:r>
+                        <a:rPr lang="en-US" altLang="zh-CN" sz="1800"/>
+                        <a:t>?</a:t>
+                      </a:r>
+                      <a:endParaRPr lang="zh-CN" altLang="en-US" sz="1800"/>
+                    </a:p>
+                  </a:txBody>
+                  <a:tcPr/>
+                </a:tc>
+                <a:tc>
+                  <a:txBody>
+                    <a:bodyPr/>
+                    <a:lstStyle/>
+                    <a:p>
+                      <a:pPr algn="ctr"/>
+                      <a:r>
+                        <a:rPr lang="en-US" altLang="zh-CN" sz="1800"/>
+                        <a:t>?</a:t>
+                      </a:r>
+                      <a:endParaRPr lang="zh-CN" altLang="en-US" sz="1800"/>
+                    </a:p>
+                  </a:txBody>
+                  <a:tcPr/>
+                </a:tc>
+                <a:extLst>
+                  <a:ext uri="{0D108BD9-81ED-4DB2-BD59-A6C34878D82A}">
+                    <a16:rowId xmlns:a16="http://schemas.microsoft.com/office/drawing/2014/main" val="10002"/>
+                  </a:ext>
+                </a:extLst>
+              </a:tr>
+              <a:tr h="157433">
+                <a:tc>
+                  <a:txBody>
+                    <a:bodyPr/>
+                    <a:lstStyle/>
+                    <a:p>
+                      <a:pPr algn="ctr"/>
+                      <a:r>
+                        <a:rPr lang="en-US" altLang="zh-CN" sz="1800"/>
+                        <a:t>?</a:t>
+                      </a:r>
+                      <a:endParaRPr lang="zh-CN" altLang="en-US" sz="1800"/>
+                    </a:p>
+                  </a:txBody>
+                  <a:tcPr/>
+                </a:tc>
+                <a:tc>
+                  <a:txBody>
+                    <a:bodyPr/>
+                    <a:lstStyle/>
+                    <a:p>
+                      <a:pPr algn="ctr"/>
+                      <a:r>
+                        <a:rPr lang="en-US" altLang="zh-CN" sz="1800"/>
+                        <a:t>?</a:t>
+                      </a:r>
+                      <a:endParaRPr lang="zh-CN" altLang="en-US" sz="1800"/>
+                    </a:p>
+                  </a:txBody>
+                  <a:tcPr/>
+                </a:tc>
+                <a:tc>
+                  <a:txBody>
+                    <a:bodyPr/>
+                    <a:lstStyle/>
+                    <a:p>
+                      <a:pPr algn="ctr"/>
+                      <a:r>
+                        <a:rPr lang="en-US" altLang="zh-CN" sz="1800"/>
+                        <a:t>?</a:t>
+                      </a:r>
+                      <a:endParaRPr lang="zh-CN" altLang="en-US" sz="1800"/>
+                    </a:p>
+                  </a:txBody>
+                  <a:tcPr/>
+                </a:tc>
+                <a:tc>
+                  <a:txBody>
+                    <a:bodyPr/>
+                    <a:lstStyle/>
+                    <a:p>
+                      <a:pPr algn="ctr"/>
+                      <a:r>
+                        <a:rPr lang="en-US" altLang="zh-CN" sz="1800"/>
+                        <a:t>?</a:t>
+                      </a:r>
+                      <a:endParaRPr lang="zh-CN" altLang="en-US" sz="1800"/>
+                    </a:p>
+                  </a:txBody>
+                  <a:tcPr/>
+                </a:tc>
+                <a:tc>
+                  <a:txBody>
+                    <a:bodyPr/>
+                    <a:lstStyle/>
+                    <a:p>
+                      <a:pPr algn="ctr"/>
+                      <a:r>
+                        <a:rPr lang="en-US" altLang="zh-CN" sz="1800"/>
+                        <a:t>?</a:t>
+                      </a:r>
+                      <a:endParaRPr lang="zh-CN" altLang="en-US" sz="1800"/>
+                    </a:p>
+                  </a:txBody>
+                  <a:tcPr/>
+                </a:tc>
+                <a:tc>
+                  <a:txBody>
+                    <a:bodyPr/>
+                    <a:lstStyle/>
+                    <a:p>
+                      <a:pPr algn="ctr"/>
+                      <a:r>
+                        <a:rPr lang="en-US" altLang="zh-CN" sz="1800"/>
+                        <a:t>?</a:t>
+                      </a:r>
+                      <a:endParaRPr lang="zh-CN" altLang="en-US" sz="1800"/>
+                    </a:p>
+                  </a:txBody>
+                  <a:tcPr/>
+                </a:tc>
+                <a:extLst>
+                  <a:ext uri="{0D108BD9-81ED-4DB2-BD59-A6C34878D82A}">
+                    <a16:rowId xmlns:a16="http://schemas.microsoft.com/office/drawing/2014/main" val="10003"/>
+                  </a:ext>
+                </a:extLst>
+              </a:tr>
+            </a:tbl>
+          </a:graphicData>
+        </a:graphic>
+      </p:graphicFrame>
+      <p:sp>
+        <p:nvSpPr>
+          <p:cNvPr id="29" name="文本框 28"/>
+          <p:cNvSpPr txBox="1"/>
+          <p:nvPr/>
+        </p:nvSpPr>
+        <p:spPr>
+          <a:xfrm>
+            <a:off x="4026803" y="1574234"/>
+            <a:ext cx="4941201" cy="1754326"/>
+          </a:xfrm>
+          <a:prstGeom prst="rect">
+            <a:avLst/>
+          </a:prstGeom>
+          <a:noFill/>
+        </p:spPr>
+        <p:txBody>
+          <a:bodyPr wrap="square" rtlCol="0">
+            <a:spAutoFit/>
+          </a:bodyPr>
+          <a:lstStyle/>
+          <a:p>
+            <a:r>
+              <a:rPr lang="zh-CN" altLang="en-US"/>
+              <a:t>假设词袋中只有</a:t>
+            </a:r>
+            <a:r>
+              <a:rPr lang="en-US" altLang="zh-CN"/>
+              <a:t>6</a:t>
+            </a:r>
+            <a:r>
+              <a:rPr lang="zh-CN" altLang="en-US"/>
+              <a:t>个词语卡片，每张词语卡片后边都需要写一个数值。在拿到一段文本并进行分词后，这个数值就可以根据一定规则算出。比如“唐诗三百首”分词后词语序列为：唐诗，三百首。规则为：词语序列中出现的词语其数值为</a:t>
+            </a:r>
+            <a:r>
+              <a:rPr lang="en-US" altLang="zh-CN"/>
+              <a:t>1</a:t>
+            </a:r>
+            <a:r>
+              <a:rPr lang="zh-CN" altLang="en-US"/>
+              <a:t>，词语序列中未出现的词语其数值为</a:t>
+            </a:r>
+            <a:r>
+              <a:rPr lang="en-US" altLang="zh-CN"/>
+              <a:t>0</a:t>
+            </a:r>
+            <a:r>
+              <a:rPr lang="zh-CN" altLang="en-US"/>
+              <a:t>。</a:t>
+            </a:r>
+            <a:endParaRPr lang="en-US" altLang="zh-CN"/>
+          </a:p>
+        </p:txBody>
+      </p:sp>
+      <p:sp>
+        <p:nvSpPr>
+          <p:cNvPr id="30" name="文本框 29"/>
+          <p:cNvSpPr txBox="1"/>
+          <p:nvPr/>
+        </p:nvSpPr>
+        <p:spPr>
+          <a:xfrm>
+            <a:off x="9272666" y="4232994"/>
+            <a:ext cx="1800493" cy="369332"/>
+          </a:xfrm>
+          <a:prstGeom prst="rect">
+            <a:avLst/>
+          </a:prstGeom>
+          <a:noFill/>
+        </p:spPr>
+        <p:txBody>
+          <a:bodyPr wrap="none" rtlCol="0">
+            <a:spAutoFit/>
+          </a:bodyPr>
+          <a:lstStyle/>
+          <a:p>
+            <a:r>
+              <a:rPr lang="en-US" altLang="zh-CN"/>
+              <a:t>《</a:t>
+            </a:r>
+            <a:r>
+              <a:rPr lang="zh-CN" altLang="en-US"/>
+              <a:t>唐诗三百首</a:t>
+            </a:r>
+            <a:r>
+              <a:rPr lang="en-US" altLang="zh-CN"/>
+              <a:t>》</a:t>
+            </a:r>
+            <a:endParaRPr lang="zh-CN" altLang="en-US"/>
+          </a:p>
+        </p:txBody>
+      </p:sp>
+      <p:sp>
+        <p:nvSpPr>
+          <p:cNvPr id="31" name="文本框 30"/>
+          <p:cNvSpPr txBox="1"/>
+          <p:nvPr/>
+        </p:nvSpPr>
+        <p:spPr>
+          <a:xfrm>
+            <a:off x="9272666" y="4573062"/>
+            <a:ext cx="1606530" cy="369332"/>
+          </a:xfrm>
+          <a:prstGeom prst="rect">
+            <a:avLst/>
+          </a:prstGeom>
+          <a:noFill/>
+        </p:spPr>
+        <p:txBody>
+          <a:bodyPr wrap="none" rtlCol="0">
+            <a:spAutoFit/>
+          </a:bodyPr>
+          <a:lstStyle/>
+          <a:p>
+            <a:r>
+              <a:rPr lang="en-US" altLang="zh-CN"/>
+              <a:t>《</a:t>
+            </a:r>
+            <a:r>
+              <a:rPr lang="zh-CN" altLang="en-US"/>
+              <a:t>英语词汇</a:t>
+            </a:r>
+            <a:r>
+              <a:rPr lang="en-US" altLang="zh-CN"/>
+              <a:t>》</a:t>
+            </a:r>
+            <a:endParaRPr lang="zh-CN" altLang="en-US"/>
+          </a:p>
+        </p:txBody>
+      </p:sp>
+      <p:sp>
+        <p:nvSpPr>
+          <p:cNvPr id="32" name="文本框 31"/>
+          <p:cNvSpPr txBox="1"/>
+          <p:nvPr/>
+        </p:nvSpPr>
+        <p:spPr>
+          <a:xfrm>
+            <a:off x="9272666" y="4913131"/>
+            <a:ext cx="1569660" cy="369332"/>
+          </a:xfrm>
+          <a:prstGeom prst="rect">
+            <a:avLst/>
+          </a:prstGeom>
+          <a:noFill/>
+        </p:spPr>
+        <p:txBody>
+          <a:bodyPr wrap="none" rtlCol="0">
+            <a:spAutoFit/>
+          </a:bodyPr>
+          <a:lstStyle/>
+          <a:p>
+            <a:r>
+              <a:rPr lang="en-US" altLang="zh-CN"/>
+              <a:t>《</a:t>
+            </a:r>
+            <a:r>
+              <a:rPr lang="zh-CN" altLang="en-US"/>
+              <a:t>中式面点</a:t>
+            </a:r>
+            <a:r>
+              <a:rPr lang="en-US" altLang="zh-CN"/>
+              <a:t>》</a:t>
+            </a:r>
+            <a:endParaRPr lang="zh-CN" altLang="en-US"/>
+          </a:p>
+        </p:txBody>
+      </p:sp>
+      <p:sp>
+        <p:nvSpPr>
+          <p:cNvPr id="33" name="云形标注 32"/>
+          <p:cNvSpPr/>
+          <p:nvPr/>
+        </p:nvSpPr>
+        <p:spPr>
+          <a:xfrm>
+            <a:off x="8985257" y="1831326"/>
+            <a:ext cx="2208363" cy="1309952"/>
+          </a:xfrm>
+          <a:prstGeom prst="cloudCallout">
+            <a:avLst>
+              <a:gd name="adj1" fmla="val -39192"/>
+              <a:gd name="adj2" fmla="val 73036"/>
+            </a:avLst>
+          </a:prstGeom>
+        </p:spPr>
+        <p:style>
+          <a:lnRef idx="2">
+            <a:schemeClr val="dk1"/>
+          </a:lnRef>
+          <a:fillRef idx="1">
+            <a:schemeClr val="lt1"/>
+          </a:fillRef>
+          <a:effectRef idx="0">
+            <a:schemeClr val="dk1"/>
+          </a:effectRef>
+          <a:fontRef idx="minor">
+            <a:schemeClr val="dk1"/>
+          </a:fontRef>
+        </p:style>
+        <p:txBody>
+          <a:bodyPr rtlCol="0" anchor="ctr"/>
+          <a:lstStyle/>
+          <a:p>
+            <a:pPr algn="ctr"/>
+            <a:r>
+              <a:rPr lang="zh-CN" altLang="en-US"/>
+              <a:t>你能写出剩余书名的词向量吗？</a:t>
+            </a:r>
+          </a:p>
+        </p:txBody>
+      </p:sp>
+    </p:spTree>
+    <p:extLst>
+      <p:ext uri="{BB962C8B-B14F-4D97-AF65-F5344CB8AC3E}">
+        <p14:creationId xmlns:p14="http://schemas.microsoft.com/office/powerpoint/2010/main" val="429185582"/>
+      </p:ext>
+    </p:extLst>
+  </p:cSld>
+  <p:clrMapOvr>
+    <a:masterClrMapping/>
+  </p:clrMapOvr>
+</p:sld>
+</file>
+
+<file path=ppt/slides/slide5.xml><?xml version="1.0" encoding="utf-8"?>
+<p:sld xmlns:a="http://schemas.openxmlformats.org/drawingml/2006/main" xmlns:r="http://schemas.openxmlformats.org/officeDocument/2006/relationships" xmlns:p="http://schemas.openxmlformats.org/presentationml/2006/main">
+  <p:cSld>
+    <p:spTree>
+      <p:nvGrpSpPr>
+        <p:cNvPr id="1" name=""/>
+        <p:cNvGrpSpPr/>
+        <p:nvPr/>
+      </p:nvGrpSpPr>
+      <p:grpSpPr>
+        <a:xfrm>
+          <a:off x="0" y="0"/>
+          <a:ext cx="0" cy="0"/>
+          <a:chOff x="0" y="0"/>
+          <a:chExt cx="0" cy="0"/>
+        </a:xfrm>
+      </p:grpSpPr>
+      <p:sp>
+        <p:nvSpPr>
+          <p:cNvPr id="5" name="标题 4">
+            <a:extLst>
+              <a:ext uri="{FF2B5EF4-FFF2-40B4-BE49-F238E27FC236}">
+                <a16:creationId xmlns:a16="http://schemas.microsoft.com/office/drawing/2014/main" id="{98B8EF3A-94F3-4615-881B-1800F93EDEBE}"/>
+              </a:ext>
+            </a:extLst>
+          </p:cNvPr>
+          <p:cNvSpPr>
+            <a:spLocks noGrp="1"/>
+          </p:cNvSpPr>
+          <p:nvPr>
+            <p:ph type="title"/>
+          </p:nvPr>
+        </p:nvSpPr>
+        <p:spPr/>
+        <p:txBody>
+          <a:bodyPr/>
+          <a:lstStyle/>
+          <a:p>
+            <a:r>
+              <a:rPr lang="en-US" altLang="zh-CN"/>
+              <a:t>CBOW</a:t>
+            </a:r>
+            <a:r>
+              <a:rPr lang="zh-CN" altLang="en-US"/>
+              <a:t>模型简图</a:t>
+            </a:r>
+          </a:p>
+        </p:txBody>
+      </p:sp>
+      <p:sp>
+        <p:nvSpPr>
+          <p:cNvPr id="6" name="矩形 5">
+            <a:extLst>
+              <a:ext uri="{FF2B5EF4-FFF2-40B4-BE49-F238E27FC236}">
+                <a16:creationId xmlns:a16="http://schemas.microsoft.com/office/drawing/2014/main" id="{13F9B610-E0DB-452C-AAC3-25238C131A7A}"/>
+              </a:ext>
+            </a:extLst>
+          </p:cNvPr>
+          <p:cNvSpPr/>
+          <p:nvPr/>
+        </p:nvSpPr>
+        <p:spPr>
+          <a:xfrm>
+            <a:off x="4355184" y="1780297"/>
+            <a:ext cx="480767" cy="801278"/>
+          </a:xfrm>
+          <a:prstGeom prst="rect">
+            <a:avLst/>
+          </a:prstGeom>
+        </p:spPr>
+        <p:style>
+          <a:lnRef idx="2">
+            <a:schemeClr val="dk1"/>
+          </a:lnRef>
+          <a:fillRef idx="1">
+            <a:schemeClr val="lt1"/>
+          </a:fillRef>
+          <a:effectRef idx="0">
+            <a:schemeClr val="dk1"/>
+          </a:effectRef>
+          <a:fontRef idx="minor">
+            <a:schemeClr val="dk1"/>
+          </a:fontRef>
+        </p:style>
+        <p:txBody>
+          <a:bodyPr rtlCol="0" anchor="ctr"/>
+          <a:lstStyle/>
+          <a:p>
+            <a:pPr algn="ctr"/>
+            <a:endParaRPr lang="zh-CN" altLang="en-US"/>
+          </a:p>
+        </p:txBody>
+      </p:sp>
+      <p:sp>
+        <p:nvSpPr>
+          <p:cNvPr id="7" name="文本框 6">
+            <a:extLst>
+              <a:ext uri="{FF2B5EF4-FFF2-40B4-BE49-F238E27FC236}">
+                <a16:creationId xmlns:a16="http://schemas.microsoft.com/office/drawing/2014/main" id="{AA106A58-1E76-422F-A424-64EF05A70E0B}"/>
+              </a:ext>
+            </a:extLst>
+          </p:cNvPr>
+          <p:cNvSpPr txBox="1"/>
+          <p:nvPr/>
+        </p:nvSpPr>
+        <p:spPr>
+          <a:xfrm>
+            <a:off x="3431357" y="1996270"/>
+            <a:ext cx="792205" cy="369332"/>
+          </a:xfrm>
+          <a:prstGeom prst="rect">
+            <a:avLst/>
+          </a:prstGeom>
+          <a:noFill/>
+        </p:spPr>
+        <p:txBody>
+          <a:bodyPr wrap="none" rtlCol="0">
+            <a:spAutoFit/>
+          </a:bodyPr>
+          <a:lstStyle/>
+          <a:p>
+            <a:r>
+              <a:rPr lang="en-US" altLang="zh-CN"/>
+              <a:t>w(t-2)</a:t>
+            </a:r>
+            <a:endParaRPr lang="zh-CN" altLang="en-US"/>
+          </a:p>
+        </p:txBody>
+      </p:sp>
+      <p:sp>
+        <p:nvSpPr>
+          <p:cNvPr id="8" name="矩形 7">
+            <a:extLst>
+              <a:ext uri="{FF2B5EF4-FFF2-40B4-BE49-F238E27FC236}">
+                <a16:creationId xmlns:a16="http://schemas.microsoft.com/office/drawing/2014/main" id="{B0962477-03F2-4691-A949-89B634E6F351}"/>
+              </a:ext>
+            </a:extLst>
+          </p:cNvPr>
+          <p:cNvSpPr/>
+          <p:nvPr/>
+        </p:nvSpPr>
+        <p:spPr>
+          <a:xfrm>
+            <a:off x="4355183" y="2768905"/>
+            <a:ext cx="480767" cy="801278"/>
+          </a:xfrm>
+          <a:prstGeom prst="rect">
+            <a:avLst/>
+          </a:prstGeom>
+        </p:spPr>
+        <p:style>
+          <a:lnRef idx="2">
+            <a:schemeClr val="dk1"/>
+          </a:lnRef>
+          <a:fillRef idx="1">
+            <a:schemeClr val="lt1"/>
+          </a:fillRef>
+          <a:effectRef idx="0">
+            <a:schemeClr val="dk1"/>
+          </a:effectRef>
+          <a:fontRef idx="minor">
+            <a:schemeClr val="dk1"/>
+          </a:fontRef>
+        </p:style>
+        <p:txBody>
+          <a:bodyPr rtlCol="0" anchor="ctr"/>
+          <a:lstStyle/>
+          <a:p>
+            <a:pPr algn="ctr"/>
+            <a:endParaRPr lang="zh-CN" altLang="en-US"/>
+          </a:p>
+        </p:txBody>
+      </p:sp>
+      <p:sp>
+        <p:nvSpPr>
+          <p:cNvPr id="9" name="矩形 8">
+            <a:extLst>
+              <a:ext uri="{FF2B5EF4-FFF2-40B4-BE49-F238E27FC236}">
+                <a16:creationId xmlns:a16="http://schemas.microsoft.com/office/drawing/2014/main" id="{9F9F67E8-466F-43BD-8C0F-9B207AD8DCA1}"/>
+              </a:ext>
+            </a:extLst>
+          </p:cNvPr>
+          <p:cNvSpPr/>
+          <p:nvPr/>
+        </p:nvSpPr>
+        <p:spPr>
+          <a:xfrm>
+            <a:off x="4355184" y="4271866"/>
+            <a:ext cx="480767" cy="801278"/>
+          </a:xfrm>
+          <a:prstGeom prst="rect">
+            <a:avLst/>
+          </a:prstGeom>
+        </p:spPr>
+        <p:style>
+          <a:lnRef idx="2">
+            <a:schemeClr val="dk1"/>
+          </a:lnRef>
+          <a:fillRef idx="1">
+            <a:schemeClr val="lt1"/>
+          </a:fillRef>
+          <a:effectRef idx="0">
+            <a:schemeClr val="dk1"/>
+          </a:effectRef>
+          <a:fontRef idx="minor">
+            <a:schemeClr val="dk1"/>
+          </a:fontRef>
+        </p:style>
+        <p:txBody>
+          <a:bodyPr rtlCol="0" anchor="ctr"/>
+          <a:lstStyle/>
+          <a:p>
+            <a:pPr algn="ctr"/>
+            <a:endParaRPr lang="zh-CN" altLang="en-US"/>
+          </a:p>
+        </p:txBody>
+      </p:sp>
+      <p:sp>
+        <p:nvSpPr>
+          <p:cNvPr id="10" name="矩形 9">
+            <a:extLst>
+              <a:ext uri="{FF2B5EF4-FFF2-40B4-BE49-F238E27FC236}">
+                <a16:creationId xmlns:a16="http://schemas.microsoft.com/office/drawing/2014/main" id="{7484F7FF-33C2-4D22-A8D9-AA1B94A6A9FE}"/>
+              </a:ext>
+            </a:extLst>
+          </p:cNvPr>
+          <p:cNvSpPr/>
+          <p:nvPr/>
+        </p:nvSpPr>
+        <p:spPr>
+          <a:xfrm>
+            <a:off x="4355183" y="5260474"/>
+            <a:ext cx="480767" cy="801278"/>
+          </a:xfrm>
+          <a:prstGeom prst="rect">
+            <a:avLst/>
+          </a:prstGeom>
+        </p:spPr>
+        <p:style>
+          <a:lnRef idx="2">
+            <a:schemeClr val="dk1"/>
+          </a:lnRef>
+          <a:fillRef idx="1">
+            <a:schemeClr val="lt1"/>
+          </a:fillRef>
+          <a:effectRef idx="0">
+            <a:schemeClr val="dk1"/>
+          </a:effectRef>
+          <a:fontRef idx="minor">
+            <a:schemeClr val="dk1"/>
+          </a:fontRef>
+        </p:style>
+        <p:txBody>
+          <a:bodyPr rtlCol="0" anchor="ctr"/>
+          <a:lstStyle/>
+          <a:p>
+            <a:pPr algn="ctr"/>
+            <a:endParaRPr lang="zh-CN" altLang="en-US"/>
+          </a:p>
+        </p:txBody>
+      </p:sp>
+      <p:sp>
+        <p:nvSpPr>
+          <p:cNvPr id="11" name="文本框 10">
+            <a:extLst>
+              <a:ext uri="{FF2B5EF4-FFF2-40B4-BE49-F238E27FC236}">
+                <a16:creationId xmlns:a16="http://schemas.microsoft.com/office/drawing/2014/main" id="{B417BCD5-814E-4882-835E-064DF9FC6BD9}"/>
+              </a:ext>
+            </a:extLst>
+          </p:cNvPr>
+          <p:cNvSpPr txBox="1"/>
+          <p:nvPr/>
+        </p:nvSpPr>
+        <p:spPr>
+          <a:xfrm>
+            <a:off x="3431356" y="2984878"/>
+            <a:ext cx="792205" cy="369332"/>
+          </a:xfrm>
+          <a:prstGeom prst="rect">
+            <a:avLst/>
+          </a:prstGeom>
+          <a:noFill/>
+        </p:spPr>
+        <p:txBody>
+          <a:bodyPr wrap="none" rtlCol="0">
+            <a:spAutoFit/>
+          </a:bodyPr>
+          <a:lstStyle/>
+          <a:p>
+            <a:r>
+              <a:rPr lang="en-US" altLang="zh-CN"/>
+              <a:t>w(t-1)</a:t>
+            </a:r>
+            <a:endParaRPr lang="zh-CN" altLang="en-US"/>
+          </a:p>
+        </p:txBody>
+      </p:sp>
+      <p:sp>
+        <p:nvSpPr>
+          <p:cNvPr id="12" name="文本框 11">
+            <a:extLst>
+              <a:ext uri="{FF2B5EF4-FFF2-40B4-BE49-F238E27FC236}">
+                <a16:creationId xmlns:a16="http://schemas.microsoft.com/office/drawing/2014/main" id="{DF0D7D77-7138-4322-A976-331AA147EA56}"/>
+              </a:ext>
+            </a:extLst>
+          </p:cNvPr>
+          <p:cNvSpPr txBox="1"/>
+          <p:nvPr/>
+        </p:nvSpPr>
+        <p:spPr>
+          <a:xfrm>
+            <a:off x="3431356" y="4487839"/>
+            <a:ext cx="830677" cy="369332"/>
+          </a:xfrm>
+          <a:prstGeom prst="rect">
+            <a:avLst/>
+          </a:prstGeom>
+          <a:noFill/>
+        </p:spPr>
+        <p:txBody>
+          <a:bodyPr wrap="none" rtlCol="0">
+            <a:spAutoFit/>
+          </a:bodyPr>
+          <a:lstStyle/>
+          <a:p>
+            <a:r>
+              <a:rPr lang="en-US" altLang="zh-CN"/>
+              <a:t>w(t+1)</a:t>
+            </a:r>
+            <a:endParaRPr lang="zh-CN" altLang="en-US"/>
+          </a:p>
+        </p:txBody>
+      </p:sp>
+      <p:sp>
+        <p:nvSpPr>
+          <p:cNvPr id="13" name="文本框 12">
+            <a:extLst>
+              <a:ext uri="{FF2B5EF4-FFF2-40B4-BE49-F238E27FC236}">
+                <a16:creationId xmlns:a16="http://schemas.microsoft.com/office/drawing/2014/main" id="{BC38E928-EA29-4B5F-8033-DDB8A095C4E5}"/>
+              </a:ext>
+            </a:extLst>
+          </p:cNvPr>
+          <p:cNvSpPr txBox="1"/>
+          <p:nvPr/>
+        </p:nvSpPr>
+        <p:spPr>
+          <a:xfrm>
+            <a:off x="3431356" y="5475107"/>
+            <a:ext cx="830677" cy="369332"/>
+          </a:xfrm>
+          <a:prstGeom prst="rect">
+            <a:avLst/>
+          </a:prstGeom>
+          <a:noFill/>
+        </p:spPr>
+        <p:txBody>
+          <a:bodyPr wrap="none" rtlCol="0">
+            <a:spAutoFit/>
+          </a:bodyPr>
+          <a:lstStyle/>
+          <a:p>
+            <a:r>
+              <a:rPr lang="en-US" altLang="zh-CN"/>
+              <a:t>w(t+2)</a:t>
+            </a:r>
+            <a:endParaRPr lang="zh-CN" altLang="en-US"/>
+          </a:p>
+        </p:txBody>
+      </p:sp>
+      <p:sp>
+        <p:nvSpPr>
+          <p:cNvPr id="14" name="矩形 13">
+            <a:extLst>
+              <a:ext uri="{FF2B5EF4-FFF2-40B4-BE49-F238E27FC236}">
+                <a16:creationId xmlns:a16="http://schemas.microsoft.com/office/drawing/2014/main" id="{EF4EF2CA-4B74-4FB3-8F71-D5E41AB4B425}"/>
+              </a:ext>
+            </a:extLst>
+          </p:cNvPr>
+          <p:cNvSpPr/>
+          <p:nvPr/>
+        </p:nvSpPr>
+        <p:spPr>
+          <a:xfrm>
+            <a:off x="6345810" y="3605534"/>
+            <a:ext cx="480767" cy="801278"/>
+          </a:xfrm>
+          <a:prstGeom prst="rect">
+            <a:avLst/>
+          </a:prstGeom>
+        </p:spPr>
+        <p:style>
+          <a:lnRef idx="2">
+            <a:schemeClr val="dk1"/>
+          </a:lnRef>
+          <a:fillRef idx="1">
+            <a:schemeClr val="lt1"/>
+          </a:fillRef>
+          <a:effectRef idx="0">
+            <a:schemeClr val="dk1"/>
+          </a:effectRef>
+          <a:fontRef idx="minor">
+            <a:schemeClr val="dk1"/>
+          </a:fontRef>
+        </p:style>
+        <p:txBody>
+          <a:bodyPr rtlCol="0" anchor="ctr"/>
+          <a:lstStyle/>
+          <a:p>
+            <a:pPr algn="ctr"/>
+            <a:endParaRPr lang="zh-CN" altLang="en-US"/>
+          </a:p>
+        </p:txBody>
+      </p:sp>
+      <p:sp>
+        <p:nvSpPr>
+          <p:cNvPr id="15" name="矩形 14">
+            <a:extLst>
+              <a:ext uri="{FF2B5EF4-FFF2-40B4-BE49-F238E27FC236}">
+                <a16:creationId xmlns:a16="http://schemas.microsoft.com/office/drawing/2014/main" id="{F7A15E77-0847-4A6B-9677-559FB08979BC}"/>
+              </a:ext>
+            </a:extLst>
+          </p:cNvPr>
+          <p:cNvSpPr/>
+          <p:nvPr/>
+        </p:nvSpPr>
+        <p:spPr>
+          <a:xfrm>
+            <a:off x="7742548" y="3605534"/>
+            <a:ext cx="480767" cy="801278"/>
+          </a:xfrm>
+          <a:prstGeom prst="rect">
+            <a:avLst/>
+          </a:prstGeom>
+        </p:spPr>
+        <p:style>
+          <a:lnRef idx="2">
+            <a:schemeClr val="dk1"/>
+          </a:lnRef>
+          <a:fillRef idx="1">
+            <a:schemeClr val="lt1"/>
+          </a:fillRef>
+          <a:effectRef idx="0">
+            <a:schemeClr val="dk1"/>
+          </a:effectRef>
+          <a:fontRef idx="minor">
+            <a:schemeClr val="dk1"/>
+          </a:fontRef>
+        </p:style>
+        <p:txBody>
+          <a:bodyPr rtlCol="0" anchor="ctr"/>
+          <a:lstStyle/>
+          <a:p>
+            <a:pPr algn="ctr"/>
+            <a:endParaRPr lang="zh-CN" altLang="en-US"/>
+          </a:p>
+        </p:txBody>
+      </p:sp>
+      <p:cxnSp>
+        <p:nvCxnSpPr>
+          <p:cNvPr id="17" name="直接箭头连接符 16">
+            <a:extLst>
+              <a:ext uri="{FF2B5EF4-FFF2-40B4-BE49-F238E27FC236}">
+                <a16:creationId xmlns:a16="http://schemas.microsoft.com/office/drawing/2014/main" id="{72EE6943-17AE-4AFE-9E89-C94498BF7DA6}"/>
+              </a:ext>
+            </a:extLst>
+          </p:cNvPr>
+          <p:cNvCxnSpPr>
+            <a:stCxn id="6" idx="3"/>
+            <a:endCxn id="14" idx="1"/>
+          </p:cNvCxnSpPr>
+          <p:nvPr/>
+        </p:nvCxnSpPr>
+        <p:spPr>
+          <a:xfrm>
+            <a:off x="4835951" y="2180936"/>
+            <a:ext cx="1509859" cy="1825237"/>
+          </a:xfrm>
+          <a:prstGeom prst="straightConnector1">
+            <a:avLst/>
+          </a:prstGeom>
+          <a:ln>
+            <a:tailEnd type="triangle"/>
+          </a:ln>
+        </p:spPr>
+        <p:style>
+          <a:lnRef idx="3">
+            <a:schemeClr val="dk1"/>
+          </a:lnRef>
+          <a:fillRef idx="0">
+            <a:schemeClr val="dk1"/>
+          </a:fillRef>
+          <a:effectRef idx="2">
+            <a:schemeClr val="dk1"/>
+          </a:effectRef>
+          <a:fontRef idx="minor">
+            <a:schemeClr val="tx1"/>
+          </a:fontRef>
+        </p:style>
+      </p:cxnSp>
+      <p:cxnSp>
+        <p:nvCxnSpPr>
+          <p:cNvPr id="18" name="直接箭头连接符 17">
+            <a:extLst>
+              <a:ext uri="{FF2B5EF4-FFF2-40B4-BE49-F238E27FC236}">
+                <a16:creationId xmlns:a16="http://schemas.microsoft.com/office/drawing/2014/main" id="{18763EA1-6D95-47DE-806C-309B167B3D00}"/>
+              </a:ext>
+            </a:extLst>
+          </p:cNvPr>
+          <p:cNvCxnSpPr>
+            <a:cxnSpLocks/>
+            <a:stCxn id="8" idx="3"/>
+            <a:endCxn id="14" idx="1"/>
+          </p:cNvCxnSpPr>
+          <p:nvPr/>
+        </p:nvCxnSpPr>
+        <p:spPr>
+          <a:xfrm>
+            <a:off x="4835950" y="3169544"/>
+            <a:ext cx="1509860" cy="836629"/>
+          </a:xfrm>
+          <a:prstGeom prst="straightConnector1">
+            <a:avLst/>
+          </a:prstGeom>
+          <a:ln>
+            <a:tailEnd type="triangle"/>
+          </a:ln>
+        </p:spPr>
+        <p:style>
+          <a:lnRef idx="3">
+            <a:schemeClr val="dk1"/>
+          </a:lnRef>
+          <a:fillRef idx="0">
+            <a:schemeClr val="dk1"/>
+          </a:fillRef>
+          <a:effectRef idx="2">
+            <a:schemeClr val="dk1"/>
+          </a:effectRef>
+          <a:fontRef idx="minor">
+            <a:schemeClr val="tx1"/>
+          </a:fontRef>
+        </p:style>
+      </p:cxnSp>
+      <p:cxnSp>
+        <p:nvCxnSpPr>
+          <p:cNvPr id="21" name="直接箭头连接符 20">
+            <a:extLst>
+              <a:ext uri="{FF2B5EF4-FFF2-40B4-BE49-F238E27FC236}">
+                <a16:creationId xmlns:a16="http://schemas.microsoft.com/office/drawing/2014/main" id="{6806B027-484E-43D0-9853-09365FAE7503}"/>
+              </a:ext>
+            </a:extLst>
+          </p:cNvPr>
+          <p:cNvCxnSpPr>
+            <a:cxnSpLocks/>
+            <a:stCxn id="9" idx="3"/>
+            <a:endCxn id="14" idx="1"/>
+          </p:cNvCxnSpPr>
+          <p:nvPr/>
+        </p:nvCxnSpPr>
+        <p:spPr>
+          <a:xfrm flipV="1">
+            <a:off x="4835951" y="4006173"/>
+            <a:ext cx="1509859" cy="666332"/>
+          </a:xfrm>
+          <a:prstGeom prst="straightConnector1">
+            <a:avLst/>
+          </a:prstGeom>
+          <a:ln>
+            <a:tailEnd type="triangle"/>
+          </a:ln>
+        </p:spPr>
+        <p:style>
+          <a:lnRef idx="3">
+            <a:schemeClr val="dk1"/>
+          </a:lnRef>
+          <a:fillRef idx="0">
+            <a:schemeClr val="dk1"/>
+          </a:fillRef>
+          <a:effectRef idx="2">
+            <a:schemeClr val="dk1"/>
+          </a:effectRef>
+          <a:fontRef idx="minor">
+            <a:schemeClr val="tx1"/>
+          </a:fontRef>
+        </p:style>
+      </p:cxnSp>
+      <p:cxnSp>
+        <p:nvCxnSpPr>
+          <p:cNvPr id="24" name="直接箭头连接符 23">
+            <a:extLst>
+              <a:ext uri="{FF2B5EF4-FFF2-40B4-BE49-F238E27FC236}">
+                <a16:creationId xmlns:a16="http://schemas.microsoft.com/office/drawing/2014/main" id="{BB48BE2E-7C2C-4786-A20D-5B205FFBF2D2}"/>
+              </a:ext>
+            </a:extLst>
+          </p:cNvPr>
+          <p:cNvCxnSpPr>
+            <a:cxnSpLocks/>
+            <a:stCxn id="10" idx="3"/>
+            <a:endCxn id="14" idx="1"/>
+          </p:cNvCxnSpPr>
+          <p:nvPr/>
+        </p:nvCxnSpPr>
+        <p:spPr>
+          <a:xfrm flipV="1">
+            <a:off x="4835950" y="4006173"/>
+            <a:ext cx="1509860" cy="1654940"/>
+          </a:xfrm>
+          <a:prstGeom prst="straightConnector1">
+            <a:avLst/>
+          </a:prstGeom>
+          <a:ln>
+            <a:tailEnd type="triangle"/>
+          </a:ln>
+        </p:spPr>
+        <p:style>
+          <a:lnRef idx="3">
+            <a:schemeClr val="dk1"/>
+          </a:lnRef>
+          <a:fillRef idx="0">
+            <a:schemeClr val="dk1"/>
+          </a:fillRef>
+          <a:effectRef idx="2">
+            <a:schemeClr val="dk1"/>
+          </a:effectRef>
+          <a:fontRef idx="minor">
+            <a:schemeClr val="tx1"/>
+          </a:fontRef>
+        </p:style>
+      </p:cxnSp>
+      <p:cxnSp>
+        <p:nvCxnSpPr>
+          <p:cNvPr id="27" name="直接箭头连接符 26">
+            <a:extLst>
+              <a:ext uri="{FF2B5EF4-FFF2-40B4-BE49-F238E27FC236}">
+                <a16:creationId xmlns:a16="http://schemas.microsoft.com/office/drawing/2014/main" id="{4793581B-0033-4422-9D66-CD913EDA958A}"/>
+              </a:ext>
+            </a:extLst>
+          </p:cNvPr>
+          <p:cNvCxnSpPr>
+            <a:cxnSpLocks/>
+            <a:stCxn id="14" idx="3"/>
+            <a:endCxn id="15" idx="1"/>
+          </p:cNvCxnSpPr>
+          <p:nvPr/>
+        </p:nvCxnSpPr>
+        <p:spPr>
+          <a:xfrm>
+            <a:off x="6826577" y="4006173"/>
+            <a:ext cx="915971" cy="0"/>
+          </a:xfrm>
+          <a:prstGeom prst="straightConnector1">
+            <a:avLst/>
+          </a:prstGeom>
+          <a:ln>
+            <a:tailEnd type="triangle"/>
+          </a:ln>
+        </p:spPr>
+        <p:style>
+          <a:lnRef idx="3">
+            <a:schemeClr val="dk1"/>
+          </a:lnRef>
+          <a:fillRef idx="0">
+            <a:schemeClr val="dk1"/>
+          </a:fillRef>
+          <a:effectRef idx="2">
+            <a:schemeClr val="dk1"/>
+          </a:effectRef>
+          <a:fontRef idx="minor">
+            <a:schemeClr val="tx1"/>
+          </a:fontRef>
+        </p:style>
+      </p:cxnSp>
+      <p:sp>
+        <p:nvSpPr>
+          <p:cNvPr id="30" name="文本框 29">
+            <a:extLst>
+              <a:ext uri="{FF2B5EF4-FFF2-40B4-BE49-F238E27FC236}">
+                <a16:creationId xmlns:a16="http://schemas.microsoft.com/office/drawing/2014/main" id="{70E2347B-F674-41E0-81F5-3A1FA3D05010}"/>
+              </a:ext>
+            </a:extLst>
+          </p:cNvPr>
+          <p:cNvSpPr txBox="1"/>
+          <p:nvPr/>
+        </p:nvSpPr>
+        <p:spPr>
+          <a:xfrm>
+            <a:off x="6257418" y="3155175"/>
+            <a:ext cx="657552" cy="369332"/>
+          </a:xfrm>
+          <a:prstGeom prst="rect">
+            <a:avLst/>
+          </a:prstGeom>
+          <a:noFill/>
+        </p:spPr>
+        <p:txBody>
+          <a:bodyPr wrap="none" rtlCol="0">
+            <a:spAutoFit/>
+          </a:bodyPr>
+          <a:lstStyle/>
+          <a:p>
+            <a:r>
+              <a:rPr lang="en-US" altLang="zh-CN"/>
+              <a:t>SUM</a:t>
+            </a:r>
+            <a:endParaRPr lang="zh-CN" altLang="en-US"/>
+          </a:p>
+        </p:txBody>
+      </p:sp>
+      <p:sp>
+        <p:nvSpPr>
+          <p:cNvPr id="31" name="文本框 30">
+            <a:extLst>
+              <a:ext uri="{FF2B5EF4-FFF2-40B4-BE49-F238E27FC236}">
+                <a16:creationId xmlns:a16="http://schemas.microsoft.com/office/drawing/2014/main" id="{484EDF6C-CABE-4C90-ACFE-E80002412475}"/>
+              </a:ext>
+            </a:extLst>
+          </p:cNvPr>
+          <p:cNvSpPr txBox="1"/>
+          <p:nvPr/>
+        </p:nvSpPr>
+        <p:spPr>
+          <a:xfrm>
+            <a:off x="8336436" y="3821507"/>
+            <a:ext cx="554960" cy="369332"/>
+          </a:xfrm>
+          <a:prstGeom prst="rect">
+            <a:avLst/>
+          </a:prstGeom>
+          <a:noFill/>
+        </p:spPr>
+        <p:txBody>
+          <a:bodyPr wrap="none" rtlCol="0">
+            <a:spAutoFit/>
+          </a:bodyPr>
+          <a:lstStyle/>
+          <a:p>
+            <a:r>
+              <a:rPr lang="en-US" altLang="zh-CN"/>
+              <a:t>w(t)</a:t>
+            </a:r>
+            <a:endParaRPr lang="zh-CN" altLang="en-US"/>
+          </a:p>
+        </p:txBody>
+      </p:sp>
+      <p:sp>
+        <p:nvSpPr>
+          <p:cNvPr id="32" name="文本框 31">
+            <a:extLst>
+              <a:ext uri="{FF2B5EF4-FFF2-40B4-BE49-F238E27FC236}">
+                <a16:creationId xmlns:a16="http://schemas.microsoft.com/office/drawing/2014/main" id="{779E4B51-AEF0-4041-9707-77DA5C97B156}"/>
+              </a:ext>
+            </a:extLst>
+          </p:cNvPr>
+          <p:cNvSpPr txBox="1"/>
+          <p:nvPr/>
+        </p:nvSpPr>
+        <p:spPr>
+          <a:xfrm>
+            <a:off x="4272400" y="1301262"/>
+            <a:ext cx="646331" cy="369332"/>
+          </a:xfrm>
+          <a:prstGeom prst="rect">
+            <a:avLst/>
+          </a:prstGeom>
+          <a:noFill/>
+        </p:spPr>
+        <p:txBody>
+          <a:bodyPr wrap="none" rtlCol="0">
+            <a:spAutoFit/>
+          </a:bodyPr>
+          <a:lstStyle/>
+          <a:p>
+            <a:r>
+              <a:rPr lang="zh-CN" altLang="en-US"/>
+              <a:t>输入</a:t>
+            </a:r>
+          </a:p>
+        </p:txBody>
+      </p:sp>
+      <p:sp>
+        <p:nvSpPr>
+          <p:cNvPr id="33" name="文本框 32">
+            <a:extLst>
+              <a:ext uri="{FF2B5EF4-FFF2-40B4-BE49-F238E27FC236}">
+                <a16:creationId xmlns:a16="http://schemas.microsoft.com/office/drawing/2014/main" id="{8EFFB970-1E22-493D-9B08-C215C130B5F0}"/>
+              </a:ext>
+            </a:extLst>
+          </p:cNvPr>
+          <p:cNvSpPr txBox="1"/>
+          <p:nvPr/>
+        </p:nvSpPr>
+        <p:spPr>
+          <a:xfrm>
+            <a:off x="6257418" y="1301262"/>
+            <a:ext cx="646331" cy="369332"/>
+          </a:xfrm>
+          <a:prstGeom prst="rect">
+            <a:avLst/>
+          </a:prstGeom>
+          <a:noFill/>
+        </p:spPr>
+        <p:txBody>
+          <a:bodyPr wrap="none" rtlCol="0">
+            <a:spAutoFit/>
+          </a:bodyPr>
+          <a:lstStyle/>
+          <a:p>
+            <a:r>
+              <a:rPr lang="zh-CN" altLang="en-US"/>
+              <a:t>投影</a:t>
+            </a:r>
+          </a:p>
+        </p:txBody>
+      </p:sp>
+      <p:sp>
+        <p:nvSpPr>
+          <p:cNvPr id="34" name="文本框 33">
+            <a:extLst>
+              <a:ext uri="{FF2B5EF4-FFF2-40B4-BE49-F238E27FC236}">
+                <a16:creationId xmlns:a16="http://schemas.microsoft.com/office/drawing/2014/main" id="{88D51E30-64B2-4086-A86B-DC3EA7893287}"/>
+              </a:ext>
+            </a:extLst>
+          </p:cNvPr>
+          <p:cNvSpPr txBox="1"/>
+          <p:nvPr/>
+        </p:nvSpPr>
+        <p:spPr>
+          <a:xfrm>
+            <a:off x="7659765" y="1301262"/>
+            <a:ext cx="646331" cy="369332"/>
+          </a:xfrm>
+          <a:prstGeom prst="rect">
+            <a:avLst/>
+          </a:prstGeom>
+          <a:noFill/>
+        </p:spPr>
+        <p:txBody>
+          <a:bodyPr wrap="none" rtlCol="0">
+            <a:spAutoFit/>
+          </a:bodyPr>
+          <a:lstStyle/>
+          <a:p>
+            <a:r>
+              <a:rPr lang="zh-CN" altLang="en-US"/>
+              <a:t>输出</a:t>
+            </a:r>
+          </a:p>
+        </p:txBody>
+      </p:sp>
+    </p:spTree>
+    <p:extLst>
+      <p:ext uri="{BB962C8B-B14F-4D97-AF65-F5344CB8AC3E}">
+        <p14:creationId xmlns:p14="http://schemas.microsoft.com/office/powerpoint/2010/main" val="910123104"/>
+      </p:ext>
+    </p:extLst>
+  </p:cSld>
+  <p:clrMapOvr>
+    <a:masterClrMapping/>
+  </p:clrMapOvr>
+</p:sld>
+</file>
+
+<file path=ppt/slides/slide6.xml><?xml version="1.0" encoding="utf-8"?>
+<p:sld xmlns:a="http://schemas.openxmlformats.org/drawingml/2006/main" xmlns:r="http://schemas.openxmlformats.org/officeDocument/2006/relationships" xmlns:p="http://schemas.openxmlformats.org/presentationml/2006/main">
+  <p:cSld>
+    <p:spTree>
+      <p:nvGrpSpPr>
+        <p:cNvPr id="1" name=""/>
+        <p:cNvGrpSpPr/>
+        <p:nvPr/>
+      </p:nvGrpSpPr>
+      <p:grpSpPr>
+        <a:xfrm>
+          <a:off x="0" y="0"/>
+          <a:ext cx="0" cy="0"/>
+          <a:chOff x="0" y="0"/>
+          <a:chExt cx="0" cy="0"/>
+        </a:xfrm>
+      </p:grpSpPr>
+      <p:sp>
+        <p:nvSpPr>
           <p:cNvPr id="5" name="标题 4">
             <a:extLst>
               <a:ext uri="{FF2B5EF4-FFF2-40B4-BE49-F238E27FC236}">
@@ -3579,7 +6326,7 @@
         </p:nvSpPr>
         <p:spPr>
           <a:xfrm>
-            <a:off x="1595166" y="3886579"/>
+            <a:off x="1188628" y="3583279"/>
             <a:ext cx="2083981" cy="646331"/>
           </a:xfrm>
           <a:prstGeom prst="rect">
@@ -3595,7 +6342,15 @@
           <a:p>
             <a:r>
               <a:rPr kumimoji="1" lang="zh-CN" altLang="en-US" dirty="0"/>
-              <a:t>输入词索引表示的文本集向量矩阵</a:t>
+              <a:t>输入词索引</a:t>
+            </a:r>
+            <a:r>
+              <a:rPr kumimoji="1" lang="zh-CN" altLang="en-US"/>
+              <a:t>表示的窗口向量</a:t>
+            </a:r>
+            <a:r>
+              <a:rPr kumimoji="1" lang="zh-CN" altLang="en-US" dirty="0"/>
+              <a:t>矩阵</a:t>
             </a:r>
           </a:p>
         </p:txBody>
@@ -3614,7 +6369,7 @@
         </p:nvSpPr>
         <p:spPr>
           <a:xfrm>
-            <a:off x="5808091" y="1730430"/>
+            <a:off x="5472811" y="1301262"/>
             <a:ext cx="1851843" cy="369332"/>
           </a:xfrm>
           <a:prstGeom prst="rect">
@@ -3635,8 +6390,8 @@
           </a:p>
         </p:txBody>
       </p:sp>
-      <mc:AlternateContent xmlns:mc="http://schemas.openxmlformats.org/markup-compatibility/2006">
-        <mc:Choice xmlns:a14="http://schemas.microsoft.com/office/drawing/2010/main" Requires="a14">
+      <mc:AlternateContent xmlns:mc="http://schemas.openxmlformats.org/markup-compatibility/2006" xmlns:a14="http://schemas.microsoft.com/office/drawing/2010/main">
+        <mc:Choice Requires="a14">
           <p:sp>
             <p:nvSpPr>
               <p:cNvPr id="8" name="文本框 7">
@@ -3651,7 +6406,7 @@
             </p:nvSpPr>
             <p:spPr>
               <a:xfrm>
-                <a:off x="1168373" y="2494252"/>
+                <a:off x="833093" y="2065084"/>
                 <a:ext cx="2813141" cy="1077539"/>
               </a:xfrm>
               <a:prstGeom prst="rect">
@@ -4074,7 +6829,7 @@
             </p:txBody>
           </p:sp>
         </mc:Choice>
-        <mc:Fallback>
+        <mc:Fallback xmlns="">
           <p:sp>
             <p:nvSpPr>
               <p:cNvPr id="8" name="文本框 7">
@@ -4091,7 +6846,7 @@
             </p:nvSpPr>
             <p:spPr>
               <a:xfrm>
-                <a:off x="1168373" y="2494252"/>
+                <a:off x="833093" y="2065084"/>
                 <a:ext cx="2813141" cy="1077539"/>
               </a:xfrm>
               <a:prstGeom prst="rect">
@@ -4119,8 +6874,8 @@
           </p:sp>
         </mc:Fallback>
       </mc:AlternateContent>
-      <mc:AlternateContent xmlns:mc="http://schemas.openxmlformats.org/markup-compatibility/2006">
-        <mc:Choice xmlns:a14="http://schemas.microsoft.com/office/drawing/2010/main" Requires="a14">
+      <mc:AlternateContent xmlns:mc="http://schemas.openxmlformats.org/markup-compatibility/2006" xmlns:a14="http://schemas.microsoft.com/office/drawing/2010/main">
+        <mc:Choice Requires="a14">
           <p:sp>
             <p:nvSpPr>
               <p:cNvPr id="9" name="文本框 8">
@@ -4135,8 +6890,8 @@
             </p:nvSpPr>
             <p:spPr>
               <a:xfrm>
-                <a:off x="5263302" y="2474182"/>
-                <a:ext cx="2513765" cy="1134093"/>
+                <a:off x="4928022" y="2045014"/>
+                <a:ext cx="2896883" cy="1170000"/>
               </a:xfrm>
               <a:prstGeom prst="rect">
                 <a:avLst/>
@@ -4206,7 +6961,19 @@
                                       <a:rPr kumimoji="1" lang="en-US" altLang="zh-CN" b="0" i="1" smtClean="0">
                                         <a:latin typeface="Cambria Math" charset="0"/>
                                       </a:rPr>
-                                      <m:t>11</m:t>
+                                      <m:t>1</m:t>
+                                    </m:r>
+                                    <m:r>
+                                      <a:rPr kumimoji="1" lang="en-US" altLang="zh-CN" b="0" i="1" smtClean="0">
+                                        <a:latin typeface="Cambria Math" panose="02040503050406030204" pitchFamily="18" charset="0"/>
+                                      </a:rPr>
+                                      <m:t>_</m:t>
+                                    </m:r>
+                                    <m:r>
+                                      <a:rPr kumimoji="1" lang="en-US" altLang="zh-CN" b="0" i="1" smtClean="0">
+                                        <a:latin typeface="Cambria Math" charset="0"/>
+                                      </a:rPr>
+                                      <m:t>1</m:t>
                                     </m:r>
                                   </m:sub>
                                 </m:sSub>
@@ -4233,7 +7000,19 @@
                                       <a:rPr kumimoji="1" lang="en-US" altLang="zh-CN" b="0" i="1" smtClean="0">
                                         <a:latin typeface="Cambria Math" charset="0"/>
                                       </a:rPr>
-                                      <m:t>12</m:t>
+                                      <m:t>1</m:t>
+                                    </m:r>
+                                    <m:r>
+                                      <a:rPr kumimoji="1" lang="en-US" altLang="zh-CN" b="0" i="1" smtClean="0">
+                                        <a:latin typeface="Cambria Math" panose="02040503050406030204" pitchFamily="18" charset="0"/>
+                                      </a:rPr>
+                                      <m:t>_</m:t>
+                                    </m:r>
+                                    <m:r>
+                                      <a:rPr kumimoji="1" lang="en-US" altLang="zh-CN" b="0" i="1" smtClean="0">
+                                        <a:latin typeface="Cambria Math" charset="0"/>
+                                      </a:rPr>
+                                      <m:t>2</m:t>
                                     </m:r>
                                   </m:sub>
                                 </m:sSub>
@@ -4268,7 +7047,13 @@
                                       <a:rPr kumimoji="1" lang="en-US" altLang="zh-CN" b="0" i="1" smtClean="0">
                                         <a:latin typeface="Cambria Math" charset="0"/>
                                       </a:rPr>
-                                      <m:t>18</m:t>
+                                      <m:t>1</m:t>
+                                    </m:r>
+                                    <m:r>
+                                      <a:rPr kumimoji="1" lang="en-US" altLang="zh-CN" b="0" i="1" smtClean="0">
+                                        <a:latin typeface="Cambria Math" panose="02040503050406030204" pitchFamily="18" charset="0"/>
+                                      </a:rPr>
+                                      <m:t>_128</m:t>
                                     </m:r>
                                   </m:sub>
                                 </m:sSub>
@@ -4297,7 +7082,19 @@
                                       <a:rPr kumimoji="1" lang="en-US" altLang="zh-CN" b="0" i="1" smtClean="0">
                                         <a:latin typeface="Cambria Math" charset="0"/>
                                       </a:rPr>
-                                      <m:t>21</m:t>
+                                      <m:t>2</m:t>
+                                    </m:r>
+                                    <m:r>
+                                      <a:rPr kumimoji="1" lang="en-US" altLang="zh-CN" b="0" i="1" smtClean="0">
+                                        <a:latin typeface="Cambria Math" panose="02040503050406030204" pitchFamily="18" charset="0"/>
+                                      </a:rPr>
+                                      <m:t>_</m:t>
+                                    </m:r>
+                                    <m:r>
+                                      <a:rPr kumimoji="1" lang="en-US" altLang="zh-CN" b="0" i="1" smtClean="0">
+                                        <a:latin typeface="Cambria Math" charset="0"/>
+                                      </a:rPr>
+                                      <m:t>1</m:t>
                                     </m:r>
                                   </m:sub>
                                 </m:sSub>
@@ -4324,7 +7121,19 @@
                                       <a:rPr kumimoji="1" lang="en-US" altLang="zh-CN" b="0" i="1" smtClean="0">
                                         <a:latin typeface="Cambria Math" charset="0"/>
                                       </a:rPr>
-                                      <m:t>22</m:t>
+                                      <m:t>2</m:t>
+                                    </m:r>
+                                    <m:r>
+                                      <a:rPr kumimoji="1" lang="en-US" altLang="zh-CN" b="0" i="1" smtClean="0">
+                                        <a:latin typeface="Cambria Math" panose="02040503050406030204" pitchFamily="18" charset="0"/>
+                                      </a:rPr>
+                                      <m:t>_</m:t>
+                                    </m:r>
+                                    <m:r>
+                                      <a:rPr kumimoji="1" lang="en-US" altLang="zh-CN" b="0" i="1" smtClean="0">
+                                        <a:latin typeface="Cambria Math" charset="0"/>
+                                      </a:rPr>
+                                      <m:t>2</m:t>
                                     </m:r>
                                   </m:sub>
                                 </m:sSub>
@@ -4359,7 +7168,19 @@
                                       <a:rPr kumimoji="1" lang="en-US" altLang="zh-CN" b="0" i="1" smtClean="0">
                                         <a:latin typeface="Cambria Math" charset="0"/>
                                       </a:rPr>
-                                      <m:t>28</m:t>
+                                      <m:t>2</m:t>
+                                    </m:r>
+                                    <m:r>
+                                      <a:rPr kumimoji="1" lang="en-US" altLang="zh-CN" b="0" i="1" smtClean="0">
+                                        <a:latin typeface="Cambria Math" panose="02040503050406030204" pitchFamily="18" charset="0"/>
+                                      </a:rPr>
+                                      <m:t>_12</m:t>
+                                    </m:r>
+                                    <m:r>
+                                      <a:rPr kumimoji="1" lang="en-US" altLang="zh-CN" b="0" i="1" smtClean="0">
+                                        <a:latin typeface="Cambria Math" charset="0"/>
+                                      </a:rPr>
+                                      <m:t>8</m:t>
                                     </m:r>
                                   </m:sub>
                                 </m:sSub>
@@ -4427,7 +7248,7 @@
                                       <a:rPr kumimoji="1" lang="en-US" altLang="zh-CN" b="0" i="1" smtClean="0">
                                         <a:latin typeface="Cambria Math" charset="0"/>
                                       </a:rPr>
-                                      <m:t>|1</m:t>
+                                      <m:t>|_1</m:t>
                                     </m:r>
                                   </m:sub>
                                 </m:sSub>
@@ -4466,7 +7287,7 @@
                                       <a:rPr kumimoji="1" lang="en-US" altLang="zh-CN" b="0" i="1" smtClean="0">
                                         <a:latin typeface="Cambria Math" charset="0"/>
                                       </a:rPr>
-                                      <m:t>|2</m:t>
+                                      <m:t>|_2</m:t>
                                     </m:r>
                                   </m:sub>
                                 </m:sSub>
@@ -4513,7 +7334,7 @@
                                       <a:rPr kumimoji="1" lang="en-US" altLang="zh-CN" b="0" i="1" smtClean="0">
                                         <a:latin typeface="Cambria Math" charset="0"/>
                                       </a:rPr>
-                                      <m:t>|8</m:t>
+                                      <m:t>|_128</m:t>
                                     </m:r>
                                   </m:sub>
                                 </m:sSub>
@@ -4530,7 +7351,7 @@
             </p:txBody>
           </p:sp>
         </mc:Choice>
-        <mc:Fallback>
+        <mc:Fallback xmlns="">
           <p:sp>
             <p:nvSpPr>
               <p:cNvPr id="9" name="文本框 8">
@@ -4547,8 +7368,8 @@
             </p:nvSpPr>
             <p:spPr>
               <a:xfrm>
-                <a:off x="5263302" y="2474182"/>
-                <a:ext cx="2513765" cy="1134093"/>
+                <a:off x="4928022" y="2045014"/>
+                <a:ext cx="2896883" cy="1170000"/>
               </a:xfrm>
               <a:prstGeom prst="rect">
                 <a:avLst/>
@@ -4584,13 +7405,15 @@
               </a:ext>
             </a:extLst>
           </p:cNvPr>
-          <p:cNvCxnSpPr/>
+          <p:cNvCxnSpPr>
+            <a:cxnSpLocks/>
+          </p:cNvCxnSpPr>
           <p:nvPr/>
         </p:nvCxnSpPr>
         <p:spPr>
           <a:xfrm flipV="1">
-            <a:off x="1532954" y="1496897"/>
-            <a:ext cx="0" cy="977285"/>
+            <a:off x="1197674" y="1579727"/>
+            <a:ext cx="0" cy="465288"/>
           </a:xfrm>
           <a:prstGeom prst="line">
             <a:avLst/>
@@ -4611,8 +7434,8 @@
           </a:fontRef>
         </p:style>
       </p:cxnSp>
-      <mc:AlternateContent xmlns:mc="http://schemas.openxmlformats.org/markup-compatibility/2006">
-        <mc:Choice xmlns:a14="http://schemas.microsoft.com/office/drawing/2010/main" Requires="a14">
+      <mc:AlternateContent xmlns:mc="http://schemas.openxmlformats.org/markup-compatibility/2006" xmlns:a14="http://schemas.microsoft.com/office/drawing/2010/main">
+        <mc:Choice Requires="a14">
           <p:sp>
             <p:nvSpPr>
               <p:cNvPr id="11" name="文本框 10">
@@ -4627,8 +7450,8 @@
             </p:nvSpPr>
             <p:spPr>
               <a:xfrm>
-                <a:off x="8519922" y="2473885"/>
-                <a:ext cx="2224712" cy="1020472"/>
+                <a:off x="8184642" y="2044717"/>
+                <a:ext cx="2478884" cy="1022780"/>
               </a:xfrm>
               <a:prstGeom prst="rect">
                 <a:avLst/>
@@ -4694,9 +7517,9 @@
                                         <a:solidFill>
                                           <a:schemeClr val="accent1"/>
                                         </a:solidFill>
-                                        <a:latin typeface="Cambria Math" charset="0"/>
-                                      </a:rPr>
-                                      <m:t>𝑤</m:t>
+                                        <a:latin typeface="Cambria Math" panose="02040503050406030204" pitchFamily="18" charset="0"/>
+                                      </a:rPr>
+                                      <m:t>𝑣</m:t>
                                     </m:r>
                                   </m:e>
                                   <m:sub>
@@ -4707,7 +7530,25 @@
                                         </a:solidFill>
                                         <a:latin typeface="Cambria Math" charset="0"/>
                                       </a:rPr>
-                                      <m:t>11</m:t>
+                                      <m:t>1</m:t>
+                                    </m:r>
+                                    <m:r>
+                                      <a:rPr kumimoji="1" lang="en-US" altLang="zh-CN" b="0" i="1" smtClean="0">
+                                        <a:solidFill>
+                                          <a:schemeClr val="accent1"/>
+                                        </a:solidFill>
+                                        <a:latin typeface="Cambria Math" panose="02040503050406030204" pitchFamily="18" charset="0"/>
+                                      </a:rPr>
+                                      <m:t>_</m:t>
+                                    </m:r>
+                                    <m:r>
+                                      <a:rPr kumimoji="1" lang="en-US" altLang="zh-CN" b="0" i="1" smtClean="0">
+                                        <a:solidFill>
+                                          <a:schemeClr val="accent1"/>
+                                        </a:solidFill>
+                                        <a:latin typeface="Cambria Math" charset="0"/>
+                                      </a:rPr>
+                                      <m:t>1</m:t>
                                     </m:r>
                                   </m:sub>
                                 </m:sSub>
@@ -4730,9 +7571,9 @@
                                         <a:solidFill>
                                           <a:schemeClr val="accent1"/>
                                         </a:solidFill>
-                                        <a:latin typeface="Cambria Math" charset="0"/>
-                                      </a:rPr>
-                                      <m:t>𝑤</m:t>
+                                        <a:latin typeface="Cambria Math" panose="02040503050406030204" pitchFamily="18" charset="0"/>
+                                      </a:rPr>
+                                      <m:t>𝑣</m:t>
                                     </m:r>
                                   </m:e>
                                   <m:sub>
@@ -4743,7 +7584,25 @@
                                         </a:solidFill>
                                         <a:latin typeface="Cambria Math" charset="0"/>
                                       </a:rPr>
-                                      <m:t>12</m:t>
+                                      <m:t>1</m:t>
+                                    </m:r>
+                                    <m:r>
+                                      <a:rPr kumimoji="1" lang="en-US" altLang="zh-CN" b="0" i="1" smtClean="0">
+                                        <a:solidFill>
+                                          <a:schemeClr val="accent1"/>
+                                        </a:solidFill>
+                                        <a:latin typeface="Cambria Math" panose="02040503050406030204" pitchFamily="18" charset="0"/>
+                                      </a:rPr>
+                                      <m:t>_</m:t>
+                                    </m:r>
+                                    <m:r>
+                                      <a:rPr kumimoji="1" lang="en-US" altLang="zh-CN" b="0" i="1" smtClean="0">
+                                        <a:solidFill>
+                                          <a:schemeClr val="accent1"/>
+                                        </a:solidFill>
+                                        <a:latin typeface="Cambria Math" charset="0"/>
+                                      </a:rPr>
+                                      <m:t>2</m:t>
                                     </m:r>
                                   </m:sub>
                                 </m:sSub>
@@ -4774,9 +7633,9 @@
                                         <a:solidFill>
                                           <a:schemeClr val="accent1"/>
                                         </a:solidFill>
-                                        <a:latin typeface="Cambria Math" charset="0"/>
-                                      </a:rPr>
-                                      <m:t>𝑤</m:t>
+                                        <a:latin typeface="Cambria Math" panose="02040503050406030204" pitchFamily="18" charset="0"/>
+                                      </a:rPr>
+                                      <m:t>𝑣</m:t>
                                     </m:r>
                                   </m:e>
                                   <m:sub>
@@ -4787,7 +7646,25 @@
                                         </a:solidFill>
                                         <a:latin typeface="Cambria Math" charset="0"/>
                                       </a:rPr>
-                                      <m:t>18</m:t>
+                                      <m:t>1</m:t>
+                                    </m:r>
+                                    <m:r>
+                                      <a:rPr kumimoji="1" lang="en-US" altLang="zh-CN" b="0" i="1" smtClean="0">
+                                        <a:solidFill>
+                                          <a:schemeClr val="accent1"/>
+                                        </a:solidFill>
+                                        <a:latin typeface="Cambria Math" panose="02040503050406030204" pitchFamily="18" charset="0"/>
+                                      </a:rPr>
+                                      <m:t>_12</m:t>
+                                    </m:r>
+                                    <m:r>
+                                      <a:rPr kumimoji="1" lang="en-US" altLang="zh-CN" b="0" i="1" smtClean="0">
+                                        <a:solidFill>
+                                          <a:schemeClr val="accent1"/>
+                                        </a:solidFill>
+                                        <a:latin typeface="Cambria Math" charset="0"/>
+                                      </a:rPr>
+                                      <m:t>8</m:t>
                                     </m:r>
                                   </m:sub>
                                 </m:sSub>
@@ -4812,9 +7689,9 @@
                                         <a:solidFill>
                                           <a:schemeClr val="accent2"/>
                                         </a:solidFill>
-                                        <a:latin typeface="Cambria Math" charset="0"/>
-                                      </a:rPr>
-                                      <m:t>𝑤</m:t>
+                                        <a:latin typeface="Cambria Math" panose="02040503050406030204" pitchFamily="18" charset="0"/>
+                                      </a:rPr>
+                                      <m:t>𝑣</m:t>
                                     </m:r>
                                   </m:e>
                                   <m:sub>
@@ -4825,7 +7702,25 @@
                                         </a:solidFill>
                                         <a:latin typeface="Cambria Math" charset="0"/>
                                       </a:rPr>
-                                      <m:t>21</m:t>
+                                      <m:t>2</m:t>
+                                    </m:r>
+                                    <m:r>
+                                      <a:rPr kumimoji="1" lang="en-US" altLang="zh-CN" b="0" i="1" smtClean="0">
+                                        <a:solidFill>
+                                          <a:schemeClr val="accent2"/>
+                                        </a:solidFill>
+                                        <a:latin typeface="Cambria Math" panose="02040503050406030204" pitchFamily="18" charset="0"/>
+                                      </a:rPr>
+                                      <m:t>_</m:t>
+                                    </m:r>
+                                    <m:r>
+                                      <a:rPr kumimoji="1" lang="en-US" altLang="zh-CN" b="0" i="1" smtClean="0">
+                                        <a:solidFill>
+                                          <a:schemeClr val="accent2"/>
+                                        </a:solidFill>
+                                        <a:latin typeface="Cambria Math" charset="0"/>
+                                      </a:rPr>
+                                      <m:t>1</m:t>
                                     </m:r>
                                   </m:sub>
                                 </m:sSub>
@@ -4848,9 +7743,9 @@
                                         <a:solidFill>
                                           <a:schemeClr val="accent2"/>
                                         </a:solidFill>
-                                        <a:latin typeface="Cambria Math" charset="0"/>
-                                      </a:rPr>
-                                      <m:t>𝑤</m:t>
+                                        <a:latin typeface="Cambria Math" panose="02040503050406030204" pitchFamily="18" charset="0"/>
+                                      </a:rPr>
+                                      <m:t>𝑣</m:t>
                                     </m:r>
                                   </m:e>
                                   <m:sub>
@@ -4861,7 +7756,25 @@
                                         </a:solidFill>
                                         <a:latin typeface="Cambria Math" charset="0"/>
                                       </a:rPr>
-                                      <m:t>22</m:t>
+                                      <m:t>2</m:t>
+                                    </m:r>
+                                    <m:r>
+                                      <a:rPr kumimoji="1" lang="en-US" altLang="zh-CN" b="0" i="1" smtClean="0">
+                                        <a:solidFill>
+                                          <a:schemeClr val="accent2"/>
+                                        </a:solidFill>
+                                        <a:latin typeface="Cambria Math" panose="02040503050406030204" pitchFamily="18" charset="0"/>
+                                      </a:rPr>
+                                      <m:t>_</m:t>
+                                    </m:r>
+                                    <m:r>
+                                      <a:rPr kumimoji="1" lang="en-US" altLang="zh-CN" b="0" i="1" smtClean="0">
+                                        <a:solidFill>
+                                          <a:schemeClr val="accent2"/>
+                                        </a:solidFill>
+                                        <a:latin typeface="Cambria Math" charset="0"/>
+                                      </a:rPr>
+                                      <m:t>2</m:t>
                                     </m:r>
                                   </m:sub>
                                 </m:sSub>
@@ -4892,9 +7805,9 @@
                                         <a:solidFill>
                                           <a:schemeClr val="accent2"/>
                                         </a:solidFill>
-                                        <a:latin typeface="Cambria Math" charset="0"/>
-                                      </a:rPr>
-                                      <m:t>𝑤</m:t>
+                                        <a:latin typeface="Cambria Math" panose="02040503050406030204" pitchFamily="18" charset="0"/>
+                                      </a:rPr>
+                                      <m:t>𝑣</m:t>
                                     </m:r>
                                   </m:e>
                                   <m:sub>
@@ -4905,7 +7818,25 @@
                                         </a:solidFill>
                                         <a:latin typeface="Cambria Math" charset="0"/>
                                       </a:rPr>
-                                      <m:t>28</m:t>
+                                      <m:t>2</m:t>
+                                    </m:r>
+                                    <m:r>
+                                      <a:rPr kumimoji="1" lang="en-US" altLang="zh-CN" b="0" i="1" smtClean="0">
+                                        <a:solidFill>
+                                          <a:schemeClr val="accent2"/>
+                                        </a:solidFill>
+                                        <a:latin typeface="Cambria Math" panose="02040503050406030204" pitchFamily="18" charset="0"/>
+                                      </a:rPr>
+                                      <m:t>_12</m:t>
+                                    </m:r>
+                                    <m:r>
+                                      <a:rPr kumimoji="1" lang="en-US" altLang="zh-CN" b="0" i="1" smtClean="0">
+                                        <a:solidFill>
+                                          <a:schemeClr val="accent2"/>
+                                        </a:solidFill>
+                                        <a:latin typeface="Cambria Math" charset="0"/>
+                                      </a:rPr>
+                                      <m:t>8</m:t>
                                     </m:r>
                                   </m:sub>
                                 </m:sSub>
@@ -4930,9 +7861,9 @@
                                         <a:solidFill>
                                           <a:schemeClr val="accent6"/>
                                         </a:solidFill>
-                                        <a:latin typeface="Cambria Math" charset="0"/>
-                                      </a:rPr>
-                                      <m:t>𝑤</m:t>
+                                        <a:latin typeface="Cambria Math" panose="02040503050406030204" pitchFamily="18" charset="0"/>
+                                      </a:rPr>
+                                      <m:t>𝑣</m:t>
                                     </m:r>
                                   </m:e>
                                   <m:sub>
@@ -4943,7 +7874,25 @@
                                         </a:solidFill>
                                         <a:latin typeface="Cambria Math" charset="0"/>
                                       </a:rPr>
-                                      <m:t>31</m:t>
+                                      <m:t>3</m:t>
+                                    </m:r>
+                                    <m:r>
+                                      <a:rPr kumimoji="1" lang="en-US" altLang="zh-CN" b="0" i="1" smtClean="0">
+                                        <a:solidFill>
+                                          <a:schemeClr val="accent6"/>
+                                        </a:solidFill>
+                                        <a:latin typeface="Cambria Math" panose="02040503050406030204" pitchFamily="18" charset="0"/>
+                                      </a:rPr>
+                                      <m:t>_</m:t>
+                                    </m:r>
+                                    <m:r>
+                                      <a:rPr kumimoji="1" lang="en-US" altLang="zh-CN" b="0" i="1" smtClean="0">
+                                        <a:solidFill>
+                                          <a:schemeClr val="accent6"/>
+                                        </a:solidFill>
+                                        <a:latin typeface="Cambria Math" charset="0"/>
+                                      </a:rPr>
+                                      <m:t>1</m:t>
                                     </m:r>
                                   </m:sub>
                                 </m:sSub>
@@ -4966,9 +7915,9 @@
                                         <a:solidFill>
                                           <a:schemeClr val="accent6"/>
                                         </a:solidFill>
-                                        <a:latin typeface="Cambria Math" charset="0"/>
-                                      </a:rPr>
-                                      <m:t>𝑤</m:t>
+                                        <a:latin typeface="Cambria Math" panose="02040503050406030204" pitchFamily="18" charset="0"/>
+                                      </a:rPr>
+                                      <m:t>𝑣</m:t>
                                     </m:r>
                                   </m:e>
                                   <m:sub>
@@ -4979,7 +7928,25 @@
                                         </a:solidFill>
                                         <a:latin typeface="Cambria Math" charset="0"/>
                                       </a:rPr>
-                                      <m:t>32</m:t>
+                                      <m:t>3</m:t>
+                                    </m:r>
+                                    <m:r>
+                                      <a:rPr kumimoji="1" lang="en-US" altLang="zh-CN" b="0" i="1" smtClean="0">
+                                        <a:solidFill>
+                                          <a:schemeClr val="accent6"/>
+                                        </a:solidFill>
+                                        <a:latin typeface="Cambria Math" panose="02040503050406030204" pitchFamily="18" charset="0"/>
+                                      </a:rPr>
+                                      <m:t>_</m:t>
+                                    </m:r>
+                                    <m:r>
+                                      <a:rPr kumimoji="1" lang="en-US" altLang="zh-CN" b="0" i="1" smtClean="0">
+                                        <a:solidFill>
+                                          <a:schemeClr val="accent6"/>
+                                        </a:solidFill>
+                                        <a:latin typeface="Cambria Math" charset="0"/>
+                                      </a:rPr>
+                                      <m:t>2</m:t>
                                     </m:r>
                                   </m:sub>
                                 </m:sSub>
@@ -5010,9 +7977,9 @@
                                         <a:solidFill>
                                           <a:schemeClr val="accent6"/>
                                         </a:solidFill>
-                                        <a:latin typeface="Cambria Math" charset="0"/>
-                                      </a:rPr>
-                                      <m:t>𝑤</m:t>
+                                        <a:latin typeface="Cambria Math" panose="02040503050406030204" pitchFamily="18" charset="0"/>
+                                      </a:rPr>
+                                      <m:t>𝑣</m:t>
                                     </m:r>
                                   </m:e>
                                   <m:sub>
@@ -5023,7 +7990,25 @@
                                         </a:solidFill>
                                         <a:latin typeface="Cambria Math" charset="0"/>
                                       </a:rPr>
-                                      <m:t>38</m:t>
+                                      <m:t>3</m:t>
+                                    </m:r>
+                                    <m:r>
+                                      <a:rPr kumimoji="1" lang="en-US" altLang="zh-CN" b="0" i="1" smtClean="0">
+                                        <a:solidFill>
+                                          <a:schemeClr val="accent6"/>
+                                        </a:solidFill>
+                                        <a:latin typeface="Cambria Math" panose="02040503050406030204" pitchFamily="18" charset="0"/>
+                                      </a:rPr>
+                                      <m:t>_12</m:t>
+                                    </m:r>
+                                    <m:r>
+                                      <a:rPr kumimoji="1" lang="en-US" altLang="zh-CN" b="0" i="1" smtClean="0">
+                                        <a:solidFill>
+                                          <a:schemeClr val="accent6"/>
+                                        </a:solidFill>
+                                        <a:latin typeface="Cambria Math" charset="0"/>
+                                      </a:rPr>
+                                      <m:t>8</m:t>
                                     </m:r>
                                   </m:sub>
                                 </m:sSub>
@@ -5048,9 +8033,9 @@
                                         <a:solidFill>
                                           <a:schemeClr val="accent4"/>
                                         </a:solidFill>
-                                        <a:latin typeface="Cambria Math" charset="0"/>
-                                      </a:rPr>
-                                      <m:t>𝑤</m:t>
+                                        <a:latin typeface="Cambria Math" panose="02040503050406030204" pitchFamily="18" charset="0"/>
+                                      </a:rPr>
+                                      <m:t>𝑣</m:t>
                                     </m:r>
                                   </m:e>
                                   <m:sub>
@@ -5061,7 +8046,25 @@
                                         </a:solidFill>
                                         <a:latin typeface="Cambria Math" charset="0"/>
                                       </a:rPr>
-                                      <m:t>41</m:t>
+                                      <m:t>4</m:t>
+                                    </m:r>
+                                    <m:r>
+                                      <a:rPr kumimoji="1" lang="en-US" altLang="zh-CN" b="0" i="1" smtClean="0">
+                                        <a:solidFill>
+                                          <a:schemeClr val="accent4"/>
+                                        </a:solidFill>
+                                        <a:latin typeface="Cambria Math" panose="02040503050406030204" pitchFamily="18" charset="0"/>
+                                      </a:rPr>
+                                      <m:t>_</m:t>
+                                    </m:r>
+                                    <m:r>
+                                      <a:rPr kumimoji="1" lang="en-US" altLang="zh-CN" b="0" i="1" smtClean="0">
+                                        <a:solidFill>
+                                          <a:schemeClr val="accent4"/>
+                                        </a:solidFill>
+                                        <a:latin typeface="Cambria Math" charset="0"/>
+                                      </a:rPr>
+                                      <m:t>1</m:t>
                                     </m:r>
                                   </m:sub>
                                 </m:sSub>
@@ -5084,9 +8087,9 @@
                                         <a:solidFill>
                                           <a:schemeClr val="accent4"/>
                                         </a:solidFill>
-                                        <a:latin typeface="Cambria Math" charset="0"/>
-                                      </a:rPr>
-                                      <m:t>𝑤</m:t>
+                                        <a:latin typeface="Cambria Math" panose="02040503050406030204" pitchFamily="18" charset="0"/>
+                                      </a:rPr>
+                                      <m:t>𝑣</m:t>
                                     </m:r>
                                   </m:e>
                                   <m:sub>
@@ -5097,7 +8100,25 @@
                                         </a:solidFill>
                                         <a:latin typeface="Cambria Math" charset="0"/>
                                       </a:rPr>
-                                      <m:t>42</m:t>
+                                      <m:t>4</m:t>
+                                    </m:r>
+                                    <m:r>
+                                      <a:rPr kumimoji="1" lang="en-US" altLang="zh-CN" b="0" i="1" smtClean="0">
+                                        <a:solidFill>
+                                          <a:schemeClr val="accent4"/>
+                                        </a:solidFill>
+                                        <a:latin typeface="Cambria Math" panose="02040503050406030204" pitchFamily="18" charset="0"/>
+                                      </a:rPr>
+                                      <m:t>_</m:t>
+                                    </m:r>
+                                    <m:r>
+                                      <a:rPr kumimoji="1" lang="en-US" altLang="zh-CN" b="0" i="1" smtClean="0">
+                                        <a:solidFill>
+                                          <a:schemeClr val="accent4"/>
+                                        </a:solidFill>
+                                        <a:latin typeface="Cambria Math" charset="0"/>
+                                      </a:rPr>
+                                      <m:t>2</m:t>
                                     </m:r>
                                   </m:sub>
                                 </m:sSub>
@@ -5128,9 +8149,9 @@
                                         <a:solidFill>
                                           <a:schemeClr val="accent4"/>
                                         </a:solidFill>
-                                        <a:latin typeface="Cambria Math" charset="0"/>
-                                      </a:rPr>
-                                      <m:t>𝑤</m:t>
+                                        <a:latin typeface="Cambria Math" panose="02040503050406030204" pitchFamily="18" charset="0"/>
+                                      </a:rPr>
+                                      <m:t>𝑣</m:t>
                                     </m:r>
                                   </m:e>
                                   <m:sub>
@@ -5141,7 +8162,25 @@
                                         </a:solidFill>
                                         <a:latin typeface="Cambria Math" charset="0"/>
                                       </a:rPr>
-                                      <m:t>48</m:t>
+                                      <m:t>4</m:t>
+                                    </m:r>
+                                    <m:r>
+                                      <a:rPr kumimoji="1" lang="en-US" altLang="zh-CN" b="0" i="1" smtClean="0">
+                                        <a:solidFill>
+                                          <a:schemeClr val="accent4"/>
+                                        </a:solidFill>
+                                        <a:latin typeface="Cambria Math" panose="02040503050406030204" pitchFamily="18" charset="0"/>
+                                      </a:rPr>
+                                      <m:t>_12</m:t>
+                                    </m:r>
+                                    <m:r>
+                                      <a:rPr kumimoji="1" lang="en-US" altLang="zh-CN" b="0" i="1" smtClean="0">
+                                        <a:solidFill>
+                                          <a:schemeClr val="accent4"/>
+                                        </a:solidFill>
+                                        <a:latin typeface="Cambria Math" charset="0"/>
+                                      </a:rPr>
+                                      <m:t>8</m:t>
                                     </m:r>
                                   </m:sub>
                                 </m:sSub>
@@ -5158,7 +8197,7 @@
             </p:txBody>
           </p:sp>
         </mc:Choice>
-        <mc:Fallback>
+        <mc:Fallback xmlns="">
           <p:sp>
             <p:nvSpPr>
               <p:cNvPr id="11" name="文本框 10">
@@ -5175,8 +8214,8 @@
             </p:nvSpPr>
             <p:spPr>
               <a:xfrm>
-                <a:off x="8519922" y="2473885"/>
-                <a:ext cx="2224712" cy="1020472"/>
+                <a:off x="8184642" y="2044717"/>
+                <a:ext cx="2478884" cy="1022780"/>
               </a:xfrm>
               <a:prstGeom prst="rect">
                 <a:avLst/>
@@ -5205,47 +8244,6 @@
       </mc:AlternateContent>
       <p:cxnSp>
         <p:nvCxnSpPr>
-          <p:cNvPr id="12" name="肘形连接符 46">
-            <a:extLst>
-              <a:ext uri="{FF2B5EF4-FFF2-40B4-BE49-F238E27FC236}">
-                <a16:creationId xmlns:a16="http://schemas.microsoft.com/office/drawing/2014/main" id="{ADC1E256-7FE8-4E58-9E16-C1AFE2D238F2}"/>
-              </a:ext>
-            </a:extLst>
-          </p:cNvPr>
-          <p:cNvCxnSpPr>
-            <a:stCxn id="9" idx="3"/>
-          </p:cNvCxnSpPr>
-          <p:nvPr/>
-        </p:nvCxnSpPr>
-        <p:spPr>
-          <a:xfrm flipV="1">
-            <a:off x="7777067" y="2577397"/>
-            <a:ext cx="742855" cy="463832"/>
-          </a:xfrm>
-          <a:prstGeom prst="bentConnector3">
-            <a:avLst/>
-          </a:prstGeom>
-          <a:ln>
-            <a:tailEnd type="triangle"/>
-          </a:ln>
-        </p:spPr>
-        <p:style>
-          <a:lnRef idx="3">
-            <a:schemeClr val="accent1"/>
-          </a:lnRef>
-          <a:fillRef idx="0">
-            <a:schemeClr val="accent1"/>
-          </a:fillRef>
-          <a:effectRef idx="2">
-            <a:schemeClr val="accent1"/>
-          </a:effectRef>
-          <a:fontRef idx="minor">
-            <a:schemeClr val="tx1"/>
-          </a:fontRef>
-        </p:style>
-      </p:cxnSp>
-      <p:cxnSp>
-        <p:nvCxnSpPr>
           <p:cNvPr id="13" name="直线连接符 47">
             <a:extLst>
               <a:ext uri="{FF2B5EF4-FFF2-40B4-BE49-F238E27FC236}">
@@ -5253,13 +8251,15 @@
               </a:ext>
             </a:extLst>
           </p:cNvPr>
-          <p:cNvCxnSpPr/>
+          <p:cNvCxnSpPr>
+            <a:cxnSpLocks/>
+          </p:cNvCxnSpPr>
           <p:nvPr/>
         </p:nvCxnSpPr>
         <p:spPr>
           <a:xfrm flipV="1">
-            <a:off x="2220612" y="1730430"/>
-            <a:ext cx="0" cy="743456"/>
+            <a:off x="1885332" y="1693818"/>
+            <a:ext cx="0" cy="350900"/>
           </a:xfrm>
           <a:prstGeom prst="line">
             <a:avLst/>
@@ -5290,17 +8290,20 @@
             </a:extLst>
           </p:cNvPr>
           <p:cNvCxnSpPr>
+            <a:cxnSpLocks/>
             <a:stCxn id="9" idx="3"/>
           </p:cNvCxnSpPr>
           <p:nvPr/>
         </p:nvCxnSpPr>
         <p:spPr>
           <a:xfrm flipV="1">
-            <a:off x="7777067" y="2805209"/>
-            <a:ext cx="742855" cy="236020"/>
+            <a:off x="7824905" y="2395936"/>
+            <a:ext cx="359737" cy="234078"/>
           </a:xfrm>
           <a:prstGeom prst="bentConnector3">
-            <a:avLst/>
+            <a:avLst>
+              <a:gd name="adj1" fmla="val 50000"/>
+            </a:avLst>
           </a:prstGeom>
           <a:ln>
             <a:tailEnd type="triangle"/>
@@ -5330,13 +8333,15 @@
               </a:ext>
             </a:extLst>
           </p:cNvPr>
-          <p:cNvCxnSpPr/>
+          <p:cNvCxnSpPr>
+            <a:cxnSpLocks/>
+          </p:cNvCxnSpPr>
           <p:nvPr/>
         </p:nvCxnSpPr>
         <p:spPr>
           <a:xfrm flipV="1">
-            <a:off x="2967744" y="1929020"/>
-            <a:ext cx="0" cy="544865"/>
+            <a:off x="2632464" y="1846088"/>
+            <a:ext cx="0" cy="198630"/>
           </a:xfrm>
           <a:prstGeom prst="line">
             <a:avLst/>
@@ -5366,13 +8371,15 @@
               </a:ext>
             </a:extLst>
           </p:cNvPr>
-          <p:cNvCxnSpPr/>
+          <p:cNvCxnSpPr>
+            <a:cxnSpLocks/>
+          </p:cNvCxnSpPr>
           <p:nvPr/>
         </p:nvCxnSpPr>
         <p:spPr>
           <a:xfrm flipV="1">
-            <a:off x="3610377" y="2208439"/>
-            <a:ext cx="6558" cy="272582"/>
+            <a:off x="3275097" y="1959875"/>
+            <a:ext cx="0" cy="91979"/>
           </a:xfrm>
           <a:prstGeom prst="line">
             <a:avLst/>
@@ -5409,8 +8416,8 @@
         </p:nvCxnSpPr>
         <p:spPr>
           <a:xfrm>
-            <a:off x="7777067" y="3041229"/>
-            <a:ext cx="742855" cy="95006"/>
+            <a:off x="7824905" y="2630014"/>
+            <a:ext cx="359737" cy="77053"/>
           </a:xfrm>
           <a:prstGeom prst="bentConnector3">
             <a:avLst/>
@@ -5450,8 +8457,8 @@
         </p:nvCxnSpPr>
         <p:spPr>
           <a:xfrm>
-            <a:off x="7777067" y="3041229"/>
-            <a:ext cx="742855" cy="376928"/>
+            <a:off x="7824905" y="2630014"/>
+            <a:ext cx="359737" cy="358975"/>
           </a:xfrm>
           <a:prstGeom prst="bentConnector3">
             <a:avLst/>
@@ -5489,7 +8496,7 @@
         </p:nvSpPr>
         <p:spPr>
           <a:xfrm>
-            <a:off x="1309368" y="2473886"/>
+            <a:off x="974088" y="2044718"/>
             <a:ext cx="524108" cy="286110"/>
           </a:xfrm>
           <a:prstGeom prst="rect">
@@ -5534,7 +8541,7 @@
         </p:nvSpPr>
         <p:spPr>
           <a:xfrm>
-            <a:off x="1936003" y="2473886"/>
+            <a:off x="1600723" y="2044718"/>
             <a:ext cx="524108" cy="286110"/>
           </a:xfrm>
           <a:prstGeom prst="rect">
@@ -5579,7 +8586,7 @@
         </p:nvSpPr>
         <p:spPr>
           <a:xfrm>
-            <a:off x="2637157" y="2467194"/>
+            <a:off x="2301877" y="2038026"/>
             <a:ext cx="524108" cy="286110"/>
           </a:xfrm>
           <a:prstGeom prst="rect">
@@ -5624,7 +8631,7 @@
         </p:nvSpPr>
         <p:spPr>
           <a:xfrm>
-            <a:off x="3345835" y="2473886"/>
+            <a:off x="3010555" y="2044718"/>
             <a:ext cx="524108" cy="286110"/>
           </a:xfrm>
           <a:prstGeom prst="rect">
@@ -5655,8 +8662,8 @@
           </a:p>
         </p:txBody>
       </p:sp>
-      <mc:AlternateContent xmlns:mc="http://schemas.openxmlformats.org/markup-compatibility/2006">
-        <mc:Choice xmlns:a14="http://schemas.microsoft.com/office/drawing/2010/main" Requires="a14">
+      <mc:AlternateContent xmlns:mc="http://schemas.openxmlformats.org/markup-compatibility/2006" xmlns:a14="http://schemas.microsoft.com/office/drawing/2010/main">
+        <mc:Choice Requires="a14">
           <p:sp>
             <p:nvSpPr>
               <p:cNvPr id="23" name="文本框 22">
@@ -5671,8 +8678,8 @@
             </p:nvSpPr>
             <p:spPr>
               <a:xfrm>
-                <a:off x="8519922" y="3722169"/>
-                <a:ext cx="2224712" cy="1020472"/>
+                <a:off x="8184642" y="3293001"/>
+                <a:ext cx="2478884" cy="1022780"/>
               </a:xfrm>
               <a:prstGeom prst="rect">
                 <a:avLst/>
@@ -5738,9 +8745,9 @@
                                         <a:solidFill>
                                           <a:schemeClr val="accent1"/>
                                         </a:solidFill>
-                                        <a:latin typeface="Cambria Math" charset="0"/>
-                                      </a:rPr>
-                                      <m:t>𝑤</m:t>
+                                        <a:latin typeface="Cambria Math" panose="02040503050406030204" pitchFamily="18" charset="0"/>
+                                      </a:rPr>
+                                      <m:t>𝑣</m:t>
                                     </m:r>
                                   </m:e>
                                   <m:sub>
@@ -5751,7 +8758,25 @@
                                         </a:solidFill>
                                         <a:latin typeface="Cambria Math" charset="0"/>
                                       </a:rPr>
-                                      <m:t>11</m:t>
+                                      <m:t>1</m:t>
+                                    </m:r>
+                                    <m:r>
+                                      <a:rPr kumimoji="1" lang="en-US" altLang="zh-CN" b="0" i="1" smtClean="0">
+                                        <a:solidFill>
+                                          <a:schemeClr val="accent1"/>
+                                        </a:solidFill>
+                                        <a:latin typeface="Cambria Math" panose="02040503050406030204" pitchFamily="18" charset="0"/>
+                                      </a:rPr>
+                                      <m:t>_</m:t>
+                                    </m:r>
+                                    <m:r>
+                                      <a:rPr kumimoji="1" lang="en-US" altLang="zh-CN" b="0" i="1" smtClean="0">
+                                        <a:solidFill>
+                                          <a:schemeClr val="accent1"/>
+                                        </a:solidFill>
+                                        <a:latin typeface="Cambria Math" charset="0"/>
+                                      </a:rPr>
+                                      <m:t>1</m:t>
                                     </m:r>
                                   </m:sub>
                                 </m:sSub>
@@ -5774,9 +8799,9 @@
                                         <a:solidFill>
                                           <a:schemeClr val="accent1"/>
                                         </a:solidFill>
-                                        <a:latin typeface="Cambria Math" charset="0"/>
-                                      </a:rPr>
-                                      <m:t>𝑤</m:t>
+                                        <a:latin typeface="Cambria Math" panose="02040503050406030204" pitchFamily="18" charset="0"/>
+                                      </a:rPr>
+                                      <m:t>𝑣</m:t>
                                     </m:r>
                                   </m:e>
                                   <m:sub>
@@ -5787,7 +8812,25 @@
                                         </a:solidFill>
                                         <a:latin typeface="Cambria Math" charset="0"/>
                                       </a:rPr>
-                                      <m:t>12</m:t>
+                                      <m:t>1</m:t>
+                                    </m:r>
+                                    <m:r>
+                                      <a:rPr kumimoji="1" lang="en-US" altLang="zh-CN" b="0" i="1" smtClean="0">
+                                        <a:solidFill>
+                                          <a:schemeClr val="accent1"/>
+                                        </a:solidFill>
+                                        <a:latin typeface="Cambria Math" panose="02040503050406030204" pitchFamily="18" charset="0"/>
+                                      </a:rPr>
+                                      <m:t>_</m:t>
+                                    </m:r>
+                                    <m:r>
+                                      <a:rPr kumimoji="1" lang="en-US" altLang="zh-CN" b="0" i="1" smtClean="0">
+                                        <a:solidFill>
+                                          <a:schemeClr val="accent1"/>
+                                        </a:solidFill>
+                                        <a:latin typeface="Cambria Math" charset="0"/>
+                                      </a:rPr>
+                                      <m:t>2</m:t>
                                     </m:r>
                                   </m:sub>
                                 </m:sSub>
@@ -5818,9 +8861,9 @@
                                         <a:solidFill>
                                           <a:schemeClr val="accent1"/>
                                         </a:solidFill>
-                                        <a:latin typeface="Cambria Math" charset="0"/>
-                                      </a:rPr>
-                                      <m:t>𝑤</m:t>
+                                        <a:latin typeface="Cambria Math" panose="02040503050406030204" pitchFamily="18" charset="0"/>
+                                      </a:rPr>
+                                      <m:t>𝑣</m:t>
                                     </m:r>
                                   </m:e>
                                   <m:sub>
@@ -5831,7 +8874,25 @@
                                         </a:solidFill>
                                         <a:latin typeface="Cambria Math" charset="0"/>
                                       </a:rPr>
-                                      <m:t>18</m:t>
+                                      <m:t>1</m:t>
+                                    </m:r>
+                                    <m:r>
+                                      <a:rPr kumimoji="1" lang="en-US" altLang="zh-CN" b="0" i="1" smtClean="0">
+                                        <a:solidFill>
+                                          <a:schemeClr val="accent1"/>
+                                        </a:solidFill>
+                                        <a:latin typeface="Cambria Math" panose="02040503050406030204" pitchFamily="18" charset="0"/>
+                                      </a:rPr>
+                                      <m:t>_12</m:t>
+                                    </m:r>
+                                    <m:r>
+                                      <a:rPr kumimoji="1" lang="en-US" altLang="zh-CN" b="0" i="1" smtClean="0">
+                                        <a:solidFill>
+                                          <a:schemeClr val="accent1"/>
+                                        </a:solidFill>
+                                        <a:latin typeface="Cambria Math" charset="0"/>
+                                      </a:rPr>
+                                      <m:t>8</m:t>
                                     </m:r>
                                   </m:sub>
                                 </m:sSub>
@@ -5856,9 +8917,9 @@
                                         <a:solidFill>
                                           <a:schemeClr val="accent2"/>
                                         </a:solidFill>
-                                        <a:latin typeface="Cambria Math" charset="0"/>
-                                      </a:rPr>
-                                      <m:t>𝑤</m:t>
+                                        <a:latin typeface="Cambria Math" panose="02040503050406030204" pitchFamily="18" charset="0"/>
+                                      </a:rPr>
+                                      <m:t>𝑣</m:t>
                                     </m:r>
                                   </m:e>
                                   <m:sub>
@@ -5869,7 +8930,25 @@
                                         </a:solidFill>
                                         <a:latin typeface="Cambria Math" charset="0"/>
                                       </a:rPr>
-                                      <m:t>21</m:t>
+                                      <m:t>2</m:t>
+                                    </m:r>
+                                    <m:r>
+                                      <a:rPr kumimoji="1" lang="en-US" altLang="zh-CN" b="0" i="1" smtClean="0">
+                                        <a:solidFill>
+                                          <a:schemeClr val="accent2"/>
+                                        </a:solidFill>
+                                        <a:latin typeface="Cambria Math" panose="02040503050406030204" pitchFamily="18" charset="0"/>
+                                      </a:rPr>
+                                      <m:t>_</m:t>
+                                    </m:r>
+                                    <m:r>
+                                      <a:rPr kumimoji="1" lang="en-US" altLang="zh-CN" b="0" i="1" smtClean="0">
+                                        <a:solidFill>
+                                          <a:schemeClr val="accent2"/>
+                                        </a:solidFill>
+                                        <a:latin typeface="Cambria Math" charset="0"/>
+                                      </a:rPr>
+                                      <m:t>1</m:t>
                                     </m:r>
                                   </m:sub>
                                 </m:sSub>
@@ -5892,9 +8971,9 @@
                                         <a:solidFill>
                                           <a:schemeClr val="accent2"/>
                                         </a:solidFill>
-                                        <a:latin typeface="Cambria Math" charset="0"/>
-                                      </a:rPr>
-                                      <m:t>𝑤</m:t>
+                                        <a:latin typeface="Cambria Math" panose="02040503050406030204" pitchFamily="18" charset="0"/>
+                                      </a:rPr>
+                                      <m:t>𝑣</m:t>
                                     </m:r>
                                   </m:e>
                                   <m:sub>
@@ -5905,7 +8984,25 @@
                                         </a:solidFill>
                                         <a:latin typeface="Cambria Math" charset="0"/>
                                       </a:rPr>
-                                      <m:t>22</m:t>
+                                      <m:t>2</m:t>
+                                    </m:r>
+                                    <m:r>
+                                      <a:rPr kumimoji="1" lang="en-US" altLang="zh-CN" b="0" i="1" smtClean="0">
+                                        <a:solidFill>
+                                          <a:schemeClr val="accent2"/>
+                                        </a:solidFill>
+                                        <a:latin typeface="Cambria Math" panose="02040503050406030204" pitchFamily="18" charset="0"/>
+                                      </a:rPr>
+                                      <m:t>_</m:t>
+                                    </m:r>
+                                    <m:r>
+                                      <a:rPr kumimoji="1" lang="en-US" altLang="zh-CN" b="0" i="1" smtClean="0">
+                                        <a:solidFill>
+                                          <a:schemeClr val="accent2"/>
+                                        </a:solidFill>
+                                        <a:latin typeface="Cambria Math" charset="0"/>
+                                      </a:rPr>
+                                      <m:t>2</m:t>
                                     </m:r>
                                   </m:sub>
                                 </m:sSub>
@@ -5936,9 +9033,9 @@
                                         <a:solidFill>
                                           <a:schemeClr val="accent2"/>
                                         </a:solidFill>
-                                        <a:latin typeface="Cambria Math" charset="0"/>
-                                      </a:rPr>
-                                      <m:t>𝑤</m:t>
+                                        <a:latin typeface="Cambria Math" panose="02040503050406030204" pitchFamily="18" charset="0"/>
+                                      </a:rPr>
+                                      <m:t>𝑣</m:t>
                                     </m:r>
                                   </m:e>
                                   <m:sub>
@@ -5949,7 +9046,25 @@
                                         </a:solidFill>
                                         <a:latin typeface="Cambria Math" charset="0"/>
                                       </a:rPr>
-                                      <m:t>28</m:t>
+                                      <m:t>2</m:t>
+                                    </m:r>
+                                    <m:r>
+                                      <a:rPr kumimoji="1" lang="en-US" altLang="zh-CN" b="0" i="1" smtClean="0">
+                                        <a:solidFill>
+                                          <a:schemeClr val="accent2"/>
+                                        </a:solidFill>
+                                        <a:latin typeface="Cambria Math" panose="02040503050406030204" pitchFamily="18" charset="0"/>
+                                      </a:rPr>
+                                      <m:t>_12</m:t>
+                                    </m:r>
+                                    <m:r>
+                                      <a:rPr kumimoji="1" lang="en-US" altLang="zh-CN" b="0" i="1" smtClean="0">
+                                        <a:solidFill>
+                                          <a:schemeClr val="accent2"/>
+                                        </a:solidFill>
+                                        <a:latin typeface="Cambria Math" charset="0"/>
+                                      </a:rPr>
+                                      <m:t>8</m:t>
                                     </m:r>
                                   </m:sub>
                                 </m:sSub>
@@ -5974,9 +9089,9 @@
                                         <a:solidFill>
                                           <a:schemeClr val="accent6"/>
                                         </a:solidFill>
-                                        <a:latin typeface="Cambria Math" charset="0"/>
-                                      </a:rPr>
-                                      <m:t>𝑤</m:t>
+                                        <a:latin typeface="Cambria Math" panose="02040503050406030204" pitchFamily="18" charset="0"/>
+                                      </a:rPr>
+                                      <m:t>𝑣</m:t>
                                     </m:r>
                                   </m:e>
                                   <m:sub>
@@ -5987,7 +9102,25 @@
                                         </a:solidFill>
                                         <a:latin typeface="Cambria Math" charset="0"/>
                                       </a:rPr>
-                                      <m:t>31</m:t>
+                                      <m:t>3</m:t>
+                                    </m:r>
+                                    <m:r>
+                                      <a:rPr kumimoji="1" lang="en-US" altLang="zh-CN" b="0" i="1" smtClean="0">
+                                        <a:solidFill>
+                                          <a:schemeClr val="accent6"/>
+                                        </a:solidFill>
+                                        <a:latin typeface="Cambria Math" panose="02040503050406030204" pitchFamily="18" charset="0"/>
+                                      </a:rPr>
+                                      <m:t>_</m:t>
+                                    </m:r>
+                                    <m:r>
+                                      <a:rPr kumimoji="1" lang="en-US" altLang="zh-CN" b="0" i="1" smtClean="0">
+                                        <a:solidFill>
+                                          <a:schemeClr val="accent6"/>
+                                        </a:solidFill>
+                                        <a:latin typeface="Cambria Math" charset="0"/>
+                                      </a:rPr>
+                                      <m:t>1</m:t>
                                     </m:r>
                                   </m:sub>
                                 </m:sSub>
@@ -6010,9 +9143,9 @@
                                         <a:solidFill>
                                           <a:schemeClr val="accent6"/>
                                         </a:solidFill>
-                                        <a:latin typeface="Cambria Math" charset="0"/>
-                                      </a:rPr>
-                                      <m:t>𝑤</m:t>
+                                        <a:latin typeface="Cambria Math" panose="02040503050406030204" pitchFamily="18" charset="0"/>
+                                      </a:rPr>
+                                      <m:t>𝑣</m:t>
                                     </m:r>
                                   </m:e>
                                   <m:sub>
@@ -6023,7 +9156,25 @@
                                         </a:solidFill>
                                         <a:latin typeface="Cambria Math" charset="0"/>
                                       </a:rPr>
-                                      <m:t>32</m:t>
+                                      <m:t>3</m:t>
+                                    </m:r>
+                                    <m:r>
+                                      <a:rPr kumimoji="1" lang="en-US" altLang="zh-CN" b="0" i="1" smtClean="0">
+                                        <a:solidFill>
+                                          <a:schemeClr val="accent6"/>
+                                        </a:solidFill>
+                                        <a:latin typeface="Cambria Math" panose="02040503050406030204" pitchFamily="18" charset="0"/>
+                                      </a:rPr>
+                                      <m:t>_</m:t>
+                                    </m:r>
+                                    <m:r>
+                                      <a:rPr kumimoji="1" lang="en-US" altLang="zh-CN" b="0" i="1" smtClean="0">
+                                        <a:solidFill>
+                                          <a:schemeClr val="accent6"/>
+                                        </a:solidFill>
+                                        <a:latin typeface="Cambria Math" charset="0"/>
+                                      </a:rPr>
+                                      <m:t>2</m:t>
                                     </m:r>
                                   </m:sub>
                                 </m:sSub>
@@ -6054,9 +9205,9 @@
                                         <a:solidFill>
                                           <a:schemeClr val="accent6"/>
                                         </a:solidFill>
-                                        <a:latin typeface="Cambria Math" charset="0"/>
-                                      </a:rPr>
-                                      <m:t>𝑤</m:t>
+                                        <a:latin typeface="Cambria Math" panose="02040503050406030204" pitchFamily="18" charset="0"/>
+                                      </a:rPr>
+                                      <m:t>𝑣</m:t>
                                     </m:r>
                                   </m:e>
                                   <m:sub>
@@ -6067,7 +9218,25 @@
                                         </a:solidFill>
                                         <a:latin typeface="Cambria Math" charset="0"/>
                                       </a:rPr>
-                                      <m:t>38</m:t>
+                                      <m:t>3</m:t>
+                                    </m:r>
+                                    <m:r>
+                                      <a:rPr kumimoji="1" lang="en-US" altLang="zh-CN" b="0" i="1" smtClean="0">
+                                        <a:solidFill>
+                                          <a:schemeClr val="accent6"/>
+                                        </a:solidFill>
+                                        <a:latin typeface="Cambria Math" panose="02040503050406030204" pitchFamily="18" charset="0"/>
+                                      </a:rPr>
+                                      <m:t>_12</m:t>
+                                    </m:r>
+                                    <m:r>
+                                      <a:rPr kumimoji="1" lang="en-US" altLang="zh-CN" b="0" i="1" smtClean="0">
+                                        <a:solidFill>
+                                          <a:schemeClr val="accent6"/>
+                                        </a:solidFill>
+                                        <a:latin typeface="Cambria Math" charset="0"/>
+                                      </a:rPr>
+                                      <m:t>8</m:t>
                                     </m:r>
                                   </m:sub>
                                 </m:sSub>
@@ -6092,9 +9261,9 @@
                                         <a:solidFill>
                                           <a:schemeClr val="accent4"/>
                                         </a:solidFill>
-                                        <a:latin typeface="Cambria Math" charset="0"/>
-                                      </a:rPr>
-                                      <m:t>𝑤</m:t>
+                                        <a:latin typeface="Cambria Math" panose="02040503050406030204" pitchFamily="18" charset="0"/>
+                                      </a:rPr>
+                                      <m:t>𝑣</m:t>
                                     </m:r>
                                   </m:e>
                                   <m:sub>
@@ -6105,7 +9274,25 @@
                                         </a:solidFill>
                                         <a:latin typeface="Cambria Math" charset="0"/>
                                       </a:rPr>
-                                      <m:t>41</m:t>
+                                      <m:t>4</m:t>
+                                    </m:r>
+                                    <m:r>
+                                      <a:rPr kumimoji="1" lang="en-US" altLang="zh-CN" b="0" i="1" smtClean="0">
+                                        <a:solidFill>
+                                          <a:schemeClr val="accent4"/>
+                                        </a:solidFill>
+                                        <a:latin typeface="Cambria Math" panose="02040503050406030204" pitchFamily="18" charset="0"/>
+                                      </a:rPr>
+                                      <m:t>_</m:t>
+                                    </m:r>
+                                    <m:r>
+                                      <a:rPr kumimoji="1" lang="en-US" altLang="zh-CN" b="0" i="1" smtClean="0">
+                                        <a:solidFill>
+                                          <a:schemeClr val="accent4"/>
+                                        </a:solidFill>
+                                        <a:latin typeface="Cambria Math" charset="0"/>
+                                      </a:rPr>
+                                      <m:t>1</m:t>
                                     </m:r>
                                   </m:sub>
                                 </m:sSub>
@@ -6128,9 +9315,9 @@
                                         <a:solidFill>
                                           <a:schemeClr val="accent4"/>
                                         </a:solidFill>
-                                        <a:latin typeface="Cambria Math" charset="0"/>
-                                      </a:rPr>
-                                      <m:t>𝑤</m:t>
+                                        <a:latin typeface="Cambria Math" panose="02040503050406030204" pitchFamily="18" charset="0"/>
+                                      </a:rPr>
+                                      <m:t>𝑣</m:t>
                                     </m:r>
                                   </m:e>
                                   <m:sub>
@@ -6141,7 +9328,25 @@
                                         </a:solidFill>
                                         <a:latin typeface="Cambria Math" charset="0"/>
                                       </a:rPr>
-                                      <m:t>42</m:t>
+                                      <m:t>4</m:t>
+                                    </m:r>
+                                    <m:r>
+                                      <a:rPr kumimoji="1" lang="en-US" altLang="zh-CN" b="0" i="1" smtClean="0">
+                                        <a:solidFill>
+                                          <a:schemeClr val="accent4"/>
+                                        </a:solidFill>
+                                        <a:latin typeface="Cambria Math" panose="02040503050406030204" pitchFamily="18" charset="0"/>
+                                      </a:rPr>
+                                      <m:t>_</m:t>
+                                    </m:r>
+                                    <m:r>
+                                      <a:rPr kumimoji="1" lang="en-US" altLang="zh-CN" b="0" i="1" smtClean="0">
+                                        <a:solidFill>
+                                          <a:schemeClr val="accent4"/>
+                                        </a:solidFill>
+                                        <a:latin typeface="Cambria Math" charset="0"/>
+                                      </a:rPr>
+                                      <m:t>2</m:t>
                                     </m:r>
                                   </m:sub>
                                 </m:sSub>
@@ -6172,9 +9377,9 @@
                                         <a:solidFill>
                                           <a:schemeClr val="accent4"/>
                                         </a:solidFill>
-                                        <a:latin typeface="Cambria Math" charset="0"/>
-                                      </a:rPr>
-                                      <m:t>𝑤</m:t>
+                                        <a:latin typeface="Cambria Math" panose="02040503050406030204" pitchFamily="18" charset="0"/>
+                                      </a:rPr>
+                                      <m:t>𝑣</m:t>
                                     </m:r>
                                   </m:e>
                                   <m:sub>
@@ -6185,7 +9390,25 @@
                                         </a:solidFill>
                                         <a:latin typeface="Cambria Math" charset="0"/>
                                       </a:rPr>
-                                      <m:t>48</m:t>
+                                      <m:t>4</m:t>
+                                    </m:r>
+                                    <m:r>
+                                      <a:rPr kumimoji="1" lang="en-US" altLang="zh-CN" b="0" i="1" smtClean="0">
+                                        <a:solidFill>
+                                          <a:schemeClr val="accent4"/>
+                                        </a:solidFill>
+                                        <a:latin typeface="Cambria Math" panose="02040503050406030204" pitchFamily="18" charset="0"/>
+                                      </a:rPr>
+                                      <m:t>_12</m:t>
+                                    </m:r>
+                                    <m:r>
+                                      <a:rPr kumimoji="1" lang="en-US" altLang="zh-CN" b="0" i="1" smtClean="0">
+                                        <a:solidFill>
+                                          <a:schemeClr val="accent4"/>
+                                        </a:solidFill>
+                                        <a:latin typeface="Cambria Math" charset="0"/>
+                                      </a:rPr>
+                                      <m:t>8</m:t>
                                     </m:r>
                                   </m:sub>
                                 </m:sSub>
@@ -6202,7 +9425,7 @@
             </p:txBody>
           </p:sp>
         </mc:Choice>
-        <mc:Fallback>
+        <mc:Fallback xmlns="">
           <p:sp>
             <p:nvSpPr>
               <p:cNvPr id="23" name="文本框 22">
@@ -6219,8 +9442,8 @@
             </p:nvSpPr>
             <p:spPr>
               <a:xfrm>
-                <a:off x="8519922" y="3722169"/>
-                <a:ext cx="2224712" cy="1020472"/>
+                <a:off x="8184642" y="3293001"/>
+                <a:ext cx="2478884" cy="1022780"/>
               </a:xfrm>
               <a:prstGeom prst="rect">
                 <a:avLst/>
@@ -6261,7 +9484,7 @@
         </p:nvSpPr>
         <p:spPr>
           <a:xfrm>
-            <a:off x="9485610" y="4970453"/>
+            <a:off x="9150330" y="4541285"/>
             <a:ext cx="461665" cy="246221"/>
           </a:xfrm>
           <a:prstGeom prst="rect">
@@ -6283,8 +9506,8 @@
           </a:p>
         </p:txBody>
       </p:sp>
-      <mc:AlternateContent xmlns:mc="http://schemas.openxmlformats.org/markup-compatibility/2006">
-        <mc:Choice xmlns:a14="http://schemas.microsoft.com/office/drawing/2010/main" Requires="a14">
+      <mc:AlternateContent xmlns:mc="http://schemas.openxmlformats.org/markup-compatibility/2006" xmlns:a14="http://schemas.microsoft.com/office/drawing/2010/main">
+        <mc:Choice Requires="a14">
           <p:sp>
             <p:nvSpPr>
               <p:cNvPr id="25" name="文本框 24">
@@ -6299,8 +9522,8 @@
             </p:nvSpPr>
             <p:spPr>
               <a:xfrm>
-                <a:off x="8519922" y="5444486"/>
-                <a:ext cx="2224712" cy="1020472"/>
+                <a:off x="8184642" y="5015318"/>
+                <a:ext cx="2484206" cy="1022780"/>
               </a:xfrm>
               <a:prstGeom prst="rect">
                 <a:avLst/>
@@ -6366,9 +9589,9 @@
                                         <a:solidFill>
                                           <a:schemeClr val="accent1"/>
                                         </a:solidFill>
-                                        <a:latin typeface="Cambria Math" charset="0"/>
-                                      </a:rPr>
-                                      <m:t>𝑤</m:t>
+                                        <a:latin typeface="Cambria Math" panose="02040503050406030204" pitchFamily="18" charset="0"/>
+                                      </a:rPr>
+                                      <m:t>𝑣</m:t>
                                     </m:r>
                                   </m:e>
                                   <m:sub>
@@ -6379,7 +9602,25 @@
                                         </a:solidFill>
                                         <a:latin typeface="Cambria Math" charset="0"/>
                                       </a:rPr>
-                                      <m:t>11</m:t>
+                                      <m:t>1</m:t>
+                                    </m:r>
+                                    <m:r>
+                                      <a:rPr kumimoji="1" lang="en-US" altLang="zh-CN" b="0" i="1" smtClean="0">
+                                        <a:solidFill>
+                                          <a:schemeClr val="accent1"/>
+                                        </a:solidFill>
+                                        <a:latin typeface="Cambria Math" panose="02040503050406030204" pitchFamily="18" charset="0"/>
+                                      </a:rPr>
+                                      <m:t>_</m:t>
+                                    </m:r>
+                                    <m:r>
+                                      <a:rPr kumimoji="1" lang="en-US" altLang="zh-CN" b="0" i="1" smtClean="0">
+                                        <a:solidFill>
+                                          <a:schemeClr val="accent1"/>
+                                        </a:solidFill>
+                                        <a:latin typeface="Cambria Math" charset="0"/>
+                                      </a:rPr>
+                                      <m:t>1</m:t>
                                     </m:r>
                                   </m:sub>
                                 </m:sSub>
@@ -6402,9 +9643,9 @@
                                         <a:solidFill>
                                           <a:schemeClr val="accent1"/>
                                         </a:solidFill>
-                                        <a:latin typeface="Cambria Math" charset="0"/>
-                                      </a:rPr>
-                                      <m:t>𝑤</m:t>
+                                        <a:latin typeface="Cambria Math" panose="02040503050406030204" pitchFamily="18" charset="0"/>
+                                      </a:rPr>
+                                      <m:t>𝑣</m:t>
                                     </m:r>
                                   </m:e>
                                   <m:sub>
@@ -6415,7 +9656,25 @@
                                         </a:solidFill>
                                         <a:latin typeface="Cambria Math" charset="0"/>
                                       </a:rPr>
-                                      <m:t>12</m:t>
+                                      <m:t>1</m:t>
+                                    </m:r>
+                                    <m:r>
+                                      <a:rPr kumimoji="1" lang="en-US" altLang="zh-CN" b="0" i="1" smtClean="0">
+                                        <a:solidFill>
+                                          <a:schemeClr val="accent1"/>
+                                        </a:solidFill>
+                                        <a:latin typeface="Cambria Math" panose="02040503050406030204" pitchFamily="18" charset="0"/>
+                                      </a:rPr>
+                                      <m:t>_</m:t>
+                                    </m:r>
+                                    <m:r>
+                                      <a:rPr kumimoji="1" lang="en-US" altLang="zh-CN" b="0" i="1" smtClean="0">
+                                        <a:solidFill>
+                                          <a:schemeClr val="accent1"/>
+                                        </a:solidFill>
+                                        <a:latin typeface="Cambria Math" charset="0"/>
+                                      </a:rPr>
+                                      <m:t>2</m:t>
                                     </m:r>
                                   </m:sub>
                                 </m:sSub>
@@ -6446,9 +9705,9 @@
                                         <a:solidFill>
                                           <a:schemeClr val="accent1"/>
                                         </a:solidFill>
-                                        <a:latin typeface="Cambria Math" charset="0"/>
-                                      </a:rPr>
-                                      <m:t>𝑤</m:t>
+                                        <a:latin typeface="Cambria Math" panose="02040503050406030204" pitchFamily="18" charset="0"/>
+                                      </a:rPr>
+                                      <m:t>𝑣</m:t>
                                     </m:r>
                                   </m:e>
                                   <m:sub>
@@ -6459,7 +9718,25 @@
                                         </a:solidFill>
                                         <a:latin typeface="Cambria Math" charset="0"/>
                                       </a:rPr>
-                                      <m:t>18</m:t>
+                                      <m:t>1</m:t>
+                                    </m:r>
+                                    <m:r>
+                                      <a:rPr kumimoji="1" lang="en-US" altLang="zh-CN" b="0" i="1" smtClean="0">
+                                        <a:solidFill>
+                                          <a:schemeClr val="accent1"/>
+                                        </a:solidFill>
+                                        <a:latin typeface="Cambria Math" panose="02040503050406030204" pitchFamily="18" charset="0"/>
+                                      </a:rPr>
+                                      <m:t>_12</m:t>
+                                    </m:r>
+                                    <m:r>
+                                      <a:rPr kumimoji="1" lang="en-US" altLang="zh-CN" b="0" i="1" smtClean="0">
+                                        <a:solidFill>
+                                          <a:schemeClr val="accent1"/>
+                                        </a:solidFill>
+                                        <a:latin typeface="Cambria Math" charset="0"/>
+                                      </a:rPr>
+                                      <m:t>8</m:t>
                                     </m:r>
                                   </m:sub>
                                 </m:sSub>
@@ -6484,9 +9761,9 @@
                                         <a:solidFill>
                                           <a:schemeClr val="accent2"/>
                                         </a:solidFill>
-                                        <a:latin typeface="Cambria Math" charset="0"/>
-                                      </a:rPr>
-                                      <m:t>𝑤</m:t>
+                                        <a:latin typeface="Cambria Math" panose="02040503050406030204" pitchFamily="18" charset="0"/>
+                                      </a:rPr>
+                                      <m:t>𝑣</m:t>
                                     </m:r>
                                   </m:e>
                                   <m:sub>
@@ -6497,7 +9774,25 @@
                                         </a:solidFill>
                                         <a:latin typeface="Cambria Math" charset="0"/>
                                       </a:rPr>
-                                      <m:t>21</m:t>
+                                      <m:t>2</m:t>
+                                    </m:r>
+                                    <m:r>
+                                      <a:rPr kumimoji="1" lang="en-US" altLang="zh-CN" b="0" i="1" smtClean="0">
+                                        <a:solidFill>
+                                          <a:schemeClr val="accent2"/>
+                                        </a:solidFill>
+                                        <a:latin typeface="Cambria Math" panose="02040503050406030204" pitchFamily="18" charset="0"/>
+                                      </a:rPr>
+                                      <m:t>_</m:t>
+                                    </m:r>
+                                    <m:r>
+                                      <a:rPr kumimoji="1" lang="en-US" altLang="zh-CN" b="0" i="1" smtClean="0">
+                                        <a:solidFill>
+                                          <a:schemeClr val="accent2"/>
+                                        </a:solidFill>
+                                        <a:latin typeface="Cambria Math" charset="0"/>
+                                      </a:rPr>
+                                      <m:t>1</m:t>
                                     </m:r>
                                   </m:sub>
                                 </m:sSub>
@@ -6520,9 +9815,9 @@
                                         <a:solidFill>
                                           <a:schemeClr val="accent2"/>
                                         </a:solidFill>
-                                        <a:latin typeface="Cambria Math" charset="0"/>
-                                      </a:rPr>
-                                      <m:t>𝑤</m:t>
+                                        <a:latin typeface="Cambria Math" panose="02040503050406030204" pitchFamily="18" charset="0"/>
+                                      </a:rPr>
+                                      <m:t>𝑣</m:t>
                                     </m:r>
                                   </m:e>
                                   <m:sub>
@@ -6533,7 +9828,25 @@
                                         </a:solidFill>
                                         <a:latin typeface="Cambria Math" charset="0"/>
                                       </a:rPr>
-                                      <m:t>22</m:t>
+                                      <m:t>2</m:t>
+                                    </m:r>
+                                    <m:r>
+                                      <a:rPr kumimoji="1" lang="en-US" altLang="zh-CN" b="0" i="1" smtClean="0">
+                                        <a:solidFill>
+                                          <a:schemeClr val="accent2"/>
+                                        </a:solidFill>
+                                        <a:latin typeface="Cambria Math" panose="02040503050406030204" pitchFamily="18" charset="0"/>
+                                      </a:rPr>
+                                      <m:t>_</m:t>
+                                    </m:r>
+                                    <m:r>
+                                      <a:rPr kumimoji="1" lang="en-US" altLang="zh-CN" b="0" i="1" smtClean="0">
+                                        <a:solidFill>
+                                          <a:schemeClr val="accent2"/>
+                                        </a:solidFill>
+                                        <a:latin typeface="Cambria Math" charset="0"/>
+                                      </a:rPr>
+                                      <m:t>2</m:t>
                                     </m:r>
                                   </m:sub>
                                 </m:sSub>
@@ -6564,9 +9877,9 @@
                                         <a:solidFill>
                                           <a:schemeClr val="accent2"/>
                                         </a:solidFill>
-                                        <a:latin typeface="Cambria Math" charset="0"/>
-                                      </a:rPr>
-                                      <m:t>𝑤</m:t>
+                                        <a:latin typeface="Cambria Math" panose="02040503050406030204" pitchFamily="18" charset="0"/>
+                                      </a:rPr>
+                                      <m:t>𝑣</m:t>
                                     </m:r>
                                   </m:e>
                                   <m:sub>
@@ -6577,7 +9890,25 @@
                                         </a:solidFill>
                                         <a:latin typeface="Cambria Math" charset="0"/>
                                       </a:rPr>
-                                      <m:t>28</m:t>
+                                      <m:t>2</m:t>
+                                    </m:r>
+                                    <m:r>
+                                      <a:rPr kumimoji="1" lang="en-US" altLang="zh-CN" b="0" i="1" smtClean="0">
+                                        <a:solidFill>
+                                          <a:schemeClr val="accent2"/>
+                                        </a:solidFill>
+                                        <a:latin typeface="Cambria Math" panose="02040503050406030204" pitchFamily="18" charset="0"/>
+                                      </a:rPr>
+                                      <m:t>_12</m:t>
+                                    </m:r>
+                                    <m:r>
+                                      <a:rPr kumimoji="1" lang="en-US" altLang="zh-CN" b="0" i="1" smtClean="0">
+                                        <a:solidFill>
+                                          <a:schemeClr val="accent2"/>
+                                        </a:solidFill>
+                                        <a:latin typeface="Cambria Math" charset="0"/>
+                                      </a:rPr>
+                                      <m:t>8</m:t>
                                     </m:r>
                                   </m:sub>
                                 </m:sSub>
@@ -6602,9 +9933,9 @@
                                         <a:solidFill>
                                           <a:schemeClr val="accent6"/>
                                         </a:solidFill>
-                                        <a:latin typeface="Cambria Math" charset="0"/>
-                                      </a:rPr>
-                                      <m:t>𝑤</m:t>
+                                        <a:latin typeface="Cambria Math" panose="02040503050406030204" pitchFamily="18" charset="0"/>
+                                      </a:rPr>
+                                      <m:t>𝑣</m:t>
                                     </m:r>
                                   </m:e>
                                   <m:sub>
@@ -6615,7 +9946,25 @@
                                         </a:solidFill>
                                         <a:latin typeface="Cambria Math" charset="0"/>
                                       </a:rPr>
-                                      <m:t>31</m:t>
+                                      <m:t>3</m:t>
+                                    </m:r>
+                                    <m:r>
+                                      <a:rPr kumimoji="1" lang="en-US" altLang="zh-CN" b="0" i="1" smtClean="0">
+                                        <a:solidFill>
+                                          <a:schemeClr val="accent6"/>
+                                        </a:solidFill>
+                                        <a:latin typeface="Cambria Math" panose="02040503050406030204" pitchFamily="18" charset="0"/>
+                                      </a:rPr>
+                                      <m:t>_</m:t>
+                                    </m:r>
+                                    <m:r>
+                                      <a:rPr kumimoji="1" lang="en-US" altLang="zh-CN" b="0" i="1" smtClean="0">
+                                        <a:solidFill>
+                                          <a:schemeClr val="accent6"/>
+                                        </a:solidFill>
+                                        <a:latin typeface="Cambria Math" charset="0"/>
+                                      </a:rPr>
+                                      <m:t>1</m:t>
                                     </m:r>
                                   </m:sub>
                                 </m:sSub>
@@ -6638,9 +9987,9 @@
                                         <a:solidFill>
                                           <a:schemeClr val="accent6"/>
                                         </a:solidFill>
-                                        <a:latin typeface="Cambria Math" charset="0"/>
-                                      </a:rPr>
-                                      <m:t>𝑤</m:t>
+                                        <a:latin typeface="Cambria Math" panose="02040503050406030204" pitchFamily="18" charset="0"/>
+                                      </a:rPr>
+                                      <m:t>𝑣</m:t>
                                     </m:r>
                                   </m:e>
                                   <m:sub>
@@ -6651,7 +10000,25 @@
                                         </a:solidFill>
                                         <a:latin typeface="Cambria Math" charset="0"/>
                                       </a:rPr>
-                                      <m:t>32</m:t>
+                                      <m:t>3</m:t>
+                                    </m:r>
+                                    <m:r>
+                                      <a:rPr kumimoji="1" lang="en-US" altLang="zh-CN" b="0" i="1" smtClean="0">
+                                        <a:solidFill>
+                                          <a:schemeClr val="accent6"/>
+                                        </a:solidFill>
+                                        <a:latin typeface="Cambria Math" panose="02040503050406030204" pitchFamily="18" charset="0"/>
+                                      </a:rPr>
+                                      <m:t>_</m:t>
+                                    </m:r>
+                                    <m:r>
+                                      <a:rPr kumimoji="1" lang="en-US" altLang="zh-CN" b="0" i="1" smtClean="0">
+                                        <a:solidFill>
+                                          <a:schemeClr val="accent6"/>
+                                        </a:solidFill>
+                                        <a:latin typeface="Cambria Math" charset="0"/>
+                                      </a:rPr>
+                                      <m:t>2</m:t>
                                     </m:r>
                                   </m:sub>
                                 </m:sSub>
@@ -6682,9 +10049,9 @@
                                         <a:solidFill>
                                           <a:schemeClr val="accent6"/>
                                         </a:solidFill>
-                                        <a:latin typeface="Cambria Math" charset="0"/>
-                                      </a:rPr>
-                                      <m:t>𝑤</m:t>
+                                        <a:latin typeface="Cambria Math" panose="02040503050406030204" pitchFamily="18" charset="0"/>
+                                      </a:rPr>
+                                      <m:t>𝑣</m:t>
                                     </m:r>
                                   </m:e>
                                   <m:sub>
@@ -6695,7 +10062,25 @@
                                         </a:solidFill>
                                         <a:latin typeface="Cambria Math" charset="0"/>
                                       </a:rPr>
-                                      <m:t>38</m:t>
+                                      <m:t>3</m:t>
+                                    </m:r>
+                                    <m:r>
+                                      <a:rPr kumimoji="1" lang="en-US" altLang="zh-CN" b="0" i="1" smtClean="0">
+                                        <a:solidFill>
+                                          <a:schemeClr val="accent6"/>
+                                        </a:solidFill>
+                                        <a:latin typeface="Cambria Math" panose="02040503050406030204" pitchFamily="18" charset="0"/>
+                                      </a:rPr>
+                                      <m:t>_12</m:t>
+                                    </m:r>
+                                    <m:r>
+                                      <a:rPr kumimoji="1" lang="en-US" altLang="zh-CN" b="0" i="1" smtClean="0">
+                                        <a:solidFill>
+                                          <a:schemeClr val="accent6"/>
+                                        </a:solidFill>
+                                        <a:latin typeface="Cambria Math" charset="0"/>
+                                      </a:rPr>
+                                      <m:t>8</m:t>
                                     </m:r>
                                   </m:sub>
                                 </m:sSub>
@@ -6720,9 +10105,9 @@
                                         <a:solidFill>
                                           <a:schemeClr val="accent4"/>
                                         </a:solidFill>
-                                        <a:latin typeface="Cambria Math" charset="0"/>
-                                      </a:rPr>
-                                      <m:t>𝑤</m:t>
+                                        <a:latin typeface="Cambria Math" panose="02040503050406030204" pitchFamily="18" charset="0"/>
+                                      </a:rPr>
+                                      <m:t>𝑣</m:t>
                                     </m:r>
                                   </m:e>
                                   <m:sub>
@@ -6733,7 +10118,25 @@
                                         </a:solidFill>
                                         <a:latin typeface="Cambria Math" charset="0"/>
                                       </a:rPr>
-                                      <m:t>41</m:t>
+                                      <m:t>4</m:t>
+                                    </m:r>
+                                    <m:r>
+                                      <a:rPr kumimoji="1" lang="en-US" altLang="zh-CN" b="0" i="1" smtClean="0">
+                                        <a:solidFill>
+                                          <a:schemeClr val="accent4"/>
+                                        </a:solidFill>
+                                        <a:latin typeface="Cambria Math" panose="02040503050406030204" pitchFamily="18" charset="0"/>
+                                      </a:rPr>
+                                      <m:t>_</m:t>
+                                    </m:r>
+                                    <m:r>
+                                      <a:rPr kumimoji="1" lang="en-US" altLang="zh-CN" b="0" i="1" smtClean="0">
+                                        <a:solidFill>
+                                          <a:schemeClr val="accent4"/>
+                                        </a:solidFill>
+                                        <a:latin typeface="Cambria Math" charset="0"/>
+                                      </a:rPr>
+                                      <m:t>1</m:t>
                                     </m:r>
                                   </m:sub>
                                 </m:sSub>
@@ -6756,9 +10159,9 @@
                                         <a:solidFill>
                                           <a:schemeClr val="accent4"/>
                                         </a:solidFill>
-                                        <a:latin typeface="Cambria Math" charset="0"/>
-                                      </a:rPr>
-                                      <m:t>𝑤</m:t>
+                                        <a:latin typeface="Cambria Math" panose="02040503050406030204" pitchFamily="18" charset="0"/>
+                                      </a:rPr>
+                                      <m:t>𝑣</m:t>
                                     </m:r>
                                   </m:e>
                                   <m:sub>
@@ -6769,7 +10172,25 @@
                                         </a:solidFill>
                                         <a:latin typeface="Cambria Math" charset="0"/>
                                       </a:rPr>
-                                      <m:t>42</m:t>
+                                      <m:t>4</m:t>
+                                    </m:r>
+                                    <m:r>
+                                      <a:rPr kumimoji="1" lang="en-US" altLang="zh-CN" b="0" i="1" smtClean="0">
+                                        <a:solidFill>
+                                          <a:schemeClr val="accent4"/>
+                                        </a:solidFill>
+                                        <a:latin typeface="Cambria Math" panose="02040503050406030204" pitchFamily="18" charset="0"/>
+                                      </a:rPr>
+                                      <m:t>_</m:t>
+                                    </m:r>
+                                    <m:r>
+                                      <a:rPr kumimoji="1" lang="en-US" altLang="zh-CN" b="0" i="1" smtClean="0">
+                                        <a:solidFill>
+                                          <a:schemeClr val="accent4"/>
+                                        </a:solidFill>
+                                        <a:latin typeface="Cambria Math" charset="0"/>
+                                      </a:rPr>
+                                      <m:t>2</m:t>
                                     </m:r>
                                   </m:sub>
                                 </m:sSub>
@@ -6800,9 +10221,9 @@
                                         <a:solidFill>
                                           <a:schemeClr val="accent4"/>
                                         </a:solidFill>
-                                        <a:latin typeface="Cambria Math" charset="0"/>
-                                      </a:rPr>
-                                      <m:t>𝑤</m:t>
+                                        <a:latin typeface="Cambria Math" panose="02040503050406030204" pitchFamily="18" charset="0"/>
+                                      </a:rPr>
+                                      <m:t>𝑣</m:t>
                                     </m:r>
                                   </m:e>
                                   <m:sub>
@@ -6813,7 +10234,25 @@
                                         </a:solidFill>
                                         <a:latin typeface="Cambria Math" charset="0"/>
                                       </a:rPr>
-                                      <m:t>48</m:t>
+                                      <m:t>4</m:t>
+                                    </m:r>
+                                    <m:r>
+                                      <a:rPr kumimoji="1" lang="en-US" altLang="zh-CN" b="0" i="1" smtClean="0">
+                                        <a:solidFill>
+                                          <a:schemeClr val="accent4"/>
+                                        </a:solidFill>
+                                        <a:latin typeface="Cambria Math" panose="02040503050406030204" pitchFamily="18" charset="0"/>
+                                      </a:rPr>
+                                      <m:t>_12</m:t>
+                                    </m:r>
+                                    <m:r>
+                                      <a:rPr kumimoji="1" lang="en-US" altLang="zh-CN" b="0" i="1" smtClean="0">
+                                        <a:solidFill>
+                                          <a:schemeClr val="accent4"/>
+                                        </a:solidFill>
+                                        <a:latin typeface="Cambria Math" charset="0"/>
+                                      </a:rPr>
+                                      <m:t>8</m:t>
                                     </m:r>
                                   </m:sub>
                                 </m:sSub>
@@ -6830,7 +10269,7 @@
             </p:txBody>
           </p:sp>
         </mc:Choice>
-        <mc:Fallback>
+        <mc:Fallback xmlns="">
           <p:sp>
             <p:nvSpPr>
               <p:cNvPr id="25" name="文本框 24">
@@ -6847,8 +10286,8 @@
             </p:nvSpPr>
             <p:spPr>
               <a:xfrm>
-                <a:off x="8519922" y="5444486"/>
-                <a:ext cx="2224712" cy="1020472"/>
+                <a:off x="8184642" y="5015318"/>
+                <a:ext cx="2484206" cy="1022780"/>
               </a:xfrm>
               <a:prstGeom prst="rect">
                 <a:avLst/>
@@ -6889,7 +10328,7 @@
         </p:nvSpPr>
         <p:spPr>
           <a:xfrm>
-            <a:off x="1315926" y="2785662"/>
+            <a:off x="980646" y="2356494"/>
             <a:ext cx="2554017" cy="286110"/>
           </a:xfrm>
           <a:prstGeom prst="rect">
@@ -6938,12 +10377,12 @@
         </p:nvCxnSpPr>
         <p:spPr>
           <a:xfrm>
-            <a:off x="3869943" y="2928717"/>
-            <a:ext cx="1393359" cy="112512"/>
+            <a:off x="3534663" y="2499549"/>
+            <a:ext cx="1393359" cy="130465"/>
           </a:xfrm>
           <a:prstGeom prst="bentConnector3">
             <a:avLst>
-              <a:gd name="adj1" fmla="val 30388"/>
+              <a:gd name="adj1" fmla="val 31057"/>
             </a:avLst>
           </a:prstGeom>
           <a:ln>
@@ -6975,6 +10414,7 @@
             </a:extLst>
           </p:cNvPr>
           <p:cNvCxnSpPr>
+            <a:cxnSpLocks/>
             <a:stCxn id="9" idx="3"/>
             <a:endCxn id="23" idx="1"/>
           </p:cNvCxnSpPr>
@@ -6982,8 +10422,8 @@
         </p:nvCxnSpPr>
         <p:spPr>
           <a:xfrm>
-            <a:off x="7777067" y="3041229"/>
-            <a:ext cx="742855" cy="1191176"/>
+            <a:off x="7824905" y="2630014"/>
+            <a:ext cx="359737" cy="1174377"/>
           </a:xfrm>
           <a:prstGeom prst="bentConnector3">
             <a:avLst>
@@ -7023,7 +10463,7 @@
         </p:nvSpPr>
         <p:spPr>
           <a:xfrm>
-            <a:off x="1309368" y="3305305"/>
+            <a:off x="974088" y="2876137"/>
             <a:ext cx="2554017" cy="286110"/>
           </a:xfrm>
           <a:prstGeom prst="rect">
@@ -7055,8 +10495,8 @@
           </a:p>
         </p:txBody>
       </p:sp>
-      <mc:AlternateContent xmlns:mc="http://schemas.openxmlformats.org/markup-compatibility/2006">
-        <mc:Choice xmlns:a14="http://schemas.microsoft.com/office/drawing/2010/main" Requires="a14">
+      <mc:AlternateContent xmlns:mc="http://schemas.openxmlformats.org/markup-compatibility/2006" xmlns:a14="http://schemas.microsoft.com/office/drawing/2010/main">
+        <mc:Choice Requires="a14">
           <p:sp>
             <p:nvSpPr>
               <p:cNvPr id="30" name="文本框 29">
@@ -7071,7 +10511,7 @@
             </p:nvSpPr>
             <p:spPr>
               <a:xfrm>
-                <a:off x="4653839" y="1271631"/>
+                <a:off x="4765146" y="1647376"/>
                 <a:ext cx="1638718" cy="395558"/>
               </a:xfrm>
               <a:prstGeom prst="rect">
@@ -7156,7 +10596,7 @@
             </p:txBody>
           </p:sp>
         </mc:Choice>
-        <mc:Fallback>
+        <mc:Fallback xmlns="">
           <p:sp>
             <p:nvSpPr>
               <p:cNvPr id="30" name="文本框 29">
@@ -7173,7 +10613,7 @@
             </p:nvSpPr>
             <p:spPr>
               <a:xfrm>
-                <a:off x="4653839" y="1271631"/>
+                <a:off x="4765146" y="1647376"/>
                 <a:ext cx="1638718" cy="395558"/>
               </a:xfrm>
               <a:prstGeom prst="rect">
@@ -7182,7 +10622,7 @@
               <a:blipFill>
                 <a:blip r:embed="rId7"/>
                 <a:stretch>
-                  <a:fillRect l="-2974" t="-3125" r="-4833" b="-25000"/>
+                  <a:fillRect l="-3346" t="-1538" r="-4461" b="-23077"/>
                 </a:stretch>
               </a:blipFill>
             </p:spPr>
@@ -7218,12 +10658,12 @@
         </p:nvCxnSpPr>
         <p:spPr>
           <a:xfrm flipV="1">
-            <a:off x="3863385" y="3041229"/>
-            <a:ext cx="1399917" cy="407131"/>
+            <a:off x="3528105" y="2630014"/>
+            <a:ext cx="1399917" cy="389178"/>
           </a:xfrm>
           <a:prstGeom prst="bentConnector3">
             <a:avLst>
-              <a:gd name="adj1" fmla="val 30480"/>
+              <a:gd name="adj1" fmla="val 31145"/>
             </a:avLst>
           </a:prstGeom>
           <a:ln>
@@ -7255,6 +10695,7 @@
             </a:extLst>
           </p:cNvPr>
           <p:cNvCxnSpPr>
+            <a:cxnSpLocks/>
             <a:stCxn id="9" idx="3"/>
             <a:endCxn id="25" idx="1"/>
           </p:cNvCxnSpPr>
@@ -7262,8 +10703,8 @@
         </p:nvCxnSpPr>
         <p:spPr>
           <a:xfrm>
-            <a:off x="7777067" y="3041229"/>
-            <a:ext cx="742855" cy="2913493"/>
+            <a:off x="7824905" y="2630014"/>
+            <a:ext cx="359737" cy="2896694"/>
           </a:xfrm>
           <a:prstGeom prst="bentConnector3">
             <a:avLst>
@@ -7303,7 +10744,7 @@
         </p:nvSpPr>
         <p:spPr>
           <a:xfrm>
-            <a:off x="8454770" y="1730430"/>
+            <a:off x="8119490" y="1301262"/>
             <a:ext cx="2355016" cy="369332"/>
           </a:xfrm>
           <a:prstGeom prst="rect">
@@ -7318,58 +10759,10 @@
           <a:lstStyle/>
           <a:p>
             <a:r>
-              <a:rPr kumimoji="1" lang="zh-CN" altLang="en-US" dirty="0"/>
-              <a:t>输出各</a:t>
-            </a:r>
-            <a:r>
               <a:rPr kumimoji="1" lang="zh-CN" altLang="en-US"/>
-              <a:t>文本向量矩阵</a:t>
+              <a:t>输出各窗口向量矩阵</a:t>
             </a:r>
             <a:endParaRPr kumimoji="1" lang="zh-CN" altLang="en-US" dirty="0"/>
-          </a:p>
-        </p:txBody>
-      </p:sp>
-      <p:sp>
-        <p:nvSpPr>
-          <p:cNvPr id="34" name="右大括号 33">
-            <a:extLst>
-              <a:ext uri="{FF2B5EF4-FFF2-40B4-BE49-F238E27FC236}">
-                <a16:creationId xmlns:a16="http://schemas.microsoft.com/office/drawing/2014/main" id="{14475DE3-2553-44EB-AF8F-2F469D3E71B3}"/>
-              </a:ext>
-            </a:extLst>
-          </p:cNvPr>
-          <p:cNvSpPr/>
-          <p:nvPr/>
-        </p:nvSpPr>
-        <p:spPr>
-          <a:xfrm>
-            <a:off x="10929147" y="2494252"/>
-            <a:ext cx="157655" cy="3970706"/>
-          </a:xfrm>
-          <a:prstGeom prst="rightBrace">
-            <a:avLst/>
-          </a:prstGeom>
-        </p:spPr>
-        <p:style>
-          <a:lnRef idx="3">
-            <a:schemeClr val="dk1"/>
-          </a:lnRef>
-          <a:fillRef idx="0">
-            <a:schemeClr val="dk1"/>
-          </a:fillRef>
-          <a:effectRef idx="2">
-            <a:schemeClr val="dk1"/>
-          </a:effectRef>
-          <a:fontRef idx="minor">
-            <a:schemeClr val="tx1"/>
-          </a:fontRef>
-        </p:style>
-        <p:txBody>
-          <a:bodyPr rtlCol="0" anchor="ctr"/>
-          <a:lstStyle/>
-          <a:p>
-            <a:pPr algn="ctr"/>
-            <a:endParaRPr kumimoji="1" lang="zh-CN" altLang="en-US"/>
           </a:p>
         </p:txBody>
       </p:sp>
@@ -7387,7 +10780,7 @@
         </p:nvSpPr>
         <p:spPr>
           <a:xfrm>
-            <a:off x="1045013" y="2577396"/>
+            <a:off x="709733" y="2148228"/>
             <a:ext cx="93867" cy="916961"/>
           </a:xfrm>
           <a:prstGeom prst="leftBrace">
@@ -7431,7 +10824,7 @@
         </p:nvSpPr>
         <p:spPr>
           <a:xfrm>
-            <a:off x="475631" y="2122986"/>
+            <a:off x="201311" y="1848666"/>
             <a:ext cx="461665" cy="1931491"/>
           </a:xfrm>
           <a:prstGeom prst="rect">
@@ -7446,59 +10839,20 @@
           <a:lstStyle/>
           <a:p>
             <a:r>
-              <a:rPr kumimoji="1" lang="en-US" altLang="zh-CN" dirty="0"/>
-              <a:t>10</a:t>
-            </a:r>
-            <a:r>
-              <a:rPr kumimoji="1" lang="zh-CN" altLang="en-US" dirty="0"/>
-              <a:t>个文本</a:t>
-            </a:r>
-            <a:r>
-              <a:rPr kumimoji="1" lang="en-US" altLang="zh-CN" dirty="0"/>
+              <a:rPr kumimoji="1" lang="en-US" altLang="zh-CN"/>
+              <a:t>32</a:t>
+            </a:r>
+            <a:r>
+              <a:rPr kumimoji="1" lang="zh-CN" altLang="en-US"/>
+              <a:t>个窗口</a:t>
+            </a:r>
+            <a:r>
+              <a:rPr kumimoji="1" lang="en-US" altLang="zh-CN"/>
               <a:t>1</a:t>
             </a:r>
             <a:r>
               <a:rPr kumimoji="1" lang="zh-CN" altLang="en-US" dirty="0"/>
               <a:t>个批次</a:t>
-            </a:r>
-          </a:p>
-        </p:txBody>
-      </p:sp>
-      <p:sp>
-        <p:nvSpPr>
-          <p:cNvPr id="37" name="文本框 36">
-            <a:extLst>
-              <a:ext uri="{FF2B5EF4-FFF2-40B4-BE49-F238E27FC236}">
-                <a16:creationId xmlns:a16="http://schemas.microsoft.com/office/drawing/2014/main" id="{28BEA99E-AE10-4D79-AE3A-CEEC4F8519ED}"/>
-              </a:ext>
-            </a:extLst>
-          </p:cNvPr>
-          <p:cNvSpPr txBox="1"/>
-          <p:nvPr/>
-        </p:nvSpPr>
-        <p:spPr>
-          <a:xfrm>
-            <a:off x="11090098" y="3927766"/>
-            <a:ext cx="461665" cy="1011944"/>
-          </a:xfrm>
-          <a:prstGeom prst="rect">
-            <a:avLst/>
-          </a:prstGeom>
-          <a:noFill/>
-        </p:spPr>
-        <p:txBody>
-          <a:bodyPr vert="eaVert" wrap="none" rtlCol="0">
-            <a:spAutoFit/>
-          </a:bodyPr>
-          <a:lstStyle/>
-          <a:p>
-            <a:r>
-              <a:rPr kumimoji="1" lang="en-US" altLang="zh-CN" dirty="0"/>
-              <a:t>10</a:t>
-            </a:r>
-            <a:r>
-              <a:rPr kumimoji="1" lang="zh-CN" altLang="en-US" dirty="0"/>
-              <a:t>个文本</a:t>
             </a:r>
           </a:p>
         </p:txBody>
@@ -7517,8 +10871,8 @@
         </p:nvSpPr>
         <p:spPr>
           <a:xfrm>
-            <a:off x="3791978" y="3637209"/>
-            <a:ext cx="1082348" cy="523220"/>
+            <a:off x="3456698" y="3208041"/>
+            <a:ext cx="1172116" cy="523220"/>
           </a:xfrm>
           <a:prstGeom prst="rect">
             <a:avLst/>
@@ -7532,12 +10886,20 @@
           <a:lstStyle/>
           <a:p>
             <a:r>
-              <a:rPr kumimoji="1" lang="zh-CN" altLang="en-US" sz="1400" dirty="0">
+              <a:rPr kumimoji="1" lang="zh-CN" altLang="en-US" sz="1400">
                 <a:latin typeface="KaiTi" charset="-122"/>
                 <a:ea typeface="KaiTi" charset="-122"/>
                 <a:cs typeface="KaiTi" charset="-122"/>
               </a:rPr>
-              <a:t>行为文本</a:t>
+              <a:t>行为</a:t>
+            </a:r>
+            <a:r>
+              <a:rPr kumimoji="1" lang="en-US" altLang="zh-CN" sz="1400">
+                <a:latin typeface="KaiTi" charset="-122"/>
+                <a:ea typeface="KaiTi" charset="-122"/>
+                <a:cs typeface="KaiTi" charset="-122"/>
+              </a:rPr>
+              <a:t>context</a:t>
             </a:r>
             <a:endParaRPr kumimoji="1" lang="en-US" altLang="zh-CN" sz="1400" dirty="0">
               <a:latin typeface="KaiTi" charset="-122"/>
@@ -7571,7 +10933,7 @@
         </p:nvSpPr>
         <p:spPr>
           <a:xfrm>
-            <a:off x="7093637" y="3637209"/>
+            <a:off x="6758357" y="3208041"/>
             <a:ext cx="1082348" cy="523220"/>
           </a:xfrm>
           <a:prstGeom prst="rect">
@@ -7625,7 +10987,7 @@
         </p:nvSpPr>
         <p:spPr>
           <a:xfrm>
-            <a:off x="10006102" y="4742641"/>
+            <a:off x="9670822" y="4313473"/>
             <a:ext cx="1082348" cy="523220"/>
           </a:xfrm>
           <a:prstGeom prst="rect">
@@ -7665,8 +11027,8 @@
           </a:p>
         </p:txBody>
       </p:sp>
-      <mc:AlternateContent xmlns:mc="http://schemas.openxmlformats.org/markup-compatibility/2006">
-        <mc:Choice xmlns:a14="http://schemas.microsoft.com/office/drawing/2010/main" Requires="a14">
+      <mc:AlternateContent xmlns:mc="http://schemas.openxmlformats.org/markup-compatibility/2006" xmlns:a14="http://schemas.microsoft.com/office/drawing/2010/main">
+        <mc:Choice Requires="a14">
           <p:sp>
             <p:nvSpPr>
               <p:cNvPr id="41" name="文本框 40">
@@ -7681,7 +11043,7 @@
             </p:nvSpPr>
             <p:spPr>
               <a:xfrm>
-                <a:off x="7208909" y="2055126"/>
+                <a:off x="6873629" y="1625958"/>
                 <a:ext cx="1879169" cy="395558"/>
               </a:xfrm>
               <a:prstGeom prst="rect">
@@ -7774,7 +11136,7 @@
             </p:txBody>
           </p:sp>
         </mc:Choice>
-        <mc:Fallback>
+        <mc:Fallback xmlns="">
           <p:sp>
             <p:nvSpPr>
               <p:cNvPr id="41" name="文本框 40">
@@ -7791,7 +11153,7 @@
             </p:nvSpPr>
             <p:spPr>
               <a:xfrm>
-                <a:off x="7208909" y="2055126"/>
+                <a:off x="6873629" y="1625958"/>
                 <a:ext cx="1879169" cy="395558"/>
               </a:xfrm>
               <a:prstGeom prst="rect">
@@ -7800,7 +11162,7 @@
               <a:blipFill>
                 <a:blip r:embed="rId8"/>
                 <a:stretch>
-                  <a:fillRect l="-2922" t="-1538" r="-3571" b="-23077"/>
+                  <a:fillRect l="-2922" t="-3077" r="-3571" b="-23077"/>
                 </a:stretch>
               </a:blipFill>
             </p:spPr>
@@ -7828,13 +11190,15 @@
               </a:ext>
             </a:extLst>
           </p:cNvPr>
-          <p:cNvCxnSpPr/>
+          <p:cNvCxnSpPr>
+            <a:cxnSpLocks/>
+          </p:cNvCxnSpPr>
           <p:nvPr/>
         </p:nvCxnSpPr>
         <p:spPr>
           <a:xfrm>
-            <a:off x="5053742" y="2201452"/>
-            <a:ext cx="0" cy="839776"/>
+            <a:off x="4718462" y="1959875"/>
+            <a:ext cx="0" cy="652185"/>
           </a:xfrm>
           <a:prstGeom prst="straightConnector1">
             <a:avLst/>
@@ -7867,13 +11231,15 @@
               </a:ext>
             </a:extLst>
           </p:cNvPr>
-          <p:cNvCxnSpPr/>
+          <p:cNvCxnSpPr>
+            <a:cxnSpLocks/>
+          </p:cNvCxnSpPr>
           <p:nvPr/>
         </p:nvCxnSpPr>
         <p:spPr>
           <a:xfrm flipH="1">
-            <a:off x="3613658" y="2205441"/>
-            <a:ext cx="1443734" cy="4878"/>
+            <a:off x="3272610" y="1959874"/>
+            <a:ext cx="1445852" cy="0"/>
           </a:xfrm>
           <a:prstGeom prst="line">
             <a:avLst/>
@@ -7908,7 +11274,7 @@
         </p:nvCxnSpPr>
         <p:spPr>
           <a:xfrm flipH="1">
-            <a:off x="2967744" y="1929020"/>
+            <a:off x="2632464" y="1846088"/>
             <a:ext cx="1898005" cy="0"/>
           </a:xfrm>
           <a:prstGeom prst="line">
@@ -7939,13 +11305,15 @@
               </a:ext>
             </a:extLst>
           </p:cNvPr>
-          <p:cNvCxnSpPr/>
+          <p:cNvCxnSpPr>
+            <a:cxnSpLocks/>
+          </p:cNvCxnSpPr>
           <p:nvPr/>
         </p:nvCxnSpPr>
         <p:spPr>
           <a:xfrm>
-            <a:off x="4865750" y="1929020"/>
-            <a:ext cx="1488" cy="1104001"/>
+            <a:off x="4531958" y="1847468"/>
+            <a:ext cx="0" cy="756385"/>
           </a:xfrm>
           <a:prstGeom prst="straightConnector1">
             <a:avLst/>
@@ -7978,13 +11346,15 @@
               </a:ext>
             </a:extLst>
           </p:cNvPr>
-          <p:cNvCxnSpPr/>
+          <p:cNvCxnSpPr>
+            <a:cxnSpLocks/>
+          </p:cNvCxnSpPr>
           <p:nvPr/>
         </p:nvCxnSpPr>
         <p:spPr>
           <a:xfrm>
-            <a:off x="4653839" y="1730430"/>
-            <a:ext cx="0" cy="1317226"/>
+            <a:off x="4318559" y="1693818"/>
+            <a:ext cx="0" cy="924670"/>
           </a:xfrm>
           <a:prstGeom prst="straightConnector1">
             <a:avLst/>
@@ -8022,7 +11392,7 @@
         </p:nvCxnSpPr>
         <p:spPr>
           <a:xfrm flipH="1" flipV="1">
-            <a:off x="2220612" y="1730430"/>
+            <a:off x="1885332" y="1696655"/>
             <a:ext cx="2442446" cy="3829"/>
           </a:xfrm>
           <a:prstGeom prst="line">
@@ -8053,13 +11423,15 @@
               </a:ext>
             </a:extLst>
           </p:cNvPr>
-          <p:cNvCxnSpPr/>
+          <p:cNvCxnSpPr>
+            <a:cxnSpLocks/>
+          </p:cNvCxnSpPr>
           <p:nvPr/>
         </p:nvCxnSpPr>
         <p:spPr>
-          <a:xfrm>
-            <a:off x="4447423" y="1512044"/>
-            <a:ext cx="1464" cy="1529184"/>
+          <a:xfrm flipH="1">
+            <a:off x="4113608" y="1567137"/>
+            <a:ext cx="1501" cy="1044923"/>
           </a:xfrm>
           <a:prstGeom prst="straightConnector1">
             <a:avLst/>
@@ -8092,13 +11464,15 @@
               </a:ext>
             </a:extLst>
           </p:cNvPr>
-          <p:cNvCxnSpPr/>
+          <p:cNvCxnSpPr>
+            <a:cxnSpLocks/>
+          </p:cNvCxnSpPr>
           <p:nvPr/>
         </p:nvCxnSpPr>
         <p:spPr>
-          <a:xfrm flipH="1" flipV="1">
-            <a:off x="1532954" y="1505618"/>
-            <a:ext cx="2914469" cy="2065"/>
+          <a:xfrm flipH="1">
+            <a:off x="1200641" y="1567136"/>
+            <a:ext cx="2912967" cy="12592"/>
           </a:xfrm>
           <a:prstGeom prst="line">
             <a:avLst/>
@@ -8119,14 +11493,692 @@
           </a:fontRef>
         </p:style>
       </p:cxnSp>
-      <mc:AlternateContent xmlns:mc="http://schemas.openxmlformats.org/markup-compatibility/2006">
-        <mc:Choice xmlns:a14="http://schemas.microsoft.com/office/drawing/2010/main" Requires="a14">
+      <p:sp>
+        <p:nvSpPr>
+          <p:cNvPr id="2" name="文本框 1">
+            <a:extLst>
+              <a:ext uri="{FF2B5EF4-FFF2-40B4-BE49-F238E27FC236}">
+                <a16:creationId xmlns:a16="http://schemas.microsoft.com/office/drawing/2014/main" id="{11763052-F07B-4760-B4AA-2240FE725202}"/>
+              </a:ext>
+            </a:extLst>
+          </p:cNvPr>
+          <p:cNvSpPr txBox="1"/>
+          <p:nvPr/>
+        </p:nvSpPr>
+        <p:spPr>
+          <a:xfrm>
+            <a:off x="834887" y="3211114"/>
+            <a:ext cx="971741" cy="369332"/>
+          </a:xfrm>
+          <a:prstGeom prst="rect">
+            <a:avLst/>
+          </a:prstGeom>
+          <a:noFill/>
+        </p:spPr>
+        <p:txBody>
+          <a:bodyPr wrap="none" rtlCol="0">
+            <a:spAutoFit/>
+          </a:bodyPr>
+          <a:lstStyle/>
+          <a:p>
+            <a:r>
+              <a:rPr lang="en-US" altLang="zh-CN" b="1">
+                <a:solidFill>
+                  <a:srgbClr val="FF0000"/>
+                </a:solidFill>
+              </a:rPr>
+              <a:t>context</a:t>
+            </a:r>
+            <a:endParaRPr lang="zh-CN" altLang="en-US" b="1">
+              <a:solidFill>
+                <a:srgbClr val="FF0000"/>
+              </a:solidFill>
+            </a:endParaRPr>
+          </a:p>
+        </p:txBody>
+      </p:sp>
+      <p:sp>
+        <p:nvSpPr>
+          <p:cNvPr id="3" name="文本框 2">
+            <a:extLst>
+              <a:ext uri="{FF2B5EF4-FFF2-40B4-BE49-F238E27FC236}">
+                <a16:creationId xmlns:a16="http://schemas.microsoft.com/office/drawing/2014/main" id="{F99CD6C8-ECB8-4F8E-88CB-30391606FAD1}"/>
+              </a:ext>
+            </a:extLst>
+          </p:cNvPr>
+          <p:cNvSpPr txBox="1"/>
+          <p:nvPr/>
+        </p:nvSpPr>
+        <p:spPr>
+          <a:xfrm>
+            <a:off x="4963718" y="3202605"/>
+            <a:ext cx="699230" cy="369332"/>
+          </a:xfrm>
+          <a:prstGeom prst="rect">
+            <a:avLst/>
+          </a:prstGeom>
+          <a:noFill/>
+        </p:spPr>
+        <p:txBody>
+          <a:bodyPr wrap="none" rtlCol="0">
+            <a:spAutoFit/>
+          </a:bodyPr>
+          <a:lstStyle/>
+          <a:p>
+            <a:r>
+              <a:rPr lang="en-US" altLang="zh-CN" b="1">
+                <a:solidFill>
+                  <a:srgbClr val="FF0000"/>
+                </a:solidFill>
+              </a:rPr>
+              <a:t>W_in</a:t>
+            </a:r>
+            <a:endParaRPr lang="zh-CN" altLang="en-US" b="1">
+              <a:solidFill>
+                <a:srgbClr val="FF0000"/>
+              </a:solidFill>
+            </a:endParaRPr>
+          </a:p>
+        </p:txBody>
+      </p:sp>
+      <p:cxnSp>
+        <p:nvCxnSpPr>
+          <p:cNvPr id="53" name="直接箭头连接符 52">
+            <a:extLst>
+              <a:ext uri="{FF2B5EF4-FFF2-40B4-BE49-F238E27FC236}">
+                <a16:creationId xmlns:a16="http://schemas.microsoft.com/office/drawing/2014/main" id="{8BEA8750-6680-452D-A881-B49B11E8C1D7}"/>
+              </a:ext>
+            </a:extLst>
+          </p:cNvPr>
+          <p:cNvCxnSpPr>
+            <a:cxnSpLocks/>
+            <a:stCxn id="11" idx="3"/>
+          </p:cNvCxnSpPr>
+          <p:nvPr/>
+        </p:nvCxnSpPr>
+        <p:spPr>
+          <a:xfrm>
+            <a:off x="10663526" y="2556107"/>
+            <a:ext cx="717207" cy="0"/>
+          </a:xfrm>
+          <a:prstGeom prst="straightConnector1">
+            <a:avLst/>
+          </a:prstGeom>
+          <a:ln>
+            <a:tailEnd type="triangle"/>
+          </a:ln>
+        </p:spPr>
+        <p:style>
+          <a:lnRef idx="3">
+            <a:schemeClr val="dk1"/>
+          </a:lnRef>
+          <a:fillRef idx="0">
+            <a:schemeClr val="dk1"/>
+          </a:fillRef>
+          <a:effectRef idx="2">
+            <a:schemeClr val="dk1"/>
+          </a:effectRef>
+          <a:fontRef idx="minor">
+            <a:schemeClr val="tx1"/>
+          </a:fontRef>
+        </p:style>
+      </p:cxnSp>
+      <p:sp>
+        <p:nvSpPr>
+          <p:cNvPr id="54" name="文本框 53">
+            <a:extLst>
+              <a:ext uri="{FF2B5EF4-FFF2-40B4-BE49-F238E27FC236}">
+                <a16:creationId xmlns:a16="http://schemas.microsoft.com/office/drawing/2014/main" id="{9C0FCA14-7E85-4656-A20E-35E74AD0458C}"/>
+              </a:ext>
+            </a:extLst>
+          </p:cNvPr>
+          <p:cNvSpPr txBox="1"/>
+          <p:nvPr/>
+        </p:nvSpPr>
+        <p:spPr>
+          <a:xfrm>
+            <a:off x="10323766" y="1647755"/>
+            <a:ext cx="1338828" cy="369332"/>
+          </a:xfrm>
+          <a:prstGeom prst="rect">
+            <a:avLst/>
+          </a:prstGeom>
+          <a:noFill/>
+        </p:spPr>
+        <p:txBody>
+          <a:bodyPr wrap="none" rtlCol="0">
+            <a:spAutoFit/>
+          </a:bodyPr>
+          <a:lstStyle/>
+          <a:p>
+            <a:r>
+              <a:rPr kumimoji="1" lang="zh-CN" altLang="en-US">
+                <a:latin typeface="STXingkai" charset="-122"/>
+                <a:ea typeface="STXingkai" charset="-122"/>
+                <a:cs typeface="STXingkai" charset="-122"/>
+              </a:rPr>
+              <a:t>求和取平均</a:t>
+            </a:r>
+            <a:endParaRPr kumimoji="1" lang="zh-CN" altLang="en-US" dirty="0">
+              <a:latin typeface="STXingkai" charset="-122"/>
+              <a:ea typeface="STXingkai" charset="-122"/>
+              <a:cs typeface="STXingkai" charset="-122"/>
+            </a:endParaRPr>
+          </a:p>
+        </p:txBody>
+      </p:sp>
+      <p:cxnSp>
+        <p:nvCxnSpPr>
+          <p:cNvPr id="55" name="直接箭头连接符 54">
+            <a:extLst>
+              <a:ext uri="{FF2B5EF4-FFF2-40B4-BE49-F238E27FC236}">
+                <a16:creationId xmlns:a16="http://schemas.microsoft.com/office/drawing/2014/main" id="{F6F62524-3382-4863-A53F-08FCF5C49C3B}"/>
+              </a:ext>
+            </a:extLst>
+          </p:cNvPr>
+          <p:cNvCxnSpPr>
+            <a:cxnSpLocks/>
+            <a:stCxn id="23" idx="3"/>
+          </p:cNvCxnSpPr>
+          <p:nvPr/>
+        </p:nvCxnSpPr>
+        <p:spPr>
+          <a:xfrm flipV="1">
+            <a:off x="10663526" y="3802083"/>
+            <a:ext cx="717207" cy="2308"/>
+          </a:xfrm>
+          <a:prstGeom prst="straightConnector1">
+            <a:avLst/>
+          </a:prstGeom>
+          <a:ln>
+            <a:tailEnd type="triangle"/>
+          </a:ln>
+        </p:spPr>
+        <p:style>
+          <a:lnRef idx="3">
+            <a:schemeClr val="dk1"/>
+          </a:lnRef>
+          <a:fillRef idx="0">
+            <a:schemeClr val="dk1"/>
+          </a:fillRef>
+          <a:effectRef idx="2">
+            <a:schemeClr val="dk1"/>
+          </a:effectRef>
+          <a:fontRef idx="minor">
+            <a:schemeClr val="tx1"/>
+          </a:fontRef>
+        </p:style>
+      </p:cxnSp>
+      <p:cxnSp>
+        <p:nvCxnSpPr>
+          <p:cNvPr id="56" name="直接箭头连接符 55">
+            <a:extLst>
+              <a:ext uri="{FF2B5EF4-FFF2-40B4-BE49-F238E27FC236}">
+                <a16:creationId xmlns:a16="http://schemas.microsoft.com/office/drawing/2014/main" id="{B6EA183F-036A-41C1-8BEA-75AFF882AD54}"/>
+              </a:ext>
+            </a:extLst>
+          </p:cNvPr>
+          <p:cNvCxnSpPr>
+            <a:cxnSpLocks/>
+            <a:stCxn id="25" idx="3"/>
+          </p:cNvCxnSpPr>
+          <p:nvPr/>
+        </p:nvCxnSpPr>
+        <p:spPr>
+          <a:xfrm>
+            <a:off x="10668848" y="5526708"/>
+            <a:ext cx="711885" cy="0"/>
+          </a:xfrm>
+          <a:prstGeom prst="straightConnector1">
+            <a:avLst/>
+          </a:prstGeom>
+          <a:ln>
+            <a:tailEnd type="triangle"/>
+          </a:ln>
+        </p:spPr>
+        <p:style>
+          <a:lnRef idx="3">
+            <a:schemeClr val="dk1"/>
+          </a:lnRef>
+          <a:fillRef idx="0">
+            <a:schemeClr val="dk1"/>
+          </a:fillRef>
+          <a:effectRef idx="2">
+            <a:schemeClr val="dk1"/>
+          </a:effectRef>
+          <a:fontRef idx="minor">
+            <a:schemeClr val="tx1"/>
+          </a:fontRef>
+        </p:style>
+      </p:cxnSp>
+      <p:sp>
+        <p:nvSpPr>
+          <p:cNvPr id="57" name="文本框 56">
+            <a:extLst>
+              <a:ext uri="{FF2B5EF4-FFF2-40B4-BE49-F238E27FC236}">
+                <a16:creationId xmlns:a16="http://schemas.microsoft.com/office/drawing/2014/main" id="{68CC67E2-1307-4C4F-ACB4-3AA1BEFF35BC}"/>
+              </a:ext>
+            </a:extLst>
+          </p:cNvPr>
+          <p:cNvSpPr txBox="1"/>
+          <p:nvPr/>
+        </p:nvSpPr>
+        <p:spPr>
+          <a:xfrm>
+            <a:off x="8184642" y="6059500"/>
+            <a:ext cx="1640193" cy="369332"/>
+          </a:xfrm>
+          <a:prstGeom prst="rect">
+            <a:avLst/>
+          </a:prstGeom>
+          <a:noFill/>
+        </p:spPr>
+        <p:txBody>
+          <a:bodyPr wrap="none" rtlCol="0">
+            <a:spAutoFit/>
+          </a:bodyPr>
+          <a:lstStyle/>
+          <a:p>
+            <a:r>
+              <a:rPr lang="en-US" altLang="zh-CN" b="1">
+                <a:solidFill>
+                  <a:srgbClr val="FF0000"/>
+                </a:solidFill>
+              </a:rPr>
+              <a:t>W_in[context]</a:t>
+            </a:r>
+            <a:endParaRPr lang="zh-CN" altLang="en-US" b="1">
+              <a:solidFill>
+                <a:srgbClr val="FF0000"/>
+              </a:solidFill>
+            </a:endParaRPr>
+          </a:p>
+        </p:txBody>
+      </p:sp>
+      <p:cxnSp>
+        <p:nvCxnSpPr>
+          <p:cNvPr id="115" name="直接箭头连接符 114">
+            <a:extLst>
+              <a:ext uri="{FF2B5EF4-FFF2-40B4-BE49-F238E27FC236}">
+                <a16:creationId xmlns:a16="http://schemas.microsoft.com/office/drawing/2014/main" id="{F465D094-4DEE-40E6-B5B9-AA084823FC81}"/>
+              </a:ext>
+            </a:extLst>
+          </p:cNvPr>
+          <p:cNvCxnSpPr>
+            <a:cxnSpLocks/>
+          </p:cNvCxnSpPr>
+          <p:nvPr/>
+        </p:nvCxnSpPr>
+        <p:spPr>
+          <a:xfrm>
+            <a:off x="8004773" y="2187773"/>
+            <a:ext cx="179869" cy="0"/>
+          </a:xfrm>
+          <a:prstGeom prst="straightConnector1">
+            <a:avLst/>
+          </a:prstGeom>
+          <a:ln>
+            <a:tailEnd type="triangle"/>
+          </a:ln>
+        </p:spPr>
+        <p:style>
+          <a:lnRef idx="3">
+            <a:schemeClr val="accent5"/>
+          </a:lnRef>
+          <a:fillRef idx="0">
+            <a:schemeClr val="accent5"/>
+          </a:fillRef>
+          <a:effectRef idx="2">
+            <a:schemeClr val="accent5"/>
+          </a:effectRef>
+          <a:fontRef idx="minor">
+            <a:schemeClr val="tx1"/>
+          </a:fontRef>
+        </p:style>
+      </p:cxnSp>
+      <p:cxnSp>
+        <p:nvCxnSpPr>
+          <p:cNvPr id="119" name="直接连接符 118">
+            <a:extLst>
+              <a:ext uri="{FF2B5EF4-FFF2-40B4-BE49-F238E27FC236}">
+                <a16:creationId xmlns:a16="http://schemas.microsoft.com/office/drawing/2014/main" id="{23D1F525-9132-4B0E-A4A9-BDF9B8F6F937}"/>
+              </a:ext>
+            </a:extLst>
+          </p:cNvPr>
+          <p:cNvCxnSpPr/>
+          <p:nvPr/>
+        </p:nvCxnSpPr>
+        <p:spPr>
+          <a:xfrm>
+            <a:off x="8004773" y="2187773"/>
+            <a:ext cx="0" cy="442241"/>
+          </a:xfrm>
+          <a:prstGeom prst="line">
+            <a:avLst/>
+          </a:prstGeom>
+        </p:spPr>
+        <p:style>
+          <a:lnRef idx="3">
+            <a:schemeClr val="accent1"/>
+          </a:lnRef>
+          <a:fillRef idx="0">
+            <a:schemeClr val="accent1"/>
+          </a:fillRef>
+          <a:effectRef idx="2">
+            <a:schemeClr val="accent1"/>
+          </a:effectRef>
+          <a:fontRef idx="minor">
+            <a:schemeClr val="tx1"/>
+          </a:fontRef>
+        </p:style>
+      </p:cxnSp>
+      <mc:AlternateContent xmlns:mc="http://schemas.openxmlformats.org/markup-compatibility/2006" xmlns:a14="http://schemas.microsoft.com/office/drawing/2010/main">
+        <mc:Choice Requires="a14">
           <p:sp>
             <p:nvSpPr>
-              <p:cNvPr id="50" name="文本框 49">
+              <p:cNvPr id="129" name="矩形 128">
                 <a:extLst>
                   <a:ext uri="{FF2B5EF4-FFF2-40B4-BE49-F238E27FC236}">
-                    <a16:creationId xmlns:a16="http://schemas.microsoft.com/office/drawing/2014/main" id="{6D7872FA-5077-4E9A-AF12-730680CABC19}"/>
+                    <a16:creationId xmlns:a16="http://schemas.microsoft.com/office/drawing/2014/main" id="{DB690CF3-6140-4405-85BC-55B89FBE8C5E}"/>
+                  </a:ext>
+                </a:extLst>
+              </p:cNvPr>
+              <p:cNvSpPr/>
+              <p:nvPr/>
+            </p:nvSpPr>
+            <p:spPr>
+              <a:xfrm>
+                <a:off x="4831415" y="3812008"/>
+                <a:ext cx="1695785" cy="646331"/>
+              </a:xfrm>
+              <a:prstGeom prst="rect">
+                <a:avLst/>
+              </a:prstGeom>
+            </p:spPr>
+            <p:txBody>
+              <a:bodyPr wrap="none">
+                <a:spAutoFit/>
+              </a:bodyPr>
+              <a:lstStyle/>
+              <a:p>
+                <a14:m>
+                  <m:oMath xmlns:m="http://schemas.openxmlformats.org/officeDocument/2006/math">
+                    <m:d>
+                      <m:dPr>
+                        <m:begChr m:val="|"/>
+                        <m:endChr m:val="|"/>
+                        <m:ctrlPr>
+                          <a:rPr kumimoji="1" lang="en-US" altLang="zh-CN" b="0" i="1" smtClean="0">
+                            <a:latin typeface="Cambria Math" panose="02040503050406030204" pitchFamily="18" charset="0"/>
+                          </a:rPr>
+                        </m:ctrlPr>
+                      </m:dPr>
+                      <m:e>
+                        <m:r>
+                          <a:rPr kumimoji="1" lang="en-US" altLang="zh-CN" i="1">
+                            <a:latin typeface="Cambria Math" charset="0"/>
+                          </a:rPr>
+                          <m:t>𝑉</m:t>
+                        </m:r>
+                      </m:e>
+                    </m:d>
+                  </m:oMath>
+                </a14:m>
+                <a:r>
+                  <a:rPr kumimoji="1" lang="en-US" altLang="zh-CN" b="0"/>
+                  <a:t>=vocab_size</a:t>
+                </a:r>
+              </a:p>
+              <a:p>
+                <a:r>
+                  <a:rPr lang="en-US" altLang="zh-CN"/>
+                  <a:t>emb_size=128</a:t>
+                </a:r>
+                <a:endParaRPr lang="zh-CN" altLang="en-US"/>
+              </a:p>
+            </p:txBody>
+          </p:sp>
+        </mc:Choice>
+        <mc:Fallback xmlns="">
+          <p:sp>
+            <p:nvSpPr>
+              <p:cNvPr id="129" name="矩形 128">
+                <a:extLst>
+                  <a:ext uri="{FF2B5EF4-FFF2-40B4-BE49-F238E27FC236}">
+                    <a16:creationId xmlns:a16="http://schemas.microsoft.com/office/drawing/2014/main" id="{DB690CF3-6140-4405-85BC-55B89FBE8C5E}"/>
+                  </a:ext>
+                </a:extLst>
+              </p:cNvPr>
+              <p:cNvSpPr>
+                <a:spLocks noRot="1" noChangeAspect="1" noMove="1" noResize="1" noEditPoints="1" noAdjustHandles="1" noChangeArrowheads="1" noChangeShapeType="1" noTextEdit="1"/>
+              </p:cNvSpPr>
+              <p:nvPr/>
+            </p:nvSpPr>
+            <p:spPr>
+              <a:xfrm>
+                <a:off x="4831415" y="3812008"/>
+                <a:ext cx="1695785" cy="646331"/>
+              </a:xfrm>
+              <a:prstGeom prst="rect">
+                <a:avLst/>
+              </a:prstGeom>
+              <a:blipFill>
+                <a:blip r:embed="rId9"/>
+                <a:stretch>
+                  <a:fillRect l="-3237" t="-4717" r="-2878" b="-14151"/>
+                </a:stretch>
+              </a:blipFill>
+            </p:spPr>
+            <p:txBody>
+              <a:bodyPr/>
+              <a:lstStyle/>
+              <a:p>
+                <a:r>
+                  <a:rPr lang="zh-CN" altLang="en-US">
+                    <a:noFill/>
+                  </a:rPr>
+                  <a:t> </a:t>
+                </a:r>
+              </a:p>
+            </p:txBody>
+          </p:sp>
+        </mc:Fallback>
+      </mc:AlternateContent>
+    </p:spTree>
+    <p:extLst>
+      <p:ext uri="{BB962C8B-B14F-4D97-AF65-F5344CB8AC3E}">
+        <p14:creationId xmlns:p14="http://schemas.microsoft.com/office/powerpoint/2010/main" val="2387309642"/>
+      </p:ext>
+    </p:extLst>
+  </p:cSld>
+  <p:clrMapOvr>
+    <a:masterClrMapping/>
+  </p:clrMapOvr>
+</p:sld>
+</file>
+
+<file path=ppt/slides/slide7.xml><?xml version="1.0" encoding="utf-8"?>
+<p:sld xmlns:a="http://schemas.openxmlformats.org/drawingml/2006/main" xmlns:r="http://schemas.openxmlformats.org/officeDocument/2006/relationships" xmlns:p="http://schemas.openxmlformats.org/presentationml/2006/main">
+  <p:cSld>
+    <p:spTree>
+      <p:nvGrpSpPr>
+        <p:cNvPr id="1" name=""/>
+        <p:cNvGrpSpPr/>
+        <p:nvPr/>
+      </p:nvGrpSpPr>
+      <p:grpSpPr>
+        <a:xfrm>
+          <a:off x="0" y="0"/>
+          <a:ext cx="0" cy="0"/>
+          <a:chOff x="0" y="0"/>
+          <a:chExt cx="0" cy="0"/>
+        </a:xfrm>
+      </p:grpSpPr>
+      <p:sp>
+        <p:nvSpPr>
+          <p:cNvPr id="5" name="标题 4">
+            <a:extLst>
+              <a:ext uri="{FF2B5EF4-FFF2-40B4-BE49-F238E27FC236}">
+                <a16:creationId xmlns:a16="http://schemas.microsoft.com/office/drawing/2014/main" id="{DE9F9032-2CAF-4F37-842F-B5F33446AC3B}"/>
+              </a:ext>
+            </a:extLst>
+          </p:cNvPr>
+          <p:cNvSpPr>
+            <a:spLocks noGrp="1"/>
+          </p:cNvSpPr>
+          <p:nvPr>
+            <p:ph type="title"/>
+          </p:nvPr>
+        </p:nvSpPr>
+        <p:spPr/>
+        <p:txBody>
+          <a:bodyPr>
+            <a:normAutofit/>
+          </a:bodyPr>
+          <a:lstStyle/>
+          <a:p>
+            <a:r>
+              <a:rPr kumimoji="1" lang="zh-CN" altLang="en-US"/>
+              <a:t>隐藏层计算过程，输出层</a:t>
+            </a:r>
+            <a:r>
+              <a:rPr kumimoji="1" lang="en-US" altLang="zh-CN"/>
+              <a:t>softmax</a:t>
+            </a:r>
+            <a:r>
+              <a:rPr kumimoji="1" lang="zh-CN" altLang="en-US"/>
+              <a:t>概率归一化</a:t>
+            </a:r>
+            <a:endParaRPr lang="zh-CN" altLang="en-US"/>
+          </a:p>
+        </p:txBody>
+      </p:sp>
+      <p:sp>
+        <p:nvSpPr>
+          <p:cNvPr id="33" name="文本框 32">
+            <a:extLst>
+              <a:ext uri="{FF2B5EF4-FFF2-40B4-BE49-F238E27FC236}">
+                <a16:creationId xmlns:a16="http://schemas.microsoft.com/office/drawing/2014/main" id="{F9856815-4E47-4619-BDDA-2F6B7DDDE084}"/>
+              </a:ext>
+            </a:extLst>
+          </p:cNvPr>
+          <p:cNvSpPr txBox="1"/>
+          <p:nvPr/>
+        </p:nvSpPr>
+        <p:spPr>
+          <a:xfrm>
+            <a:off x="1199587" y="1338382"/>
+            <a:ext cx="2526596" cy="646331"/>
+          </a:xfrm>
+          <a:prstGeom prst="rect">
+            <a:avLst/>
+          </a:prstGeom>
+          <a:noFill/>
+        </p:spPr>
+        <p:txBody>
+          <a:bodyPr wrap="square" rtlCol="0">
+            <a:spAutoFit/>
+          </a:bodyPr>
+          <a:lstStyle/>
+          <a:p>
+            <a:r>
+              <a:rPr kumimoji="1" lang="en-US" altLang="zh-CN"/>
+              <a:t>Embedding</a:t>
+            </a:r>
+            <a:r>
+              <a:rPr kumimoji="1" lang="zh-CN" altLang="en-US"/>
+              <a:t>层输出各窗口向量矩阵（投影层）</a:t>
+            </a:r>
+            <a:endParaRPr kumimoji="1" lang="zh-CN" altLang="en-US" dirty="0"/>
+          </a:p>
+        </p:txBody>
+      </p:sp>
+      <p:sp>
+        <p:nvSpPr>
+          <p:cNvPr id="40" name="文本框 39">
+            <a:extLst>
+              <a:ext uri="{FF2B5EF4-FFF2-40B4-BE49-F238E27FC236}">
+                <a16:creationId xmlns:a16="http://schemas.microsoft.com/office/drawing/2014/main" id="{C3C9F439-1206-4834-8027-3CE928CAB0B1}"/>
+              </a:ext>
+            </a:extLst>
+          </p:cNvPr>
+          <p:cNvSpPr txBox="1"/>
+          <p:nvPr/>
+        </p:nvSpPr>
+        <p:spPr>
+          <a:xfrm>
+            <a:off x="1028008" y="3832776"/>
+            <a:ext cx="2698175" cy="523220"/>
+          </a:xfrm>
+          <a:prstGeom prst="rect">
+            <a:avLst/>
+          </a:prstGeom>
+          <a:noFill/>
+        </p:spPr>
+        <p:txBody>
+          <a:bodyPr wrap="none" rtlCol="0">
+            <a:spAutoFit/>
+          </a:bodyPr>
+          <a:lstStyle/>
+          <a:p>
+            <a:r>
+              <a:rPr kumimoji="1" lang="zh-CN" altLang="en-US" sz="1400">
+                <a:latin typeface="KaiTi" charset="-122"/>
+                <a:ea typeface="KaiTi" charset="-122"/>
+                <a:cs typeface="KaiTi" charset="-122"/>
+              </a:rPr>
+              <a:t>行为各训练上下文（</a:t>
+            </a:r>
+            <a:r>
+              <a:rPr kumimoji="1" lang="en-US" altLang="zh-CN" sz="1400">
+                <a:latin typeface="KaiTi" charset="-122"/>
+                <a:ea typeface="KaiTi" charset="-122"/>
+                <a:cs typeface="KaiTi" charset="-122"/>
+              </a:rPr>
+              <a:t>32</a:t>
+            </a:r>
+            <a:r>
+              <a:rPr kumimoji="1" lang="zh-CN" altLang="en-US" sz="1400">
+                <a:latin typeface="KaiTi" charset="-122"/>
+                <a:ea typeface="KaiTi" charset="-122"/>
+                <a:cs typeface="KaiTi" charset="-122"/>
+              </a:rPr>
+              <a:t>个窗口）</a:t>
+            </a:r>
+            <a:endParaRPr kumimoji="1" lang="en-US" altLang="zh-CN" sz="1400">
+              <a:latin typeface="KaiTi" charset="-122"/>
+              <a:ea typeface="KaiTi" charset="-122"/>
+              <a:cs typeface="KaiTi" charset="-122"/>
+            </a:endParaRPr>
+          </a:p>
+          <a:p>
+            <a:r>
+              <a:rPr kumimoji="1" lang="zh-CN" altLang="en-US" sz="1400">
+                <a:latin typeface="KaiTi" charset="-122"/>
+                <a:ea typeface="KaiTi" charset="-122"/>
+                <a:cs typeface="KaiTi" charset="-122"/>
+              </a:rPr>
+              <a:t>列为</a:t>
+            </a:r>
+            <a:r>
+              <a:rPr kumimoji="1" lang="zh-CN" altLang="en-US" sz="1400" dirty="0">
+                <a:latin typeface="KaiTi" charset="-122"/>
+                <a:ea typeface="KaiTi" charset="-122"/>
+                <a:cs typeface="KaiTi" charset="-122"/>
+              </a:rPr>
+              <a:t>各维度</a:t>
+            </a:r>
+          </a:p>
+        </p:txBody>
+      </p:sp>
+      <mc:AlternateContent xmlns:mc="http://schemas.openxmlformats.org/markup-compatibility/2006" xmlns:a14="http://schemas.microsoft.com/office/drawing/2010/main">
+        <mc:Choice Requires="a14">
+          <p:sp>
+            <p:nvSpPr>
+              <p:cNvPr id="52" name="文本框 51">
+                <a:extLst>
+                  <a:ext uri="{FF2B5EF4-FFF2-40B4-BE49-F238E27FC236}">
+                    <a16:creationId xmlns:a16="http://schemas.microsoft.com/office/drawing/2014/main" id="{C5F1FFA2-7891-40C5-BACF-485B60897897}"/>
                   </a:ext>
                 </a:extLst>
               </p:cNvPr>
@@ -8135,8 +12187,8 @@
             </p:nvSpPr>
             <p:spPr>
               <a:xfrm>
-                <a:off x="4579872" y="4970453"/>
-                <a:ext cx="2220416" cy="1247842"/>
+                <a:off x="4051663" y="2123924"/>
+                <a:ext cx="3112198" cy="1101007"/>
               </a:xfrm>
               <a:prstGeom prst="rect">
                 <a:avLst/>
@@ -8179,6 +12231,9 @@
                               </m:mcs>
                               <m:ctrlPr>
                                 <a:rPr kumimoji="1" lang="mr-IN" altLang="zh-CN" i="1" smtClean="0">
+                                  <a:solidFill>
+                                    <a:schemeClr val="tx1"/>
+                                  </a:solidFill>
                                   <a:latin typeface="Cambria Math" panose="02040503050406030204" pitchFamily="18" charset="0"/>
                                 </a:rPr>
                               </m:ctrlPr>
@@ -8190,7 +12245,7 @@
                                     <m:ctrlPr>
                                       <a:rPr kumimoji="1" lang="en-US" altLang="zh-CN" i="1" smtClean="0">
                                         <a:solidFill>
-                                          <a:schemeClr val="accent1"/>
+                                          <a:schemeClr val="tx1"/>
                                         </a:solidFill>
                                         <a:latin typeface="Cambria Math" panose="02040503050406030204" pitchFamily="18" charset="0"/>
                                       </a:rPr>
@@ -8200,22 +12255,40 @@
                                     <m:r>
                                       <a:rPr kumimoji="1" lang="en-US" altLang="zh-CN" b="0" i="1" smtClean="0">
                                         <a:solidFill>
-                                          <a:schemeClr val="accent1"/>
+                                          <a:schemeClr val="tx1"/>
                                         </a:solidFill>
                                         <a:latin typeface="Cambria Math" charset="0"/>
                                       </a:rPr>
-                                      <m:t>𝑏</m:t>
+                                      <m:t>𝑤</m:t>
                                     </m:r>
                                   </m:e>
                                   <m:sub>
                                     <m:r>
                                       <a:rPr kumimoji="1" lang="en-US" altLang="zh-CN" b="0" i="1" smtClean="0">
                                         <a:solidFill>
-                                          <a:schemeClr val="accent1"/>
+                                          <a:schemeClr val="tx1"/>
                                         </a:solidFill>
                                         <a:latin typeface="Cambria Math" charset="0"/>
                                       </a:rPr>
-                                      <m:t>11</m:t>
+                                      <m:t>1</m:t>
+                                    </m:r>
+                                    <m:r>
+                                      <a:rPr kumimoji="1" lang="en-US" altLang="zh-CN" b="0" i="1" smtClean="0">
+                                        <a:solidFill>
+                                          <a:schemeClr val="tx1"/>
+                                        </a:solidFill>
+                                        <a:latin typeface="Cambria Math" panose="02040503050406030204" pitchFamily="18" charset="0"/>
+                                      </a:rPr>
+                                      <m:t>_</m:t>
+                                    </m:r>
+                                    <m:r>
+                                      <a:rPr kumimoji="1" lang="en-US" altLang="zh-CN" b="0" i="1" smtClean="0">
+                                        <a:solidFill>
+                                          <a:schemeClr val="tx1"/>
+                                        </a:solidFill>
+                                        <a:latin typeface="Cambria Math" charset="0"/>
+                                      </a:rPr>
+                                      <m:t>1</m:t>
                                     </m:r>
                                   </m:sub>
                                 </m:sSub>
@@ -8226,7 +12299,7 @@
                                     <m:ctrlPr>
                                       <a:rPr kumimoji="1" lang="en-US" altLang="zh-CN" i="1" smtClean="0">
                                         <a:solidFill>
-                                          <a:schemeClr val="accent1"/>
+                                          <a:schemeClr val="tx1"/>
                                         </a:solidFill>
                                         <a:latin typeface="Cambria Math" panose="02040503050406030204" pitchFamily="18" charset="0"/>
                                       </a:rPr>
@@ -8236,22 +12309,40 @@
                                     <m:r>
                                       <a:rPr kumimoji="1" lang="en-US" altLang="zh-CN" b="0" i="1" smtClean="0">
                                         <a:solidFill>
-                                          <a:schemeClr val="accent1"/>
+                                          <a:schemeClr val="tx1"/>
                                         </a:solidFill>
                                         <a:latin typeface="Cambria Math" charset="0"/>
                                       </a:rPr>
-                                      <m:t>𝑏</m:t>
+                                      <m:t>𝑤</m:t>
                                     </m:r>
                                   </m:e>
                                   <m:sub>
                                     <m:r>
                                       <a:rPr kumimoji="1" lang="en-US" altLang="zh-CN" b="0" i="1" smtClean="0">
                                         <a:solidFill>
-                                          <a:schemeClr val="accent1"/>
+                                          <a:schemeClr val="tx1"/>
                                         </a:solidFill>
                                         <a:latin typeface="Cambria Math" charset="0"/>
                                       </a:rPr>
-                                      <m:t>12</m:t>
+                                      <m:t>1</m:t>
+                                    </m:r>
+                                    <m:r>
+                                      <a:rPr kumimoji="1" lang="en-US" altLang="zh-CN" b="0" i="1" smtClean="0">
+                                        <a:solidFill>
+                                          <a:schemeClr val="tx1"/>
+                                        </a:solidFill>
+                                        <a:latin typeface="Cambria Math" panose="02040503050406030204" pitchFamily="18" charset="0"/>
+                                      </a:rPr>
+                                      <m:t>_</m:t>
+                                    </m:r>
+                                    <m:r>
+                                      <a:rPr kumimoji="1" lang="en-US" altLang="zh-CN" b="0" i="1" smtClean="0">
+                                        <a:solidFill>
+                                          <a:schemeClr val="tx1"/>
+                                        </a:solidFill>
+                                        <a:latin typeface="Cambria Math" charset="0"/>
+                                      </a:rPr>
+                                      <m:t>2</m:t>
                                     </m:r>
                                   </m:sub>
                                 </m:sSub>
@@ -8259,6 +12350,9 @@
                               <m:e>
                                 <m:r>
                                   <a:rPr lang="en-US" altLang="zh-CN" b="0" i="1" smtClean="0">
+                                    <a:solidFill>
+                                      <a:schemeClr val="tx1"/>
+                                    </a:solidFill>
                                     <a:latin typeface="Cambria Math" charset="0"/>
                                   </a:rPr>
                                   <m:t>…</m:t>
@@ -8270,7 +12364,7 @@
                                     <m:ctrlPr>
                                       <a:rPr kumimoji="1" lang="en-US" altLang="zh-CN" i="1" smtClean="0">
                                         <a:solidFill>
-                                          <a:schemeClr val="accent1"/>
+                                          <a:schemeClr val="tx1"/>
                                         </a:solidFill>
                                         <a:latin typeface="Cambria Math" panose="02040503050406030204" pitchFamily="18" charset="0"/>
                                       </a:rPr>
@@ -8280,38 +12374,47 @@
                                     <m:r>
                                       <a:rPr kumimoji="1" lang="en-US" altLang="zh-CN" b="0" i="1" smtClean="0">
                                         <a:solidFill>
-                                          <a:schemeClr val="accent1"/>
+                                          <a:schemeClr val="tx1"/>
                                         </a:solidFill>
                                         <a:latin typeface="Cambria Math" charset="0"/>
                                       </a:rPr>
-                                      <m:t>𝑏</m:t>
+                                      <m:t>𝑤</m:t>
                                     </m:r>
                                   </m:e>
                                   <m:sub>
                                     <m:r>
                                       <a:rPr kumimoji="1" lang="en-US" altLang="zh-CN" b="0" i="1" smtClean="0">
                                         <a:solidFill>
-                                          <a:schemeClr val="accent1"/>
+                                          <a:schemeClr val="tx1"/>
                                         </a:solidFill>
                                         <a:latin typeface="Cambria Math" charset="0"/>
                                       </a:rPr>
-                                      <m:t>1|</m:t>
-                                    </m:r>
-                                    <m:r>
-                                      <a:rPr kumimoji="1" lang="en-US" altLang="zh-CN" b="0" i="1" smtClean="0">
-                                        <a:solidFill>
-                                          <a:schemeClr val="accent1"/>
-                                        </a:solidFill>
-                                        <a:latin typeface="Cambria Math" charset="0"/>
+                                      <m:t>1</m:t>
+                                    </m:r>
+                                    <m:r>
+                                      <a:rPr kumimoji="1" lang="en-US" altLang="zh-CN" b="0" i="1" smtClean="0">
+                                        <a:solidFill>
+                                          <a:schemeClr val="tx1"/>
+                                        </a:solidFill>
+                                        <a:latin typeface="Cambria Math" panose="02040503050406030204" pitchFamily="18" charset="0"/>
+                                      </a:rPr>
+                                      <m:t>_|</m:t>
+                                    </m:r>
+                                    <m:r>
+                                      <a:rPr kumimoji="1" lang="en-US" altLang="zh-CN" b="0" i="1" smtClean="0">
+                                        <a:solidFill>
+                                          <a:schemeClr val="tx1"/>
+                                        </a:solidFill>
+                                        <a:latin typeface="Cambria Math" panose="02040503050406030204" pitchFamily="18" charset="0"/>
                                       </a:rPr>
                                       <m:t>𝑉</m:t>
                                     </m:r>
                                     <m:r>
                                       <a:rPr kumimoji="1" lang="en-US" altLang="zh-CN" b="0" i="1" smtClean="0">
                                         <a:solidFill>
-                                          <a:schemeClr val="accent1"/>
-                                        </a:solidFill>
-                                        <a:latin typeface="Cambria Math" charset="0"/>
+                                          <a:schemeClr val="tx1"/>
+                                        </a:solidFill>
+                                        <a:latin typeface="Cambria Math" panose="02040503050406030204" pitchFamily="18" charset="0"/>
                                       </a:rPr>
                                       <m:t>|</m:t>
                                     </m:r>
@@ -8326,7 +12429,7 @@
                                     <m:ctrlPr>
                                       <a:rPr kumimoji="1" lang="en-US" altLang="zh-CN" i="1" smtClean="0">
                                         <a:solidFill>
-                                          <a:schemeClr val="accent2"/>
+                                          <a:schemeClr val="tx1"/>
                                         </a:solidFill>
                                         <a:latin typeface="Cambria Math" panose="02040503050406030204" pitchFamily="18" charset="0"/>
                                       </a:rPr>
@@ -8336,22 +12439,40 @@
                                     <m:r>
                                       <a:rPr kumimoji="1" lang="en-US" altLang="zh-CN" b="0" i="1" smtClean="0">
                                         <a:solidFill>
-                                          <a:schemeClr val="accent2"/>
+                                          <a:schemeClr val="tx1"/>
                                         </a:solidFill>
                                         <a:latin typeface="Cambria Math" charset="0"/>
                                       </a:rPr>
-                                      <m:t>𝑏</m:t>
+                                      <m:t>𝑤</m:t>
                                     </m:r>
                                   </m:e>
                                   <m:sub>
                                     <m:r>
                                       <a:rPr kumimoji="1" lang="en-US" altLang="zh-CN" b="0" i="1" smtClean="0">
                                         <a:solidFill>
-                                          <a:schemeClr val="accent2"/>
+                                          <a:schemeClr val="tx1"/>
                                         </a:solidFill>
                                         <a:latin typeface="Cambria Math" charset="0"/>
                                       </a:rPr>
-                                      <m:t>21</m:t>
+                                      <m:t>2</m:t>
+                                    </m:r>
+                                    <m:r>
+                                      <a:rPr kumimoji="1" lang="en-US" altLang="zh-CN" b="0" i="1" smtClean="0">
+                                        <a:solidFill>
+                                          <a:schemeClr val="tx1"/>
+                                        </a:solidFill>
+                                        <a:latin typeface="Cambria Math" panose="02040503050406030204" pitchFamily="18" charset="0"/>
+                                      </a:rPr>
+                                      <m:t>_</m:t>
+                                    </m:r>
+                                    <m:r>
+                                      <a:rPr kumimoji="1" lang="en-US" altLang="zh-CN" b="0" i="1" smtClean="0">
+                                        <a:solidFill>
+                                          <a:schemeClr val="tx1"/>
+                                        </a:solidFill>
+                                        <a:latin typeface="Cambria Math" charset="0"/>
+                                      </a:rPr>
+                                      <m:t>1</m:t>
                                     </m:r>
                                   </m:sub>
                                 </m:sSub>
@@ -8362,7 +12483,7 @@
                                     <m:ctrlPr>
                                       <a:rPr kumimoji="1" lang="en-US" altLang="zh-CN" i="1" smtClean="0">
                                         <a:solidFill>
-                                          <a:schemeClr val="accent2"/>
+                                          <a:schemeClr val="tx1"/>
                                         </a:solidFill>
                                         <a:latin typeface="Cambria Math" panose="02040503050406030204" pitchFamily="18" charset="0"/>
                                       </a:rPr>
@@ -8372,22 +12493,40 @@
                                     <m:r>
                                       <a:rPr kumimoji="1" lang="en-US" altLang="zh-CN" b="0" i="1" smtClean="0">
                                         <a:solidFill>
-                                          <a:schemeClr val="accent2"/>
+                                          <a:schemeClr val="tx1"/>
                                         </a:solidFill>
                                         <a:latin typeface="Cambria Math" charset="0"/>
                                       </a:rPr>
-                                      <m:t>𝑏</m:t>
+                                      <m:t>𝑤</m:t>
                                     </m:r>
                                   </m:e>
                                   <m:sub>
                                     <m:r>
                                       <a:rPr kumimoji="1" lang="en-US" altLang="zh-CN" b="0" i="1" smtClean="0">
                                         <a:solidFill>
-                                          <a:schemeClr val="accent2"/>
+                                          <a:schemeClr val="tx1"/>
                                         </a:solidFill>
                                         <a:latin typeface="Cambria Math" charset="0"/>
                                       </a:rPr>
-                                      <m:t>22</m:t>
+                                      <m:t>2</m:t>
+                                    </m:r>
+                                    <m:r>
+                                      <a:rPr kumimoji="1" lang="en-US" altLang="zh-CN" b="0" i="1" smtClean="0">
+                                        <a:solidFill>
+                                          <a:schemeClr val="tx1"/>
+                                        </a:solidFill>
+                                        <a:latin typeface="Cambria Math" panose="02040503050406030204" pitchFamily="18" charset="0"/>
+                                      </a:rPr>
+                                      <m:t>_</m:t>
+                                    </m:r>
+                                    <m:r>
+                                      <a:rPr kumimoji="1" lang="en-US" altLang="zh-CN" b="0" i="1" smtClean="0">
+                                        <a:solidFill>
+                                          <a:schemeClr val="tx1"/>
+                                        </a:solidFill>
+                                        <a:latin typeface="Cambria Math" charset="0"/>
+                                      </a:rPr>
+                                      <m:t>2</m:t>
                                     </m:r>
                                   </m:sub>
                                 </m:sSub>
@@ -8395,6 +12534,9 @@
                               <m:e>
                                 <m:r>
                                   <a:rPr lang="en-US" altLang="zh-CN" b="0" i="1" smtClean="0">
+                                    <a:solidFill>
+                                      <a:schemeClr val="tx1"/>
+                                    </a:solidFill>
                                     <a:latin typeface="Cambria Math" charset="0"/>
                                   </a:rPr>
                                   <m:t>…</m:t>
@@ -8406,7 +12548,7 @@
                                     <m:ctrlPr>
                                       <a:rPr kumimoji="1" lang="en-US" altLang="zh-CN" i="1" smtClean="0">
                                         <a:solidFill>
-                                          <a:schemeClr val="accent2"/>
+                                          <a:schemeClr val="tx1"/>
                                         </a:solidFill>
                                         <a:latin typeface="Cambria Math" panose="02040503050406030204" pitchFamily="18" charset="0"/>
                                       </a:rPr>
@@ -8416,43 +12558,88 @@
                                     <m:r>
                                       <a:rPr kumimoji="1" lang="en-US" altLang="zh-CN" b="0" i="1" smtClean="0">
                                         <a:solidFill>
-                                          <a:schemeClr val="accent2"/>
+                                          <a:schemeClr val="tx1"/>
                                         </a:solidFill>
                                         <a:latin typeface="Cambria Math" charset="0"/>
                                       </a:rPr>
-                                      <m:t>𝑏</m:t>
+                                      <m:t>𝑤</m:t>
                                     </m:r>
                                   </m:e>
                                   <m:sub>
                                     <m:r>
                                       <a:rPr kumimoji="1" lang="en-US" altLang="zh-CN" b="0" i="1" smtClean="0">
                                         <a:solidFill>
-                                          <a:schemeClr val="accent2"/>
+                                          <a:schemeClr val="tx1"/>
                                         </a:solidFill>
                                         <a:latin typeface="Cambria Math" charset="0"/>
                                       </a:rPr>
-                                      <m:t>2|</m:t>
-                                    </m:r>
-                                    <m:r>
-                                      <a:rPr kumimoji="1" lang="en-US" altLang="zh-CN" b="0" i="1" smtClean="0">
-                                        <a:solidFill>
-                                          <a:schemeClr val="accent2"/>
-                                        </a:solidFill>
-                                        <a:latin typeface="Cambria Math" charset="0"/>
+                                      <m:t>2</m:t>
+                                    </m:r>
+                                    <m:r>
+                                      <a:rPr kumimoji="1" lang="en-US" altLang="zh-CN" b="0" i="1" smtClean="0">
+                                        <a:solidFill>
+                                          <a:schemeClr val="tx1"/>
+                                        </a:solidFill>
+                                        <a:latin typeface="Cambria Math" panose="02040503050406030204" pitchFamily="18" charset="0"/>
+                                      </a:rPr>
+                                      <m:t>_|</m:t>
+                                    </m:r>
+                                    <m:r>
+                                      <a:rPr kumimoji="1" lang="en-US" altLang="zh-CN" b="0" i="1" smtClean="0">
+                                        <a:solidFill>
+                                          <a:schemeClr val="tx1"/>
+                                        </a:solidFill>
+                                        <a:latin typeface="Cambria Math" panose="02040503050406030204" pitchFamily="18" charset="0"/>
                                       </a:rPr>
                                       <m:t>𝑉</m:t>
                                     </m:r>
                                     <m:r>
                                       <a:rPr kumimoji="1" lang="en-US" altLang="zh-CN" b="0" i="1" smtClean="0">
                                         <a:solidFill>
-                                          <a:schemeClr val="accent2"/>
-                                        </a:solidFill>
-                                        <a:latin typeface="Cambria Math" charset="0"/>
+                                          <a:schemeClr val="tx1"/>
+                                        </a:solidFill>
+                                        <a:latin typeface="Cambria Math" panose="02040503050406030204" pitchFamily="18" charset="0"/>
                                       </a:rPr>
                                       <m:t>|</m:t>
                                     </m:r>
                                   </m:sub>
                                 </m:sSub>
+                              </m:e>
+                            </m:mr>
+                            <m:mr>
+                              <m:e>
+                                <m:r>
+                                  <a:rPr kumimoji="1" lang="en-US" altLang="zh-CN" b="0" i="1" smtClean="0">
+                                    <a:solidFill>
+                                      <a:schemeClr val="tx1"/>
+                                    </a:solidFill>
+                                    <a:latin typeface="Cambria Math" panose="02040503050406030204" pitchFamily="18" charset="0"/>
+                                  </a:rPr>
+                                  <m:t>⋮</m:t>
+                                </m:r>
+                              </m:e>
+                              <m:e>
+                                <m:r>
+                                  <a:rPr kumimoji="1" lang="en-US" altLang="zh-CN" b="0" i="1" smtClean="0">
+                                    <a:solidFill>
+                                      <a:schemeClr val="tx1"/>
+                                    </a:solidFill>
+                                    <a:latin typeface="Cambria Math" panose="02040503050406030204" pitchFamily="18" charset="0"/>
+                                  </a:rPr>
+                                  <m:t>⋮</m:t>
+                                </m:r>
+                              </m:e>
+                              <m:e/>
+                              <m:e>
+                                <m:r>
+                                  <a:rPr lang="mr-IN" altLang="zh-CN" i="1" smtClean="0">
+                                    <a:solidFill>
+                                      <a:schemeClr val="tx1"/>
+                                    </a:solidFill>
+                                    <a:latin typeface="Cambria Math" panose="02040503050406030204" pitchFamily="18" charset="0"/>
+                                  </a:rPr>
+                                  <m:t>⋮</m:t>
+                                </m:r>
                               </m:e>
                             </m:mr>
                             <m:mr>
@@ -8462,7 +12649,7 @@
                                     <m:ctrlPr>
                                       <a:rPr kumimoji="1" lang="en-US" altLang="zh-CN" i="1" smtClean="0">
                                         <a:solidFill>
-                                          <a:schemeClr val="accent6"/>
+                                          <a:schemeClr val="tx1"/>
                                         </a:solidFill>
                                         <a:latin typeface="Cambria Math" panose="02040503050406030204" pitchFamily="18" charset="0"/>
                                       </a:rPr>
@@ -8470,29 +12657,29 @@
                                   </m:sSubPr>
                                   <m:e>
                                     <m:r>
-                                      <a:rPr kumimoji="1" lang="en-US" altLang="zh-CN" i="1">
-                                        <a:solidFill>
-                                          <a:schemeClr val="accent6"/>
+                                      <a:rPr kumimoji="1" lang="en-US" altLang="zh-CN" b="0" i="1" smtClean="0">
+                                        <a:solidFill>
+                                          <a:schemeClr val="tx1"/>
                                         </a:solidFill>
                                         <a:latin typeface="Cambria Math" charset="0"/>
                                       </a:rPr>
-                                      <m:t>𝑏</m:t>
+                                      <m:t>𝑤</m:t>
                                     </m:r>
                                   </m:e>
                                   <m:sub>
                                     <m:r>
                                       <a:rPr kumimoji="1" lang="en-US" altLang="zh-CN" b="0" i="1" smtClean="0">
                                         <a:solidFill>
-                                          <a:schemeClr val="accent6"/>
-                                        </a:solidFill>
-                                        <a:latin typeface="Cambria Math" charset="0"/>
-                                      </a:rPr>
-                                      <m:t>3</m:t>
-                                    </m:r>
-                                    <m:r>
-                                      <a:rPr kumimoji="1" lang="en-US" altLang="zh-CN" i="1">
-                                        <a:solidFill>
-                                          <a:schemeClr val="accent6"/>
+                                          <a:schemeClr val="tx1"/>
+                                        </a:solidFill>
+                                        <a:latin typeface="Cambria Math" panose="02040503050406030204" pitchFamily="18" charset="0"/>
+                                      </a:rPr>
+                                      <m:t>128_</m:t>
+                                    </m:r>
+                                    <m:r>
+                                      <a:rPr kumimoji="1" lang="en-US" altLang="zh-CN" b="0" i="1" smtClean="0">
+                                        <a:solidFill>
+                                          <a:schemeClr val="tx1"/>
                                         </a:solidFill>
                                         <a:latin typeface="Cambria Math" charset="0"/>
                                       </a:rPr>
@@ -8507,7 +12694,7 @@
                                     <m:ctrlPr>
                                       <a:rPr kumimoji="1" lang="en-US" altLang="zh-CN" i="1" smtClean="0">
                                         <a:solidFill>
-                                          <a:schemeClr val="accent6"/>
+                                          <a:schemeClr val="tx1"/>
                                         </a:solidFill>
                                         <a:latin typeface="Cambria Math" panose="02040503050406030204" pitchFamily="18" charset="0"/>
                                       </a:rPr>
@@ -8515,162 +12702,33 @@
                                   </m:sSubPr>
                                   <m:e>
                                     <m:r>
-                                      <a:rPr kumimoji="1" lang="en-US" altLang="zh-CN" i="1">
-                                        <a:solidFill>
-                                          <a:schemeClr val="accent6"/>
+                                      <a:rPr kumimoji="1" lang="en-US" altLang="zh-CN" b="0" i="1" smtClean="0">
+                                        <a:solidFill>
+                                          <a:schemeClr val="tx1"/>
                                         </a:solidFill>
                                         <a:latin typeface="Cambria Math" charset="0"/>
                                       </a:rPr>
-                                      <m:t>𝑏</m:t>
+                                      <m:t>𝑤</m:t>
                                     </m:r>
                                   </m:e>
                                   <m:sub>
                                     <m:r>
                                       <a:rPr kumimoji="1" lang="en-US" altLang="zh-CN" b="0" i="1" smtClean="0">
                                         <a:solidFill>
-                                          <a:schemeClr val="accent6"/>
+                                          <a:schemeClr val="tx1"/>
+                                        </a:solidFill>
+                                        <a:latin typeface="Cambria Math" panose="02040503050406030204" pitchFamily="18" charset="0"/>
+                                      </a:rPr>
+                                      <m:t>128_</m:t>
+                                    </m:r>
+                                    <m:r>
+                                      <a:rPr kumimoji="1" lang="en-US" altLang="zh-CN" b="0" i="1" smtClean="0">
+                                        <a:solidFill>
+                                          <a:schemeClr val="tx1"/>
                                         </a:solidFill>
                                         <a:latin typeface="Cambria Math" charset="0"/>
                                       </a:rPr>
-                                      <m:t>32</m:t>
-                                    </m:r>
-                                  </m:sub>
-                                </m:sSub>
-                              </m:e>
-                              <m:e/>
-                              <m:e>
-                                <m:sSub>
-                                  <m:sSubPr>
-                                    <m:ctrlPr>
-                                      <a:rPr kumimoji="1" lang="en-US" altLang="zh-CN" i="1" smtClean="0">
-                                        <a:solidFill>
-                                          <a:schemeClr val="accent6"/>
-                                        </a:solidFill>
-                                        <a:latin typeface="Cambria Math" panose="02040503050406030204" pitchFamily="18" charset="0"/>
-                                      </a:rPr>
-                                    </m:ctrlPr>
-                                  </m:sSubPr>
-                                  <m:e>
-                                    <m:r>
-                                      <a:rPr kumimoji="1" lang="en-US" altLang="zh-CN" i="1">
-                                        <a:solidFill>
-                                          <a:schemeClr val="accent6"/>
-                                        </a:solidFill>
-                                        <a:latin typeface="Cambria Math" charset="0"/>
-                                      </a:rPr>
-                                      <m:t>𝑏</m:t>
-                                    </m:r>
-                                  </m:e>
-                                  <m:sub>
-                                    <m:r>
-                                      <a:rPr kumimoji="1" lang="en-US" altLang="zh-CN" b="0" i="1" smtClean="0">
-                                        <a:solidFill>
-                                          <a:schemeClr val="accent6"/>
-                                        </a:solidFill>
-                                        <a:latin typeface="Cambria Math" charset="0"/>
-                                      </a:rPr>
-                                      <m:t>3|</m:t>
-                                    </m:r>
-                                    <m:r>
-                                      <a:rPr kumimoji="1" lang="en-US" altLang="zh-CN" b="0" i="1" smtClean="0">
-                                        <a:solidFill>
-                                          <a:schemeClr val="accent6"/>
-                                        </a:solidFill>
-                                        <a:latin typeface="Cambria Math" charset="0"/>
-                                      </a:rPr>
-                                      <m:t>𝑉</m:t>
-                                    </m:r>
-                                    <m:r>
-                                      <a:rPr kumimoji="1" lang="en-US" altLang="zh-CN" b="0" i="1" smtClean="0">
-                                        <a:solidFill>
-                                          <a:schemeClr val="accent6"/>
-                                        </a:solidFill>
-                                        <a:latin typeface="Cambria Math" charset="0"/>
-                                      </a:rPr>
-                                      <m:t>|</m:t>
-                                    </m:r>
-                                  </m:sub>
-                                </m:sSub>
-                              </m:e>
-                            </m:mr>
-                            <m:mr>
-                              <m:e>
-                                <m:sSub>
-                                  <m:sSubPr>
-                                    <m:ctrlPr>
-                                      <a:rPr kumimoji="1" lang="en-US" altLang="zh-CN" i="1" smtClean="0">
-                                        <a:solidFill>
-                                          <a:schemeClr val="accent4"/>
-                                        </a:solidFill>
-                                        <a:latin typeface="Cambria Math" panose="02040503050406030204" pitchFamily="18" charset="0"/>
-                                      </a:rPr>
-                                    </m:ctrlPr>
-                                  </m:sSubPr>
-                                  <m:e>
-                                    <m:r>
-                                      <a:rPr kumimoji="1" lang="en-US" altLang="zh-CN" i="1">
-                                        <a:solidFill>
-                                          <a:schemeClr val="accent4"/>
-                                        </a:solidFill>
-                                        <a:latin typeface="Cambria Math" charset="0"/>
-                                      </a:rPr>
-                                      <m:t>𝑏</m:t>
-                                    </m:r>
-                                  </m:e>
-                                  <m:sub>
-                                    <m:r>
-                                      <a:rPr kumimoji="1" lang="en-US" altLang="zh-CN" b="0" i="1" smtClean="0">
-                                        <a:solidFill>
-                                          <a:schemeClr val="accent4"/>
-                                        </a:solidFill>
-                                        <a:latin typeface="Cambria Math" charset="0"/>
-                                      </a:rPr>
-                                      <m:t>4</m:t>
-                                    </m:r>
-                                    <m:r>
-                                      <a:rPr kumimoji="1" lang="en-US" altLang="zh-CN" i="1">
-                                        <a:solidFill>
-                                          <a:schemeClr val="accent4"/>
-                                        </a:solidFill>
-                                        <a:latin typeface="Cambria Math" charset="0"/>
-                                      </a:rPr>
-                                      <m:t>1</m:t>
-                                    </m:r>
-                                  </m:sub>
-                                </m:sSub>
-                              </m:e>
-                              <m:e>
-                                <m:sSub>
-                                  <m:sSubPr>
-                                    <m:ctrlPr>
-                                      <a:rPr kumimoji="1" lang="en-US" altLang="zh-CN" i="1" smtClean="0">
-                                        <a:solidFill>
-                                          <a:schemeClr val="accent4"/>
-                                        </a:solidFill>
-                                        <a:latin typeface="Cambria Math" panose="02040503050406030204" pitchFamily="18" charset="0"/>
-                                      </a:rPr>
-                                    </m:ctrlPr>
-                                  </m:sSubPr>
-                                  <m:e>
-                                    <m:r>
-                                      <a:rPr kumimoji="1" lang="en-US" altLang="zh-CN" i="1">
-                                        <a:solidFill>
-                                          <a:schemeClr val="accent4"/>
-                                        </a:solidFill>
-                                        <a:latin typeface="Cambria Math" charset="0"/>
-                                      </a:rPr>
-                                      <m:t>𝑏</m:t>
-                                    </m:r>
-                                  </m:e>
-                                  <m:sub>
-                                    <m:r>
-                                      <a:rPr kumimoji="1" lang="en-US" altLang="zh-CN" b="0" i="1" smtClean="0">
-                                        <a:solidFill>
-                                          <a:schemeClr val="accent4"/>
-                                        </a:solidFill>
-                                        <a:latin typeface="Cambria Math" charset="0"/>
-                                      </a:rPr>
-                                      <m:t>42</m:t>
+                                      <m:t>2</m:t>
                                     </m:r>
                                   </m:sub>
                                 </m:sSub>
@@ -8678,6 +12736,9 @@
                               <m:e>
                                 <m:r>
                                   <a:rPr lang="mr-IN" altLang="zh-CN" i="1" smtClean="0">
+                                    <a:solidFill>
+                                      <a:schemeClr val="tx1"/>
+                                    </a:solidFill>
                                     <a:latin typeface="Cambria Math" charset="0"/>
                                   </a:rPr>
                                   <m:t>…</m:t>
@@ -8689,7 +12750,7 @@
                                     <m:ctrlPr>
                                       <a:rPr kumimoji="1" lang="en-US" altLang="zh-CN" i="1" smtClean="0">
                                         <a:solidFill>
-                                          <a:schemeClr val="accent4"/>
+                                          <a:schemeClr val="tx1"/>
                                         </a:solidFill>
                                         <a:latin typeface="Cambria Math" panose="02040503050406030204" pitchFamily="18" charset="0"/>
                                       </a:rPr>
@@ -8697,40 +12758,40 @@
                                   </m:sSubPr>
                                   <m:e>
                                     <m:r>
-                                      <a:rPr kumimoji="1" lang="en-US" altLang="zh-CN" i="1">
-                                        <a:solidFill>
-                                          <a:schemeClr val="accent4"/>
+                                      <a:rPr kumimoji="1" lang="en-US" altLang="zh-CN" b="0" i="1" smtClean="0">
+                                        <a:solidFill>
+                                          <a:schemeClr val="tx1"/>
                                         </a:solidFill>
                                         <a:latin typeface="Cambria Math" charset="0"/>
                                       </a:rPr>
-                                      <m:t>𝑏</m:t>
+                                      <m:t>𝑤</m:t>
                                     </m:r>
                                   </m:e>
                                   <m:sub>
                                     <m:r>
                                       <a:rPr kumimoji="1" lang="en-US" altLang="zh-CN" b="0" i="1" smtClean="0">
                                         <a:solidFill>
-                                          <a:schemeClr val="accent4"/>
-                                        </a:solidFill>
-                                        <a:latin typeface="Cambria Math" charset="0"/>
-                                      </a:rPr>
-                                      <m:t>4|</m:t>
-                                    </m:r>
-                                    <m:r>
-                                      <a:rPr kumimoji="1" lang="en-US" altLang="zh-CN" b="0" i="1" smtClean="0">
-                                        <a:solidFill>
-                                          <a:schemeClr val="accent4"/>
-                                        </a:solidFill>
-                                        <a:latin typeface="Cambria Math" charset="0"/>
+                                          <a:schemeClr val="tx1"/>
+                                        </a:solidFill>
+                                        <a:latin typeface="Cambria Math" panose="02040503050406030204" pitchFamily="18" charset="0"/>
+                                      </a:rPr>
+                                      <m:t>128_|</m:t>
+                                    </m:r>
+                                    <m:r>
+                                      <a:rPr kumimoji="1" lang="en-US" altLang="zh-CN" b="0" i="1" smtClean="0">
+                                        <a:solidFill>
+                                          <a:schemeClr val="tx1"/>
+                                        </a:solidFill>
+                                        <a:latin typeface="Cambria Math" panose="02040503050406030204" pitchFamily="18" charset="0"/>
                                       </a:rPr>
                                       <m:t>𝑉</m:t>
                                     </m:r>
                                     <m:r>
                                       <a:rPr kumimoji="1" lang="en-US" altLang="zh-CN" b="0" i="1" smtClean="0">
                                         <a:solidFill>
-                                          <a:schemeClr val="accent4"/>
-                                        </a:solidFill>
-                                        <a:latin typeface="Cambria Math" charset="0"/>
+                                          <a:schemeClr val="tx1"/>
+                                        </a:solidFill>
+                                        <a:latin typeface="Cambria Math" panose="02040503050406030204" pitchFamily="18" charset="0"/>
                                       </a:rPr>
                                       <m:t>|</m:t>
                                     </m:r>
@@ -8749,13 +12810,13 @@
             </p:txBody>
           </p:sp>
         </mc:Choice>
-        <mc:Fallback>
+        <mc:Fallback xmlns="">
           <p:sp>
             <p:nvSpPr>
-              <p:cNvPr id="50" name="文本框 49">
+              <p:cNvPr id="52" name="文本框 51">
                 <a:extLst>
                   <a:ext uri="{FF2B5EF4-FFF2-40B4-BE49-F238E27FC236}">
-                    <a16:creationId xmlns:a16="http://schemas.microsoft.com/office/drawing/2014/main" id="{6D7872FA-5077-4E9A-AF12-730680CABC19}"/>
+                    <a16:creationId xmlns:a16="http://schemas.microsoft.com/office/drawing/2014/main" id="{C5F1FFA2-7891-40C5-BACF-485B60897897}"/>
                   </a:ext>
                 </a:extLst>
               </p:cNvPr>
@@ -8766,14 +12827,693 @@
             </p:nvSpPr>
             <p:spPr>
               <a:xfrm>
-                <a:off x="4579872" y="4970453"/>
-                <a:ext cx="2220416" cy="1247842"/>
+                <a:off x="4051663" y="2123924"/>
+                <a:ext cx="3112198" cy="1101007"/>
               </a:xfrm>
               <a:prstGeom prst="rect">
                 <a:avLst/>
               </a:prstGeom>
               <a:blipFill>
-                <a:blip r:embed="rId9"/>
+                <a:blip r:embed="rId2"/>
+                <a:stretch>
+                  <a:fillRect/>
+                </a:stretch>
+              </a:blipFill>
+            </p:spPr>
+            <p:txBody>
+              <a:bodyPr/>
+              <a:lstStyle/>
+              <a:p>
+                <a:r>
+                  <a:rPr lang="zh-CN" altLang="en-US">
+                    <a:noFill/>
+                  </a:rPr>
+                  <a:t> </a:t>
+                </a:r>
+              </a:p>
+            </p:txBody>
+          </p:sp>
+        </mc:Fallback>
+      </mc:AlternateContent>
+      <mc:AlternateContent xmlns:mc="http://schemas.openxmlformats.org/markup-compatibility/2006" xmlns:a14="http://schemas.microsoft.com/office/drawing/2010/main">
+        <mc:Choice Requires="a14">
+          <p:sp>
+            <p:nvSpPr>
+              <p:cNvPr id="4" name="文本框 3">
+                <a:extLst>
+                  <a:ext uri="{FF2B5EF4-FFF2-40B4-BE49-F238E27FC236}">
+                    <a16:creationId xmlns:a16="http://schemas.microsoft.com/office/drawing/2014/main" id="{CDF5DDC0-4F37-4DCB-8F29-0E1E531F2939}"/>
+                  </a:ext>
+                </a:extLst>
+              </p:cNvPr>
+              <p:cNvSpPr txBox="1"/>
+              <p:nvPr/>
+            </p:nvSpPr>
+            <p:spPr>
+              <a:xfrm>
+                <a:off x="921345" y="2123924"/>
+                <a:ext cx="2911503" cy="1078565"/>
+              </a:xfrm>
+              <a:prstGeom prst="rect">
+                <a:avLst/>
+              </a:prstGeom>
+              <a:noFill/>
+            </p:spPr>
+            <p:txBody>
+              <a:bodyPr wrap="none" lIns="0" tIns="0" rIns="0" bIns="0" rtlCol="0">
+                <a:spAutoFit/>
+              </a:bodyPr>
+              <a:lstStyle/>
+              <a:p>
+                <a:pPr/>
+                <a14:m>
+                  <m:oMathPara xmlns:m="http://schemas.openxmlformats.org/officeDocument/2006/math">
+                    <m:oMathParaPr>
+                      <m:jc m:val="centerGroup"/>
+                    </m:oMathParaPr>
+                    <m:oMath xmlns:m="http://schemas.openxmlformats.org/officeDocument/2006/math">
+                      <m:d>
+                        <m:dPr>
+                          <m:begChr m:val="["/>
+                          <m:endChr m:val="]"/>
+                          <m:ctrlPr>
+                            <a:rPr lang="en-US" altLang="zh-CN" i="1" smtClean="0">
+                              <a:latin typeface="Cambria Math" panose="02040503050406030204" pitchFamily="18" charset="0"/>
+                            </a:rPr>
+                          </m:ctrlPr>
+                        </m:dPr>
+                        <m:e>
+                          <m:m>
+                            <m:mPr>
+                              <m:mcs>
+                                <m:mc>
+                                  <m:mcPr>
+                                    <m:count m:val="1"/>
+                                    <m:mcJc m:val="center"/>
+                                  </m:mcPr>
+                                </m:mc>
+                              </m:mcs>
+                              <m:ctrlPr>
+                                <a:rPr lang="en-US" altLang="zh-CN" i="1" smtClean="0">
+                                  <a:latin typeface="Cambria Math" panose="02040503050406030204" pitchFamily="18" charset="0"/>
+                                </a:rPr>
+                              </m:ctrlPr>
+                            </m:mPr>
+                            <m:mr>
+                              <m:e>
+                                <m:d>
+                                  <m:dPr>
+                                    <m:begChr m:val="["/>
+                                    <m:endChr m:val="]"/>
+                                    <m:ctrlPr>
+                                      <a:rPr lang="en-US" altLang="zh-CN" i="1" smtClean="0">
+                                        <a:latin typeface="Cambria Math" panose="02040503050406030204" pitchFamily="18" charset="0"/>
+                                      </a:rPr>
+                                    </m:ctrlPr>
+                                  </m:dPr>
+                                  <m:e>
+                                    <m:m>
+                                      <m:mPr>
+                                        <m:mcs>
+                                          <m:mc>
+                                            <m:mcPr>
+                                              <m:count m:val="4"/>
+                                              <m:mcJc m:val="center"/>
+                                            </m:mcPr>
+                                          </m:mc>
+                                        </m:mcs>
+                                        <m:ctrlPr>
+                                          <a:rPr lang="en-US" altLang="zh-CN" i="1" smtClean="0">
+                                            <a:latin typeface="Cambria Math" panose="02040503050406030204" pitchFamily="18" charset="0"/>
+                                          </a:rPr>
+                                        </m:ctrlPr>
+                                      </m:mPr>
+                                      <m:mr>
+                                        <m:e>
+                                          <m:acc>
+                                            <m:accPr>
+                                              <m:chr m:val="̅"/>
+                                              <m:ctrlPr>
+                                                <a:rPr lang="en-US" altLang="zh-CN" i="1" smtClean="0">
+                                                  <a:latin typeface="Cambria Math" panose="02040503050406030204" pitchFamily="18" charset="0"/>
+                                                </a:rPr>
+                                              </m:ctrlPr>
+                                            </m:accPr>
+                                            <m:e>
+                                              <m:sSub>
+                                                <m:sSubPr>
+                                                  <m:ctrlPr>
+                                                    <a:rPr lang="en-US" altLang="zh-CN" i="1" smtClean="0">
+                                                      <a:latin typeface="Cambria Math" panose="02040503050406030204" pitchFamily="18" charset="0"/>
+                                                    </a:rPr>
+                                                  </m:ctrlPr>
+                                                </m:sSubPr>
+                                                <m:e>
+                                                  <m:r>
+                                                    <a:rPr lang="en-US" altLang="zh-CN" b="0" i="1" smtClean="0">
+                                                      <a:latin typeface="Cambria Math" panose="02040503050406030204" pitchFamily="18" charset="0"/>
+                                                    </a:rPr>
+                                                    <m:t>𝑣</m:t>
+                                                  </m:r>
+                                                </m:e>
+                                                <m:sub>
+                                                  <m:r>
+                                                    <a:rPr lang="en-US" altLang="zh-CN" b="0" i="1" smtClean="0">
+                                                      <a:latin typeface="Cambria Math" panose="02040503050406030204" pitchFamily="18" charset="0"/>
+                                                    </a:rPr>
+                                                    <m:t>1_1</m:t>
+                                                  </m:r>
+                                                </m:sub>
+                                              </m:sSub>
+                                            </m:e>
+                                          </m:acc>
+                                        </m:e>
+                                        <m:e>
+                                          <m:acc>
+                                            <m:accPr>
+                                              <m:chr m:val="̅"/>
+                                              <m:ctrlPr>
+                                                <a:rPr lang="en-US" altLang="zh-CN" i="1">
+                                                  <a:latin typeface="Cambria Math" panose="02040503050406030204" pitchFamily="18" charset="0"/>
+                                                </a:rPr>
+                                              </m:ctrlPr>
+                                            </m:accPr>
+                                            <m:e>
+                                              <m:sSub>
+                                                <m:sSubPr>
+                                                  <m:ctrlPr>
+                                                    <a:rPr lang="en-US" altLang="zh-CN" i="1">
+                                                      <a:latin typeface="Cambria Math" panose="02040503050406030204" pitchFamily="18" charset="0"/>
+                                                    </a:rPr>
+                                                  </m:ctrlPr>
+                                                </m:sSubPr>
+                                                <m:e>
+                                                  <m:r>
+                                                    <a:rPr lang="en-US" altLang="zh-CN" i="1">
+                                                      <a:latin typeface="Cambria Math" panose="02040503050406030204" pitchFamily="18" charset="0"/>
+                                                    </a:rPr>
+                                                    <m:t>𝑣</m:t>
+                                                  </m:r>
+                                                </m:e>
+                                                <m:sub>
+                                                  <m:r>
+                                                    <a:rPr lang="en-US" altLang="zh-CN" i="1">
+                                                      <a:latin typeface="Cambria Math" panose="02040503050406030204" pitchFamily="18" charset="0"/>
+                                                    </a:rPr>
+                                                    <m:t>1_</m:t>
+                                                  </m:r>
+                                                  <m:r>
+                                                    <a:rPr lang="en-US" altLang="zh-CN" b="0" i="1" smtClean="0">
+                                                      <a:latin typeface="Cambria Math" panose="02040503050406030204" pitchFamily="18" charset="0"/>
+                                                    </a:rPr>
+                                                    <m:t>2</m:t>
+                                                  </m:r>
+                                                </m:sub>
+                                              </m:sSub>
+                                            </m:e>
+                                          </m:acc>
+                                        </m:e>
+                                        <m:e>
+                                          <m:r>
+                                            <a:rPr lang="en-US" altLang="zh-CN" b="0" i="1" smtClean="0">
+                                              <a:latin typeface="Cambria Math" panose="02040503050406030204" pitchFamily="18" charset="0"/>
+                                            </a:rPr>
+                                            <m:t>…</m:t>
+                                          </m:r>
+                                        </m:e>
+                                        <m:e>
+                                          <m:acc>
+                                            <m:accPr>
+                                              <m:chr m:val="̅"/>
+                                              <m:ctrlPr>
+                                                <a:rPr lang="en-US" altLang="zh-CN" i="1">
+                                                  <a:latin typeface="Cambria Math" panose="02040503050406030204" pitchFamily="18" charset="0"/>
+                                                </a:rPr>
+                                              </m:ctrlPr>
+                                            </m:accPr>
+                                            <m:e>
+                                              <m:sSub>
+                                                <m:sSubPr>
+                                                  <m:ctrlPr>
+                                                    <a:rPr lang="en-US" altLang="zh-CN" i="1">
+                                                      <a:latin typeface="Cambria Math" panose="02040503050406030204" pitchFamily="18" charset="0"/>
+                                                    </a:rPr>
+                                                  </m:ctrlPr>
+                                                </m:sSubPr>
+                                                <m:e>
+                                                  <m:r>
+                                                    <a:rPr lang="en-US" altLang="zh-CN" i="1">
+                                                      <a:latin typeface="Cambria Math" panose="02040503050406030204" pitchFamily="18" charset="0"/>
+                                                    </a:rPr>
+                                                    <m:t>𝑣</m:t>
+                                                  </m:r>
+                                                </m:e>
+                                                <m:sub>
+                                                  <m:r>
+                                                    <a:rPr lang="en-US" altLang="zh-CN" i="1">
+                                                      <a:latin typeface="Cambria Math" panose="02040503050406030204" pitchFamily="18" charset="0"/>
+                                                    </a:rPr>
+                                                    <m:t>1_1</m:t>
+                                                  </m:r>
+                                                  <m:r>
+                                                    <a:rPr lang="en-US" altLang="zh-CN" b="0" i="1" smtClean="0">
+                                                      <a:latin typeface="Cambria Math" panose="02040503050406030204" pitchFamily="18" charset="0"/>
+                                                    </a:rPr>
+                                                    <m:t>28</m:t>
+                                                  </m:r>
+                                                </m:sub>
+                                              </m:sSub>
+                                            </m:e>
+                                          </m:acc>
+                                        </m:e>
+                                      </m:mr>
+                                    </m:m>
+                                  </m:e>
+                                </m:d>
+                              </m:e>
+                            </m:mr>
+                            <m:mr>
+                              <m:e>
+                                <m:d>
+                                  <m:dPr>
+                                    <m:begChr m:val="["/>
+                                    <m:endChr m:val="]"/>
+                                    <m:ctrlPr>
+                                      <a:rPr lang="en-US" altLang="zh-CN" i="1">
+                                        <a:latin typeface="Cambria Math" panose="02040503050406030204" pitchFamily="18" charset="0"/>
+                                      </a:rPr>
+                                    </m:ctrlPr>
+                                  </m:dPr>
+                                  <m:e>
+                                    <m:m>
+                                      <m:mPr>
+                                        <m:mcs>
+                                          <m:mc>
+                                            <m:mcPr>
+                                              <m:count m:val="4"/>
+                                              <m:mcJc m:val="center"/>
+                                            </m:mcPr>
+                                          </m:mc>
+                                        </m:mcs>
+                                        <m:ctrlPr>
+                                          <a:rPr lang="en-US" altLang="zh-CN" i="1">
+                                            <a:latin typeface="Cambria Math" panose="02040503050406030204" pitchFamily="18" charset="0"/>
+                                          </a:rPr>
+                                        </m:ctrlPr>
+                                      </m:mPr>
+                                      <m:mr>
+                                        <m:e>
+                                          <m:acc>
+                                            <m:accPr>
+                                              <m:chr m:val="̅"/>
+                                              <m:ctrlPr>
+                                                <a:rPr lang="en-US" altLang="zh-CN" i="1">
+                                                  <a:latin typeface="Cambria Math" panose="02040503050406030204" pitchFamily="18" charset="0"/>
+                                                </a:rPr>
+                                              </m:ctrlPr>
+                                            </m:accPr>
+                                            <m:e>
+                                              <m:sSub>
+                                                <m:sSubPr>
+                                                  <m:ctrlPr>
+                                                    <a:rPr lang="en-US" altLang="zh-CN" i="1">
+                                                      <a:latin typeface="Cambria Math" panose="02040503050406030204" pitchFamily="18" charset="0"/>
+                                                    </a:rPr>
+                                                  </m:ctrlPr>
+                                                </m:sSubPr>
+                                                <m:e>
+                                                  <m:r>
+                                                    <a:rPr lang="en-US" altLang="zh-CN" i="1">
+                                                      <a:latin typeface="Cambria Math" panose="02040503050406030204" pitchFamily="18" charset="0"/>
+                                                    </a:rPr>
+                                                    <m:t>𝑣</m:t>
+                                                  </m:r>
+                                                </m:e>
+                                                <m:sub>
+                                                  <m:r>
+                                                    <a:rPr lang="en-US" altLang="zh-CN" b="0" i="1" smtClean="0">
+                                                      <a:latin typeface="Cambria Math" panose="02040503050406030204" pitchFamily="18" charset="0"/>
+                                                    </a:rPr>
+                                                    <m:t>2</m:t>
+                                                  </m:r>
+                                                  <m:r>
+                                                    <a:rPr lang="en-US" altLang="zh-CN" i="1">
+                                                      <a:latin typeface="Cambria Math" panose="02040503050406030204" pitchFamily="18" charset="0"/>
+                                                    </a:rPr>
+                                                    <m:t>_1</m:t>
+                                                  </m:r>
+                                                </m:sub>
+                                              </m:sSub>
+                                            </m:e>
+                                          </m:acc>
+                                        </m:e>
+                                        <m:e>
+                                          <m:acc>
+                                            <m:accPr>
+                                              <m:chr m:val="̅"/>
+                                              <m:ctrlPr>
+                                                <a:rPr lang="en-US" altLang="zh-CN" i="1">
+                                                  <a:latin typeface="Cambria Math" panose="02040503050406030204" pitchFamily="18" charset="0"/>
+                                                </a:rPr>
+                                              </m:ctrlPr>
+                                            </m:accPr>
+                                            <m:e>
+                                              <m:sSub>
+                                                <m:sSubPr>
+                                                  <m:ctrlPr>
+                                                    <a:rPr lang="en-US" altLang="zh-CN" i="1">
+                                                      <a:latin typeface="Cambria Math" panose="02040503050406030204" pitchFamily="18" charset="0"/>
+                                                    </a:rPr>
+                                                  </m:ctrlPr>
+                                                </m:sSubPr>
+                                                <m:e>
+                                                  <m:r>
+                                                    <a:rPr lang="en-US" altLang="zh-CN" i="1">
+                                                      <a:latin typeface="Cambria Math" panose="02040503050406030204" pitchFamily="18" charset="0"/>
+                                                    </a:rPr>
+                                                    <m:t>𝑣</m:t>
+                                                  </m:r>
+                                                </m:e>
+                                                <m:sub>
+                                                  <m:r>
+                                                    <a:rPr lang="en-US" altLang="zh-CN" b="0" i="1" smtClean="0">
+                                                      <a:latin typeface="Cambria Math" panose="02040503050406030204" pitchFamily="18" charset="0"/>
+                                                    </a:rPr>
+                                                    <m:t>2</m:t>
+                                                  </m:r>
+                                                  <m:r>
+                                                    <a:rPr lang="en-US" altLang="zh-CN" i="1">
+                                                      <a:latin typeface="Cambria Math" panose="02040503050406030204" pitchFamily="18" charset="0"/>
+                                                    </a:rPr>
+                                                    <m:t>_</m:t>
+                                                  </m:r>
+                                                  <m:r>
+                                                    <a:rPr lang="en-US" altLang="zh-CN" b="0" i="1" smtClean="0">
+                                                      <a:latin typeface="Cambria Math" panose="02040503050406030204" pitchFamily="18" charset="0"/>
+                                                    </a:rPr>
+                                                    <m:t>2</m:t>
+                                                  </m:r>
+                                                </m:sub>
+                                              </m:sSub>
+                                            </m:e>
+                                          </m:acc>
+                                        </m:e>
+                                        <m:e>
+                                          <m:r>
+                                            <a:rPr lang="en-US" altLang="zh-CN" b="0" i="1" smtClean="0">
+                                              <a:latin typeface="Cambria Math" panose="02040503050406030204" pitchFamily="18" charset="0"/>
+                                            </a:rPr>
+                                            <m:t>…</m:t>
+                                          </m:r>
+                                        </m:e>
+                                        <m:e>
+                                          <m:acc>
+                                            <m:accPr>
+                                              <m:chr m:val="̅"/>
+                                              <m:ctrlPr>
+                                                <a:rPr lang="en-US" altLang="zh-CN" i="1">
+                                                  <a:latin typeface="Cambria Math" panose="02040503050406030204" pitchFamily="18" charset="0"/>
+                                                </a:rPr>
+                                              </m:ctrlPr>
+                                            </m:accPr>
+                                            <m:e>
+                                              <m:sSub>
+                                                <m:sSubPr>
+                                                  <m:ctrlPr>
+                                                    <a:rPr lang="en-US" altLang="zh-CN" i="1">
+                                                      <a:latin typeface="Cambria Math" panose="02040503050406030204" pitchFamily="18" charset="0"/>
+                                                    </a:rPr>
+                                                  </m:ctrlPr>
+                                                </m:sSubPr>
+                                                <m:e>
+                                                  <m:r>
+                                                    <a:rPr lang="en-US" altLang="zh-CN" i="1">
+                                                      <a:latin typeface="Cambria Math" panose="02040503050406030204" pitchFamily="18" charset="0"/>
+                                                    </a:rPr>
+                                                    <m:t>𝑣</m:t>
+                                                  </m:r>
+                                                </m:e>
+                                                <m:sub>
+                                                  <m:r>
+                                                    <a:rPr lang="en-US" altLang="zh-CN" b="0" i="1" smtClean="0">
+                                                      <a:latin typeface="Cambria Math" panose="02040503050406030204" pitchFamily="18" charset="0"/>
+                                                    </a:rPr>
+                                                    <m:t>2</m:t>
+                                                  </m:r>
+                                                  <m:r>
+                                                    <a:rPr lang="en-US" altLang="zh-CN" i="1">
+                                                      <a:latin typeface="Cambria Math" panose="02040503050406030204" pitchFamily="18" charset="0"/>
+                                                    </a:rPr>
+                                                    <m:t>_1</m:t>
+                                                  </m:r>
+                                                  <m:r>
+                                                    <a:rPr lang="en-US" altLang="zh-CN" b="0" i="1" smtClean="0">
+                                                      <a:latin typeface="Cambria Math" panose="02040503050406030204" pitchFamily="18" charset="0"/>
+                                                    </a:rPr>
+                                                    <m:t>28</m:t>
+                                                  </m:r>
+                                                </m:sub>
+                                              </m:sSub>
+                                            </m:e>
+                                          </m:acc>
+                                        </m:e>
+                                      </m:mr>
+                                    </m:m>
+                                  </m:e>
+                                </m:d>
+                              </m:e>
+                            </m:mr>
+                            <m:mr>
+                              <m:e>
+                                <m:r>
+                                  <a:rPr lang="en-US" altLang="zh-CN" i="1" smtClean="0">
+                                    <a:latin typeface="Cambria Math" panose="02040503050406030204" pitchFamily="18" charset="0"/>
+                                  </a:rPr>
+                                  <m:t>⋮</m:t>
+                                </m:r>
+                              </m:e>
+                            </m:mr>
+                            <m:mr>
+                              <m:e>
+                                <m:d>
+                                  <m:dPr>
+                                    <m:begChr m:val="["/>
+                                    <m:endChr m:val="]"/>
+                                    <m:ctrlPr>
+                                      <a:rPr lang="en-US" altLang="zh-CN" i="1">
+                                        <a:latin typeface="Cambria Math" panose="02040503050406030204" pitchFamily="18" charset="0"/>
+                                      </a:rPr>
+                                    </m:ctrlPr>
+                                  </m:dPr>
+                                  <m:e>
+                                    <m:m>
+                                      <m:mPr>
+                                        <m:mcs>
+                                          <m:mc>
+                                            <m:mcPr>
+                                              <m:count m:val="4"/>
+                                              <m:mcJc m:val="center"/>
+                                            </m:mcPr>
+                                          </m:mc>
+                                        </m:mcs>
+                                        <m:ctrlPr>
+                                          <a:rPr lang="en-US" altLang="zh-CN" i="1">
+                                            <a:latin typeface="Cambria Math" panose="02040503050406030204" pitchFamily="18" charset="0"/>
+                                          </a:rPr>
+                                        </m:ctrlPr>
+                                      </m:mPr>
+                                      <m:mr>
+                                        <m:e>
+                                          <m:acc>
+                                            <m:accPr>
+                                              <m:chr m:val="̅"/>
+                                              <m:ctrlPr>
+                                                <a:rPr lang="en-US" altLang="zh-CN" i="1">
+                                                  <a:latin typeface="Cambria Math" panose="02040503050406030204" pitchFamily="18" charset="0"/>
+                                                </a:rPr>
+                                              </m:ctrlPr>
+                                            </m:accPr>
+                                            <m:e>
+                                              <m:sSub>
+                                                <m:sSubPr>
+                                                  <m:ctrlPr>
+                                                    <a:rPr lang="en-US" altLang="zh-CN" i="1">
+                                                      <a:latin typeface="Cambria Math" panose="02040503050406030204" pitchFamily="18" charset="0"/>
+                                                    </a:rPr>
+                                                  </m:ctrlPr>
+                                                </m:sSubPr>
+                                                <m:e>
+                                                  <m:r>
+                                                    <a:rPr lang="en-US" altLang="zh-CN" i="1">
+                                                      <a:latin typeface="Cambria Math" panose="02040503050406030204" pitchFamily="18" charset="0"/>
+                                                    </a:rPr>
+                                                    <m:t>𝑣</m:t>
+                                                  </m:r>
+                                                </m:e>
+                                                <m:sub>
+                                                  <m:r>
+                                                    <a:rPr lang="en-US" altLang="zh-CN" b="0" i="1" smtClean="0">
+                                                      <a:latin typeface="Cambria Math" panose="02040503050406030204" pitchFamily="18" charset="0"/>
+                                                    </a:rPr>
+                                                    <m:t>32</m:t>
+                                                  </m:r>
+                                                  <m:r>
+                                                    <a:rPr lang="en-US" altLang="zh-CN" i="1">
+                                                      <a:latin typeface="Cambria Math" panose="02040503050406030204" pitchFamily="18" charset="0"/>
+                                                    </a:rPr>
+                                                    <m:t>_1</m:t>
+                                                  </m:r>
+                                                </m:sub>
+                                              </m:sSub>
+                                            </m:e>
+                                          </m:acc>
+                                        </m:e>
+                                        <m:e>
+                                          <m:acc>
+                                            <m:accPr>
+                                              <m:chr m:val="̅"/>
+                                              <m:ctrlPr>
+                                                <a:rPr lang="en-US" altLang="zh-CN" i="1">
+                                                  <a:latin typeface="Cambria Math" panose="02040503050406030204" pitchFamily="18" charset="0"/>
+                                                </a:rPr>
+                                              </m:ctrlPr>
+                                            </m:accPr>
+                                            <m:e>
+                                              <m:sSub>
+                                                <m:sSubPr>
+                                                  <m:ctrlPr>
+                                                    <a:rPr lang="en-US" altLang="zh-CN" i="1">
+                                                      <a:latin typeface="Cambria Math" panose="02040503050406030204" pitchFamily="18" charset="0"/>
+                                                    </a:rPr>
+                                                  </m:ctrlPr>
+                                                </m:sSubPr>
+                                                <m:e>
+                                                  <m:r>
+                                                    <a:rPr lang="en-US" altLang="zh-CN" i="1">
+                                                      <a:latin typeface="Cambria Math" panose="02040503050406030204" pitchFamily="18" charset="0"/>
+                                                    </a:rPr>
+                                                    <m:t>𝑣</m:t>
+                                                  </m:r>
+                                                </m:e>
+                                                <m:sub>
+                                                  <m:r>
+                                                    <a:rPr lang="en-US" altLang="zh-CN" b="0" i="1" smtClean="0">
+                                                      <a:latin typeface="Cambria Math" panose="02040503050406030204" pitchFamily="18" charset="0"/>
+                                                    </a:rPr>
+                                                    <m:t>32</m:t>
+                                                  </m:r>
+                                                  <m:r>
+                                                    <a:rPr lang="en-US" altLang="zh-CN" i="1">
+                                                      <a:latin typeface="Cambria Math" panose="02040503050406030204" pitchFamily="18" charset="0"/>
+                                                    </a:rPr>
+                                                    <m:t>_1</m:t>
+                                                  </m:r>
+                                                </m:sub>
+                                              </m:sSub>
+                                            </m:e>
+                                          </m:acc>
+                                        </m:e>
+                                        <m:e>
+                                          <m:r>
+                                            <a:rPr lang="en-US" altLang="zh-CN" b="0" i="1" smtClean="0">
+                                              <a:latin typeface="Cambria Math" panose="02040503050406030204" pitchFamily="18" charset="0"/>
+                                            </a:rPr>
+                                            <m:t>…</m:t>
+                                          </m:r>
+                                        </m:e>
+                                        <m:e>
+                                          <m:acc>
+                                            <m:accPr>
+                                              <m:chr m:val="̅"/>
+                                              <m:ctrlPr>
+                                                <a:rPr lang="en-US" altLang="zh-CN" i="1">
+                                                  <a:latin typeface="Cambria Math" panose="02040503050406030204" pitchFamily="18" charset="0"/>
+                                                </a:rPr>
+                                              </m:ctrlPr>
+                                            </m:accPr>
+                                            <m:e>
+                                              <m:sSub>
+                                                <m:sSubPr>
+                                                  <m:ctrlPr>
+                                                    <a:rPr lang="en-US" altLang="zh-CN" i="1">
+                                                      <a:latin typeface="Cambria Math" panose="02040503050406030204" pitchFamily="18" charset="0"/>
+                                                    </a:rPr>
+                                                  </m:ctrlPr>
+                                                </m:sSubPr>
+                                                <m:e>
+                                                  <m:r>
+                                                    <a:rPr lang="en-US" altLang="zh-CN" i="1">
+                                                      <a:latin typeface="Cambria Math" panose="02040503050406030204" pitchFamily="18" charset="0"/>
+                                                    </a:rPr>
+                                                    <m:t>𝑣</m:t>
+                                                  </m:r>
+                                                </m:e>
+                                                <m:sub>
+                                                  <m:r>
+                                                    <a:rPr lang="en-US" altLang="zh-CN" b="0" i="1" smtClean="0">
+                                                      <a:latin typeface="Cambria Math" panose="02040503050406030204" pitchFamily="18" charset="0"/>
+                                                    </a:rPr>
+                                                    <m:t>32</m:t>
+                                                  </m:r>
+                                                  <m:r>
+                                                    <a:rPr lang="en-US" altLang="zh-CN" i="1">
+                                                      <a:latin typeface="Cambria Math" panose="02040503050406030204" pitchFamily="18" charset="0"/>
+                                                    </a:rPr>
+                                                    <m:t>_1</m:t>
+                                                  </m:r>
+                                                  <m:r>
+                                                    <a:rPr lang="en-US" altLang="zh-CN" b="0" i="1" smtClean="0">
+                                                      <a:latin typeface="Cambria Math" panose="02040503050406030204" pitchFamily="18" charset="0"/>
+                                                    </a:rPr>
+                                                    <m:t>28</m:t>
+                                                  </m:r>
+                                                </m:sub>
+                                              </m:sSub>
+                                            </m:e>
+                                          </m:acc>
+                                        </m:e>
+                                      </m:mr>
+                                    </m:m>
+                                  </m:e>
+                                </m:d>
+                              </m:e>
+                            </m:mr>
+                          </m:m>
+                        </m:e>
+                      </m:d>
+                    </m:oMath>
+                  </m:oMathPara>
+                </a14:m>
+                <a:endParaRPr lang="zh-CN" altLang="en-US"/>
+              </a:p>
+            </p:txBody>
+          </p:sp>
+        </mc:Choice>
+        <mc:Fallback xmlns="">
+          <p:sp>
+            <p:nvSpPr>
+              <p:cNvPr id="4" name="文本框 3">
+                <a:extLst>
+                  <a:ext uri="{FF2B5EF4-FFF2-40B4-BE49-F238E27FC236}">
+                    <a16:creationId xmlns:a16="http://schemas.microsoft.com/office/drawing/2014/main" id="{CDF5DDC0-4F37-4DCB-8F29-0E1E531F2939}"/>
+                  </a:ext>
+                </a:extLst>
+              </p:cNvPr>
+              <p:cNvSpPr txBox="1">
+                <a:spLocks noRot="1" noChangeAspect="1" noMove="1" noResize="1" noEditPoints="1" noAdjustHandles="1" noChangeArrowheads="1" noChangeShapeType="1" noTextEdit="1"/>
+              </p:cNvSpPr>
+              <p:nvPr/>
+            </p:nvSpPr>
+            <p:spPr>
+              <a:xfrm>
+                <a:off x="921345" y="2123924"/>
+                <a:ext cx="2911503" cy="1078565"/>
+              </a:xfrm>
+              <a:prstGeom prst="rect">
+                <a:avLst/>
+              </a:prstGeom>
+              <a:blipFill>
+                <a:blip r:embed="rId3"/>
                 <a:stretch>
                   <a:fillRect/>
                 </a:stretch>
@@ -8796,10 +13536,99 @@
       </mc:AlternateContent>
       <p:sp>
         <p:nvSpPr>
-          <p:cNvPr id="51" name="文本框 50">
+          <p:cNvPr id="55" name="矩形 54">
             <a:extLst>
               <a:ext uri="{FF2B5EF4-FFF2-40B4-BE49-F238E27FC236}">
-                <a16:creationId xmlns:a16="http://schemas.microsoft.com/office/drawing/2014/main" id="{421E2503-826A-4255-8E6D-B35CD381115C}"/>
+                <a16:creationId xmlns:a16="http://schemas.microsoft.com/office/drawing/2014/main" id="{952C062B-4765-4BFC-B8F5-0FB2074EEC45}"/>
+              </a:ext>
+            </a:extLst>
+          </p:cNvPr>
+          <p:cNvSpPr/>
+          <p:nvPr/>
+        </p:nvSpPr>
+        <p:spPr>
+          <a:xfrm>
+            <a:off x="632897" y="3312673"/>
+            <a:ext cx="3659976" cy="369332"/>
+          </a:xfrm>
+          <a:prstGeom prst="rect">
+            <a:avLst/>
+          </a:prstGeom>
+        </p:spPr>
+        <p:txBody>
+          <a:bodyPr wrap="none">
+            <a:spAutoFit/>
+          </a:bodyPr>
+          <a:lstStyle/>
+          <a:p>
+            <a:r>
+              <a:rPr lang="en-US" altLang="zh-CN" b="1">
+                <a:solidFill>
+                  <a:srgbClr val="FF0000"/>
+                </a:solidFill>
+              </a:rPr>
+              <a:t>h=</a:t>
+            </a:r>
+            <a:r>
+              <a:rPr lang="zh-CN" altLang="en-US" b="1">
+                <a:solidFill>
+                  <a:srgbClr val="FF0000"/>
+                </a:solidFill>
+              </a:rPr>
+              <a:t>T.mean(W_in[context], axis=1)</a:t>
+            </a:r>
+          </a:p>
+        </p:txBody>
+      </p:sp>
+      <p:sp>
+        <p:nvSpPr>
+          <p:cNvPr id="56" name="矩形 55">
+            <a:extLst>
+              <a:ext uri="{FF2B5EF4-FFF2-40B4-BE49-F238E27FC236}">
+                <a16:creationId xmlns:a16="http://schemas.microsoft.com/office/drawing/2014/main" id="{2C31D458-35EF-43E2-9FEA-CB144AB694E2}"/>
+              </a:ext>
+            </a:extLst>
+          </p:cNvPr>
+          <p:cNvSpPr/>
+          <p:nvPr/>
+        </p:nvSpPr>
+        <p:spPr>
+          <a:xfrm>
+            <a:off x="5177995" y="3312205"/>
+            <a:ext cx="859531" cy="369332"/>
+          </a:xfrm>
+          <a:prstGeom prst="rect">
+            <a:avLst/>
+          </a:prstGeom>
+        </p:spPr>
+        <p:txBody>
+          <a:bodyPr wrap="none">
+            <a:spAutoFit/>
+          </a:bodyPr>
+          <a:lstStyle/>
+          <a:p>
+            <a:r>
+              <a:rPr lang="en-US" altLang="zh-CN" b="1">
+                <a:solidFill>
+                  <a:srgbClr val="FF0000"/>
+                </a:solidFill>
+              </a:rPr>
+              <a:t>W_out</a:t>
+            </a:r>
+            <a:endParaRPr lang="zh-CN" altLang="en-US" b="1">
+              <a:solidFill>
+                <a:srgbClr val="FF0000"/>
+              </a:solidFill>
+            </a:endParaRPr>
+          </a:p>
+        </p:txBody>
+      </p:sp>
+      <p:sp>
+        <p:nvSpPr>
+          <p:cNvPr id="57" name="文本框 56">
+            <a:extLst>
+              <a:ext uri="{FF2B5EF4-FFF2-40B4-BE49-F238E27FC236}">
+                <a16:creationId xmlns:a16="http://schemas.microsoft.com/office/drawing/2014/main" id="{BDBE3642-A9CC-4D03-96EE-D21908ECE757}"/>
               </a:ext>
             </a:extLst>
           </p:cNvPr>
@@ -8808,8 +13637,8 @@
         </p:nvSpPr>
         <p:spPr>
           <a:xfrm>
-            <a:off x="3938024" y="4614149"/>
-            <a:ext cx="3467616" cy="369332"/>
+            <a:off x="3832828" y="2489761"/>
+            <a:ext cx="279244" cy="369332"/>
           </a:xfrm>
           <a:prstGeom prst="rect">
             <a:avLst/>
@@ -8823,44 +13652,1684 @@
           <a:lstStyle/>
           <a:p>
             <a:r>
-              <a:rPr kumimoji="1" lang="en-US" altLang="zh-CN" dirty="0">
+              <a:rPr lang="en-US" altLang="zh-CN"/>
+              <a:t>*</a:t>
+            </a:r>
+            <a:endParaRPr lang="zh-CN" altLang="en-US"/>
+          </a:p>
+        </p:txBody>
+      </p:sp>
+      <p:sp>
+        <p:nvSpPr>
+          <p:cNvPr id="58" name="文本框 57">
+            <a:extLst>
+              <a:ext uri="{FF2B5EF4-FFF2-40B4-BE49-F238E27FC236}">
+                <a16:creationId xmlns:a16="http://schemas.microsoft.com/office/drawing/2014/main" id="{8AC571B0-507F-4AE3-A73E-09C36B31416E}"/>
+              </a:ext>
+            </a:extLst>
+          </p:cNvPr>
+          <p:cNvSpPr txBox="1"/>
+          <p:nvPr/>
+        </p:nvSpPr>
+        <p:spPr>
+          <a:xfrm>
+            <a:off x="4942528" y="1343261"/>
+            <a:ext cx="1330466" cy="369332"/>
+          </a:xfrm>
+          <a:prstGeom prst="rect">
+            <a:avLst/>
+          </a:prstGeom>
+          <a:noFill/>
+        </p:spPr>
+        <p:txBody>
+          <a:bodyPr wrap="square" rtlCol="0">
+            <a:spAutoFit/>
+          </a:bodyPr>
+          <a:lstStyle/>
+          <a:p>
+            <a:r>
+              <a:rPr kumimoji="1" lang="zh-CN" altLang="en-US"/>
+              <a:t>隐藏层矩阵</a:t>
+            </a:r>
+            <a:endParaRPr kumimoji="1" lang="zh-CN" altLang="en-US" dirty="0"/>
+          </a:p>
+        </p:txBody>
+      </p:sp>
+      <p:sp>
+        <p:nvSpPr>
+          <p:cNvPr id="59" name="文本框 58">
+            <a:extLst>
+              <a:ext uri="{FF2B5EF4-FFF2-40B4-BE49-F238E27FC236}">
+                <a16:creationId xmlns:a16="http://schemas.microsoft.com/office/drawing/2014/main" id="{51DB7886-A7B5-4D74-84EB-F7808C6B36EE}"/>
+              </a:ext>
+            </a:extLst>
+          </p:cNvPr>
+          <p:cNvSpPr txBox="1"/>
+          <p:nvPr/>
+        </p:nvSpPr>
+        <p:spPr>
+          <a:xfrm>
+            <a:off x="7213399" y="2478540"/>
+            <a:ext cx="338554" cy="369332"/>
+          </a:xfrm>
+          <a:prstGeom prst="rect">
+            <a:avLst/>
+          </a:prstGeom>
+          <a:noFill/>
+        </p:spPr>
+        <p:txBody>
+          <a:bodyPr wrap="none" rtlCol="0">
+            <a:spAutoFit/>
+          </a:bodyPr>
+          <a:lstStyle/>
+          <a:p>
+            <a:r>
+              <a:rPr lang="en-US" altLang="zh-CN"/>
+              <a:t>=</a:t>
+            </a:r>
+            <a:endParaRPr lang="zh-CN" altLang="en-US"/>
+          </a:p>
+        </p:txBody>
+      </p:sp>
+      <mc:AlternateContent xmlns:mc="http://schemas.openxmlformats.org/markup-compatibility/2006" xmlns:a14="http://schemas.microsoft.com/office/drawing/2010/main">
+        <mc:Choice Requires="a14">
+          <p:sp>
+            <p:nvSpPr>
+              <p:cNvPr id="60" name="文本框 59">
+                <a:extLst>
+                  <a:ext uri="{FF2B5EF4-FFF2-40B4-BE49-F238E27FC236}">
+                    <a16:creationId xmlns:a16="http://schemas.microsoft.com/office/drawing/2014/main" id="{AB64EA7B-BC2B-4A78-8BE5-38DA9C1643F7}"/>
+                  </a:ext>
+                </a:extLst>
+              </p:cNvPr>
+              <p:cNvSpPr txBox="1"/>
+              <p:nvPr/>
+            </p:nvSpPr>
+            <p:spPr>
+              <a:xfrm>
+                <a:off x="7601491" y="2123924"/>
+                <a:ext cx="2710934" cy="1102931"/>
+              </a:xfrm>
+              <a:prstGeom prst="rect">
+                <a:avLst/>
+              </a:prstGeom>
+              <a:noFill/>
+            </p:spPr>
+            <p:txBody>
+              <a:bodyPr wrap="none" lIns="0" tIns="0" rIns="0" bIns="0" rtlCol="0">
+                <a:spAutoFit/>
+              </a:bodyPr>
+              <a:lstStyle/>
+              <a:p>
+                <a:pPr/>
+                <a14:m>
+                  <m:oMathPara xmlns:m="http://schemas.openxmlformats.org/officeDocument/2006/math">
+                    <m:oMathParaPr>
+                      <m:jc m:val="centerGroup"/>
+                    </m:oMathParaPr>
+                    <m:oMath xmlns:m="http://schemas.openxmlformats.org/officeDocument/2006/math">
+                      <m:d>
+                        <m:dPr>
+                          <m:begChr m:val="["/>
+                          <m:endChr m:val="]"/>
+                          <m:ctrlPr>
+                            <a:rPr kumimoji="1" lang="mr-IN" altLang="zh-CN" i="1" smtClean="0">
+                              <a:latin typeface="Cambria Math" panose="02040503050406030204" pitchFamily="18" charset="0"/>
+                            </a:rPr>
+                          </m:ctrlPr>
+                        </m:dPr>
+                        <m:e>
+                          <m:m>
+                            <m:mPr>
+                              <m:mcs>
+                                <m:mc>
+                                  <m:mcPr>
+                                    <m:count m:val="4"/>
+                                    <m:mcJc m:val="center"/>
+                                  </m:mcPr>
+                                </m:mc>
+                              </m:mcs>
+                              <m:ctrlPr>
+                                <a:rPr kumimoji="1" lang="mr-IN" altLang="zh-CN" i="1" smtClean="0">
+                                  <a:solidFill>
+                                    <a:schemeClr val="tx1"/>
+                                  </a:solidFill>
+                                  <a:latin typeface="Cambria Math" panose="02040503050406030204" pitchFamily="18" charset="0"/>
+                                </a:rPr>
+                              </m:ctrlPr>
+                            </m:mPr>
+                            <m:mr>
+                              <m:e>
+                                <m:sSub>
+                                  <m:sSubPr>
+                                    <m:ctrlPr>
+                                      <a:rPr kumimoji="1" lang="en-US" altLang="zh-CN" i="1" smtClean="0">
+                                        <a:solidFill>
+                                          <a:schemeClr val="tx1"/>
+                                        </a:solidFill>
+                                        <a:latin typeface="Cambria Math" panose="02040503050406030204" pitchFamily="18" charset="0"/>
+                                      </a:rPr>
+                                    </m:ctrlPr>
+                                  </m:sSubPr>
+                                  <m:e>
+                                    <m:r>
+                                      <a:rPr kumimoji="1" lang="en-US" altLang="zh-CN" b="0" i="1" smtClean="0">
+                                        <a:solidFill>
+                                          <a:schemeClr val="tx1"/>
+                                        </a:solidFill>
+                                        <a:latin typeface="Cambria Math" panose="02040503050406030204" pitchFamily="18" charset="0"/>
+                                      </a:rPr>
+                                      <m:t>𝑝</m:t>
+                                    </m:r>
+                                  </m:e>
+                                  <m:sub>
+                                    <m:r>
+                                      <a:rPr kumimoji="1" lang="en-US" altLang="zh-CN" b="0" i="1" smtClean="0">
+                                        <a:solidFill>
+                                          <a:schemeClr val="tx1"/>
+                                        </a:solidFill>
+                                        <a:latin typeface="Cambria Math" charset="0"/>
+                                      </a:rPr>
+                                      <m:t>1</m:t>
+                                    </m:r>
+                                    <m:r>
+                                      <a:rPr kumimoji="1" lang="en-US" altLang="zh-CN" b="0" i="1" smtClean="0">
+                                        <a:solidFill>
+                                          <a:schemeClr val="tx1"/>
+                                        </a:solidFill>
+                                        <a:latin typeface="Cambria Math" panose="02040503050406030204" pitchFamily="18" charset="0"/>
+                                      </a:rPr>
+                                      <m:t>_</m:t>
+                                    </m:r>
+                                    <m:r>
+                                      <a:rPr kumimoji="1" lang="en-US" altLang="zh-CN" b="0" i="1" smtClean="0">
+                                        <a:solidFill>
+                                          <a:schemeClr val="tx1"/>
+                                        </a:solidFill>
+                                        <a:latin typeface="Cambria Math" charset="0"/>
+                                      </a:rPr>
+                                      <m:t>1</m:t>
+                                    </m:r>
+                                  </m:sub>
+                                </m:sSub>
+                              </m:e>
+                              <m:e>
+                                <m:sSub>
+                                  <m:sSubPr>
+                                    <m:ctrlPr>
+                                      <a:rPr kumimoji="1" lang="en-US" altLang="zh-CN" i="1" smtClean="0">
+                                        <a:solidFill>
+                                          <a:schemeClr val="tx1"/>
+                                        </a:solidFill>
+                                        <a:latin typeface="Cambria Math" panose="02040503050406030204" pitchFamily="18" charset="0"/>
+                                      </a:rPr>
+                                    </m:ctrlPr>
+                                  </m:sSubPr>
+                                  <m:e>
+                                    <m:r>
+                                      <a:rPr kumimoji="1" lang="en-US" altLang="zh-CN" b="0" i="1" smtClean="0">
+                                        <a:solidFill>
+                                          <a:schemeClr val="tx1"/>
+                                        </a:solidFill>
+                                        <a:latin typeface="Cambria Math" panose="02040503050406030204" pitchFamily="18" charset="0"/>
+                                      </a:rPr>
+                                      <m:t>𝑝</m:t>
+                                    </m:r>
+                                  </m:e>
+                                  <m:sub>
+                                    <m:r>
+                                      <a:rPr kumimoji="1" lang="en-US" altLang="zh-CN" b="0" i="1" smtClean="0">
+                                        <a:solidFill>
+                                          <a:schemeClr val="tx1"/>
+                                        </a:solidFill>
+                                        <a:latin typeface="Cambria Math" charset="0"/>
+                                      </a:rPr>
+                                      <m:t>1</m:t>
+                                    </m:r>
+                                    <m:r>
+                                      <a:rPr kumimoji="1" lang="en-US" altLang="zh-CN" b="0" i="1" smtClean="0">
+                                        <a:solidFill>
+                                          <a:schemeClr val="tx1"/>
+                                        </a:solidFill>
+                                        <a:latin typeface="Cambria Math" panose="02040503050406030204" pitchFamily="18" charset="0"/>
+                                      </a:rPr>
+                                      <m:t>_</m:t>
+                                    </m:r>
+                                    <m:r>
+                                      <a:rPr kumimoji="1" lang="en-US" altLang="zh-CN" b="0" i="1" smtClean="0">
+                                        <a:solidFill>
+                                          <a:schemeClr val="tx1"/>
+                                        </a:solidFill>
+                                        <a:latin typeface="Cambria Math" charset="0"/>
+                                      </a:rPr>
+                                      <m:t>2</m:t>
+                                    </m:r>
+                                  </m:sub>
+                                </m:sSub>
+                              </m:e>
+                              <m:e>
+                                <m:r>
+                                  <a:rPr lang="en-US" altLang="zh-CN" b="0" i="1" smtClean="0">
+                                    <a:solidFill>
+                                      <a:schemeClr val="tx1"/>
+                                    </a:solidFill>
+                                    <a:latin typeface="Cambria Math" charset="0"/>
+                                  </a:rPr>
+                                  <m:t>…</m:t>
+                                </m:r>
+                              </m:e>
+                              <m:e>
+                                <m:sSub>
+                                  <m:sSubPr>
+                                    <m:ctrlPr>
+                                      <a:rPr kumimoji="1" lang="en-US" altLang="zh-CN" i="1" smtClean="0">
+                                        <a:solidFill>
+                                          <a:schemeClr val="tx1"/>
+                                        </a:solidFill>
+                                        <a:latin typeface="Cambria Math" panose="02040503050406030204" pitchFamily="18" charset="0"/>
+                                      </a:rPr>
+                                    </m:ctrlPr>
+                                  </m:sSubPr>
+                                  <m:e>
+                                    <m:r>
+                                      <a:rPr kumimoji="1" lang="en-US" altLang="zh-CN" b="0" i="1" smtClean="0">
+                                        <a:solidFill>
+                                          <a:schemeClr val="tx1"/>
+                                        </a:solidFill>
+                                        <a:latin typeface="Cambria Math" panose="02040503050406030204" pitchFamily="18" charset="0"/>
+                                      </a:rPr>
+                                      <m:t>𝑝</m:t>
+                                    </m:r>
+                                  </m:e>
+                                  <m:sub>
+                                    <m:r>
+                                      <a:rPr kumimoji="1" lang="en-US" altLang="zh-CN" b="0" i="1" smtClean="0">
+                                        <a:solidFill>
+                                          <a:schemeClr val="tx1"/>
+                                        </a:solidFill>
+                                        <a:latin typeface="Cambria Math" charset="0"/>
+                                      </a:rPr>
+                                      <m:t>1</m:t>
+                                    </m:r>
+                                    <m:r>
+                                      <a:rPr kumimoji="1" lang="en-US" altLang="zh-CN" b="0" i="1" smtClean="0">
+                                        <a:solidFill>
+                                          <a:schemeClr val="tx1"/>
+                                        </a:solidFill>
+                                        <a:latin typeface="Cambria Math" panose="02040503050406030204" pitchFamily="18" charset="0"/>
+                                      </a:rPr>
+                                      <m:t>_|</m:t>
+                                    </m:r>
+                                    <m:r>
+                                      <a:rPr kumimoji="1" lang="en-US" altLang="zh-CN" b="0" i="1" smtClean="0">
+                                        <a:solidFill>
+                                          <a:schemeClr val="tx1"/>
+                                        </a:solidFill>
+                                        <a:latin typeface="Cambria Math" panose="02040503050406030204" pitchFamily="18" charset="0"/>
+                                      </a:rPr>
+                                      <m:t>𝑉</m:t>
+                                    </m:r>
+                                    <m:r>
+                                      <a:rPr kumimoji="1" lang="en-US" altLang="zh-CN" b="0" i="1" smtClean="0">
+                                        <a:solidFill>
+                                          <a:schemeClr val="tx1"/>
+                                        </a:solidFill>
+                                        <a:latin typeface="Cambria Math" panose="02040503050406030204" pitchFamily="18" charset="0"/>
+                                      </a:rPr>
+                                      <m:t>|</m:t>
+                                    </m:r>
+                                  </m:sub>
+                                </m:sSub>
+                              </m:e>
+                            </m:mr>
+                            <m:mr>
+                              <m:e>
+                                <m:sSub>
+                                  <m:sSubPr>
+                                    <m:ctrlPr>
+                                      <a:rPr kumimoji="1" lang="en-US" altLang="zh-CN" i="1" smtClean="0">
+                                        <a:solidFill>
+                                          <a:schemeClr val="tx1"/>
+                                        </a:solidFill>
+                                        <a:latin typeface="Cambria Math" panose="02040503050406030204" pitchFamily="18" charset="0"/>
+                                      </a:rPr>
+                                    </m:ctrlPr>
+                                  </m:sSubPr>
+                                  <m:e>
+                                    <m:r>
+                                      <a:rPr kumimoji="1" lang="en-US" altLang="zh-CN" b="0" i="1" smtClean="0">
+                                        <a:solidFill>
+                                          <a:schemeClr val="tx1"/>
+                                        </a:solidFill>
+                                        <a:latin typeface="Cambria Math" panose="02040503050406030204" pitchFamily="18" charset="0"/>
+                                      </a:rPr>
+                                      <m:t>𝑝</m:t>
+                                    </m:r>
+                                  </m:e>
+                                  <m:sub>
+                                    <m:r>
+                                      <a:rPr kumimoji="1" lang="en-US" altLang="zh-CN" b="0" i="1" smtClean="0">
+                                        <a:solidFill>
+                                          <a:schemeClr val="tx1"/>
+                                        </a:solidFill>
+                                        <a:latin typeface="Cambria Math" charset="0"/>
+                                      </a:rPr>
+                                      <m:t>2</m:t>
+                                    </m:r>
+                                    <m:r>
+                                      <a:rPr kumimoji="1" lang="en-US" altLang="zh-CN" b="0" i="1" smtClean="0">
+                                        <a:solidFill>
+                                          <a:schemeClr val="tx1"/>
+                                        </a:solidFill>
+                                        <a:latin typeface="Cambria Math" panose="02040503050406030204" pitchFamily="18" charset="0"/>
+                                      </a:rPr>
+                                      <m:t>_</m:t>
+                                    </m:r>
+                                    <m:r>
+                                      <a:rPr kumimoji="1" lang="en-US" altLang="zh-CN" b="0" i="1" smtClean="0">
+                                        <a:solidFill>
+                                          <a:schemeClr val="tx1"/>
+                                        </a:solidFill>
+                                        <a:latin typeface="Cambria Math" charset="0"/>
+                                      </a:rPr>
+                                      <m:t>1</m:t>
+                                    </m:r>
+                                  </m:sub>
+                                </m:sSub>
+                              </m:e>
+                              <m:e>
+                                <m:sSub>
+                                  <m:sSubPr>
+                                    <m:ctrlPr>
+                                      <a:rPr kumimoji="1" lang="en-US" altLang="zh-CN" i="1" smtClean="0">
+                                        <a:solidFill>
+                                          <a:schemeClr val="tx1"/>
+                                        </a:solidFill>
+                                        <a:latin typeface="Cambria Math" panose="02040503050406030204" pitchFamily="18" charset="0"/>
+                                      </a:rPr>
+                                    </m:ctrlPr>
+                                  </m:sSubPr>
+                                  <m:e>
+                                    <m:r>
+                                      <a:rPr kumimoji="1" lang="en-US" altLang="zh-CN" b="0" i="1" smtClean="0">
+                                        <a:solidFill>
+                                          <a:schemeClr val="tx1"/>
+                                        </a:solidFill>
+                                        <a:latin typeface="Cambria Math" panose="02040503050406030204" pitchFamily="18" charset="0"/>
+                                      </a:rPr>
+                                      <m:t>𝑝</m:t>
+                                    </m:r>
+                                  </m:e>
+                                  <m:sub>
+                                    <m:r>
+                                      <a:rPr kumimoji="1" lang="en-US" altLang="zh-CN" b="0" i="1" smtClean="0">
+                                        <a:solidFill>
+                                          <a:schemeClr val="tx1"/>
+                                        </a:solidFill>
+                                        <a:latin typeface="Cambria Math" charset="0"/>
+                                      </a:rPr>
+                                      <m:t>2</m:t>
+                                    </m:r>
+                                    <m:r>
+                                      <a:rPr kumimoji="1" lang="en-US" altLang="zh-CN" b="0" i="1" smtClean="0">
+                                        <a:solidFill>
+                                          <a:schemeClr val="tx1"/>
+                                        </a:solidFill>
+                                        <a:latin typeface="Cambria Math" panose="02040503050406030204" pitchFamily="18" charset="0"/>
+                                      </a:rPr>
+                                      <m:t>_</m:t>
+                                    </m:r>
+                                    <m:r>
+                                      <a:rPr kumimoji="1" lang="en-US" altLang="zh-CN" b="0" i="1" smtClean="0">
+                                        <a:solidFill>
+                                          <a:schemeClr val="tx1"/>
+                                        </a:solidFill>
+                                        <a:latin typeface="Cambria Math" charset="0"/>
+                                      </a:rPr>
+                                      <m:t>2</m:t>
+                                    </m:r>
+                                  </m:sub>
+                                </m:sSub>
+                              </m:e>
+                              <m:e>
+                                <m:r>
+                                  <a:rPr lang="en-US" altLang="zh-CN" b="0" i="1" smtClean="0">
+                                    <a:solidFill>
+                                      <a:schemeClr val="tx1"/>
+                                    </a:solidFill>
+                                    <a:latin typeface="Cambria Math" charset="0"/>
+                                  </a:rPr>
+                                  <m:t>…</m:t>
+                                </m:r>
+                              </m:e>
+                              <m:e>
+                                <m:sSub>
+                                  <m:sSubPr>
+                                    <m:ctrlPr>
+                                      <a:rPr kumimoji="1" lang="en-US" altLang="zh-CN" i="1" smtClean="0">
+                                        <a:solidFill>
+                                          <a:schemeClr val="tx1"/>
+                                        </a:solidFill>
+                                        <a:latin typeface="Cambria Math" panose="02040503050406030204" pitchFamily="18" charset="0"/>
+                                      </a:rPr>
+                                    </m:ctrlPr>
+                                  </m:sSubPr>
+                                  <m:e>
+                                    <m:r>
+                                      <a:rPr kumimoji="1" lang="en-US" altLang="zh-CN" b="0" i="1" smtClean="0">
+                                        <a:solidFill>
+                                          <a:schemeClr val="tx1"/>
+                                        </a:solidFill>
+                                        <a:latin typeface="Cambria Math" panose="02040503050406030204" pitchFamily="18" charset="0"/>
+                                      </a:rPr>
+                                      <m:t>𝑝</m:t>
+                                    </m:r>
+                                  </m:e>
+                                  <m:sub>
+                                    <m:r>
+                                      <a:rPr kumimoji="1" lang="en-US" altLang="zh-CN" b="0" i="1" smtClean="0">
+                                        <a:solidFill>
+                                          <a:schemeClr val="tx1"/>
+                                        </a:solidFill>
+                                        <a:latin typeface="Cambria Math" charset="0"/>
+                                      </a:rPr>
+                                      <m:t>2</m:t>
+                                    </m:r>
+                                    <m:r>
+                                      <a:rPr kumimoji="1" lang="en-US" altLang="zh-CN" b="0" i="1" smtClean="0">
+                                        <a:solidFill>
+                                          <a:schemeClr val="tx1"/>
+                                        </a:solidFill>
+                                        <a:latin typeface="Cambria Math" panose="02040503050406030204" pitchFamily="18" charset="0"/>
+                                      </a:rPr>
+                                      <m:t>_|</m:t>
+                                    </m:r>
+                                    <m:r>
+                                      <a:rPr kumimoji="1" lang="en-US" altLang="zh-CN" b="0" i="1" smtClean="0">
+                                        <a:solidFill>
+                                          <a:schemeClr val="tx1"/>
+                                        </a:solidFill>
+                                        <a:latin typeface="Cambria Math" panose="02040503050406030204" pitchFamily="18" charset="0"/>
+                                      </a:rPr>
+                                      <m:t>𝑉</m:t>
+                                    </m:r>
+                                    <m:r>
+                                      <a:rPr kumimoji="1" lang="en-US" altLang="zh-CN" b="0" i="1" smtClean="0">
+                                        <a:solidFill>
+                                          <a:schemeClr val="tx1"/>
+                                        </a:solidFill>
+                                        <a:latin typeface="Cambria Math" panose="02040503050406030204" pitchFamily="18" charset="0"/>
+                                      </a:rPr>
+                                      <m:t>|</m:t>
+                                    </m:r>
+                                  </m:sub>
+                                </m:sSub>
+                              </m:e>
+                            </m:mr>
+                            <m:mr>
+                              <m:e>
+                                <m:r>
+                                  <a:rPr kumimoji="1" lang="en-US" altLang="zh-CN" b="0" i="1" smtClean="0">
+                                    <a:solidFill>
+                                      <a:schemeClr val="tx1"/>
+                                    </a:solidFill>
+                                    <a:latin typeface="Cambria Math" panose="02040503050406030204" pitchFamily="18" charset="0"/>
+                                  </a:rPr>
+                                  <m:t>⋮</m:t>
+                                </m:r>
+                              </m:e>
+                              <m:e>
+                                <m:r>
+                                  <a:rPr kumimoji="1" lang="en-US" altLang="zh-CN" b="0" i="1" smtClean="0">
+                                    <a:solidFill>
+                                      <a:schemeClr val="tx1"/>
+                                    </a:solidFill>
+                                    <a:latin typeface="Cambria Math" panose="02040503050406030204" pitchFamily="18" charset="0"/>
+                                  </a:rPr>
+                                  <m:t>⋮</m:t>
+                                </m:r>
+                              </m:e>
+                              <m:e/>
+                              <m:e>
+                                <m:r>
+                                  <a:rPr lang="mr-IN" altLang="zh-CN" i="1" smtClean="0">
+                                    <a:solidFill>
+                                      <a:schemeClr val="tx1"/>
+                                    </a:solidFill>
+                                    <a:latin typeface="Cambria Math" panose="02040503050406030204" pitchFamily="18" charset="0"/>
+                                  </a:rPr>
+                                  <m:t>⋮</m:t>
+                                </m:r>
+                              </m:e>
+                            </m:mr>
+                            <m:mr>
+                              <m:e>
+                                <m:sSub>
+                                  <m:sSubPr>
+                                    <m:ctrlPr>
+                                      <a:rPr kumimoji="1" lang="en-US" altLang="zh-CN" i="1" smtClean="0">
+                                        <a:solidFill>
+                                          <a:schemeClr val="tx1"/>
+                                        </a:solidFill>
+                                        <a:latin typeface="Cambria Math" panose="02040503050406030204" pitchFamily="18" charset="0"/>
+                                      </a:rPr>
+                                    </m:ctrlPr>
+                                  </m:sSubPr>
+                                  <m:e>
+                                    <m:r>
+                                      <a:rPr kumimoji="1" lang="en-US" altLang="zh-CN" b="0" i="1" smtClean="0">
+                                        <a:solidFill>
+                                          <a:schemeClr val="tx1"/>
+                                        </a:solidFill>
+                                        <a:latin typeface="Cambria Math" panose="02040503050406030204" pitchFamily="18" charset="0"/>
+                                      </a:rPr>
+                                      <m:t>𝑝</m:t>
+                                    </m:r>
+                                  </m:e>
+                                  <m:sub>
+                                    <m:r>
+                                      <a:rPr kumimoji="1" lang="en-US" altLang="zh-CN" b="0" i="1" smtClean="0">
+                                        <a:solidFill>
+                                          <a:schemeClr val="tx1"/>
+                                        </a:solidFill>
+                                        <a:latin typeface="Cambria Math" panose="02040503050406030204" pitchFamily="18" charset="0"/>
+                                      </a:rPr>
+                                      <m:t>32_</m:t>
+                                    </m:r>
+                                    <m:r>
+                                      <a:rPr kumimoji="1" lang="en-US" altLang="zh-CN" b="0" i="1" smtClean="0">
+                                        <a:solidFill>
+                                          <a:schemeClr val="tx1"/>
+                                        </a:solidFill>
+                                        <a:latin typeface="Cambria Math" charset="0"/>
+                                      </a:rPr>
+                                      <m:t>1</m:t>
+                                    </m:r>
+                                  </m:sub>
+                                </m:sSub>
+                              </m:e>
+                              <m:e>
+                                <m:sSub>
+                                  <m:sSubPr>
+                                    <m:ctrlPr>
+                                      <a:rPr kumimoji="1" lang="en-US" altLang="zh-CN" i="1" smtClean="0">
+                                        <a:solidFill>
+                                          <a:schemeClr val="tx1"/>
+                                        </a:solidFill>
+                                        <a:latin typeface="Cambria Math" panose="02040503050406030204" pitchFamily="18" charset="0"/>
+                                      </a:rPr>
+                                    </m:ctrlPr>
+                                  </m:sSubPr>
+                                  <m:e>
+                                    <m:r>
+                                      <a:rPr kumimoji="1" lang="en-US" altLang="zh-CN" b="0" i="1" smtClean="0">
+                                        <a:solidFill>
+                                          <a:schemeClr val="tx1"/>
+                                        </a:solidFill>
+                                        <a:latin typeface="Cambria Math" panose="02040503050406030204" pitchFamily="18" charset="0"/>
+                                      </a:rPr>
+                                      <m:t>𝑝</m:t>
+                                    </m:r>
+                                  </m:e>
+                                  <m:sub>
+                                    <m:r>
+                                      <a:rPr kumimoji="1" lang="en-US" altLang="zh-CN" b="0" i="1" smtClean="0">
+                                        <a:solidFill>
+                                          <a:schemeClr val="tx1"/>
+                                        </a:solidFill>
+                                        <a:latin typeface="Cambria Math" panose="02040503050406030204" pitchFamily="18" charset="0"/>
+                                      </a:rPr>
+                                      <m:t>32_</m:t>
+                                    </m:r>
+                                    <m:r>
+                                      <a:rPr kumimoji="1" lang="en-US" altLang="zh-CN" b="0" i="1" smtClean="0">
+                                        <a:solidFill>
+                                          <a:schemeClr val="tx1"/>
+                                        </a:solidFill>
+                                        <a:latin typeface="Cambria Math" charset="0"/>
+                                      </a:rPr>
+                                      <m:t>2</m:t>
+                                    </m:r>
+                                  </m:sub>
+                                </m:sSub>
+                              </m:e>
+                              <m:e>
+                                <m:r>
+                                  <a:rPr lang="mr-IN" altLang="zh-CN" i="1" smtClean="0">
+                                    <a:solidFill>
+                                      <a:schemeClr val="tx1"/>
+                                    </a:solidFill>
+                                    <a:latin typeface="Cambria Math" charset="0"/>
+                                  </a:rPr>
+                                  <m:t>…</m:t>
+                                </m:r>
+                              </m:e>
+                              <m:e>
+                                <m:sSub>
+                                  <m:sSubPr>
+                                    <m:ctrlPr>
+                                      <a:rPr kumimoji="1" lang="en-US" altLang="zh-CN" i="1" smtClean="0">
+                                        <a:solidFill>
+                                          <a:schemeClr val="tx1"/>
+                                        </a:solidFill>
+                                        <a:latin typeface="Cambria Math" panose="02040503050406030204" pitchFamily="18" charset="0"/>
+                                      </a:rPr>
+                                    </m:ctrlPr>
+                                  </m:sSubPr>
+                                  <m:e>
+                                    <m:r>
+                                      <a:rPr kumimoji="1" lang="en-US" altLang="zh-CN" b="0" i="1" smtClean="0">
+                                        <a:solidFill>
+                                          <a:schemeClr val="tx1"/>
+                                        </a:solidFill>
+                                        <a:latin typeface="Cambria Math" panose="02040503050406030204" pitchFamily="18" charset="0"/>
+                                      </a:rPr>
+                                      <m:t>𝑝</m:t>
+                                    </m:r>
+                                  </m:e>
+                                  <m:sub>
+                                    <m:r>
+                                      <a:rPr kumimoji="1" lang="en-US" altLang="zh-CN" b="0" i="1" smtClean="0">
+                                        <a:solidFill>
+                                          <a:schemeClr val="tx1"/>
+                                        </a:solidFill>
+                                        <a:latin typeface="Cambria Math" panose="02040503050406030204" pitchFamily="18" charset="0"/>
+                                      </a:rPr>
+                                      <m:t>32_|</m:t>
+                                    </m:r>
+                                    <m:r>
+                                      <a:rPr kumimoji="1" lang="en-US" altLang="zh-CN" b="0" i="1" smtClean="0">
+                                        <a:solidFill>
+                                          <a:schemeClr val="tx1"/>
+                                        </a:solidFill>
+                                        <a:latin typeface="Cambria Math" panose="02040503050406030204" pitchFamily="18" charset="0"/>
+                                      </a:rPr>
+                                      <m:t>𝑉</m:t>
+                                    </m:r>
+                                    <m:r>
+                                      <a:rPr kumimoji="1" lang="en-US" altLang="zh-CN" b="0" i="1" smtClean="0">
+                                        <a:solidFill>
+                                          <a:schemeClr val="tx1"/>
+                                        </a:solidFill>
+                                        <a:latin typeface="Cambria Math" panose="02040503050406030204" pitchFamily="18" charset="0"/>
+                                      </a:rPr>
+                                      <m:t>|</m:t>
+                                    </m:r>
+                                  </m:sub>
+                                </m:sSub>
+                              </m:e>
+                            </m:mr>
+                          </m:m>
+                        </m:e>
+                      </m:d>
+                    </m:oMath>
+                  </m:oMathPara>
+                </a14:m>
+                <a:endParaRPr kumimoji="1" lang="zh-CN" altLang="en-US" dirty="0"/>
+              </a:p>
+            </p:txBody>
+          </p:sp>
+        </mc:Choice>
+        <mc:Fallback xmlns="">
+          <p:sp>
+            <p:nvSpPr>
+              <p:cNvPr id="60" name="文本框 59">
+                <a:extLst>
+                  <a:ext uri="{FF2B5EF4-FFF2-40B4-BE49-F238E27FC236}">
+                    <a16:creationId xmlns:a16="http://schemas.microsoft.com/office/drawing/2014/main" id="{AB64EA7B-BC2B-4A78-8BE5-38DA9C1643F7}"/>
+                  </a:ext>
+                </a:extLst>
+              </p:cNvPr>
+              <p:cNvSpPr txBox="1">
+                <a:spLocks noRot="1" noChangeAspect="1" noMove="1" noResize="1" noEditPoints="1" noAdjustHandles="1" noChangeArrowheads="1" noChangeShapeType="1" noTextEdit="1"/>
+              </p:cNvSpPr>
+              <p:nvPr/>
+            </p:nvSpPr>
+            <p:spPr>
+              <a:xfrm>
+                <a:off x="7601491" y="2123924"/>
+                <a:ext cx="2710934" cy="1102931"/>
+              </a:xfrm>
+              <a:prstGeom prst="rect">
+                <a:avLst/>
+              </a:prstGeom>
+              <a:blipFill>
+                <a:blip r:embed="rId4"/>
+                <a:stretch>
+                  <a:fillRect/>
+                </a:stretch>
+              </a:blipFill>
+            </p:spPr>
+            <p:txBody>
+              <a:bodyPr/>
+              <a:lstStyle/>
+              <a:p>
+                <a:r>
+                  <a:rPr lang="zh-CN" altLang="en-US">
+                    <a:noFill/>
+                  </a:rPr>
+                  <a:t> </a:t>
+                </a:r>
+              </a:p>
+            </p:txBody>
+          </p:sp>
+        </mc:Fallback>
+      </mc:AlternateContent>
+      <p:sp>
+        <p:nvSpPr>
+          <p:cNvPr id="61" name="文本框 60">
+            <a:extLst>
+              <a:ext uri="{FF2B5EF4-FFF2-40B4-BE49-F238E27FC236}">
+                <a16:creationId xmlns:a16="http://schemas.microsoft.com/office/drawing/2014/main" id="{25FB95AF-61CE-407B-B6F7-D1900B5EEEF3}"/>
+              </a:ext>
+            </a:extLst>
+          </p:cNvPr>
+          <p:cNvSpPr txBox="1"/>
+          <p:nvPr/>
+        </p:nvSpPr>
+        <p:spPr>
+          <a:xfrm>
+            <a:off x="8124588" y="1301262"/>
+            <a:ext cx="1664740" cy="646331"/>
+          </a:xfrm>
+          <a:prstGeom prst="rect">
+            <a:avLst/>
+          </a:prstGeom>
+          <a:noFill/>
+        </p:spPr>
+        <p:txBody>
+          <a:bodyPr wrap="square" rtlCol="0">
+            <a:spAutoFit/>
+          </a:bodyPr>
+          <a:lstStyle/>
+          <a:p>
+            <a:r>
+              <a:rPr kumimoji="1" lang="zh-CN" altLang="en-US"/>
+              <a:t>输出各窗口预测词语分布</a:t>
+            </a:r>
+            <a:endParaRPr kumimoji="1" lang="zh-CN" altLang="en-US" dirty="0"/>
+          </a:p>
+        </p:txBody>
+      </p:sp>
+      <p:cxnSp>
+        <p:nvCxnSpPr>
+          <p:cNvPr id="62" name="直接箭头连接符 61">
+            <a:extLst>
+              <a:ext uri="{FF2B5EF4-FFF2-40B4-BE49-F238E27FC236}">
+                <a16:creationId xmlns:a16="http://schemas.microsoft.com/office/drawing/2014/main" id="{BF301B1D-4BCB-4E6A-A66E-127E835AD15B}"/>
+              </a:ext>
+            </a:extLst>
+          </p:cNvPr>
+          <p:cNvCxnSpPr>
+            <a:cxnSpLocks/>
+          </p:cNvCxnSpPr>
+          <p:nvPr/>
+        </p:nvCxnSpPr>
+        <p:spPr>
+          <a:xfrm>
+            <a:off x="10932160" y="2663206"/>
+            <a:ext cx="0" cy="1558074"/>
+          </a:xfrm>
+          <a:prstGeom prst="straightConnector1">
+            <a:avLst/>
+          </a:prstGeom>
+          <a:ln>
+            <a:tailEnd type="triangle"/>
+          </a:ln>
+        </p:spPr>
+        <p:style>
+          <a:lnRef idx="3">
+            <a:schemeClr val="dk1"/>
+          </a:lnRef>
+          <a:fillRef idx="0">
+            <a:schemeClr val="dk1"/>
+          </a:fillRef>
+          <a:effectRef idx="2">
+            <a:schemeClr val="dk1"/>
+          </a:effectRef>
+          <a:fontRef idx="minor">
+            <a:schemeClr val="tx1"/>
+          </a:fontRef>
+        </p:style>
+      </p:cxnSp>
+      <p:sp>
+        <p:nvSpPr>
+          <p:cNvPr id="66" name="矩形 65">
+            <a:extLst>
+              <a:ext uri="{FF2B5EF4-FFF2-40B4-BE49-F238E27FC236}">
+                <a16:creationId xmlns:a16="http://schemas.microsoft.com/office/drawing/2014/main" id="{69510B1A-C18A-44E6-9B3B-169D4A1F1329}"/>
+              </a:ext>
+            </a:extLst>
+          </p:cNvPr>
+          <p:cNvSpPr/>
+          <p:nvPr/>
+        </p:nvSpPr>
+        <p:spPr>
+          <a:xfrm>
+            <a:off x="10495838" y="1947593"/>
+            <a:ext cx="1197764" cy="369332"/>
+          </a:xfrm>
+          <a:prstGeom prst="rect">
+            <a:avLst/>
+          </a:prstGeom>
+        </p:spPr>
+        <p:txBody>
+          <a:bodyPr wrap="none">
+            <a:spAutoFit/>
+          </a:bodyPr>
+          <a:lstStyle/>
+          <a:p>
+            <a:r>
+              <a:rPr kumimoji="1" lang="en-US" altLang="zh-CN">
                 <a:latin typeface="STXingkai" charset="-122"/>
                 <a:ea typeface="STXingkai" charset="-122"/>
                 <a:cs typeface="STXingkai" charset="-122"/>
               </a:rPr>
-              <a:t>One-Hot</a:t>
-            </a:r>
-            <a:r>
-              <a:rPr kumimoji="1" lang="zh-CN" altLang="en-US" dirty="0">
+              <a:t>softmax</a:t>
+            </a:r>
+            <a:r>
+              <a:rPr kumimoji="1" lang="zh-CN" altLang="en-US">
                 <a:latin typeface="STXingkai" charset="-122"/>
                 <a:ea typeface="STXingkai" charset="-122"/>
                 <a:cs typeface="STXingkai" charset="-122"/>
               </a:rPr>
-              <a:t>表示的第</a:t>
-            </a:r>
-            <a:r>
-              <a:rPr kumimoji="1" lang="en-US" altLang="zh-CN" dirty="0">
-                <a:latin typeface="STXingkai" charset="-122"/>
-                <a:ea typeface="STXingkai" charset="-122"/>
-                <a:cs typeface="STXingkai" charset="-122"/>
-              </a:rPr>
-              <a:t>1</a:t>
-            </a:r>
-            <a:r>
-              <a:rPr kumimoji="1" lang="zh-CN" altLang="en-US" dirty="0">
-                <a:latin typeface="STXingkai" charset="-122"/>
-                <a:ea typeface="STXingkai" charset="-122"/>
-                <a:cs typeface="STXingkai" charset="-122"/>
-              </a:rPr>
-              <a:t>篇文本向量矩阵</a:t>
-            </a:r>
+              <a:t>激活</a:t>
+            </a:r>
+            <a:endParaRPr kumimoji="1" lang="zh-CN" altLang="en-US" dirty="0">
+              <a:latin typeface="STXingkai" charset="-122"/>
+              <a:ea typeface="STXingkai" charset="-122"/>
+              <a:cs typeface="STXingkai" charset="-122"/>
+            </a:endParaRPr>
           </a:p>
         </p:txBody>
       </p:sp>
+      <p:sp>
+        <p:nvSpPr>
+          <p:cNvPr id="67" name="矩形 66">
+            <a:extLst>
+              <a:ext uri="{FF2B5EF4-FFF2-40B4-BE49-F238E27FC236}">
+                <a16:creationId xmlns:a16="http://schemas.microsoft.com/office/drawing/2014/main" id="{D362A163-8102-434E-A991-C4406E46AB2D}"/>
+              </a:ext>
+            </a:extLst>
+          </p:cNvPr>
+          <p:cNvSpPr/>
+          <p:nvPr/>
+        </p:nvSpPr>
+        <p:spPr>
+          <a:xfrm>
+            <a:off x="7839504" y="3312205"/>
+            <a:ext cx="2234907" cy="369332"/>
+          </a:xfrm>
+          <a:prstGeom prst="rect">
+            <a:avLst/>
+          </a:prstGeom>
+        </p:spPr>
+        <p:txBody>
+          <a:bodyPr wrap="none">
+            <a:spAutoFit/>
+          </a:bodyPr>
+          <a:lstStyle/>
+          <a:p>
+            <a:r>
+              <a:rPr lang="zh-CN" altLang="en-US" b="1">
+                <a:solidFill>
+                  <a:srgbClr val="FF0000"/>
+                </a:solidFill>
+              </a:rPr>
+              <a:t>u = T.dot(h, W_out)</a:t>
+            </a:r>
+          </a:p>
+        </p:txBody>
+      </p:sp>
+      <mc:AlternateContent xmlns:mc="http://schemas.openxmlformats.org/markup-compatibility/2006" xmlns:a14="http://schemas.microsoft.com/office/drawing/2010/main">
+        <mc:Choice Requires="a14">
+          <p:sp>
+            <p:nvSpPr>
+              <p:cNvPr id="72" name="文本框 71">
+                <a:extLst>
+                  <a:ext uri="{FF2B5EF4-FFF2-40B4-BE49-F238E27FC236}">
+                    <a16:creationId xmlns:a16="http://schemas.microsoft.com/office/drawing/2014/main" id="{63D8D681-C213-4331-9C0B-E3EB64BDB110}"/>
+                  </a:ext>
+                </a:extLst>
+              </p:cNvPr>
+              <p:cNvSpPr txBox="1"/>
+              <p:nvPr/>
+            </p:nvSpPr>
+            <p:spPr>
+              <a:xfrm>
+                <a:off x="8909421" y="4417751"/>
+                <a:ext cx="2710934" cy="1261949"/>
+              </a:xfrm>
+              <a:prstGeom prst="rect">
+                <a:avLst/>
+              </a:prstGeom>
+              <a:noFill/>
+            </p:spPr>
+            <p:txBody>
+              <a:bodyPr wrap="none" lIns="0" tIns="0" rIns="0" bIns="0" rtlCol="0">
+                <a:spAutoFit/>
+              </a:bodyPr>
+              <a:lstStyle/>
+              <a:p>
+                <a:pPr/>
+                <a14:m>
+                  <m:oMathPara xmlns:m="http://schemas.openxmlformats.org/officeDocument/2006/math">
+                    <m:oMathParaPr>
+                      <m:jc m:val="centerGroup"/>
+                    </m:oMathParaPr>
+                    <m:oMath xmlns:m="http://schemas.openxmlformats.org/officeDocument/2006/math">
+                      <m:d>
+                        <m:dPr>
+                          <m:begChr m:val="["/>
+                          <m:endChr m:val="]"/>
+                          <m:ctrlPr>
+                            <a:rPr kumimoji="1" lang="mr-IN" altLang="zh-CN" i="1" smtClean="0">
+                              <a:latin typeface="Cambria Math" panose="02040503050406030204" pitchFamily="18" charset="0"/>
+                            </a:rPr>
+                          </m:ctrlPr>
+                        </m:dPr>
+                        <m:e>
+                          <m:m>
+                            <m:mPr>
+                              <m:mcs>
+                                <m:mc>
+                                  <m:mcPr>
+                                    <m:count m:val="4"/>
+                                    <m:mcJc m:val="center"/>
+                                  </m:mcPr>
+                                </m:mc>
+                              </m:mcs>
+                              <m:ctrlPr>
+                                <a:rPr kumimoji="1" lang="mr-IN" altLang="zh-CN" i="1" smtClean="0">
+                                  <a:solidFill>
+                                    <a:schemeClr val="tx1"/>
+                                  </a:solidFill>
+                                  <a:latin typeface="Cambria Math" panose="02040503050406030204" pitchFamily="18" charset="0"/>
+                                </a:rPr>
+                              </m:ctrlPr>
+                            </m:mPr>
+                            <m:mr>
+                              <m:e>
+                                <m:sSubSup>
+                                  <m:sSubSupPr>
+                                    <m:ctrlPr>
+                                      <a:rPr kumimoji="1" lang="mr-IN" altLang="zh-CN" i="1" smtClean="0">
+                                        <a:solidFill>
+                                          <a:schemeClr val="tx1"/>
+                                        </a:solidFill>
+                                        <a:latin typeface="Cambria Math" panose="02040503050406030204" pitchFamily="18" charset="0"/>
+                                      </a:rPr>
+                                    </m:ctrlPr>
+                                  </m:sSubSupPr>
+                                  <m:e>
+                                    <m:r>
+                                      <a:rPr kumimoji="1" lang="en-US" altLang="zh-CN" b="0" i="1" smtClean="0">
+                                        <a:solidFill>
+                                          <a:schemeClr val="tx1"/>
+                                        </a:solidFill>
+                                        <a:latin typeface="Cambria Math" panose="02040503050406030204" pitchFamily="18" charset="0"/>
+                                      </a:rPr>
+                                      <m:t>𝑝</m:t>
+                                    </m:r>
+                                  </m:e>
+                                  <m:sub>
+                                    <m:r>
+                                      <a:rPr kumimoji="1" lang="en-US" altLang="zh-CN" b="0" i="1" smtClean="0">
+                                        <a:solidFill>
+                                          <a:schemeClr val="tx1"/>
+                                        </a:solidFill>
+                                        <a:latin typeface="Cambria Math" panose="02040503050406030204" pitchFamily="18" charset="0"/>
+                                      </a:rPr>
+                                      <m:t>1_1</m:t>
+                                    </m:r>
+                                  </m:sub>
+                                  <m:sup>
+                                    <m:r>
+                                      <a:rPr kumimoji="1" lang="en-US" altLang="zh-CN" b="0" i="1" smtClean="0">
+                                        <a:solidFill>
+                                          <a:schemeClr val="tx1"/>
+                                        </a:solidFill>
+                                        <a:latin typeface="Cambria Math" panose="02040503050406030204" pitchFamily="18" charset="0"/>
+                                      </a:rPr>
+                                      <m:t>′</m:t>
+                                    </m:r>
+                                  </m:sup>
+                                </m:sSubSup>
+                              </m:e>
+                              <m:e>
+                                <m:sSubSup>
+                                  <m:sSubSupPr>
+                                    <m:ctrlPr>
+                                      <a:rPr kumimoji="1" lang="mr-IN" altLang="zh-CN" i="1">
+                                        <a:latin typeface="Cambria Math" panose="02040503050406030204" pitchFamily="18" charset="0"/>
+                                      </a:rPr>
+                                    </m:ctrlPr>
+                                  </m:sSubSupPr>
+                                  <m:e>
+                                    <m:r>
+                                      <a:rPr kumimoji="1" lang="en-US" altLang="zh-CN" i="1">
+                                        <a:latin typeface="Cambria Math" panose="02040503050406030204" pitchFamily="18" charset="0"/>
+                                      </a:rPr>
+                                      <m:t>𝑝</m:t>
+                                    </m:r>
+                                  </m:e>
+                                  <m:sub>
+                                    <m:r>
+                                      <a:rPr kumimoji="1" lang="en-US" altLang="zh-CN" i="1">
+                                        <a:latin typeface="Cambria Math" panose="02040503050406030204" pitchFamily="18" charset="0"/>
+                                      </a:rPr>
+                                      <m:t>1_</m:t>
+                                    </m:r>
+                                    <m:r>
+                                      <a:rPr kumimoji="1" lang="en-US" altLang="zh-CN" b="0" i="1" smtClean="0">
+                                        <a:latin typeface="Cambria Math" panose="02040503050406030204" pitchFamily="18" charset="0"/>
+                                      </a:rPr>
+                                      <m:t>2</m:t>
+                                    </m:r>
+                                  </m:sub>
+                                  <m:sup>
+                                    <m:r>
+                                      <a:rPr kumimoji="1" lang="en-US" altLang="zh-CN" i="1">
+                                        <a:latin typeface="Cambria Math" panose="02040503050406030204" pitchFamily="18" charset="0"/>
+                                      </a:rPr>
+                                      <m:t>′</m:t>
+                                    </m:r>
+                                  </m:sup>
+                                </m:sSubSup>
+                              </m:e>
+                              <m:e>
+                                <m:r>
+                                  <a:rPr lang="en-US" altLang="zh-CN" b="0" i="1" smtClean="0">
+                                    <a:solidFill>
+                                      <a:schemeClr val="tx1"/>
+                                    </a:solidFill>
+                                    <a:latin typeface="Cambria Math" charset="0"/>
+                                  </a:rPr>
+                                  <m:t>…</m:t>
+                                </m:r>
+                              </m:e>
+                              <m:e>
+                                <m:sSubSup>
+                                  <m:sSubSupPr>
+                                    <m:ctrlPr>
+                                      <a:rPr kumimoji="1" lang="mr-IN" altLang="zh-CN" i="1">
+                                        <a:latin typeface="Cambria Math" panose="02040503050406030204" pitchFamily="18" charset="0"/>
+                                      </a:rPr>
+                                    </m:ctrlPr>
+                                  </m:sSubSupPr>
+                                  <m:e>
+                                    <m:r>
+                                      <a:rPr kumimoji="1" lang="en-US" altLang="zh-CN" i="1">
+                                        <a:latin typeface="Cambria Math" panose="02040503050406030204" pitchFamily="18" charset="0"/>
+                                      </a:rPr>
+                                      <m:t>𝑝</m:t>
+                                    </m:r>
+                                  </m:e>
+                                  <m:sub>
+                                    <m:r>
+                                      <a:rPr kumimoji="1" lang="en-US" altLang="zh-CN" i="1">
+                                        <a:latin typeface="Cambria Math" panose="02040503050406030204" pitchFamily="18" charset="0"/>
+                                      </a:rPr>
+                                      <m:t>1_</m:t>
+                                    </m:r>
+                                    <m:r>
+                                      <a:rPr kumimoji="1" lang="en-US" altLang="zh-CN" b="0" i="1" smtClean="0">
+                                        <a:latin typeface="Cambria Math" panose="02040503050406030204" pitchFamily="18" charset="0"/>
+                                      </a:rPr>
+                                      <m:t>|</m:t>
+                                    </m:r>
+                                    <m:r>
+                                      <a:rPr kumimoji="1" lang="en-US" altLang="zh-CN" b="0" i="1" smtClean="0">
+                                        <a:latin typeface="Cambria Math" panose="02040503050406030204" pitchFamily="18" charset="0"/>
+                                      </a:rPr>
+                                      <m:t>𝑉</m:t>
+                                    </m:r>
+                                    <m:r>
+                                      <a:rPr kumimoji="1" lang="en-US" altLang="zh-CN" b="0" i="1" smtClean="0">
+                                        <a:latin typeface="Cambria Math" panose="02040503050406030204" pitchFamily="18" charset="0"/>
+                                      </a:rPr>
+                                      <m:t>|</m:t>
+                                    </m:r>
+                                  </m:sub>
+                                  <m:sup>
+                                    <m:r>
+                                      <a:rPr kumimoji="1" lang="en-US" altLang="zh-CN" i="1">
+                                        <a:latin typeface="Cambria Math" panose="02040503050406030204" pitchFamily="18" charset="0"/>
+                                      </a:rPr>
+                                      <m:t>′</m:t>
+                                    </m:r>
+                                  </m:sup>
+                                </m:sSubSup>
+                              </m:e>
+                            </m:mr>
+                            <m:mr>
+                              <m:e>
+                                <m:sSubSup>
+                                  <m:sSubSupPr>
+                                    <m:ctrlPr>
+                                      <a:rPr kumimoji="1" lang="mr-IN" altLang="zh-CN" i="1">
+                                        <a:latin typeface="Cambria Math" panose="02040503050406030204" pitchFamily="18" charset="0"/>
+                                      </a:rPr>
+                                    </m:ctrlPr>
+                                  </m:sSubSupPr>
+                                  <m:e>
+                                    <m:r>
+                                      <a:rPr kumimoji="1" lang="en-US" altLang="zh-CN" i="1">
+                                        <a:latin typeface="Cambria Math" panose="02040503050406030204" pitchFamily="18" charset="0"/>
+                                      </a:rPr>
+                                      <m:t>𝑝</m:t>
+                                    </m:r>
+                                  </m:e>
+                                  <m:sub>
+                                    <m:r>
+                                      <a:rPr kumimoji="1" lang="en-US" altLang="zh-CN" b="0" i="1" smtClean="0">
+                                        <a:latin typeface="Cambria Math" panose="02040503050406030204" pitchFamily="18" charset="0"/>
+                                      </a:rPr>
+                                      <m:t>2</m:t>
+                                    </m:r>
+                                    <m:r>
+                                      <a:rPr kumimoji="1" lang="en-US" altLang="zh-CN" i="1">
+                                        <a:latin typeface="Cambria Math" panose="02040503050406030204" pitchFamily="18" charset="0"/>
+                                      </a:rPr>
+                                      <m:t>_1</m:t>
+                                    </m:r>
+                                  </m:sub>
+                                  <m:sup>
+                                    <m:r>
+                                      <a:rPr kumimoji="1" lang="en-US" altLang="zh-CN" i="1">
+                                        <a:latin typeface="Cambria Math" panose="02040503050406030204" pitchFamily="18" charset="0"/>
+                                      </a:rPr>
+                                      <m:t>′</m:t>
+                                    </m:r>
+                                  </m:sup>
+                                </m:sSubSup>
+                              </m:e>
+                              <m:e>
+                                <m:sSubSup>
+                                  <m:sSubSupPr>
+                                    <m:ctrlPr>
+                                      <a:rPr kumimoji="1" lang="mr-IN" altLang="zh-CN" i="1">
+                                        <a:latin typeface="Cambria Math" panose="02040503050406030204" pitchFamily="18" charset="0"/>
+                                      </a:rPr>
+                                    </m:ctrlPr>
+                                  </m:sSubSupPr>
+                                  <m:e>
+                                    <m:r>
+                                      <a:rPr kumimoji="1" lang="en-US" altLang="zh-CN" i="1">
+                                        <a:latin typeface="Cambria Math" panose="02040503050406030204" pitchFamily="18" charset="0"/>
+                                      </a:rPr>
+                                      <m:t>𝑝</m:t>
+                                    </m:r>
+                                  </m:e>
+                                  <m:sub>
+                                    <m:r>
+                                      <a:rPr kumimoji="1" lang="en-US" altLang="zh-CN" b="0" i="1" smtClean="0">
+                                        <a:latin typeface="Cambria Math" panose="02040503050406030204" pitchFamily="18" charset="0"/>
+                                      </a:rPr>
+                                      <m:t>2</m:t>
+                                    </m:r>
+                                    <m:r>
+                                      <a:rPr kumimoji="1" lang="en-US" altLang="zh-CN" i="1">
+                                        <a:latin typeface="Cambria Math" panose="02040503050406030204" pitchFamily="18" charset="0"/>
+                                      </a:rPr>
+                                      <m:t>_</m:t>
+                                    </m:r>
+                                    <m:r>
+                                      <a:rPr kumimoji="1" lang="en-US" altLang="zh-CN" b="0" i="1" smtClean="0">
+                                        <a:latin typeface="Cambria Math" panose="02040503050406030204" pitchFamily="18" charset="0"/>
+                                      </a:rPr>
+                                      <m:t>2</m:t>
+                                    </m:r>
+                                  </m:sub>
+                                  <m:sup>
+                                    <m:r>
+                                      <a:rPr kumimoji="1" lang="en-US" altLang="zh-CN" i="1">
+                                        <a:latin typeface="Cambria Math" panose="02040503050406030204" pitchFamily="18" charset="0"/>
+                                      </a:rPr>
+                                      <m:t>′</m:t>
+                                    </m:r>
+                                  </m:sup>
+                                </m:sSubSup>
+                              </m:e>
+                              <m:e>
+                                <m:r>
+                                  <a:rPr lang="en-US" altLang="zh-CN" b="0" i="1" smtClean="0">
+                                    <a:solidFill>
+                                      <a:schemeClr val="tx1"/>
+                                    </a:solidFill>
+                                    <a:latin typeface="Cambria Math" charset="0"/>
+                                  </a:rPr>
+                                  <m:t>…</m:t>
+                                </m:r>
+                              </m:e>
+                              <m:e>
+                                <m:sSubSup>
+                                  <m:sSubSupPr>
+                                    <m:ctrlPr>
+                                      <a:rPr kumimoji="1" lang="mr-IN" altLang="zh-CN" i="1">
+                                        <a:latin typeface="Cambria Math" panose="02040503050406030204" pitchFamily="18" charset="0"/>
+                                      </a:rPr>
+                                    </m:ctrlPr>
+                                  </m:sSubSupPr>
+                                  <m:e>
+                                    <m:r>
+                                      <a:rPr kumimoji="1" lang="en-US" altLang="zh-CN" i="1">
+                                        <a:latin typeface="Cambria Math" panose="02040503050406030204" pitchFamily="18" charset="0"/>
+                                      </a:rPr>
+                                      <m:t>𝑝</m:t>
+                                    </m:r>
+                                  </m:e>
+                                  <m:sub>
+                                    <m:r>
+                                      <a:rPr kumimoji="1" lang="en-US" altLang="zh-CN" b="0" i="1" smtClean="0">
+                                        <a:latin typeface="Cambria Math" panose="02040503050406030204" pitchFamily="18" charset="0"/>
+                                      </a:rPr>
+                                      <m:t>2</m:t>
+                                    </m:r>
+                                    <m:r>
+                                      <a:rPr kumimoji="1" lang="en-US" altLang="zh-CN" i="1">
+                                        <a:latin typeface="Cambria Math" panose="02040503050406030204" pitchFamily="18" charset="0"/>
+                                      </a:rPr>
+                                      <m:t>_</m:t>
+                                    </m:r>
+                                    <m:r>
+                                      <a:rPr kumimoji="1" lang="en-US" altLang="zh-CN" b="0" i="1" smtClean="0">
+                                        <a:latin typeface="Cambria Math" panose="02040503050406030204" pitchFamily="18" charset="0"/>
+                                      </a:rPr>
+                                      <m:t>|</m:t>
+                                    </m:r>
+                                    <m:r>
+                                      <a:rPr kumimoji="1" lang="en-US" altLang="zh-CN" b="0" i="1" smtClean="0">
+                                        <a:latin typeface="Cambria Math" panose="02040503050406030204" pitchFamily="18" charset="0"/>
+                                      </a:rPr>
+                                      <m:t>𝑉</m:t>
+                                    </m:r>
+                                    <m:r>
+                                      <a:rPr kumimoji="1" lang="en-US" altLang="zh-CN" b="0" i="1" smtClean="0">
+                                        <a:latin typeface="Cambria Math" panose="02040503050406030204" pitchFamily="18" charset="0"/>
+                                      </a:rPr>
+                                      <m:t>|</m:t>
+                                    </m:r>
+                                  </m:sub>
+                                  <m:sup>
+                                    <m:r>
+                                      <a:rPr kumimoji="1" lang="en-US" altLang="zh-CN" i="1">
+                                        <a:latin typeface="Cambria Math" panose="02040503050406030204" pitchFamily="18" charset="0"/>
+                                      </a:rPr>
+                                      <m:t>′</m:t>
+                                    </m:r>
+                                  </m:sup>
+                                </m:sSubSup>
+                              </m:e>
+                            </m:mr>
+                            <m:mr>
+                              <m:e>
+                                <m:r>
+                                  <a:rPr kumimoji="1" lang="en-US" altLang="zh-CN" b="0" i="1" smtClean="0">
+                                    <a:solidFill>
+                                      <a:schemeClr val="tx1"/>
+                                    </a:solidFill>
+                                    <a:latin typeface="Cambria Math" panose="02040503050406030204" pitchFamily="18" charset="0"/>
+                                  </a:rPr>
+                                  <m:t>⋮</m:t>
+                                </m:r>
+                              </m:e>
+                              <m:e>
+                                <m:r>
+                                  <a:rPr kumimoji="1" lang="en-US" altLang="zh-CN" b="0" i="1" smtClean="0">
+                                    <a:solidFill>
+                                      <a:schemeClr val="tx1"/>
+                                    </a:solidFill>
+                                    <a:latin typeface="Cambria Math" panose="02040503050406030204" pitchFamily="18" charset="0"/>
+                                  </a:rPr>
+                                  <m:t>⋮</m:t>
+                                </m:r>
+                              </m:e>
+                              <m:e/>
+                              <m:e>
+                                <m:r>
+                                  <a:rPr lang="mr-IN" altLang="zh-CN" i="1" smtClean="0">
+                                    <a:solidFill>
+                                      <a:schemeClr val="tx1"/>
+                                    </a:solidFill>
+                                    <a:latin typeface="Cambria Math" panose="02040503050406030204" pitchFamily="18" charset="0"/>
+                                  </a:rPr>
+                                  <m:t>⋮</m:t>
+                                </m:r>
+                              </m:e>
+                            </m:mr>
+                            <m:mr>
+                              <m:e>
+                                <m:sSubSup>
+                                  <m:sSubSupPr>
+                                    <m:ctrlPr>
+                                      <a:rPr kumimoji="1" lang="mr-IN" altLang="zh-CN" i="1">
+                                        <a:latin typeface="Cambria Math" panose="02040503050406030204" pitchFamily="18" charset="0"/>
+                                      </a:rPr>
+                                    </m:ctrlPr>
+                                  </m:sSubSupPr>
+                                  <m:e>
+                                    <m:r>
+                                      <a:rPr kumimoji="1" lang="en-US" altLang="zh-CN" i="1">
+                                        <a:latin typeface="Cambria Math" panose="02040503050406030204" pitchFamily="18" charset="0"/>
+                                      </a:rPr>
+                                      <m:t>𝑝</m:t>
+                                    </m:r>
+                                  </m:e>
+                                  <m:sub>
+                                    <m:r>
+                                      <a:rPr kumimoji="1" lang="en-US" altLang="zh-CN" b="0" i="1" smtClean="0">
+                                        <a:latin typeface="Cambria Math" panose="02040503050406030204" pitchFamily="18" charset="0"/>
+                                      </a:rPr>
+                                      <m:t>32</m:t>
+                                    </m:r>
+                                    <m:r>
+                                      <a:rPr kumimoji="1" lang="en-US" altLang="zh-CN" i="1">
+                                        <a:latin typeface="Cambria Math" panose="02040503050406030204" pitchFamily="18" charset="0"/>
+                                      </a:rPr>
+                                      <m:t>_1</m:t>
+                                    </m:r>
+                                  </m:sub>
+                                  <m:sup>
+                                    <m:r>
+                                      <a:rPr kumimoji="1" lang="en-US" altLang="zh-CN" i="1">
+                                        <a:latin typeface="Cambria Math" panose="02040503050406030204" pitchFamily="18" charset="0"/>
+                                      </a:rPr>
+                                      <m:t>′</m:t>
+                                    </m:r>
+                                  </m:sup>
+                                </m:sSubSup>
+                              </m:e>
+                              <m:e>
+                                <m:sSubSup>
+                                  <m:sSubSupPr>
+                                    <m:ctrlPr>
+                                      <a:rPr kumimoji="1" lang="mr-IN" altLang="zh-CN" i="1">
+                                        <a:latin typeface="Cambria Math" panose="02040503050406030204" pitchFamily="18" charset="0"/>
+                                      </a:rPr>
+                                    </m:ctrlPr>
+                                  </m:sSubSupPr>
+                                  <m:e>
+                                    <m:r>
+                                      <a:rPr kumimoji="1" lang="en-US" altLang="zh-CN" i="1">
+                                        <a:latin typeface="Cambria Math" panose="02040503050406030204" pitchFamily="18" charset="0"/>
+                                      </a:rPr>
+                                      <m:t>𝑝</m:t>
+                                    </m:r>
+                                  </m:e>
+                                  <m:sub>
+                                    <m:r>
+                                      <a:rPr kumimoji="1" lang="en-US" altLang="zh-CN" b="0" i="1" smtClean="0">
+                                        <a:latin typeface="Cambria Math" panose="02040503050406030204" pitchFamily="18" charset="0"/>
+                                      </a:rPr>
+                                      <m:t>32</m:t>
+                                    </m:r>
+                                    <m:r>
+                                      <a:rPr kumimoji="1" lang="en-US" altLang="zh-CN" i="1">
+                                        <a:latin typeface="Cambria Math" panose="02040503050406030204" pitchFamily="18" charset="0"/>
+                                      </a:rPr>
+                                      <m:t>_</m:t>
+                                    </m:r>
+                                    <m:r>
+                                      <a:rPr kumimoji="1" lang="en-US" altLang="zh-CN" b="0" i="1" smtClean="0">
+                                        <a:latin typeface="Cambria Math" panose="02040503050406030204" pitchFamily="18" charset="0"/>
+                                      </a:rPr>
+                                      <m:t>2</m:t>
+                                    </m:r>
+                                  </m:sub>
+                                  <m:sup>
+                                    <m:r>
+                                      <a:rPr kumimoji="1" lang="en-US" altLang="zh-CN" i="1">
+                                        <a:latin typeface="Cambria Math" panose="02040503050406030204" pitchFamily="18" charset="0"/>
+                                      </a:rPr>
+                                      <m:t>′</m:t>
+                                    </m:r>
+                                  </m:sup>
+                                </m:sSubSup>
+                              </m:e>
+                              <m:e>
+                                <m:r>
+                                  <a:rPr lang="mr-IN" altLang="zh-CN" i="1" smtClean="0">
+                                    <a:solidFill>
+                                      <a:schemeClr val="tx1"/>
+                                    </a:solidFill>
+                                    <a:latin typeface="Cambria Math" charset="0"/>
+                                  </a:rPr>
+                                  <m:t>…</m:t>
+                                </m:r>
+                              </m:e>
+                              <m:e>
+                                <m:sSubSup>
+                                  <m:sSubSupPr>
+                                    <m:ctrlPr>
+                                      <a:rPr kumimoji="1" lang="mr-IN" altLang="zh-CN" i="1">
+                                        <a:latin typeface="Cambria Math" panose="02040503050406030204" pitchFamily="18" charset="0"/>
+                                      </a:rPr>
+                                    </m:ctrlPr>
+                                  </m:sSubSupPr>
+                                  <m:e>
+                                    <m:r>
+                                      <a:rPr kumimoji="1" lang="en-US" altLang="zh-CN" i="1">
+                                        <a:latin typeface="Cambria Math" panose="02040503050406030204" pitchFamily="18" charset="0"/>
+                                      </a:rPr>
+                                      <m:t>𝑝</m:t>
+                                    </m:r>
+                                  </m:e>
+                                  <m:sub>
+                                    <m:r>
+                                      <a:rPr kumimoji="1" lang="en-US" altLang="zh-CN" b="0" i="1" smtClean="0">
+                                        <a:latin typeface="Cambria Math" panose="02040503050406030204" pitchFamily="18" charset="0"/>
+                                      </a:rPr>
+                                      <m:t>32</m:t>
+                                    </m:r>
+                                    <m:r>
+                                      <a:rPr kumimoji="1" lang="en-US" altLang="zh-CN" i="1">
+                                        <a:latin typeface="Cambria Math" panose="02040503050406030204" pitchFamily="18" charset="0"/>
+                                      </a:rPr>
+                                      <m:t>_</m:t>
+                                    </m:r>
+                                    <m:r>
+                                      <a:rPr kumimoji="1" lang="en-US" altLang="zh-CN" b="0" i="1" smtClean="0">
+                                        <a:latin typeface="Cambria Math" panose="02040503050406030204" pitchFamily="18" charset="0"/>
+                                      </a:rPr>
+                                      <m:t>|</m:t>
+                                    </m:r>
+                                    <m:r>
+                                      <a:rPr kumimoji="1" lang="en-US" altLang="zh-CN" b="0" i="1" smtClean="0">
+                                        <a:latin typeface="Cambria Math" panose="02040503050406030204" pitchFamily="18" charset="0"/>
+                                      </a:rPr>
+                                      <m:t>𝑉</m:t>
+                                    </m:r>
+                                    <m:r>
+                                      <a:rPr kumimoji="1" lang="en-US" altLang="zh-CN" b="0" i="1" smtClean="0">
+                                        <a:latin typeface="Cambria Math" panose="02040503050406030204" pitchFamily="18" charset="0"/>
+                                      </a:rPr>
+                                      <m:t>|</m:t>
+                                    </m:r>
+                                  </m:sub>
+                                  <m:sup>
+                                    <m:r>
+                                      <a:rPr kumimoji="1" lang="en-US" altLang="zh-CN" i="1">
+                                        <a:latin typeface="Cambria Math" panose="02040503050406030204" pitchFamily="18" charset="0"/>
+                                      </a:rPr>
+                                      <m:t>′</m:t>
+                                    </m:r>
+                                  </m:sup>
+                                </m:sSubSup>
+                              </m:e>
+                            </m:mr>
+                          </m:m>
+                        </m:e>
+                      </m:d>
+                    </m:oMath>
+                  </m:oMathPara>
+                </a14:m>
+                <a:endParaRPr kumimoji="1" lang="zh-CN" altLang="en-US" dirty="0"/>
+              </a:p>
+            </p:txBody>
+          </p:sp>
+        </mc:Choice>
+        <mc:Fallback xmlns="">
+          <p:sp>
+            <p:nvSpPr>
+              <p:cNvPr id="72" name="文本框 71">
+                <a:extLst>
+                  <a:ext uri="{FF2B5EF4-FFF2-40B4-BE49-F238E27FC236}">
+                    <a16:creationId xmlns:a16="http://schemas.microsoft.com/office/drawing/2014/main" id="{63D8D681-C213-4331-9C0B-E3EB64BDB110}"/>
+                  </a:ext>
+                </a:extLst>
+              </p:cNvPr>
+              <p:cNvSpPr txBox="1">
+                <a:spLocks noRot="1" noChangeAspect="1" noMove="1" noResize="1" noEditPoints="1" noAdjustHandles="1" noChangeArrowheads="1" noChangeShapeType="1" noTextEdit="1"/>
+              </p:cNvSpPr>
+              <p:nvPr/>
+            </p:nvSpPr>
+            <p:spPr>
+              <a:xfrm>
+                <a:off x="8909421" y="4417751"/>
+                <a:ext cx="2710934" cy="1261949"/>
+              </a:xfrm>
+              <a:prstGeom prst="rect">
+                <a:avLst/>
+              </a:prstGeom>
+              <a:blipFill>
+                <a:blip r:embed="rId5"/>
+                <a:stretch>
+                  <a:fillRect b="-483"/>
+                </a:stretch>
+              </a:blipFill>
+            </p:spPr>
+            <p:txBody>
+              <a:bodyPr/>
+              <a:lstStyle/>
+              <a:p>
+                <a:r>
+                  <a:rPr lang="zh-CN" altLang="en-US">
+                    <a:noFill/>
+                  </a:rPr>
+                  <a:t> </a:t>
+                </a:r>
+              </a:p>
+            </p:txBody>
+          </p:sp>
+        </mc:Fallback>
+      </mc:AlternateContent>
+      <p:sp>
+        <p:nvSpPr>
+          <p:cNvPr id="73" name="矩形 72">
+            <a:extLst>
+              <a:ext uri="{FF2B5EF4-FFF2-40B4-BE49-F238E27FC236}">
+                <a16:creationId xmlns:a16="http://schemas.microsoft.com/office/drawing/2014/main" id="{5D59C31B-B6CC-46A3-9772-6BD307BD1DA8}"/>
+              </a:ext>
+            </a:extLst>
+          </p:cNvPr>
+          <p:cNvSpPr/>
+          <p:nvPr/>
+        </p:nvSpPr>
+        <p:spPr>
+          <a:xfrm>
+            <a:off x="8523641" y="3851948"/>
+            <a:ext cx="2098651" cy="369332"/>
+          </a:xfrm>
+          <a:prstGeom prst="rect">
+            <a:avLst/>
+          </a:prstGeom>
+        </p:spPr>
+        <p:txBody>
+          <a:bodyPr wrap="none">
+            <a:spAutoFit/>
+          </a:bodyPr>
+          <a:lstStyle/>
+          <a:p>
+            <a:r>
+              <a:rPr kumimoji="1" lang="zh-CN" altLang="en-US"/>
+              <a:t>预测词语概率分布</a:t>
+            </a:r>
+            <a:endParaRPr kumimoji="1" lang="zh-CN" altLang="en-US" dirty="0"/>
+          </a:p>
+        </p:txBody>
+      </p:sp>
+      <p:sp>
+        <p:nvSpPr>
+          <p:cNvPr id="74" name="矩形 73">
+            <a:extLst>
+              <a:ext uri="{FF2B5EF4-FFF2-40B4-BE49-F238E27FC236}">
+                <a16:creationId xmlns:a16="http://schemas.microsoft.com/office/drawing/2014/main" id="{A234CF54-440A-49DE-B562-9370D3DF9CEF}"/>
+              </a:ext>
+            </a:extLst>
+          </p:cNvPr>
+          <p:cNvSpPr/>
+          <p:nvPr/>
+        </p:nvSpPr>
+        <p:spPr>
+          <a:xfrm>
+            <a:off x="9250026" y="5774789"/>
+            <a:ext cx="2029723" cy="369332"/>
+          </a:xfrm>
+          <a:prstGeom prst="rect">
+            <a:avLst/>
+          </a:prstGeom>
+        </p:spPr>
+        <p:txBody>
+          <a:bodyPr wrap="none">
+            <a:spAutoFit/>
+          </a:bodyPr>
+          <a:lstStyle/>
+          <a:p>
+            <a:r>
+              <a:rPr lang="zh-CN" altLang="en-US" b="1">
+                <a:solidFill>
+                  <a:srgbClr val="FF0000"/>
+                </a:solidFill>
+              </a:rPr>
+              <a:t>T.nnet.softmax(u)</a:t>
+            </a:r>
+          </a:p>
+        </p:txBody>
+      </p:sp>
+      <p:cxnSp>
+        <p:nvCxnSpPr>
+          <p:cNvPr id="79" name="直接连接符 78">
+            <a:extLst>
+              <a:ext uri="{FF2B5EF4-FFF2-40B4-BE49-F238E27FC236}">
+                <a16:creationId xmlns:a16="http://schemas.microsoft.com/office/drawing/2014/main" id="{FBBE33B9-672F-4ED8-8595-3FF8E51AE56E}"/>
+              </a:ext>
+            </a:extLst>
+          </p:cNvPr>
+          <p:cNvCxnSpPr>
+            <a:cxnSpLocks/>
+            <a:stCxn id="60" idx="3"/>
+          </p:cNvCxnSpPr>
+          <p:nvPr/>
+        </p:nvCxnSpPr>
+        <p:spPr>
+          <a:xfrm>
+            <a:off x="10312425" y="2675390"/>
+            <a:ext cx="619735" cy="0"/>
+          </a:xfrm>
+          <a:prstGeom prst="line">
+            <a:avLst/>
+          </a:prstGeom>
+        </p:spPr>
+        <p:style>
+          <a:lnRef idx="3">
+            <a:schemeClr val="dk1"/>
+          </a:lnRef>
+          <a:fillRef idx="0">
+            <a:schemeClr val="dk1"/>
+          </a:fillRef>
+          <a:effectRef idx="2">
+            <a:schemeClr val="dk1"/>
+          </a:effectRef>
+          <a:fontRef idx="minor">
+            <a:schemeClr val="tx1"/>
+          </a:fontRef>
+        </p:style>
+      </p:cxnSp>
     </p:spTree>
     <p:extLst>
       <p:ext uri="{BB962C8B-B14F-4D97-AF65-F5344CB8AC3E}">
-        <p14:creationId xmlns:p14="http://schemas.microsoft.com/office/powerpoint/2010/main" val="2387309642"/>
+        <p14:creationId xmlns:p14="http://schemas.microsoft.com/office/powerpoint/2010/main" val="1843224594"/>
       </p:ext>
     </p:extLst>
   </p:cSld>
@@ -8870,7 +15339,7 @@
 </p:sld>
 </file>
 
-<file path=ppt/slides/slide4.xml><?xml version="1.0" encoding="utf-8"?>
+<file path=ppt/slides/slide8.xml><?xml version="1.0" encoding="utf-8"?>
 <p:sld xmlns:a="http://schemas.openxmlformats.org/drawingml/2006/main" xmlns:r="http://schemas.openxmlformats.org/officeDocument/2006/relationships" xmlns:p="http://schemas.openxmlformats.org/presentationml/2006/main">
   <p:cSld>
     <p:spTree>
@@ -8892,7 +15361,7 @@
           <p:cNvPr id="2" name="标题 1">
             <a:extLst>
               <a:ext uri="{FF2B5EF4-FFF2-40B4-BE49-F238E27FC236}">
-                <a16:creationId xmlns:a16="http://schemas.microsoft.com/office/drawing/2014/main" id="{DC2867FC-A7BD-47C4-9B50-AC791BD74D11}"/>
+                <a16:creationId xmlns:a16="http://schemas.microsoft.com/office/drawing/2014/main" id="{29A6C1A9-D67E-4BCD-8284-CAC5D8E4DB9F}"/>
               </a:ext>
             </a:extLst>
           </p:cNvPr>
@@ -8908,7 +15377,10 @@
           <a:bodyPr/>
           <a:lstStyle/>
           <a:p>
-            <a:endParaRPr lang="zh-CN" altLang="en-US"/>
+            <a:r>
+              <a:rPr lang="zh-CN" altLang="en-US"/>
+              <a:t>循环（递归）神经网络</a:t>
+            </a:r>
           </a:p>
         </p:txBody>
       </p:sp>
@@ -8917,7 +15389,7 @@
           <p:cNvPr id="3" name="内容占位符 2">
             <a:extLst>
               <a:ext uri="{FF2B5EF4-FFF2-40B4-BE49-F238E27FC236}">
-                <a16:creationId xmlns:a16="http://schemas.microsoft.com/office/drawing/2014/main" id="{41CBB58D-517C-4329-A9AF-0CF421A95258}"/>
+                <a16:creationId xmlns:a16="http://schemas.microsoft.com/office/drawing/2014/main" id="{8D3F952C-F824-4379-A735-F0DF26A7CE3E}"/>
               </a:ext>
             </a:extLst>
           </p:cNvPr>
@@ -8933,14 +15405,401 @@
           <a:bodyPr/>
           <a:lstStyle/>
           <a:p>
-            <a:endParaRPr lang="zh-CN" altLang="en-US"/>
+            <a:r>
+              <a:rPr lang="zh-CN" altLang="en-US"/>
+              <a:t>循环神经网络（</a:t>
+            </a:r>
+            <a:r>
+              <a:rPr lang="en-US" altLang="zh-CN"/>
+              <a:t>recurrent neural network</a:t>
+            </a:r>
+            <a:r>
+              <a:rPr lang="zh-CN" altLang="en-US"/>
+              <a:t>）或</a:t>
+            </a:r>
+            <a:r>
+              <a:rPr lang="en-US" altLang="zh-CN"/>
+              <a:t>RNN</a:t>
+            </a:r>
+            <a:r>
+              <a:rPr lang="zh-CN" altLang="en-US"/>
+              <a:t>（</a:t>
+            </a:r>
+            <a:r>
+              <a:rPr lang="en-US" altLang="zh-CN"/>
+              <a:t>Rumelhart et al. 1986c</a:t>
+            </a:r>
+            <a:r>
+              <a:rPr lang="zh-CN" altLang="en-US"/>
+              <a:t>）是一类处理序列的神经网络</a:t>
+            </a:r>
+            <a:endParaRPr lang="en-US" altLang="zh-CN"/>
+          </a:p>
+          <a:p>
+            <a:r>
+              <a:rPr lang="zh-CN" altLang="en-US"/>
+              <a:t>序列长度可以很长，也可以变长</a:t>
+            </a:r>
+            <a:endParaRPr lang="en-US" altLang="zh-CN"/>
+          </a:p>
+          <a:p>
+            <a:r>
+              <a:rPr lang="en-US" altLang="zh-CN"/>
+              <a:t>20</a:t>
+            </a:r>
+            <a:r>
+              <a:rPr lang="zh-CN" altLang="en-US"/>
+              <a:t>世纪</a:t>
+            </a:r>
+            <a:r>
+              <a:rPr lang="en-US" altLang="zh-CN"/>
+              <a:t>80</a:t>
+            </a:r>
+            <a:r>
+              <a:rPr lang="zh-CN" altLang="en-US"/>
+              <a:t>年代机器学习和统计模型思想：共享参数</a:t>
+            </a:r>
           </a:p>
         </p:txBody>
       </p:sp>
     </p:spTree>
     <p:extLst>
       <p:ext uri="{BB962C8B-B14F-4D97-AF65-F5344CB8AC3E}">
-        <p14:creationId xmlns:p14="http://schemas.microsoft.com/office/powerpoint/2010/main" val="3234766868"/>
+        <p14:creationId xmlns:p14="http://schemas.microsoft.com/office/powerpoint/2010/main" val="261352994"/>
+      </p:ext>
+    </p:extLst>
+  </p:cSld>
+  <p:clrMapOvr>
+    <a:masterClrMapping/>
+  </p:clrMapOvr>
+</p:sld>
+</file>
+
+<file path=ppt/slides/slide9.xml><?xml version="1.0" encoding="utf-8"?>
+<p:sld xmlns:a="http://schemas.openxmlformats.org/drawingml/2006/main" xmlns:r="http://schemas.openxmlformats.org/officeDocument/2006/relationships" xmlns:p="http://schemas.openxmlformats.org/presentationml/2006/main">
+  <p:cSld>
+    <p:spTree>
+      <p:nvGrpSpPr>
+        <p:cNvPr id="1" name=""/>
+        <p:cNvGrpSpPr/>
+        <p:nvPr/>
+      </p:nvGrpSpPr>
+      <p:grpSpPr>
+        <a:xfrm>
+          <a:off x="0" y="0"/>
+          <a:ext cx="0" cy="0"/>
+          <a:chOff x="0" y="0"/>
+          <a:chExt cx="0" cy="0"/>
+        </a:xfrm>
+      </p:grpSpPr>
+      <p:sp>
+        <p:nvSpPr>
+          <p:cNvPr id="2" name="标题 1">
+            <a:extLst>
+              <a:ext uri="{FF2B5EF4-FFF2-40B4-BE49-F238E27FC236}">
+                <a16:creationId xmlns:a16="http://schemas.microsoft.com/office/drawing/2014/main" id="{6EE917DB-5C37-477B-BD1E-C5B63E99B50F}"/>
+              </a:ext>
+            </a:extLst>
+          </p:cNvPr>
+          <p:cNvSpPr>
+            <a:spLocks noGrp="1"/>
+          </p:cNvSpPr>
+          <p:nvPr>
+            <p:ph type="title"/>
+          </p:nvPr>
+        </p:nvSpPr>
+        <p:spPr/>
+        <p:txBody>
+          <a:bodyPr/>
+          <a:lstStyle/>
+          <a:p>
+            <a:r>
+              <a:rPr lang="zh-CN" altLang="en-US"/>
+              <a:t>计算图与表达式</a:t>
+            </a:r>
+          </a:p>
+        </p:txBody>
+      </p:sp>
+      <mc:AlternateContent xmlns:mc="http://schemas.openxmlformats.org/markup-compatibility/2006">
+        <mc:Choice xmlns:a14="http://schemas.microsoft.com/office/drawing/2010/main" Requires="a14">
+          <p:sp>
+            <p:nvSpPr>
+              <p:cNvPr id="4" name="文本框 3">
+                <a:extLst>
+                  <a:ext uri="{FF2B5EF4-FFF2-40B4-BE49-F238E27FC236}">
+                    <a16:creationId xmlns:a16="http://schemas.microsoft.com/office/drawing/2014/main" id="{3FB83D19-EABC-417A-AC8D-1F68CF931B68}"/>
+                  </a:ext>
+                </a:extLst>
+              </p:cNvPr>
+              <p:cNvSpPr txBox="1"/>
+              <p:nvPr/>
+            </p:nvSpPr>
+            <p:spPr>
+              <a:xfrm>
+                <a:off x="1046376" y="1644977"/>
+                <a:ext cx="2316468" cy="295594"/>
+              </a:xfrm>
+              <a:prstGeom prst="rect">
+                <a:avLst/>
+              </a:prstGeom>
+              <a:noFill/>
+            </p:spPr>
+            <p:txBody>
+              <a:bodyPr wrap="none" lIns="0" tIns="0" rIns="0" bIns="0" rtlCol="0">
+                <a:spAutoFit/>
+              </a:bodyPr>
+              <a:lstStyle/>
+              <a:p>
+                <a14:m>
+                  <m:oMathPara xmlns:m="http://schemas.openxmlformats.org/officeDocument/2006/math">
+                    <m:oMathParaPr>
+                      <m:jc m:val="centerGroup"/>
+                    </m:oMathParaPr>
+                    <m:oMath xmlns:m="http://schemas.openxmlformats.org/officeDocument/2006/math">
+                      <m:sSup>
+                        <m:sSupPr>
+                          <m:ctrlPr>
+                            <a:rPr lang="en-US" altLang="zh-CN" i="1" smtClean="0">
+                              <a:latin typeface="Cambria Math" panose="02040503050406030204" pitchFamily="18" charset="0"/>
+                            </a:rPr>
+                          </m:ctrlPr>
+                        </m:sSupPr>
+                        <m:e>
+                          <m:r>
+                            <a:rPr lang="en-US" altLang="zh-CN" b="0" i="1" smtClean="0">
+                              <a:latin typeface="Cambria Math" panose="02040503050406030204" pitchFamily="18" charset="0"/>
+                            </a:rPr>
+                            <m:t>h</m:t>
+                          </m:r>
+                        </m:e>
+                        <m:sup>
+                          <m:r>
+                            <a:rPr lang="en-US" altLang="zh-CN" b="0" i="1" smtClean="0">
+                              <a:latin typeface="Cambria Math" panose="02040503050406030204" pitchFamily="18" charset="0"/>
+                            </a:rPr>
+                            <m:t>(</m:t>
+                          </m:r>
+                          <m:r>
+                            <a:rPr lang="en-US" altLang="zh-CN" b="0" i="1" smtClean="0">
+                              <a:latin typeface="Cambria Math" panose="02040503050406030204" pitchFamily="18" charset="0"/>
+                            </a:rPr>
+                            <m:t>𝑡</m:t>
+                          </m:r>
+                          <m:r>
+                            <a:rPr lang="en-US" altLang="zh-CN" b="0" i="1" smtClean="0">
+                              <a:latin typeface="Cambria Math" panose="02040503050406030204" pitchFamily="18" charset="0"/>
+                            </a:rPr>
+                            <m:t>)</m:t>
+                          </m:r>
+                        </m:sup>
+                      </m:sSup>
+                      <m:r>
+                        <a:rPr lang="en-US" altLang="zh-CN" b="0" i="1" smtClean="0">
+                          <a:latin typeface="Cambria Math" panose="02040503050406030204" pitchFamily="18" charset="0"/>
+                        </a:rPr>
+                        <m:t>=</m:t>
+                      </m:r>
+                      <m:r>
+                        <a:rPr lang="en-US" altLang="zh-CN" b="0" i="1" smtClean="0">
+                          <a:latin typeface="Cambria Math" panose="02040503050406030204" pitchFamily="18" charset="0"/>
+                        </a:rPr>
+                        <m:t>𝑓</m:t>
+                      </m:r>
+                      <m:r>
+                        <a:rPr lang="en-US" altLang="zh-CN" b="0" i="1" smtClean="0">
+                          <a:latin typeface="Cambria Math" panose="02040503050406030204" pitchFamily="18" charset="0"/>
+                        </a:rPr>
+                        <m:t>(</m:t>
+                      </m:r>
+                      <m:sSup>
+                        <m:sSupPr>
+                          <m:ctrlPr>
+                            <a:rPr lang="en-US" altLang="zh-CN" b="0" i="1" smtClean="0">
+                              <a:latin typeface="Cambria Math" panose="02040503050406030204" pitchFamily="18" charset="0"/>
+                            </a:rPr>
+                          </m:ctrlPr>
+                        </m:sSupPr>
+                        <m:e>
+                          <m:r>
+                            <a:rPr lang="en-US" altLang="zh-CN" b="0" i="1" smtClean="0">
+                              <a:latin typeface="Cambria Math" panose="02040503050406030204" pitchFamily="18" charset="0"/>
+                            </a:rPr>
+                            <m:t>h</m:t>
+                          </m:r>
+                        </m:e>
+                        <m:sup>
+                          <m:d>
+                            <m:dPr>
+                              <m:ctrlPr>
+                                <a:rPr lang="en-US" altLang="zh-CN" b="0" i="1" smtClean="0">
+                                  <a:latin typeface="Cambria Math" panose="02040503050406030204" pitchFamily="18" charset="0"/>
+                                </a:rPr>
+                              </m:ctrlPr>
+                            </m:dPr>
+                            <m:e>
+                              <m:r>
+                                <a:rPr lang="en-US" altLang="zh-CN" b="0" i="1" smtClean="0">
+                                  <a:latin typeface="Cambria Math" panose="02040503050406030204" pitchFamily="18" charset="0"/>
+                                </a:rPr>
+                                <m:t>𝑡</m:t>
+                              </m:r>
+                              <m:r>
+                                <a:rPr lang="en-US" altLang="zh-CN" b="0" i="1" smtClean="0">
+                                  <a:latin typeface="Cambria Math" panose="02040503050406030204" pitchFamily="18" charset="0"/>
+                                </a:rPr>
+                                <m:t>−1</m:t>
+                              </m:r>
+                            </m:e>
+                          </m:d>
+                        </m:sup>
+                      </m:sSup>
+                      <m:r>
+                        <a:rPr lang="en-US" altLang="zh-CN" b="0" i="1" smtClean="0">
+                          <a:latin typeface="Cambria Math" panose="02040503050406030204" pitchFamily="18" charset="0"/>
+                        </a:rPr>
+                        <m:t>,</m:t>
+                      </m:r>
+                      <m:sSup>
+                        <m:sSupPr>
+                          <m:ctrlPr>
+                            <a:rPr lang="en-US" altLang="zh-CN" b="0" i="1" smtClean="0">
+                              <a:latin typeface="Cambria Math" panose="02040503050406030204" pitchFamily="18" charset="0"/>
+                            </a:rPr>
+                          </m:ctrlPr>
+                        </m:sSupPr>
+                        <m:e>
+                          <m:r>
+                            <a:rPr lang="en-US" altLang="zh-CN" b="0" i="1" smtClean="0">
+                              <a:latin typeface="Cambria Math" panose="02040503050406030204" pitchFamily="18" charset="0"/>
+                            </a:rPr>
+                            <m:t>𝑥</m:t>
+                          </m:r>
+                        </m:e>
+                        <m:sup>
+                          <m:d>
+                            <m:dPr>
+                              <m:ctrlPr>
+                                <a:rPr lang="en-US" altLang="zh-CN" b="0" i="1" smtClean="0">
+                                  <a:latin typeface="Cambria Math" panose="02040503050406030204" pitchFamily="18" charset="0"/>
+                                </a:rPr>
+                              </m:ctrlPr>
+                            </m:dPr>
+                            <m:e>
+                              <m:r>
+                                <a:rPr lang="en-US" altLang="zh-CN" b="0" i="1" smtClean="0">
+                                  <a:latin typeface="Cambria Math" panose="02040503050406030204" pitchFamily="18" charset="0"/>
+                                </a:rPr>
+                                <m:t>𝑡</m:t>
+                              </m:r>
+                            </m:e>
+                          </m:d>
+                        </m:sup>
+                      </m:sSup>
+                      <m:r>
+                        <a:rPr lang="en-US" altLang="zh-CN" b="0" i="1" smtClean="0">
+                          <a:latin typeface="Cambria Math" panose="02040503050406030204" pitchFamily="18" charset="0"/>
+                        </a:rPr>
+                        <m:t>;</m:t>
+                      </m:r>
+                      <m:r>
+                        <a:rPr lang="zh-CN" altLang="en-US" b="0" i="1" smtClean="0">
+                          <a:latin typeface="Cambria Math" panose="02040503050406030204" pitchFamily="18" charset="0"/>
+                        </a:rPr>
+                        <m:t>𝜃</m:t>
+                      </m:r>
+                      <m:r>
+                        <a:rPr lang="en-US" altLang="zh-CN" b="0" i="1" smtClean="0">
+                          <a:latin typeface="Cambria Math" panose="02040503050406030204" pitchFamily="18" charset="0"/>
+                        </a:rPr>
+                        <m:t>)</m:t>
+                      </m:r>
+                    </m:oMath>
+                  </m:oMathPara>
+                </a14:m>
+                <a:endParaRPr lang="zh-CN" altLang="en-US"/>
+              </a:p>
+            </p:txBody>
+          </p:sp>
+        </mc:Choice>
+        <mc:Fallback>
+          <p:sp>
+            <p:nvSpPr>
+              <p:cNvPr id="4" name="文本框 3">
+                <a:extLst>
+                  <a:ext uri="{FF2B5EF4-FFF2-40B4-BE49-F238E27FC236}">
+                    <a16:creationId xmlns:a16="http://schemas.microsoft.com/office/drawing/2014/main" id="{3FB83D19-EABC-417A-AC8D-1F68CF931B68}"/>
+                  </a:ext>
+                </a:extLst>
+              </p:cNvPr>
+              <p:cNvSpPr txBox="1">
+                <a:spLocks noRot="1" noChangeAspect="1" noMove="1" noResize="1" noEditPoints="1" noAdjustHandles="1" noChangeArrowheads="1" noChangeShapeType="1" noTextEdit="1"/>
+              </p:cNvSpPr>
+              <p:nvPr/>
+            </p:nvSpPr>
+            <p:spPr>
+              <a:xfrm>
+                <a:off x="1046376" y="1644977"/>
+                <a:ext cx="2316468" cy="295594"/>
+              </a:xfrm>
+              <a:prstGeom prst="rect">
+                <a:avLst/>
+              </a:prstGeom>
+              <a:blipFill>
+                <a:blip r:embed="rId2"/>
+                <a:stretch>
+                  <a:fillRect l="-1842" t="-6250" r="-2895" b="-33333"/>
+                </a:stretch>
+              </a:blipFill>
+            </p:spPr>
+            <p:txBody>
+              <a:bodyPr/>
+              <a:lstStyle/>
+              <a:p>
+                <a:r>
+                  <a:rPr lang="zh-CN" altLang="en-US">
+                    <a:noFill/>
+                  </a:rPr>
+                  <a:t> </a:t>
+                </a:r>
+              </a:p>
+            </p:txBody>
+          </p:sp>
+        </mc:Fallback>
+      </mc:AlternateContent>
+      <p:pic>
+        <p:nvPicPr>
+          <p:cNvPr id="5" name="图片 4">
+            <a:extLst>
+              <a:ext uri="{FF2B5EF4-FFF2-40B4-BE49-F238E27FC236}">
+                <a16:creationId xmlns:a16="http://schemas.microsoft.com/office/drawing/2014/main" id="{F327A456-D8E3-4610-A70B-7117D5841043}"/>
+              </a:ext>
+            </a:extLst>
+          </p:cNvPr>
+          <p:cNvPicPr>
+            <a:picLocks noChangeAspect="1"/>
+          </p:cNvPicPr>
+          <p:nvPr/>
+        </p:nvPicPr>
+        <p:blipFill>
+          <a:blip r:embed="rId3"/>
+          <a:stretch>
+            <a:fillRect/>
+          </a:stretch>
+        </p:blipFill>
+        <p:spPr>
+          <a:xfrm>
+            <a:off x="1762125" y="2284286"/>
+            <a:ext cx="8667750" cy="2286000"/>
+          </a:xfrm>
+          <a:prstGeom prst="rect">
+            <a:avLst/>
+          </a:prstGeom>
+        </p:spPr>
+      </p:pic>
+    </p:spTree>
+    <p:extLst>
+      <p:ext uri="{BB962C8B-B14F-4D97-AF65-F5344CB8AC3E}">
+        <p14:creationId xmlns:p14="http://schemas.microsoft.com/office/powerpoint/2010/main" val="2728956733"/>
       </p:ext>
     </p:extLst>
   </p:cSld>

--- a/doc/20200122-文本分类技术及实践.pptx
+++ b/doc/20200122-文本分类技术及实践.pptx
@@ -274,7 +274,7 @@
           <a:p>
             <a:fld id="{65BFEE23-552E-4128-BB8B-C4EF985F788B}" type="datetimeFigureOut">
               <a:rPr lang="zh-CN" altLang="en-US" smtClean="0"/>
-              <a:t>2020/1/26</a:t>
+              <a:t>2020/1/27</a:t>
             </a:fld>
             <a:endParaRPr lang="zh-CN" altLang="en-US"/>
           </a:p>
@@ -472,7 +472,7 @@
           <a:p>
             <a:fld id="{65BFEE23-552E-4128-BB8B-C4EF985F788B}" type="datetimeFigureOut">
               <a:rPr lang="zh-CN" altLang="en-US" smtClean="0"/>
-              <a:t>2020/1/26</a:t>
+              <a:t>2020/1/27</a:t>
             </a:fld>
             <a:endParaRPr lang="zh-CN" altLang="en-US"/>
           </a:p>
@@ -680,7 +680,7 @@
           <a:p>
             <a:fld id="{65BFEE23-552E-4128-BB8B-C4EF985F788B}" type="datetimeFigureOut">
               <a:rPr lang="zh-CN" altLang="en-US" smtClean="0"/>
-              <a:t>2020/1/26</a:t>
+              <a:t>2020/1/27</a:t>
             </a:fld>
             <a:endParaRPr lang="zh-CN" altLang="en-US"/>
           </a:p>
@@ -878,7 +878,7 @@
           <a:p>
             <a:fld id="{65BFEE23-552E-4128-BB8B-C4EF985F788B}" type="datetimeFigureOut">
               <a:rPr lang="zh-CN" altLang="en-US" smtClean="0"/>
-              <a:t>2020/1/26</a:t>
+              <a:t>2020/1/27</a:t>
             </a:fld>
             <a:endParaRPr lang="zh-CN" altLang="en-US"/>
           </a:p>
@@ -1157,7 +1157,7 @@
           <a:p>
             <a:fld id="{65BFEE23-552E-4128-BB8B-C4EF985F788B}" type="datetimeFigureOut">
               <a:rPr lang="zh-CN" altLang="en-US" smtClean="0"/>
-              <a:t>2020/1/26</a:t>
+              <a:t>2020/1/27</a:t>
             </a:fld>
             <a:endParaRPr lang="zh-CN" altLang="en-US"/>
           </a:p>
@@ -1422,7 +1422,7 @@
           <a:p>
             <a:fld id="{65BFEE23-552E-4128-BB8B-C4EF985F788B}" type="datetimeFigureOut">
               <a:rPr lang="zh-CN" altLang="en-US" smtClean="0"/>
-              <a:t>2020/1/26</a:t>
+              <a:t>2020/1/27</a:t>
             </a:fld>
             <a:endParaRPr lang="zh-CN" altLang="en-US"/>
           </a:p>
@@ -1834,7 +1834,7 @@
           <a:p>
             <a:fld id="{65BFEE23-552E-4128-BB8B-C4EF985F788B}" type="datetimeFigureOut">
               <a:rPr lang="zh-CN" altLang="en-US" smtClean="0"/>
-              <a:t>2020/1/26</a:t>
+              <a:t>2020/1/27</a:t>
             </a:fld>
             <a:endParaRPr lang="zh-CN" altLang="en-US"/>
           </a:p>
@@ -1975,7 +1975,7 @@
           <a:p>
             <a:fld id="{65BFEE23-552E-4128-BB8B-C4EF985F788B}" type="datetimeFigureOut">
               <a:rPr lang="zh-CN" altLang="en-US" smtClean="0"/>
-              <a:t>2020/1/26</a:t>
+              <a:t>2020/1/27</a:t>
             </a:fld>
             <a:endParaRPr lang="zh-CN" altLang="en-US"/>
           </a:p>
@@ -2088,7 +2088,7 @@
           <a:p>
             <a:fld id="{65BFEE23-552E-4128-BB8B-C4EF985F788B}" type="datetimeFigureOut">
               <a:rPr lang="zh-CN" altLang="en-US" smtClean="0"/>
-              <a:t>2020/1/26</a:t>
+              <a:t>2020/1/27</a:t>
             </a:fld>
             <a:endParaRPr lang="zh-CN" altLang="en-US"/>
           </a:p>
@@ -2399,7 +2399,7 @@
           <a:p>
             <a:fld id="{65BFEE23-552E-4128-BB8B-C4EF985F788B}" type="datetimeFigureOut">
               <a:rPr lang="zh-CN" altLang="en-US" smtClean="0"/>
-              <a:t>2020/1/26</a:t>
+              <a:t>2020/1/27</a:t>
             </a:fld>
             <a:endParaRPr lang="zh-CN" altLang="en-US"/>
           </a:p>
@@ -2687,7 +2687,7 @@
           <a:p>
             <a:fld id="{65BFEE23-552E-4128-BB8B-C4EF985F788B}" type="datetimeFigureOut">
               <a:rPr lang="zh-CN" altLang="en-US" smtClean="0"/>
-              <a:t>2020/1/26</a:t>
+              <a:t>2020/1/27</a:t>
             </a:fld>
             <a:endParaRPr lang="zh-CN" altLang="en-US"/>
           </a:p>
@@ -2928,7 +2928,7 @@
           <a:p>
             <a:fld id="{65BFEE23-552E-4128-BB8B-C4EF985F788B}" type="datetimeFigureOut">
               <a:rPr lang="zh-CN" altLang="en-US" smtClean="0"/>
-              <a:t>2020/1/26</a:t>
+              <a:t>2020/1/27</a:t>
             </a:fld>
             <a:endParaRPr lang="zh-CN" altLang="en-US"/>
           </a:p>
@@ -12855,8 +12855,8 @@
           </p:sp>
         </mc:Fallback>
       </mc:AlternateContent>
-      <mc:AlternateContent xmlns:mc="http://schemas.openxmlformats.org/markup-compatibility/2006" xmlns:a14="http://schemas.microsoft.com/office/drawing/2010/main">
-        <mc:Choice Requires="a14">
+      <mc:AlternateContent xmlns:mc="http://schemas.openxmlformats.org/markup-compatibility/2006">
+        <mc:Choice xmlns:a14="http://schemas.microsoft.com/office/drawing/2010/main" Requires="a14">
           <p:sp>
             <p:nvSpPr>
               <p:cNvPr id="4" name="文本框 3">
@@ -12950,24 +12950,24 @@
                                       </m:mPr>
                                       <m:mr>
                                         <m:e>
-                                          <m:acc>
-                                            <m:accPr>
-                                              <m:chr m:val="̅"/>
+                                          <m:sSub>
+                                            <m:sSubPr>
                                               <m:ctrlPr>
                                                 <a:rPr lang="en-US" altLang="zh-CN" i="1" smtClean="0">
                                                   <a:latin typeface="Cambria Math" panose="02040503050406030204" pitchFamily="18" charset="0"/>
                                                 </a:rPr>
                                               </m:ctrlPr>
-                                            </m:accPr>
+                                            </m:sSubPr>
                                             <m:e>
-                                              <m:sSub>
-                                                <m:sSubPr>
+                                              <m:acc>
+                                                <m:accPr>
+                                                  <m:chr m:val="̅"/>
                                                   <m:ctrlPr>
                                                     <a:rPr lang="en-US" altLang="zh-CN" i="1" smtClean="0">
                                                       <a:latin typeface="Cambria Math" panose="02040503050406030204" pitchFamily="18" charset="0"/>
                                                     </a:rPr>
                                                   </m:ctrlPr>
-                                                </m:sSubPr>
+                                                </m:accPr>
                                                 <m:e>
                                                   <m:r>
                                                     <a:rPr lang="en-US" altLang="zh-CN" b="0" i="1" smtClean="0">
@@ -12976,37 +12976,37 @@
                                                     <m:t>𝑣</m:t>
                                                   </m:r>
                                                 </m:e>
-                                                <m:sub>
-                                                  <m:r>
-                                                    <a:rPr lang="en-US" altLang="zh-CN" b="0" i="1" smtClean="0">
-                                                      <a:latin typeface="Cambria Math" panose="02040503050406030204" pitchFamily="18" charset="0"/>
-                                                    </a:rPr>
-                                                    <m:t>1_1</m:t>
-                                                  </m:r>
-                                                </m:sub>
-                                              </m:sSub>
+                                              </m:acc>
                                             </m:e>
-                                          </m:acc>
+                                            <m:sub>
+                                              <m:r>
+                                                <a:rPr lang="en-US" altLang="zh-CN" b="0" i="1" smtClean="0">
+                                                  <a:latin typeface="Cambria Math" panose="02040503050406030204" pitchFamily="18" charset="0"/>
+                                                </a:rPr>
+                                                <m:t>1_1</m:t>
+                                              </m:r>
+                                            </m:sub>
+                                          </m:sSub>
                                         </m:e>
                                         <m:e>
-                                          <m:acc>
-                                            <m:accPr>
-                                              <m:chr m:val="̅"/>
+                                          <m:sSub>
+                                            <m:sSubPr>
                                               <m:ctrlPr>
                                                 <a:rPr lang="en-US" altLang="zh-CN" i="1">
                                                   <a:latin typeface="Cambria Math" panose="02040503050406030204" pitchFamily="18" charset="0"/>
                                                 </a:rPr>
                                               </m:ctrlPr>
-                                            </m:accPr>
+                                            </m:sSubPr>
                                             <m:e>
-                                              <m:sSub>
-                                                <m:sSubPr>
+                                              <m:acc>
+                                                <m:accPr>
+                                                  <m:chr m:val="̅"/>
                                                   <m:ctrlPr>
                                                     <a:rPr lang="en-US" altLang="zh-CN" i="1">
                                                       <a:latin typeface="Cambria Math" panose="02040503050406030204" pitchFamily="18" charset="0"/>
                                                     </a:rPr>
                                                   </m:ctrlPr>
-                                                </m:sSubPr>
+                                                </m:accPr>
                                                 <m:e>
                                                   <m:r>
                                                     <a:rPr lang="en-US" altLang="zh-CN" i="1">
@@ -13015,23 +13015,23 @@
                                                     <m:t>𝑣</m:t>
                                                   </m:r>
                                                 </m:e>
-                                                <m:sub>
-                                                  <m:r>
-                                                    <a:rPr lang="en-US" altLang="zh-CN" i="1">
-                                                      <a:latin typeface="Cambria Math" panose="02040503050406030204" pitchFamily="18" charset="0"/>
-                                                    </a:rPr>
-                                                    <m:t>1_</m:t>
-                                                  </m:r>
-                                                  <m:r>
-                                                    <a:rPr lang="en-US" altLang="zh-CN" b="0" i="1" smtClean="0">
-                                                      <a:latin typeface="Cambria Math" panose="02040503050406030204" pitchFamily="18" charset="0"/>
-                                                    </a:rPr>
-                                                    <m:t>2</m:t>
-                                                  </m:r>
-                                                </m:sub>
-                                              </m:sSub>
+                                              </m:acc>
                                             </m:e>
-                                          </m:acc>
+                                            <m:sub>
+                                              <m:r>
+                                                <a:rPr lang="en-US" altLang="zh-CN" i="1">
+                                                  <a:latin typeface="Cambria Math" panose="02040503050406030204" pitchFamily="18" charset="0"/>
+                                                </a:rPr>
+                                                <m:t>1_</m:t>
+                                              </m:r>
+                                              <m:r>
+                                                <a:rPr lang="en-US" altLang="zh-CN" b="0" i="1" smtClean="0">
+                                                  <a:latin typeface="Cambria Math" panose="02040503050406030204" pitchFamily="18" charset="0"/>
+                                                </a:rPr>
+                                                <m:t>2</m:t>
+                                              </m:r>
+                                            </m:sub>
+                                          </m:sSub>
                                         </m:e>
                                         <m:e>
                                           <m:r>
@@ -13042,24 +13042,24 @@
                                           </m:r>
                                         </m:e>
                                         <m:e>
-                                          <m:acc>
-                                            <m:accPr>
-                                              <m:chr m:val="̅"/>
+                                          <m:sSub>
+                                            <m:sSubPr>
                                               <m:ctrlPr>
                                                 <a:rPr lang="en-US" altLang="zh-CN" i="1">
                                                   <a:latin typeface="Cambria Math" panose="02040503050406030204" pitchFamily="18" charset="0"/>
                                                 </a:rPr>
                                               </m:ctrlPr>
-                                            </m:accPr>
+                                            </m:sSubPr>
                                             <m:e>
-                                              <m:sSub>
-                                                <m:sSubPr>
+                                              <m:acc>
+                                                <m:accPr>
+                                                  <m:chr m:val="̅"/>
                                                   <m:ctrlPr>
                                                     <a:rPr lang="en-US" altLang="zh-CN" i="1">
                                                       <a:latin typeface="Cambria Math" panose="02040503050406030204" pitchFamily="18" charset="0"/>
                                                     </a:rPr>
                                                   </m:ctrlPr>
-                                                </m:sSubPr>
+                                                </m:accPr>
                                                 <m:e>
                                                   <m:r>
                                                     <a:rPr lang="en-US" altLang="zh-CN" i="1">
@@ -13068,23 +13068,23 @@
                                                     <m:t>𝑣</m:t>
                                                   </m:r>
                                                 </m:e>
-                                                <m:sub>
-                                                  <m:r>
-                                                    <a:rPr lang="en-US" altLang="zh-CN" i="1">
-                                                      <a:latin typeface="Cambria Math" panose="02040503050406030204" pitchFamily="18" charset="0"/>
-                                                    </a:rPr>
-                                                    <m:t>1_1</m:t>
-                                                  </m:r>
-                                                  <m:r>
-                                                    <a:rPr lang="en-US" altLang="zh-CN" b="0" i="1" smtClean="0">
-                                                      <a:latin typeface="Cambria Math" panose="02040503050406030204" pitchFamily="18" charset="0"/>
-                                                    </a:rPr>
-                                                    <m:t>28</m:t>
-                                                  </m:r>
-                                                </m:sub>
-                                              </m:sSub>
+                                              </m:acc>
                                             </m:e>
-                                          </m:acc>
+                                            <m:sub>
+                                              <m:r>
+                                                <a:rPr lang="en-US" altLang="zh-CN" i="1">
+                                                  <a:latin typeface="Cambria Math" panose="02040503050406030204" pitchFamily="18" charset="0"/>
+                                                </a:rPr>
+                                                <m:t>1_1</m:t>
+                                              </m:r>
+                                              <m:r>
+                                                <a:rPr lang="en-US" altLang="zh-CN" b="0" i="1" smtClean="0">
+                                                  <a:latin typeface="Cambria Math" panose="02040503050406030204" pitchFamily="18" charset="0"/>
+                                                </a:rPr>
+                                                <m:t>28</m:t>
+                                              </m:r>
+                                            </m:sub>
+                                          </m:sSub>
                                         </m:e>
                                       </m:mr>
                                     </m:m>
@@ -13123,24 +13123,24 @@
                                       </m:mPr>
                                       <m:mr>
                                         <m:e>
-                                          <m:acc>
-                                            <m:accPr>
-                                              <m:chr m:val="̅"/>
+                                          <m:sSub>
+                                            <m:sSubPr>
                                               <m:ctrlPr>
                                                 <a:rPr lang="en-US" altLang="zh-CN" i="1">
                                                   <a:latin typeface="Cambria Math" panose="02040503050406030204" pitchFamily="18" charset="0"/>
                                                 </a:rPr>
                                               </m:ctrlPr>
-                                            </m:accPr>
+                                            </m:sSubPr>
                                             <m:e>
-                                              <m:sSub>
-                                                <m:sSubPr>
+                                              <m:acc>
+                                                <m:accPr>
+                                                  <m:chr m:val="̅"/>
                                                   <m:ctrlPr>
                                                     <a:rPr lang="en-US" altLang="zh-CN" i="1">
                                                       <a:latin typeface="Cambria Math" panose="02040503050406030204" pitchFamily="18" charset="0"/>
                                                     </a:rPr>
                                                   </m:ctrlPr>
-                                                </m:sSubPr>
+                                                </m:accPr>
                                                 <m:e>
                                                   <m:r>
                                                     <a:rPr lang="en-US" altLang="zh-CN" i="1">
@@ -13149,43 +13149,43 @@
                                                     <m:t>𝑣</m:t>
                                                   </m:r>
                                                 </m:e>
-                                                <m:sub>
-                                                  <m:r>
-                                                    <a:rPr lang="en-US" altLang="zh-CN" b="0" i="1" smtClean="0">
-                                                      <a:latin typeface="Cambria Math" panose="02040503050406030204" pitchFamily="18" charset="0"/>
-                                                    </a:rPr>
-                                                    <m:t>2</m:t>
-                                                  </m:r>
-                                                  <m:r>
-                                                    <a:rPr lang="en-US" altLang="zh-CN" i="1">
-                                                      <a:latin typeface="Cambria Math" panose="02040503050406030204" pitchFamily="18" charset="0"/>
-                                                    </a:rPr>
-                                                    <m:t>_1</m:t>
-                                                  </m:r>
-                                                </m:sub>
-                                              </m:sSub>
+                                              </m:acc>
                                             </m:e>
-                                          </m:acc>
+                                            <m:sub>
+                                              <m:r>
+                                                <a:rPr lang="en-US" altLang="zh-CN" b="0" i="1" smtClean="0">
+                                                  <a:latin typeface="Cambria Math" panose="02040503050406030204" pitchFamily="18" charset="0"/>
+                                                </a:rPr>
+                                                <m:t>2</m:t>
+                                              </m:r>
+                                              <m:r>
+                                                <a:rPr lang="en-US" altLang="zh-CN" i="1">
+                                                  <a:latin typeface="Cambria Math" panose="02040503050406030204" pitchFamily="18" charset="0"/>
+                                                </a:rPr>
+                                                <m:t>_1</m:t>
+                                              </m:r>
+                                            </m:sub>
+                                          </m:sSub>
                                         </m:e>
                                         <m:e>
-                                          <m:acc>
-                                            <m:accPr>
-                                              <m:chr m:val="̅"/>
+                                          <m:sSub>
+                                            <m:sSubPr>
                                               <m:ctrlPr>
                                                 <a:rPr lang="en-US" altLang="zh-CN" i="1">
                                                   <a:latin typeface="Cambria Math" panose="02040503050406030204" pitchFamily="18" charset="0"/>
                                                 </a:rPr>
                                               </m:ctrlPr>
-                                            </m:accPr>
+                                            </m:sSubPr>
                                             <m:e>
-                                              <m:sSub>
-                                                <m:sSubPr>
+                                              <m:acc>
+                                                <m:accPr>
+                                                  <m:chr m:val="̅"/>
                                                   <m:ctrlPr>
                                                     <a:rPr lang="en-US" altLang="zh-CN" i="1">
                                                       <a:latin typeface="Cambria Math" panose="02040503050406030204" pitchFamily="18" charset="0"/>
                                                     </a:rPr>
                                                   </m:ctrlPr>
-                                                </m:sSubPr>
+                                                </m:accPr>
                                                 <m:e>
                                                   <m:r>
                                                     <a:rPr lang="en-US" altLang="zh-CN" i="1">
@@ -13194,29 +13194,29 @@
                                                     <m:t>𝑣</m:t>
                                                   </m:r>
                                                 </m:e>
-                                                <m:sub>
-                                                  <m:r>
-                                                    <a:rPr lang="en-US" altLang="zh-CN" b="0" i="1" smtClean="0">
-                                                      <a:latin typeface="Cambria Math" panose="02040503050406030204" pitchFamily="18" charset="0"/>
-                                                    </a:rPr>
-                                                    <m:t>2</m:t>
-                                                  </m:r>
-                                                  <m:r>
-                                                    <a:rPr lang="en-US" altLang="zh-CN" i="1">
-                                                      <a:latin typeface="Cambria Math" panose="02040503050406030204" pitchFamily="18" charset="0"/>
-                                                    </a:rPr>
-                                                    <m:t>_</m:t>
-                                                  </m:r>
-                                                  <m:r>
-                                                    <a:rPr lang="en-US" altLang="zh-CN" b="0" i="1" smtClean="0">
-                                                      <a:latin typeface="Cambria Math" panose="02040503050406030204" pitchFamily="18" charset="0"/>
-                                                    </a:rPr>
-                                                    <m:t>2</m:t>
-                                                  </m:r>
-                                                </m:sub>
-                                              </m:sSub>
+                                              </m:acc>
                                             </m:e>
-                                          </m:acc>
+                                            <m:sub>
+                                              <m:r>
+                                                <a:rPr lang="en-US" altLang="zh-CN" b="0" i="1" smtClean="0">
+                                                  <a:latin typeface="Cambria Math" panose="02040503050406030204" pitchFamily="18" charset="0"/>
+                                                </a:rPr>
+                                                <m:t>2</m:t>
+                                              </m:r>
+                                              <m:r>
+                                                <a:rPr lang="en-US" altLang="zh-CN" i="1">
+                                                  <a:latin typeface="Cambria Math" panose="02040503050406030204" pitchFamily="18" charset="0"/>
+                                                </a:rPr>
+                                                <m:t>_</m:t>
+                                              </m:r>
+                                              <m:r>
+                                                <a:rPr lang="en-US" altLang="zh-CN" b="0" i="1" smtClean="0">
+                                                  <a:latin typeface="Cambria Math" panose="02040503050406030204" pitchFamily="18" charset="0"/>
+                                                </a:rPr>
+                                                <m:t>2</m:t>
+                                              </m:r>
+                                            </m:sub>
+                                          </m:sSub>
                                         </m:e>
                                         <m:e>
                                           <m:r>
@@ -13227,24 +13227,24 @@
                                           </m:r>
                                         </m:e>
                                         <m:e>
-                                          <m:acc>
-                                            <m:accPr>
-                                              <m:chr m:val="̅"/>
+                                          <m:sSub>
+                                            <m:sSubPr>
                                               <m:ctrlPr>
                                                 <a:rPr lang="en-US" altLang="zh-CN" i="1">
                                                   <a:latin typeface="Cambria Math" panose="02040503050406030204" pitchFamily="18" charset="0"/>
                                                 </a:rPr>
                                               </m:ctrlPr>
-                                            </m:accPr>
+                                            </m:sSubPr>
                                             <m:e>
-                                              <m:sSub>
-                                                <m:sSubPr>
+                                              <m:acc>
+                                                <m:accPr>
+                                                  <m:chr m:val="̅"/>
                                                   <m:ctrlPr>
                                                     <a:rPr lang="en-US" altLang="zh-CN" i="1">
                                                       <a:latin typeface="Cambria Math" panose="02040503050406030204" pitchFamily="18" charset="0"/>
                                                     </a:rPr>
                                                   </m:ctrlPr>
-                                                </m:sSubPr>
+                                                </m:accPr>
                                                 <m:e>
                                                   <m:r>
                                                     <a:rPr lang="en-US" altLang="zh-CN" i="1">
@@ -13253,29 +13253,29 @@
                                                     <m:t>𝑣</m:t>
                                                   </m:r>
                                                 </m:e>
-                                                <m:sub>
-                                                  <m:r>
-                                                    <a:rPr lang="en-US" altLang="zh-CN" b="0" i="1" smtClean="0">
-                                                      <a:latin typeface="Cambria Math" panose="02040503050406030204" pitchFamily="18" charset="0"/>
-                                                    </a:rPr>
-                                                    <m:t>2</m:t>
-                                                  </m:r>
-                                                  <m:r>
-                                                    <a:rPr lang="en-US" altLang="zh-CN" i="1">
-                                                      <a:latin typeface="Cambria Math" panose="02040503050406030204" pitchFamily="18" charset="0"/>
-                                                    </a:rPr>
-                                                    <m:t>_1</m:t>
-                                                  </m:r>
-                                                  <m:r>
-                                                    <a:rPr lang="en-US" altLang="zh-CN" b="0" i="1" smtClean="0">
-                                                      <a:latin typeface="Cambria Math" panose="02040503050406030204" pitchFamily="18" charset="0"/>
-                                                    </a:rPr>
-                                                    <m:t>28</m:t>
-                                                  </m:r>
-                                                </m:sub>
-                                              </m:sSub>
+                                              </m:acc>
                                             </m:e>
-                                          </m:acc>
+                                            <m:sub>
+                                              <m:r>
+                                                <a:rPr lang="en-US" altLang="zh-CN" b="0" i="1" smtClean="0">
+                                                  <a:latin typeface="Cambria Math" panose="02040503050406030204" pitchFamily="18" charset="0"/>
+                                                </a:rPr>
+                                                <m:t>2</m:t>
+                                              </m:r>
+                                              <m:r>
+                                                <a:rPr lang="en-US" altLang="zh-CN" i="1">
+                                                  <a:latin typeface="Cambria Math" panose="02040503050406030204" pitchFamily="18" charset="0"/>
+                                                </a:rPr>
+                                                <m:t>_1</m:t>
+                                              </m:r>
+                                              <m:r>
+                                                <a:rPr lang="en-US" altLang="zh-CN" b="0" i="1" smtClean="0">
+                                                  <a:latin typeface="Cambria Math" panose="02040503050406030204" pitchFamily="18" charset="0"/>
+                                                </a:rPr>
+                                                <m:t>28</m:t>
+                                              </m:r>
+                                            </m:sub>
+                                          </m:sSub>
                                         </m:e>
                                       </m:mr>
                                     </m:m>
@@ -13324,24 +13324,24 @@
                                       </m:mPr>
                                       <m:mr>
                                         <m:e>
-                                          <m:acc>
-                                            <m:accPr>
-                                              <m:chr m:val="̅"/>
+                                          <m:sSub>
+                                            <m:sSubPr>
                                               <m:ctrlPr>
                                                 <a:rPr lang="en-US" altLang="zh-CN" i="1">
                                                   <a:latin typeface="Cambria Math" panose="02040503050406030204" pitchFamily="18" charset="0"/>
                                                 </a:rPr>
                                               </m:ctrlPr>
-                                            </m:accPr>
+                                            </m:sSubPr>
                                             <m:e>
-                                              <m:sSub>
-                                                <m:sSubPr>
+                                              <m:acc>
+                                                <m:accPr>
+                                                  <m:chr m:val="̅"/>
                                                   <m:ctrlPr>
                                                     <a:rPr lang="en-US" altLang="zh-CN" i="1">
                                                       <a:latin typeface="Cambria Math" panose="02040503050406030204" pitchFamily="18" charset="0"/>
                                                     </a:rPr>
                                                   </m:ctrlPr>
-                                                </m:sSubPr>
+                                                </m:accPr>
                                                 <m:e>
                                                   <m:r>
                                                     <a:rPr lang="en-US" altLang="zh-CN" i="1">
@@ -13350,43 +13350,49 @@
                                                     <m:t>𝑣</m:t>
                                                   </m:r>
                                                 </m:e>
-                                                <m:sub>
-                                                  <m:r>
-                                                    <a:rPr lang="en-US" altLang="zh-CN" b="0" i="1" smtClean="0">
-                                                      <a:latin typeface="Cambria Math" panose="02040503050406030204" pitchFamily="18" charset="0"/>
-                                                    </a:rPr>
-                                                    <m:t>32</m:t>
-                                                  </m:r>
-                                                  <m:r>
-                                                    <a:rPr lang="en-US" altLang="zh-CN" i="1">
-                                                      <a:latin typeface="Cambria Math" panose="02040503050406030204" pitchFamily="18" charset="0"/>
-                                                    </a:rPr>
-                                                    <m:t>_1</m:t>
-                                                  </m:r>
-                                                </m:sub>
-                                              </m:sSub>
+                                              </m:acc>
                                             </m:e>
-                                          </m:acc>
+                                            <m:sub>
+                                              <m:r>
+                                                <a:rPr lang="en-US" altLang="zh-CN" b="0" i="1" smtClean="0">
+                                                  <a:latin typeface="Cambria Math" panose="02040503050406030204" pitchFamily="18" charset="0"/>
+                                                </a:rPr>
+                                                <m:t>32</m:t>
+                                              </m:r>
+                                              <m:r>
+                                                <a:rPr lang="en-US" altLang="zh-CN" i="1">
+                                                  <a:latin typeface="Cambria Math" panose="02040503050406030204" pitchFamily="18" charset="0"/>
+                                                </a:rPr>
+                                                <m:t>_</m:t>
+                                              </m:r>
+                                              <m:r>
+                                                <a:rPr lang="en-US" altLang="zh-CN" b="0" i="1" smtClean="0">
+                                                  <a:latin typeface="Cambria Math" panose="02040503050406030204" pitchFamily="18" charset="0"/>
+                                                </a:rPr>
+                                                <m:t>1</m:t>
+                                              </m:r>
+                                            </m:sub>
+                                          </m:sSub>
                                         </m:e>
                                         <m:e>
-                                          <m:acc>
-                                            <m:accPr>
-                                              <m:chr m:val="̅"/>
+                                          <m:sSub>
+                                            <m:sSubPr>
                                               <m:ctrlPr>
                                                 <a:rPr lang="en-US" altLang="zh-CN" i="1">
                                                   <a:latin typeface="Cambria Math" panose="02040503050406030204" pitchFamily="18" charset="0"/>
                                                 </a:rPr>
                                               </m:ctrlPr>
-                                            </m:accPr>
+                                            </m:sSubPr>
                                             <m:e>
-                                              <m:sSub>
-                                                <m:sSubPr>
+                                              <m:acc>
+                                                <m:accPr>
+                                                  <m:chr m:val="̅"/>
                                                   <m:ctrlPr>
                                                     <a:rPr lang="en-US" altLang="zh-CN" i="1">
                                                       <a:latin typeface="Cambria Math" panose="02040503050406030204" pitchFamily="18" charset="0"/>
                                                     </a:rPr>
                                                   </m:ctrlPr>
-                                                </m:sSubPr>
+                                                </m:accPr>
                                                 <m:e>
                                                   <m:r>
                                                     <a:rPr lang="en-US" altLang="zh-CN" i="1">
@@ -13395,23 +13401,29 @@
                                                     <m:t>𝑣</m:t>
                                                   </m:r>
                                                 </m:e>
-                                                <m:sub>
-                                                  <m:r>
-                                                    <a:rPr lang="en-US" altLang="zh-CN" b="0" i="1" smtClean="0">
-                                                      <a:latin typeface="Cambria Math" panose="02040503050406030204" pitchFamily="18" charset="0"/>
-                                                    </a:rPr>
-                                                    <m:t>32</m:t>
-                                                  </m:r>
-                                                  <m:r>
-                                                    <a:rPr lang="en-US" altLang="zh-CN" i="1">
-                                                      <a:latin typeface="Cambria Math" panose="02040503050406030204" pitchFamily="18" charset="0"/>
-                                                    </a:rPr>
-                                                    <m:t>_1</m:t>
-                                                  </m:r>
-                                                </m:sub>
-                                              </m:sSub>
+                                              </m:acc>
                                             </m:e>
-                                          </m:acc>
+                                            <m:sub>
+                                              <m:r>
+                                                <a:rPr lang="en-US" altLang="zh-CN" b="0" i="1" smtClean="0">
+                                                  <a:latin typeface="Cambria Math" panose="02040503050406030204" pitchFamily="18" charset="0"/>
+                                                </a:rPr>
+                                                <m:t>32</m:t>
+                                              </m:r>
+                                              <m:r>
+                                                <a:rPr lang="en-US" altLang="zh-CN" i="1">
+                                                  <a:latin typeface="Cambria Math" panose="02040503050406030204" pitchFamily="18" charset="0"/>
+                                                </a:rPr>
+                                                <m:t>_</m:t>
+                                              </m:r>
+                                              <m:r>
+                                                <a:rPr lang="en-US" altLang="zh-CN" b="0" i="1" smtClean="0">
+                                                  <a:latin typeface="Cambria Math" panose="02040503050406030204" pitchFamily="18" charset="0"/>
+                                                </a:rPr>
+                                                <m:t>2</m:t>
+                                              </m:r>
+                                            </m:sub>
+                                          </m:sSub>
                                         </m:e>
                                         <m:e>
                                           <m:r>
@@ -13422,24 +13434,24 @@
                                           </m:r>
                                         </m:e>
                                         <m:e>
-                                          <m:acc>
-                                            <m:accPr>
-                                              <m:chr m:val="̅"/>
+                                          <m:sSub>
+                                            <m:sSubPr>
                                               <m:ctrlPr>
                                                 <a:rPr lang="en-US" altLang="zh-CN" i="1">
                                                   <a:latin typeface="Cambria Math" panose="02040503050406030204" pitchFamily="18" charset="0"/>
                                                 </a:rPr>
                                               </m:ctrlPr>
-                                            </m:accPr>
+                                            </m:sSubPr>
                                             <m:e>
-                                              <m:sSub>
-                                                <m:sSubPr>
+                                              <m:acc>
+                                                <m:accPr>
+                                                  <m:chr m:val="̅"/>
                                                   <m:ctrlPr>
                                                     <a:rPr lang="en-US" altLang="zh-CN" i="1">
                                                       <a:latin typeface="Cambria Math" panose="02040503050406030204" pitchFamily="18" charset="0"/>
                                                     </a:rPr>
                                                   </m:ctrlPr>
-                                                </m:sSubPr>
+                                                </m:accPr>
                                                 <m:e>
                                                   <m:r>
                                                     <a:rPr lang="en-US" altLang="zh-CN" i="1">
@@ -13448,29 +13460,29 @@
                                                     <m:t>𝑣</m:t>
                                                   </m:r>
                                                 </m:e>
-                                                <m:sub>
-                                                  <m:r>
-                                                    <a:rPr lang="en-US" altLang="zh-CN" b="0" i="1" smtClean="0">
-                                                      <a:latin typeface="Cambria Math" panose="02040503050406030204" pitchFamily="18" charset="0"/>
-                                                    </a:rPr>
-                                                    <m:t>32</m:t>
-                                                  </m:r>
-                                                  <m:r>
-                                                    <a:rPr lang="en-US" altLang="zh-CN" i="1">
-                                                      <a:latin typeface="Cambria Math" panose="02040503050406030204" pitchFamily="18" charset="0"/>
-                                                    </a:rPr>
-                                                    <m:t>_1</m:t>
-                                                  </m:r>
-                                                  <m:r>
-                                                    <a:rPr lang="en-US" altLang="zh-CN" b="0" i="1" smtClean="0">
-                                                      <a:latin typeface="Cambria Math" panose="02040503050406030204" pitchFamily="18" charset="0"/>
-                                                    </a:rPr>
-                                                    <m:t>28</m:t>
-                                                  </m:r>
-                                                </m:sub>
-                                              </m:sSub>
+                                              </m:acc>
                                             </m:e>
-                                          </m:acc>
+                                            <m:sub>
+                                              <m:r>
+                                                <a:rPr lang="en-US" altLang="zh-CN" b="0" i="1" smtClean="0">
+                                                  <a:latin typeface="Cambria Math" panose="02040503050406030204" pitchFamily="18" charset="0"/>
+                                                </a:rPr>
+                                                <m:t>32</m:t>
+                                              </m:r>
+                                              <m:r>
+                                                <a:rPr lang="en-US" altLang="zh-CN" i="1">
+                                                  <a:latin typeface="Cambria Math" panose="02040503050406030204" pitchFamily="18" charset="0"/>
+                                                </a:rPr>
+                                                <m:t>_1</m:t>
+                                              </m:r>
+                                              <m:r>
+                                                <a:rPr lang="en-US" altLang="zh-CN" b="0" i="1" smtClean="0">
+                                                  <a:latin typeface="Cambria Math" panose="02040503050406030204" pitchFamily="18" charset="0"/>
+                                                </a:rPr>
+                                                <m:t>28</m:t>
+                                              </m:r>
+                                            </m:sub>
+                                          </m:sSub>
                                         </m:e>
                                       </m:mr>
                                     </m:m>
@@ -13489,7 +13501,7 @@
             </p:txBody>
           </p:sp>
         </mc:Choice>
-        <mc:Fallback xmlns="">
+        <mc:Fallback>
           <p:sp>
             <p:nvSpPr>
               <p:cNvPr id="4" name="文本框 3">
@@ -15520,8 +15532,8 @@
           </a:p>
         </p:txBody>
       </p:sp>
-      <mc:AlternateContent xmlns:mc="http://schemas.openxmlformats.org/markup-compatibility/2006">
-        <mc:Choice xmlns:a14="http://schemas.microsoft.com/office/drawing/2010/main" Requires="a14">
+      <mc:AlternateContent xmlns:mc="http://schemas.openxmlformats.org/markup-compatibility/2006" xmlns:a14="http://schemas.microsoft.com/office/drawing/2010/main">
+        <mc:Choice Requires="a14">
           <p:sp>
             <p:nvSpPr>
               <p:cNvPr id="4" name="文本框 3">
@@ -15550,6 +15562,7 @@
               </a:bodyPr>
               <a:lstStyle/>
               <a:p>
+                <a:pPr/>
                 <a14:m>
                   <m:oMathPara xmlns:m="http://schemas.openxmlformats.org/officeDocument/2006/math">
                     <m:oMathParaPr>
@@ -15721,7 +15734,7 @@
             </p:txBody>
           </p:sp>
         </mc:Choice>
-        <mc:Fallback>
+        <mc:Fallback xmlns="">
           <p:sp>
             <p:nvSpPr>
               <p:cNvPr id="4" name="文本框 3">

--- a/doc/20200122-文本分类技术及实践.pptx
+++ b/doc/20200122-文本分类技术及实践.pptx
@@ -17,6 +17,7 @@
     <p:sldId id="266" r:id="rId11"/>
     <p:sldId id="267" r:id="rId12"/>
     <p:sldId id="268" r:id="rId13"/>
+    <p:sldId id="269" r:id="rId14"/>
   </p:sldIdLst>
   <p:sldSz cx="12192000" cy="6858000"/>
   <p:notesSz cx="6858000" cy="9144000"/>
@@ -274,7 +275,7 @@
           <a:p>
             <a:fld id="{65BFEE23-552E-4128-BB8B-C4EF985F788B}" type="datetimeFigureOut">
               <a:rPr lang="zh-CN" altLang="en-US" smtClean="0"/>
-              <a:t>2020/1/27</a:t>
+              <a:t>2020/2/3</a:t>
             </a:fld>
             <a:endParaRPr lang="zh-CN" altLang="en-US"/>
           </a:p>
@@ -472,7 +473,7 @@
           <a:p>
             <a:fld id="{65BFEE23-552E-4128-BB8B-C4EF985F788B}" type="datetimeFigureOut">
               <a:rPr lang="zh-CN" altLang="en-US" smtClean="0"/>
-              <a:t>2020/1/27</a:t>
+              <a:t>2020/2/3</a:t>
             </a:fld>
             <a:endParaRPr lang="zh-CN" altLang="en-US"/>
           </a:p>
@@ -680,7 +681,7 @@
           <a:p>
             <a:fld id="{65BFEE23-552E-4128-BB8B-C4EF985F788B}" type="datetimeFigureOut">
               <a:rPr lang="zh-CN" altLang="en-US" smtClean="0"/>
-              <a:t>2020/1/27</a:t>
+              <a:t>2020/2/3</a:t>
             </a:fld>
             <a:endParaRPr lang="zh-CN" altLang="en-US"/>
           </a:p>
@@ -878,7 +879,7 @@
           <a:p>
             <a:fld id="{65BFEE23-552E-4128-BB8B-C4EF985F788B}" type="datetimeFigureOut">
               <a:rPr lang="zh-CN" altLang="en-US" smtClean="0"/>
-              <a:t>2020/1/27</a:t>
+              <a:t>2020/2/3</a:t>
             </a:fld>
             <a:endParaRPr lang="zh-CN" altLang="en-US"/>
           </a:p>
@@ -1157,7 +1158,7 @@
           <a:p>
             <a:fld id="{65BFEE23-552E-4128-BB8B-C4EF985F788B}" type="datetimeFigureOut">
               <a:rPr lang="zh-CN" altLang="en-US" smtClean="0"/>
-              <a:t>2020/1/27</a:t>
+              <a:t>2020/2/3</a:t>
             </a:fld>
             <a:endParaRPr lang="zh-CN" altLang="en-US"/>
           </a:p>
@@ -1422,7 +1423,7 @@
           <a:p>
             <a:fld id="{65BFEE23-552E-4128-BB8B-C4EF985F788B}" type="datetimeFigureOut">
               <a:rPr lang="zh-CN" altLang="en-US" smtClean="0"/>
-              <a:t>2020/1/27</a:t>
+              <a:t>2020/2/3</a:t>
             </a:fld>
             <a:endParaRPr lang="zh-CN" altLang="en-US"/>
           </a:p>
@@ -1834,7 +1835,7 @@
           <a:p>
             <a:fld id="{65BFEE23-552E-4128-BB8B-C4EF985F788B}" type="datetimeFigureOut">
               <a:rPr lang="zh-CN" altLang="en-US" smtClean="0"/>
-              <a:t>2020/1/27</a:t>
+              <a:t>2020/2/3</a:t>
             </a:fld>
             <a:endParaRPr lang="zh-CN" altLang="en-US"/>
           </a:p>
@@ -1975,7 +1976,7 @@
           <a:p>
             <a:fld id="{65BFEE23-552E-4128-BB8B-C4EF985F788B}" type="datetimeFigureOut">
               <a:rPr lang="zh-CN" altLang="en-US" smtClean="0"/>
-              <a:t>2020/1/27</a:t>
+              <a:t>2020/2/3</a:t>
             </a:fld>
             <a:endParaRPr lang="zh-CN" altLang="en-US"/>
           </a:p>
@@ -2088,7 +2089,7 @@
           <a:p>
             <a:fld id="{65BFEE23-552E-4128-BB8B-C4EF985F788B}" type="datetimeFigureOut">
               <a:rPr lang="zh-CN" altLang="en-US" smtClean="0"/>
-              <a:t>2020/1/27</a:t>
+              <a:t>2020/2/3</a:t>
             </a:fld>
             <a:endParaRPr lang="zh-CN" altLang="en-US"/>
           </a:p>
@@ -2399,7 +2400,7 @@
           <a:p>
             <a:fld id="{65BFEE23-552E-4128-BB8B-C4EF985F788B}" type="datetimeFigureOut">
               <a:rPr lang="zh-CN" altLang="en-US" smtClean="0"/>
-              <a:t>2020/1/27</a:t>
+              <a:t>2020/2/3</a:t>
             </a:fld>
             <a:endParaRPr lang="zh-CN" altLang="en-US"/>
           </a:p>
@@ -2687,7 +2688,7 @@
           <a:p>
             <a:fld id="{65BFEE23-552E-4128-BB8B-C4EF985F788B}" type="datetimeFigureOut">
               <a:rPr lang="zh-CN" altLang="en-US" smtClean="0"/>
-              <a:t>2020/1/27</a:t>
+              <a:t>2020/2/3</a:t>
             </a:fld>
             <a:endParaRPr lang="zh-CN" altLang="en-US"/>
           </a:p>
@@ -2928,7 +2929,7 @@
           <a:p>
             <a:fld id="{65BFEE23-552E-4128-BB8B-C4EF985F788B}" type="datetimeFigureOut">
               <a:rPr lang="zh-CN" altLang="en-US" smtClean="0"/>
-              <a:t>2020/1/27</a:t>
+              <a:t>2020/2/3</a:t>
             </a:fld>
             <a:endParaRPr lang="zh-CN" altLang="en-US"/>
           </a:p>
@@ -3802,6 +3803,402 @@
     <p:extLst>
       <p:ext uri="{BB962C8B-B14F-4D97-AF65-F5344CB8AC3E}">
         <p14:creationId xmlns:p14="http://schemas.microsoft.com/office/powerpoint/2010/main" val="2352265359"/>
+      </p:ext>
+    </p:extLst>
+  </p:cSld>
+  <p:clrMapOvr>
+    <a:masterClrMapping/>
+  </p:clrMapOvr>
+</p:sld>
+</file>
+
+<file path=ppt/slides/slide13.xml><?xml version="1.0" encoding="utf-8"?>
+<p:sld xmlns:a="http://schemas.openxmlformats.org/drawingml/2006/main" xmlns:r="http://schemas.openxmlformats.org/officeDocument/2006/relationships" xmlns:p="http://schemas.openxmlformats.org/presentationml/2006/main">
+  <p:cSld>
+    <p:spTree>
+      <p:nvGrpSpPr>
+        <p:cNvPr id="1" name=""/>
+        <p:cNvGrpSpPr/>
+        <p:nvPr/>
+      </p:nvGrpSpPr>
+      <p:grpSpPr>
+        <a:xfrm>
+          <a:off x="0" y="0"/>
+          <a:ext cx="0" cy="0"/>
+          <a:chOff x="0" y="0"/>
+          <a:chExt cx="0" cy="0"/>
+        </a:xfrm>
+      </p:grpSpPr>
+      <p:pic>
+        <p:nvPicPr>
+          <p:cNvPr id="3" name="图片 2">
+            <a:extLst>
+              <a:ext uri="{FF2B5EF4-FFF2-40B4-BE49-F238E27FC236}">
+                <a16:creationId xmlns:a16="http://schemas.microsoft.com/office/drawing/2014/main" id="{96A5C5A6-992F-4B94-8A4A-FFAC76EF9ECB}"/>
+              </a:ext>
+            </a:extLst>
+          </p:cNvPr>
+          <p:cNvPicPr>
+            <a:picLocks noChangeAspect="1"/>
+          </p:cNvPicPr>
+          <p:nvPr/>
+        </p:nvPicPr>
+        <p:blipFill>
+          <a:blip r:embed="rId2"/>
+          <a:stretch>
+            <a:fillRect/>
+          </a:stretch>
+        </p:blipFill>
+        <p:spPr>
+          <a:xfrm>
+            <a:off x="2499380" y="3052518"/>
+            <a:ext cx="2800350" cy="2914650"/>
+          </a:xfrm>
+          <a:prstGeom prst="rect">
+            <a:avLst/>
+          </a:prstGeom>
+        </p:spPr>
+      </p:pic>
+      <p:pic>
+        <p:nvPicPr>
+          <p:cNvPr id="4" name="图片 3">
+            <a:extLst>
+              <a:ext uri="{FF2B5EF4-FFF2-40B4-BE49-F238E27FC236}">
+                <a16:creationId xmlns:a16="http://schemas.microsoft.com/office/drawing/2014/main" id="{65DB026F-0BFD-4A67-B53E-764249BC44D1}"/>
+              </a:ext>
+            </a:extLst>
+          </p:cNvPr>
+          <p:cNvPicPr>
+            <a:picLocks noChangeAspect="1"/>
+          </p:cNvPicPr>
+          <p:nvPr/>
+        </p:nvPicPr>
+        <p:blipFill>
+          <a:blip r:embed="rId3"/>
+          <a:stretch>
+            <a:fillRect/>
+          </a:stretch>
+        </p:blipFill>
+        <p:spPr>
+          <a:xfrm>
+            <a:off x="6751163" y="833193"/>
+            <a:ext cx="2743200" cy="5133975"/>
+          </a:xfrm>
+          <a:prstGeom prst="rect">
+            <a:avLst/>
+          </a:prstGeom>
+        </p:spPr>
+      </p:pic>
+      <p:sp>
+        <p:nvSpPr>
+          <p:cNvPr id="5" name="矩形 4">
+            <a:extLst>
+              <a:ext uri="{FF2B5EF4-FFF2-40B4-BE49-F238E27FC236}">
+                <a16:creationId xmlns:a16="http://schemas.microsoft.com/office/drawing/2014/main" id="{BAEA7E06-223E-4FDB-AED8-306B1CD3C59F}"/>
+              </a:ext>
+            </a:extLst>
+          </p:cNvPr>
+          <p:cNvSpPr/>
+          <p:nvPr/>
+        </p:nvSpPr>
+        <p:spPr>
+          <a:xfrm>
+            <a:off x="6751163" y="4095946"/>
+            <a:ext cx="2800350" cy="1871222"/>
+          </a:xfrm>
+          <a:prstGeom prst="rect">
+            <a:avLst/>
+          </a:prstGeom>
+          <a:noFill/>
+          <a:ln w="38100">
+            <a:prstDash val="sysDot"/>
+          </a:ln>
+        </p:spPr>
+        <p:style>
+          <a:lnRef idx="2">
+            <a:schemeClr val="accent6"/>
+          </a:lnRef>
+          <a:fillRef idx="1">
+            <a:schemeClr val="lt1"/>
+          </a:fillRef>
+          <a:effectRef idx="0">
+            <a:schemeClr val="accent6"/>
+          </a:effectRef>
+          <a:fontRef idx="minor">
+            <a:schemeClr val="dk1"/>
+          </a:fontRef>
+        </p:style>
+        <p:txBody>
+          <a:bodyPr rtlCol="0" anchor="ctr"/>
+          <a:lstStyle/>
+          <a:p>
+            <a:pPr algn="ctr"/>
+            <a:endParaRPr lang="zh-CN" altLang="en-US"/>
+          </a:p>
+        </p:txBody>
+      </p:sp>
+      <p:sp>
+        <p:nvSpPr>
+          <p:cNvPr id="6" name="矩形 5">
+            <a:extLst>
+              <a:ext uri="{FF2B5EF4-FFF2-40B4-BE49-F238E27FC236}">
+                <a16:creationId xmlns:a16="http://schemas.microsoft.com/office/drawing/2014/main" id="{5CAE0DDF-14AE-418F-A8D3-8CB8A26A847B}"/>
+              </a:ext>
+            </a:extLst>
+          </p:cNvPr>
+          <p:cNvSpPr/>
+          <p:nvPr/>
+        </p:nvSpPr>
+        <p:spPr>
+          <a:xfrm>
+            <a:off x="2499380" y="4095946"/>
+            <a:ext cx="2800350" cy="1871222"/>
+          </a:xfrm>
+          <a:prstGeom prst="rect">
+            <a:avLst/>
+          </a:prstGeom>
+          <a:noFill/>
+          <a:ln w="38100">
+            <a:prstDash val="sysDot"/>
+          </a:ln>
+        </p:spPr>
+        <p:style>
+          <a:lnRef idx="2">
+            <a:schemeClr val="accent6"/>
+          </a:lnRef>
+          <a:fillRef idx="1">
+            <a:schemeClr val="lt1"/>
+          </a:fillRef>
+          <a:effectRef idx="0">
+            <a:schemeClr val="accent6"/>
+          </a:effectRef>
+          <a:fontRef idx="minor">
+            <a:schemeClr val="dk1"/>
+          </a:fontRef>
+        </p:style>
+        <p:txBody>
+          <a:bodyPr rtlCol="0" anchor="ctr"/>
+          <a:lstStyle/>
+          <a:p>
+            <a:pPr algn="ctr"/>
+            <a:endParaRPr lang="zh-CN" altLang="en-US"/>
+          </a:p>
+        </p:txBody>
+      </p:sp>
+      <p:sp>
+        <p:nvSpPr>
+          <p:cNvPr id="7" name="矩形 6">
+            <a:extLst>
+              <a:ext uri="{FF2B5EF4-FFF2-40B4-BE49-F238E27FC236}">
+                <a16:creationId xmlns:a16="http://schemas.microsoft.com/office/drawing/2014/main" id="{8AE3CD58-5653-4C29-B09F-62B995BDB549}"/>
+              </a:ext>
+            </a:extLst>
+          </p:cNvPr>
+          <p:cNvSpPr/>
+          <p:nvPr/>
+        </p:nvSpPr>
+        <p:spPr>
+          <a:xfrm>
+            <a:off x="2499380" y="2978870"/>
+            <a:ext cx="2800350" cy="801278"/>
+          </a:xfrm>
+          <a:prstGeom prst="rect">
+            <a:avLst/>
+          </a:prstGeom>
+          <a:noFill/>
+          <a:ln w="38100">
+            <a:prstDash val="sysDot"/>
+          </a:ln>
+        </p:spPr>
+        <p:style>
+          <a:lnRef idx="2">
+            <a:schemeClr val="accent6"/>
+          </a:lnRef>
+          <a:fillRef idx="1">
+            <a:schemeClr val="lt1"/>
+          </a:fillRef>
+          <a:effectRef idx="0">
+            <a:schemeClr val="accent6"/>
+          </a:effectRef>
+          <a:fontRef idx="minor">
+            <a:schemeClr val="dk1"/>
+          </a:fontRef>
+        </p:style>
+        <p:txBody>
+          <a:bodyPr rtlCol="0" anchor="ctr"/>
+          <a:lstStyle/>
+          <a:p>
+            <a:pPr algn="ctr"/>
+            <a:endParaRPr lang="zh-CN" altLang="en-US"/>
+          </a:p>
+        </p:txBody>
+      </p:sp>
+      <p:sp>
+        <p:nvSpPr>
+          <p:cNvPr id="8" name="矩形 7">
+            <a:extLst>
+              <a:ext uri="{FF2B5EF4-FFF2-40B4-BE49-F238E27FC236}">
+                <a16:creationId xmlns:a16="http://schemas.microsoft.com/office/drawing/2014/main" id="{07B3FBE1-1BA4-4C20-8705-EF2AFDFAF4C1}"/>
+              </a:ext>
+            </a:extLst>
+          </p:cNvPr>
+          <p:cNvSpPr/>
+          <p:nvPr/>
+        </p:nvSpPr>
+        <p:spPr>
+          <a:xfrm>
+            <a:off x="6751163" y="759348"/>
+            <a:ext cx="2800350" cy="801278"/>
+          </a:xfrm>
+          <a:prstGeom prst="rect">
+            <a:avLst/>
+          </a:prstGeom>
+          <a:noFill/>
+          <a:ln w="38100">
+            <a:prstDash val="sysDot"/>
+          </a:ln>
+        </p:spPr>
+        <p:style>
+          <a:lnRef idx="2">
+            <a:schemeClr val="accent6"/>
+          </a:lnRef>
+          <a:fillRef idx="1">
+            <a:schemeClr val="lt1"/>
+          </a:fillRef>
+          <a:effectRef idx="0">
+            <a:schemeClr val="accent6"/>
+          </a:effectRef>
+          <a:fontRef idx="minor">
+            <a:schemeClr val="dk1"/>
+          </a:fontRef>
+        </p:style>
+        <p:txBody>
+          <a:bodyPr rtlCol="0" anchor="ctr"/>
+          <a:lstStyle/>
+          <a:p>
+            <a:pPr algn="ctr"/>
+            <a:endParaRPr lang="zh-CN" altLang="en-US"/>
+          </a:p>
+        </p:txBody>
+      </p:sp>
+      <p:sp>
+        <p:nvSpPr>
+          <p:cNvPr id="9" name="矩形 8">
+            <a:extLst>
+              <a:ext uri="{FF2B5EF4-FFF2-40B4-BE49-F238E27FC236}">
+                <a16:creationId xmlns:a16="http://schemas.microsoft.com/office/drawing/2014/main" id="{69AB4016-EED2-41A9-A59E-A6559A5F1002}"/>
+              </a:ext>
+            </a:extLst>
+          </p:cNvPr>
+          <p:cNvSpPr/>
+          <p:nvPr/>
+        </p:nvSpPr>
+        <p:spPr>
+          <a:xfrm>
+            <a:off x="6752735" y="1897325"/>
+            <a:ext cx="2800350" cy="1871221"/>
+          </a:xfrm>
+          <a:prstGeom prst="rect">
+            <a:avLst/>
+          </a:prstGeom>
+          <a:noFill/>
+          <a:ln w="38100">
+            <a:solidFill>
+              <a:srgbClr val="FF0000"/>
+            </a:solidFill>
+            <a:prstDash val="sysDot"/>
+          </a:ln>
+        </p:spPr>
+        <p:style>
+          <a:lnRef idx="2">
+            <a:schemeClr val="accent6"/>
+          </a:lnRef>
+          <a:fillRef idx="1">
+            <a:schemeClr val="lt1"/>
+          </a:fillRef>
+          <a:effectRef idx="0">
+            <a:schemeClr val="accent6"/>
+          </a:effectRef>
+          <a:fontRef idx="minor">
+            <a:schemeClr val="dk1"/>
+          </a:fontRef>
+        </p:style>
+        <p:txBody>
+          <a:bodyPr rtlCol="0" anchor="ctr"/>
+          <a:lstStyle/>
+          <a:p>
+            <a:pPr algn="ctr"/>
+            <a:endParaRPr lang="zh-CN" altLang="en-US"/>
+          </a:p>
+        </p:txBody>
+      </p:sp>
+      <p:sp>
+        <p:nvSpPr>
+          <p:cNvPr id="10" name="文本框 9">
+            <a:extLst>
+              <a:ext uri="{FF2B5EF4-FFF2-40B4-BE49-F238E27FC236}">
+                <a16:creationId xmlns:a16="http://schemas.microsoft.com/office/drawing/2014/main" id="{00CBFA32-10D3-4A1B-88BB-4ED5B38113C5}"/>
+              </a:ext>
+            </a:extLst>
+          </p:cNvPr>
+          <p:cNvSpPr txBox="1"/>
+          <p:nvPr/>
+        </p:nvSpPr>
+        <p:spPr>
+          <a:xfrm>
+            <a:off x="9784140" y="1897325"/>
+            <a:ext cx="1569660" cy="369332"/>
+          </a:xfrm>
+          <a:prstGeom prst="rect">
+            <a:avLst/>
+          </a:prstGeom>
+          <a:noFill/>
+        </p:spPr>
+        <p:txBody>
+          <a:bodyPr wrap="none" rtlCol="0">
+            <a:spAutoFit/>
+          </a:bodyPr>
+          <a:lstStyle/>
+          <a:p>
+            <a:r>
+              <a:rPr lang="zh-CN" altLang="en-US"/>
+              <a:t>增加的隐藏层</a:t>
+            </a:r>
+          </a:p>
+        </p:txBody>
+      </p:sp>
+      <p:sp>
+        <p:nvSpPr>
+          <p:cNvPr id="11" name="标题 10">
+            <a:extLst>
+              <a:ext uri="{FF2B5EF4-FFF2-40B4-BE49-F238E27FC236}">
+                <a16:creationId xmlns:a16="http://schemas.microsoft.com/office/drawing/2014/main" id="{E3FB8784-DED2-4B41-A6E7-57B273CB9574}"/>
+              </a:ext>
+            </a:extLst>
+          </p:cNvPr>
+          <p:cNvSpPr>
+            <a:spLocks noGrp="1"/>
+          </p:cNvSpPr>
+          <p:nvPr>
+            <p:ph type="title"/>
+          </p:nvPr>
+        </p:nvSpPr>
+        <p:spPr/>
+        <p:txBody>
+          <a:bodyPr/>
+          <a:lstStyle/>
+          <a:p>
+            <a:r>
+              <a:rPr lang="zh-CN" altLang="en-US"/>
+              <a:t>逻辑回归与多层感知机</a:t>
+            </a:r>
+          </a:p>
+        </p:txBody>
+      </p:sp>
+    </p:spTree>
+    <p:extLst>
+      <p:ext uri="{BB962C8B-B14F-4D97-AF65-F5344CB8AC3E}">
+        <p14:creationId xmlns:p14="http://schemas.microsoft.com/office/powerpoint/2010/main" val="2421532978"/>
       </p:ext>
     </p:extLst>
   </p:cSld>
@@ -12855,8 +13252,8 @@
           </p:sp>
         </mc:Fallback>
       </mc:AlternateContent>
-      <mc:AlternateContent xmlns:mc="http://schemas.openxmlformats.org/markup-compatibility/2006">
-        <mc:Choice xmlns:a14="http://schemas.microsoft.com/office/drawing/2010/main" Requires="a14">
+      <mc:AlternateContent xmlns:mc="http://schemas.openxmlformats.org/markup-compatibility/2006" xmlns:a14="http://schemas.microsoft.com/office/drawing/2010/main">
+        <mc:Choice Requires="a14">
           <p:sp>
             <p:nvSpPr>
               <p:cNvPr id="4" name="文本框 3">
@@ -13501,7 +13898,7 @@
             </p:txBody>
           </p:sp>
         </mc:Choice>
-        <mc:Fallback>
+        <mc:Fallback xmlns="">
           <p:sp>
             <p:nvSpPr>
               <p:cNvPr id="4" name="文本框 3">
